--- a/Hafta-4.pptx
+++ b/Hafta-4.pptx
@@ -5,10 +5,10 @@
     <p:sldMasterId id="2147483696" r:id="rId4"/>
   </p:sldMasterIdLst>
   <p:notesMasterIdLst>
-    <p:notesMasterId r:id="rId36"/>
+    <p:notesMasterId r:id="rId35"/>
   </p:notesMasterIdLst>
   <p:handoutMasterIdLst>
-    <p:handoutMasterId r:id="rId37"/>
+    <p:handoutMasterId r:id="rId36"/>
   </p:handoutMasterIdLst>
   <p:sldIdLst>
     <p:sldId id="306" r:id="rId5"/>
@@ -16,32 +16,31 @@
     <p:sldId id="314" r:id="rId7"/>
     <p:sldId id="315" r:id="rId8"/>
     <p:sldId id="395" r:id="rId9"/>
-    <p:sldId id="396" r:id="rId10"/>
-    <p:sldId id="397" r:id="rId11"/>
-    <p:sldId id="398" r:id="rId12"/>
-    <p:sldId id="406" r:id="rId13"/>
-    <p:sldId id="399" r:id="rId14"/>
-    <p:sldId id="400" r:id="rId15"/>
-    <p:sldId id="401" r:id="rId16"/>
-    <p:sldId id="402" r:id="rId17"/>
-    <p:sldId id="403" r:id="rId18"/>
-    <p:sldId id="404" r:id="rId19"/>
-    <p:sldId id="405" r:id="rId20"/>
-    <p:sldId id="407" r:id="rId21"/>
-    <p:sldId id="408" r:id="rId22"/>
-    <p:sldId id="409" r:id="rId23"/>
-    <p:sldId id="410" r:id="rId24"/>
-    <p:sldId id="411" r:id="rId25"/>
-    <p:sldId id="412" r:id="rId26"/>
-    <p:sldId id="413" r:id="rId27"/>
-    <p:sldId id="414" r:id="rId28"/>
-    <p:sldId id="415" r:id="rId29"/>
-    <p:sldId id="416" r:id="rId30"/>
-    <p:sldId id="417" r:id="rId31"/>
-    <p:sldId id="419" r:id="rId32"/>
-    <p:sldId id="420" r:id="rId33"/>
-    <p:sldId id="312" r:id="rId34"/>
-    <p:sldId id="394" r:id="rId35"/>
+    <p:sldId id="397" r:id="rId10"/>
+    <p:sldId id="398" r:id="rId11"/>
+    <p:sldId id="406" r:id="rId12"/>
+    <p:sldId id="399" r:id="rId13"/>
+    <p:sldId id="400" r:id="rId14"/>
+    <p:sldId id="401" r:id="rId15"/>
+    <p:sldId id="402" r:id="rId16"/>
+    <p:sldId id="403" r:id="rId17"/>
+    <p:sldId id="404" r:id="rId18"/>
+    <p:sldId id="405" r:id="rId19"/>
+    <p:sldId id="407" r:id="rId20"/>
+    <p:sldId id="408" r:id="rId21"/>
+    <p:sldId id="409" r:id="rId22"/>
+    <p:sldId id="410" r:id="rId23"/>
+    <p:sldId id="411" r:id="rId24"/>
+    <p:sldId id="412" r:id="rId25"/>
+    <p:sldId id="413" r:id="rId26"/>
+    <p:sldId id="414" r:id="rId27"/>
+    <p:sldId id="415" r:id="rId28"/>
+    <p:sldId id="416" r:id="rId29"/>
+    <p:sldId id="417" r:id="rId30"/>
+    <p:sldId id="419" r:id="rId31"/>
+    <p:sldId id="420" r:id="rId32"/>
+    <p:sldId id="312" r:id="rId33"/>
+    <p:sldId id="394" r:id="rId34"/>
   </p:sldIdLst>
   <p:sldSz cx="12192000" cy="6858000"/>
   <p:notesSz cx="6858000" cy="9144000"/>
@@ -267,7 +266,7 @@
           <a:p>
             <a:fld id="{AF536ADF-3EC2-4D6F-9F7F-1F88E3288139}" type="datetime1">
               <a:rPr lang="tr-TR" smtClean="0"/>
-              <a:t>13.02.2025</a:t>
+              <a:t>16.02.2025</a:t>
             </a:fld>
             <a:endParaRPr lang="tr-TR"/>
           </a:p>
@@ -447,7 +446,7 @@
             <a:pPr rtl="0"/>
             <a:fld id="{BA214D3A-912A-4866-90B4-0232CEDB2416}" type="datetime1">
               <a:rPr lang="tr-TR" noProof="0" smtClean="0"/>
-              <a:t>13.02.2025</a:t>
+              <a:t>16.02.2025</a:t>
             </a:fld>
             <a:endParaRPr lang="tr-TR" noProof="0"/>
           </a:p>
@@ -878,7 +877,7 @@
     </p:spTree>
     <p:extLst>
       <p:ext uri="{BB962C8B-B14F-4D97-AF65-F5344CB8AC3E}">
-        <p14:creationId xmlns:p14="http://schemas.microsoft.com/office/powerpoint/2010/main" val="2433432672"/>
+        <p14:creationId xmlns:p14="http://schemas.microsoft.com/office/powerpoint/2010/main" val="1681624867"/>
       </p:ext>
     </p:extLst>
   </p:cSld>
@@ -963,7 +962,7 @@
     </p:spTree>
     <p:extLst>
       <p:ext uri="{BB962C8B-B14F-4D97-AF65-F5344CB8AC3E}">
-        <p14:creationId xmlns:p14="http://schemas.microsoft.com/office/powerpoint/2010/main" val="1681624867"/>
+        <p14:creationId xmlns:p14="http://schemas.microsoft.com/office/powerpoint/2010/main" val="2264124332"/>
       </p:ext>
     </p:extLst>
   </p:cSld>
@@ -1048,7 +1047,7 @@
     </p:spTree>
     <p:extLst>
       <p:ext uri="{BB962C8B-B14F-4D97-AF65-F5344CB8AC3E}">
-        <p14:creationId xmlns:p14="http://schemas.microsoft.com/office/powerpoint/2010/main" val="2264124332"/>
+        <p14:creationId xmlns:p14="http://schemas.microsoft.com/office/powerpoint/2010/main" val="2822605300"/>
       </p:ext>
     </p:extLst>
   </p:cSld>
@@ -1133,7 +1132,7 @@
     </p:spTree>
     <p:extLst>
       <p:ext uri="{BB962C8B-B14F-4D97-AF65-F5344CB8AC3E}">
-        <p14:creationId xmlns:p14="http://schemas.microsoft.com/office/powerpoint/2010/main" val="2822605300"/>
+        <p14:creationId xmlns:p14="http://schemas.microsoft.com/office/powerpoint/2010/main" val="80259121"/>
       </p:ext>
     </p:extLst>
   </p:cSld>
@@ -1218,7 +1217,7 @@
     </p:spTree>
     <p:extLst>
       <p:ext uri="{BB962C8B-B14F-4D97-AF65-F5344CB8AC3E}">
-        <p14:creationId xmlns:p14="http://schemas.microsoft.com/office/powerpoint/2010/main" val="80259121"/>
+        <p14:creationId xmlns:p14="http://schemas.microsoft.com/office/powerpoint/2010/main" val="680922733"/>
       </p:ext>
     </p:extLst>
   </p:cSld>
@@ -1303,7 +1302,7 @@
     </p:spTree>
     <p:extLst>
       <p:ext uri="{BB962C8B-B14F-4D97-AF65-F5344CB8AC3E}">
-        <p14:creationId xmlns:p14="http://schemas.microsoft.com/office/powerpoint/2010/main" val="680922733"/>
+        <p14:creationId xmlns:p14="http://schemas.microsoft.com/office/powerpoint/2010/main" val="251132599"/>
       </p:ext>
     </p:extLst>
   </p:cSld>
@@ -1388,7 +1387,7 @@
     </p:spTree>
     <p:extLst>
       <p:ext uri="{BB962C8B-B14F-4D97-AF65-F5344CB8AC3E}">
-        <p14:creationId xmlns:p14="http://schemas.microsoft.com/office/powerpoint/2010/main" val="251132599"/>
+        <p14:creationId xmlns:p14="http://schemas.microsoft.com/office/powerpoint/2010/main" val="3063273635"/>
       </p:ext>
     </p:extLst>
   </p:cSld>
@@ -1473,7 +1472,7 @@
     </p:spTree>
     <p:extLst>
       <p:ext uri="{BB962C8B-B14F-4D97-AF65-F5344CB8AC3E}">
-        <p14:creationId xmlns:p14="http://schemas.microsoft.com/office/powerpoint/2010/main" val="3063273635"/>
+        <p14:creationId xmlns:p14="http://schemas.microsoft.com/office/powerpoint/2010/main" val="3840769860"/>
       </p:ext>
     </p:extLst>
   </p:cSld>
@@ -1558,7 +1557,7 @@
     </p:spTree>
     <p:extLst>
       <p:ext uri="{BB962C8B-B14F-4D97-AF65-F5344CB8AC3E}">
-        <p14:creationId xmlns:p14="http://schemas.microsoft.com/office/powerpoint/2010/main" val="3840769860"/>
+        <p14:creationId xmlns:p14="http://schemas.microsoft.com/office/powerpoint/2010/main" val="2583650365"/>
       </p:ext>
     </p:extLst>
   </p:cSld>
@@ -1643,7 +1642,7 @@
     </p:spTree>
     <p:extLst>
       <p:ext uri="{BB962C8B-B14F-4D97-AF65-F5344CB8AC3E}">
-        <p14:creationId xmlns:p14="http://schemas.microsoft.com/office/powerpoint/2010/main" val="2583650365"/>
+        <p14:creationId xmlns:p14="http://schemas.microsoft.com/office/powerpoint/2010/main" val="2800958698"/>
       </p:ext>
     </p:extLst>
   </p:cSld>
@@ -1813,7 +1812,7 @@
     </p:spTree>
     <p:extLst>
       <p:ext uri="{BB962C8B-B14F-4D97-AF65-F5344CB8AC3E}">
-        <p14:creationId xmlns:p14="http://schemas.microsoft.com/office/powerpoint/2010/main" val="2800958698"/>
+        <p14:creationId xmlns:p14="http://schemas.microsoft.com/office/powerpoint/2010/main" val="3979307622"/>
       </p:ext>
     </p:extLst>
   </p:cSld>
@@ -1898,7 +1897,7 @@
     </p:spTree>
     <p:extLst>
       <p:ext uri="{BB962C8B-B14F-4D97-AF65-F5344CB8AC3E}">
-        <p14:creationId xmlns:p14="http://schemas.microsoft.com/office/powerpoint/2010/main" val="3979307622"/>
+        <p14:creationId xmlns:p14="http://schemas.microsoft.com/office/powerpoint/2010/main" val="2591439883"/>
       </p:ext>
     </p:extLst>
   </p:cSld>
@@ -1983,7 +1982,7 @@
     </p:spTree>
     <p:extLst>
       <p:ext uri="{BB962C8B-B14F-4D97-AF65-F5344CB8AC3E}">
-        <p14:creationId xmlns:p14="http://schemas.microsoft.com/office/powerpoint/2010/main" val="2591439883"/>
+        <p14:creationId xmlns:p14="http://schemas.microsoft.com/office/powerpoint/2010/main" val="1181631997"/>
       </p:ext>
     </p:extLst>
   </p:cSld>
@@ -2068,7 +2067,7 @@
     </p:spTree>
     <p:extLst>
       <p:ext uri="{BB962C8B-B14F-4D97-AF65-F5344CB8AC3E}">
-        <p14:creationId xmlns:p14="http://schemas.microsoft.com/office/powerpoint/2010/main" val="1181631997"/>
+        <p14:creationId xmlns:p14="http://schemas.microsoft.com/office/powerpoint/2010/main" val="487432247"/>
       </p:ext>
     </p:extLst>
   </p:cSld>
@@ -2153,7 +2152,7 @@
     </p:spTree>
     <p:extLst>
       <p:ext uri="{BB962C8B-B14F-4D97-AF65-F5344CB8AC3E}">
-        <p14:creationId xmlns:p14="http://schemas.microsoft.com/office/powerpoint/2010/main" val="487432247"/>
+        <p14:creationId xmlns:p14="http://schemas.microsoft.com/office/powerpoint/2010/main" val="329721680"/>
       </p:ext>
     </p:extLst>
   </p:cSld>
@@ -2238,7 +2237,7 @@
     </p:spTree>
     <p:extLst>
       <p:ext uri="{BB962C8B-B14F-4D97-AF65-F5344CB8AC3E}">
-        <p14:creationId xmlns:p14="http://schemas.microsoft.com/office/powerpoint/2010/main" val="329721680"/>
+        <p14:creationId xmlns:p14="http://schemas.microsoft.com/office/powerpoint/2010/main" val="4000696253"/>
       </p:ext>
     </p:extLst>
   </p:cSld>
@@ -2323,7 +2322,7 @@
     </p:spTree>
     <p:extLst>
       <p:ext uri="{BB962C8B-B14F-4D97-AF65-F5344CB8AC3E}">
-        <p14:creationId xmlns:p14="http://schemas.microsoft.com/office/powerpoint/2010/main" val="4000696253"/>
+        <p14:creationId xmlns:p14="http://schemas.microsoft.com/office/powerpoint/2010/main" val="1823901210"/>
       </p:ext>
     </p:extLst>
   </p:cSld>
@@ -2408,7 +2407,7 @@
     </p:spTree>
     <p:extLst>
       <p:ext uri="{BB962C8B-B14F-4D97-AF65-F5344CB8AC3E}">
-        <p14:creationId xmlns:p14="http://schemas.microsoft.com/office/powerpoint/2010/main" val="1823901210"/>
+        <p14:creationId xmlns:p14="http://schemas.microsoft.com/office/powerpoint/2010/main" val="2440536763"/>
       </p:ext>
     </p:extLst>
   </p:cSld>
@@ -2419,91 +2418,6 @@
 </file>
 
 <file path=ppt/notesSlides/notesSlide28.xml><?xml version="1.0" encoding="utf-8"?>
-<p:notes xmlns:a="http://schemas.openxmlformats.org/drawingml/2006/main" xmlns:r="http://schemas.openxmlformats.org/officeDocument/2006/relationships" xmlns:p="http://schemas.openxmlformats.org/presentationml/2006/main">
-  <p:cSld>
-    <p:spTree>
-      <p:nvGrpSpPr>
-        <p:cNvPr id="1" name=""/>
-        <p:cNvGrpSpPr/>
-        <p:nvPr/>
-      </p:nvGrpSpPr>
-      <p:grpSpPr>
-        <a:xfrm>
-          <a:off x="0" y="0"/>
-          <a:ext cx="0" cy="0"/>
-          <a:chOff x="0" y="0"/>
-          <a:chExt cx="0" cy="0"/>
-        </a:xfrm>
-      </p:grpSpPr>
-      <p:sp>
-        <p:nvSpPr>
-          <p:cNvPr id="2" name="Slayt Resmi Yer Tutucusu 1"/>
-          <p:cNvSpPr>
-            <a:spLocks noGrp="1" noRot="1" noChangeAspect="1"/>
-          </p:cNvSpPr>
-          <p:nvPr>
-            <p:ph type="sldImg"/>
-          </p:nvPr>
-        </p:nvSpPr>
-        <p:spPr/>
-      </p:sp>
-      <p:sp>
-        <p:nvSpPr>
-          <p:cNvPr id="3" name="Not Yer Tutucusu 2"/>
-          <p:cNvSpPr>
-            <a:spLocks noGrp="1"/>
-          </p:cNvSpPr>
-          <p:nvPr>
-            <p:ph type="body" idx="1"/>
-          </p:nvPr>
-        </p:nvSpPr>
-        <p:spPr/>
-        <p:txBody>
-          <a:bodyPr/>
-          <a:lstStyle/>
-          <a:p>
-            <a:endParaRPr lang="tr-TR"/>
-          </a:p>
-        </p:txBody>
-      </p:sp>
-      <p:sp>
-        <p:nvSpPr>
-          <p:cNvPr id="4" name="Slayt Numarası Yer Tutucusu 3"/>
-          <p:cNvSpPr>
-            <a:spLocks noGrp="1"/>
-          </p:cNvSpPr>
-          <p:nvPr>
-            <p:ph type="sldNum" sz="quarter" idx="5"/>
-          </p:nvPr>
-        </p:nvSpPr>
-        <p:spPr/>
-        <p:txBody>
-          <a:bodyPr/>
-          <a:lstStyle/>
-          <a:p>
-            <a:pPr rtl="0"/>
-            <a:fld id="{D5939589-3E79-4C82-AA4A-FE78234FAA59}" type="slidenum">
-              <a:rPr lang="tr-TR" smtClean="0"/>
-              <a:t>28</a:t>
-            </a:fld>
-            <a:endParaRPr lang="tr-TR"/>
-          </a:p>
-        </p:txBody>
-      </p:sp>
-    </p:spTree>
-    <p:extLst>
-      <p:ext uri="{BB962C8B-B14F-4D97-AF65-F5344CB8AC3E}">
-        <p14:creationId xmlns:p14="http://schemas.microsoft.com/office/powerpoint/2010/main" val="2440536763"/>
-      </p:ext>
-    </p:extLst>
-  </p:cSld>
-  <p:clrMapOvr>
-    <a:masterClrMapping/>
-  </p:clrMapOvr>
-</p:notes>
-</file>
-
-<file path=ppt/notesSlides/notesSlide29.xml><?xml version="1.0" encoding="utf-8"?>
 <p:notes xmlns:a="http://schemas.openxmlformats.org/drawingml/2006/main" xmlns:r="http://schemas.openxmlformats.org/officeDocument/2006/relationships" xmlns:p="http://schemas.openxmlformats.org/presentationml/2006/main">
   <p:cSld>
     <p:spTree>
@@ -2593,7 +2507,7 @@
             <a:pPr rtl="0"/>
             <a:fld id="{D5939589-3E79-4C82-AA4A-FE78234FAA59}" type="slidenum">
               <a:rPr lang="tr-TR" smtClean="0"/>
-              <a:t>29</a:t>
+              <a:t>28</a:t>
             </a:fld>
             <a:endParaRPr lang="tr-TR"/>
           </a:p>
@@ -2603,6 +2517,91 @@
     <p:extLst>
       <p:ext uri="{BB962C8B-B14F-4D97-AF65-F5344CB8AC3E}">
         <p14:creationId xmlns:p14="http://schemas.microsoft.com/office/powerpoint/2010/main" val="3536223068"/>
+      </p:ext>
+    </p:extLst>
+  </p:cSld>
+  <p:clrMapOvr>
+    <a:masterClrMapping/>
+  </p:clrMapOvr>
+</p:notes>
+</file>
+
+<file path=ppt/notesSlides/notesSlide29.xml><?xml version="1.0" encoding="utf-8"?>
+<p:notes xmlns:a="http://schemas.openxmlformats.org/drawingml/2006/main" xmlns:r="http://schemas.openxmlformats.org/officeDocument/2006/relationships" xmlns:p="http://schemas.openxmlformats.org/presentationml/2006/main">
+  <p:cSld>
+    <p:spTree>
+      <p:nvGrpSpPr>
+        <p:cNvPr id="1" name=""/>
+        <p:cNvGrpSpPr/>
+        <p:nvPr/>
+      </p:nvGrpSpPr>
+      <p:grpSpPr>
+        <a:xfrm>
+          <a:off x="0" y="0"/>
+          <a:ext cx="0" cy="0"/>
+          <a:chOff x="0" y="0"/>
+          <a:chExt cx="0" cy="0"/>
+        </a:xfrm>
+      </p:grpSpPr>
+      <p:sp>
+        <p:nvSpPr>
+          <p:cNvPr id="2" name="Slayt Resmi Yer Tutucusu 1"/>
+          <p:cNvSpPr>
+            <a:spLocks noGrp="1" noRot="1" noChangeAspect="1"/>
+          </p:cNvSpPr>
+          <p:nvPr>
+            <p:ph type="sldImg"/>
+          </p:nvPr>
+        </p:nvSpPr>
+        <p:spPr/>
+      </p:sp>
+      <p:sp>
+        <p:nvSpPr>
+          <p:cNvPr id="3" name="Not Yer Tutucusu 2"/>
+          <p:cNvSpPr>
+            <a:spLocks noGrp="1"/>
+          </p:cNvSpPr>
+          <p:nvPr>
+            <p:ph type="body" idx="1"/>
+          </p:nvPr>
+        </p:nvSpPr>
+        <p:spPr/>
+        <p:txBody>
+          <a:bodyPr/>
+          <a:lstStyle/>
+          <a:p>
+            <a:endParaRPr lang="tr-TR"/>
+          </a:p>
+        </p:txBody>
+      </p:sp>
+      <p:sp>
+        <p:nvSpPr>
+          <p:cNvPr id="4" name="Slayt Numarası Yer Tutucusu 3"/>
+          <p:cNvSpPr>
+            <a:spLocks noGrp="1"/>
+          </p:cNvSpPr>
+          <p:nvPr>
+            <p:ph type="sldNum" sz="quarter" idx="5"/>
+          </p:nvPr>
+        </p:nvSpPr>
+        <p:spPr/>
+        <p:txBody>
+          <a:bodyPr/>
+          <a:lstStyle/>
+          <a:p>
+            <a:pPr rtl="0"/>
+            <a:fld id="{D5939589-3E79-4C82-AA4A-FE78234FAA59}" type="slidenum">
+              <a:rPr lang="tr-TR" smtClean="0"/>
+              <a:t>29</a:t>
+            </a:fld>
+            <a:endParaRPr lang="tr-TR"/>
+          </a:p>
+        </p:txBody>
+      </p:sp>
+    </p:spTree>
+    <p:extLst>
+      <p:ext uri="{BB962C8B-B14F-4D97-AF65-F5344CB8AC3E}">
+        <p14:creationId xmlns:p14="http://schemas.microsoft.com/office/powerpoint/2010/main" val="4017186794"/>
       </p:ext>
     </p:extLst>
   </p:cSld>
@@ -2772,91 +2771,6 @@
     </p:spTree>
     <p:extLst>
       <p:ext uri="{BB962C8B-B14F-4D97-AF65-F5344CB8AC3E}">
-        <p14:creationId xmlns:p14="http://schemas.microsoft.com/office/powerpoint/2010/main" val="4017186794"/>
-      </p:ext>
-    </p:extLst>
-  </p:cSld>
-  <p:clrMapOvr>
-    <a:masterClrMapping/>
-  </p:clrMapOvr>
-</p:notes>
-</file>
-
-<file path=ppt/notesSlides/notesSlide31.xml><?xml version="1.0" encoding="utf-8"?>
-<p:notes xmlns:a="http://schemas.openxmlformats.org/drawingml/2006/main" xmlns:r="http://schemas.openxmlformats.org/officeDocument/2006/relationships" xmlns:p="http://schemas.openxmlformats.org/presentationml/2006/main">
-  <p:cSld>
-    <p:spTree>
-      <p:nvGrpSpPr>
-        <p:cNvPr id="1" name=""/>
-        <p:cNvGrpSpPr/>
-        <p:nvPr/>
-      </p:nvGrpSpPr>
-      <p:grpSpPr>
-        <a:xfrm>
-          <a:off x="0" y="0"/>
-          <a:ext cx="0" cy="0"/>
-          <a:chOff x="0" y="0"/>
-          <a:chExt cx="0" cy="0"/>
-        </a:xfrm>
-      </p:grpSpPr>
-      <p:sp>
-        <p:nvSpPr>
-          <p:cNvPr id="2" name="Slayt Resmi Yer Tutucusu 1"/>
-          <p:cNvSpPr>
-            <a:spLocks noGrp="1" noRot="1" noChangeAspect="1"/>
-          </p:cNvSpPr>
-          <p:nvPr>
-            <p:ph type="sldImg"/>
-          </p:nvPr>
-        </p:nvSpPr>
-        <p:spPr/>
-      </p:sp>
-      <p:sp>
-        <p:nvSpPr>
-          <p:cNvPr id="3" name="Not Yer Tutucusu 2"/>
-          <p:cNvSpPr>
-            <a:spLocks noGrp="1"/>
-          </p:cNvSpPr>
-          <p:nvPr>
-            <p:ph type="body" idx="1"/>
-          </p:nvPr>
-        </p:nvSpPr>
-        <p:spPr/>
-        <p:txBody>
-          <a:bodyPr/>
-          <a:lstStyle/>
-          <a:p>
-            <a:endParaRPr lang="tr-TR"/>
-          </a:p>
-        </p:txBody>
-      </p:sp>
-      <p:sp>
-        <p:nvSpPr>
-          <p:cNvPr id="4" name="Slayt Numarası Yer Tutucusu 3"/>
-          <p:cNvSpPr>
-            <a:spLocks noGrp="1"/>
-          </p:cNvSpPr>
-          <p:nvPr>
-            <p:ph type="sldNum" sz="quarter" idx="5"/>
-          </p:nvPr>
-        </p:nvSpPr>
-        <p:spPr/>
-        <p:txBody>
-          <a:bodyPr/>
-          <a:lstStyle/>
-          <a:p>
-            <a:pPr rtl="0"/>
-            <a:fld id="{D5939589-3E79-4C82-AA4A-FE78234FAA59}" type="slidenum">
-              <a:rPr lang="tr-TR" smtClean="0"/>
-              <a:t>31</a:t>
-            </a:fld>
-            <a:endParaRPr lang="tr-TR"/>
-          </a:p>
-        </p:txBody>
-      </p:sp>
-    </p:spTree>
-    <p:extLst>
-      <p:ext uri="{BB962C8B-B14F-4D97-AF65-F5344CB8AC3E}">
         <p14:creationId xmlns:p14="http://schemas.microsoft.com/office/powerpoint/2010/main" val="2979906883"/>
       </p:ext>
     </p:extLst>
@@ -3112,7 +3026,7 @@
     </p:spTree>
     <p:extLst>
       <p:ext uri="{BB962C8B-B14F-4D97-AF65-F5344CB8AC3E}">
-        <p14:creationId xmlns:p14="http://schemas.microsoft.com/office/powerpoint/2010/main" val="3304039018"/>
+        <p14:creationId xmlns:p14="http://schemas.microsoft.com/office/powerpoint/2010/main" val="735894375"/>
       </p:ext>
     </p:extLst>
   </p:cSld>
@@ -3197,7 +3111,7 @@
     </p:spTree>
     <p:extLst>
       <p:ext uri="{BB962C8B-B14F-4D97-AF65-F5344CB8AC3E}">
-        <p14:creationId xmlns:p14="http://schemas.microsoft.com/office/powerpoint/2010/main" val="735894375"/>
+        <p14:creationId xmlns:p14="http://schemas.microsoft.com/office/powerpoint/2010/main" val="140243073"/>
       </p:ext>
     </p:extLst>
   </p:cSld>
@@ -3282,7 +3196,7 @@
     </p:spTree>
     <p:extLst>
       <p:ext uri="{BB962C8B-B14F-4D97-AF65-F5344CB8AC3E}">
-        <p14:creationId xmlns:p14="http://schemas.microsoft.com/office/powerpoint/2010/main" val="140243073"/>
+        <p14:creationId xmlns:p14="http://schemas.microsoft.com/office/powerpoint/2010/main" val="3186895865"/>
       </p:ext>
     </p:extLst>
   </p:cSld>
@@ -3367,7 +3281,7 @@
     </p:spTree>
     <p:extLst>
       <p:ext uri="{BB962C8B-B14F-4D97-AF65-F5344CB8AC3E}">
-        <p14:creationId xmlns:p14="http://schemas.microsoft.com/office/powerpoint/2010/main" val="3186895865"/>
+        <p14:creationId xmlns:p14="http://schemas.microsoft.com/office/powerpoint/2010/main" val="2433432672"/>
       </p:ext>
     </p:extLst>
   </p:cSld>
@@ -14370,203 +14284,6 @@
                 <a:spcPts val="1200"/>
               </a:spcAft>
             </a:pPr>
-            <a:endParaRPr lang="tr-TR" sz="2000" dirty="0">
-              <a:latin typeface="Times New Roman" panose="02020603050405020304" pitchFamily="18" charset="0"/>
-              <a:cs typeface="Times New Roman" panose="02020603050405020304" pitchFamily="18" charset="0"/>
-            </a:endParaRPr>
-          </a:p>
-        </p:txBody>
-      </p:sp>
-      <p:pic>
-        <p:nvPicPr>
-          <p:cNvPr id="5" name="Resim 4">
-            <a:extLst>
-              <a:ext uri="{FF2B5EF4-FFF2-40B4-BE49-F238E27FC236}">
-                <a16:creationId xmlns:a16="http://schemas.microsoft.com/office/drawing/2014/main" id="{5F89E199-9908-AE7B-A7AD-A3DBDA2C8D30}"/>
-              </a:ext>
-            </a:extLst>
-          </p:cNvPr>
-          <p:cNvPicPr>
-            <a:picLocks noChangeAspect="1"/>
-          </p:cNvPicPr>
-          <p:nvPr/>
-        </p:nvPicPr>
-        <p:blipFill>
-          <a:blip r:embed="rId3">
-            <a:extLst>
-              <a:ext uri="{BEBA8EAE-BF5A-486C-A8C5-ECC9F3942E4B}">
-                <a14:imgProps xmlns:a14="http://schemas.microsoft.com/office/drawing/2010/main">
-                  <a14:imgLayer r:embed="rId4">
-                    <a14:imgEffect>
-                      <a14:brightnessContrast bright="20000" contrast="-40000"/>
-                    </a14:imgEffect>
-                  </a14:imgLayer>
-                </a14:imgProps>
-              </a:ext>
-            </a:extLst>
-          </a:blip>
-          <a:stretch>
-            <a:fillRect/>
-          </a:stretch>
-        </p:blipFill>
-        <p:spPr>
-          <a:xfrm>
-            <a:off x="2011068" y="903729"/>
-            <a:ext cx="7537378" cy="5050541"/>
-          </a:xfrm>
-          <a:prstGeom prst="rect">
-            <a:avLst/>
-          </a:prstGeom>
-        </p:spPr>
-      </p:pic>
-    </p:spTree>
-    <p:extLst>
-      <p:ext uri="{BB962C8B-B14F-4D97-AF65-F5344CB8AC3E}">
-        <p14:creationId xmlns:p14="http://schemas.microsoft.com/office/powerpoint/2010/main" val="1629900858"/>
-      </p:ext>
-    </p:extLst>
-  </p:cSld>
-  <p:clrMapOvr>
-    <a:masterClrMapping/>
-  </p:clrMapOvr>
-</p:sld>
-</file>
-
-<file path=ppt/slides/slide11.xml><?xml version="1.0" encoding="utf-8"?>
-<p:sld xmlns:a="http://schemas.openxmlformats.org/drawingml/2006/main" xmlns:r="http://schemas.openxmlformats.org/officeDocument/2006/relationships" xmlns:p="http://schemas.openxmlformats.org/presentationml/2006/main">
-  <p:cSld>
-    <p:spTree>
-      <p:nvGrpSpPr>
-        <p:cNvPr id="1" name=""/>
-        <p:cNvGrpSpPr/>
-        <p:nvPr/>
-      </p:nvGrpSpPr>
-      <p:grpSpPr>
-        <a:xfrm>
-          <a:off x="0" y="0"/>
-          <a:ext cx="0" cy="0"/>
-          <a:chOff x="0" y="0"/>
-          <a:chExt cx="0" cy="0"/>
-        </a:xfrm>
-      </p:grpSpPr>
-      <p:sp>
-        <p:nvSpPr>
-          <p:cNvPr id="4" name="Başlık 3">
-            <a:extLst>
-              <a:ext uri="{FF2B5EF4-FFF2-40B4-BE49-F238E27FC236}">
-                <a16:creationId xmlns:a16="http://schemas.microsoft.com/office/drawing/2014/main" id="{55E27C7C-4B68-4BBC-BF36-8959D8493E4A}"/>
-              </a:ext>
-            </a:extLst>
-          </p:cNvPr>
-          <p:cNvSpPr>
-            <a:spLocks noGrp="1"/>
-          </p:cNvSpPr>
-          <p:nvPr>
-            <p:ph type="title"/>
-          </p:nvPr>
-        </p:nvSpPr>
-        <p:spPr>
-          <a:xfrm>
-            <a:off x="838200" y="136525"/>
-            <a:ext cx="10515600" cy="610821"/>
-          </a:xfrm>
-        </p:spPr>
-        <p:txBody>
-          <a:bodyPr rtlCol="0">
-            <a:normAutofit fontScale="90000"/>
-          </a:bodyPr>
-          <a:lstStyle/>
-          <a:p>
-            <a:pPr algn="ctr" rtl="0"/>
-            <a:r>
-              <a:rPr lang="tr-TR" sz="4000" dirty="0"/>
-              <a:t>Bulanık Çıkarım</a:t>
-            </a:r>
-          </a:p>
-        </p:txBody>
-      </p:sp>
-      <p:sp>
-        <p:nvSpPr>
-          <p:cNvPr id="9" name="Slayt Numarası Yer Tutucusu 5">
-            <a:extLst>
-              <a:ext uri="{FF2B5EF4-FFF2-40B4-BE49-F238E27FC236}">
-                <a16:creationId xmlns:a16="http://schemas.microsoft.com/office/drawing/2014/main" id="{4FC290B8-BF94-4636-BFAB-9FD67F4AAC6D}"/>
-              </a:ext>
-            </a:extLst>
-          </p:cNvPr>
-          <p:cNvSpPr>
-            <a:spLocks noGrp="1"/>
-          </p:cNvSpPr>
-          <p:nvPr>
-            <p:ph type="sldNum" sz="quarter" idx="12"/>
-          </p:nvPr>
-        </p:nvSpPr>
-        <p:spPr>
-          <a:xfrm>
-            <a:off x="8610600" y="6356350"/>
-            <a:ext cx="2743200" cy="365125"/>
-          </a:xfrm>
-        </p:spPr>
-        <p:txBody>
-          <a:bodyPr rtlCol="0"/>
-          <a:lstStyle/>
-          <a:p>
-            <a:pPr rtl="0"/>
-            <a:fld id="{D8DA9DAA-006C-4F4B-980E-E3DF019B24E2}" type="slidenum">
-              <a:rPr lang="tr-TR" b="1" cap="all" spc="100" smtClean="0">
-                <a:solidFill>
-                  <a:schemeClr val="accent2"/>
-                </a:solidFill>
-              </a:rPr>
-              <a:t>11</a:t>
-            </a:fld>
-            <a:endParaRPr lang="tr-TR" b="1" cap="all" spc="100" dirty="0">
-              <a:solidFill>
-                <a:schemeClr val="accent2"/>
-              </a:solidFill>
-            </a:endParaRPr>
-          </a:p>
-        </p:txBody>
-      </p:sp>
-      <p:sp>
-        <p:nvSpPr>
-          <p:cNvPr id="3" name="İçerik Yer Tutucusu 2">
-            <a:extLst>
-              <a:ext uri="{FF2B5EF4-FFF2-40B4-BE49-F238E27FC236}">
-                <a16:creationId xmlns:a16="http://schemas.microsoft.com/office/drawing/2014/main" id="{839B2505-A752-6959-A64F-4ADB0FD16C45}"/>
-              </a:ext>
-            </a:extLst>
-          </p:cNvPr>
-          <p:cNvSpPr>
-            <a:spLocks noGrp="1"/>
-          </p:cNvSpPr>
-          <p:nvPr>
-            <p:ph idx="1"/>
-          </p:nvPr>
-        </p:nvSpPr>
-        <p:spPr>
-          <a:xfrm>
-            <a:off x="838200" y="747346"/>
-            <a:ext cx="10515600" cy="5524683"/>
-          </a:xfrm>
-        </p:spPr>
-        <p:txBody>
-          <a:bodyPr>
-            <a:normAutofit/>
-          </a:bodyPr>
-          <a:lstStyle/>
-          <a:p>
-            <a:pPr>
-              <a:lnSpc>
-                <a:spcPts val="2300"/>
-              </a:lnSpc>
-              <a:spcBef>
-                <a:spcPts val="0"/>
-              </a:spcBef>
-              <a:spcAft>
-                <a:spcPts val="1200"/>
-              </a:spcAft>
-            </a:pPr>
             <a:r>
               <a:rPr lang="tr-TR" sz="2200" dirty="0">
                 <a:latin typeface="Times New Roman" panose="02020603050405020304" pitchFamily="18" charset="0"/>
@@ -14620,7 +14337,7 @@
 </p:sld>
 </file>
 
-<file path=ppt/slides/slide12.xml><?xml version="1.0" encoding="utf-8"?>
+<file path=ppt/slides/slide11.xml><?xml version="1.0" encoding="utf-8"?>
 <p:sld xmlns:a="http://schemas.openxmlformats.org/drawingml/2006/main" xmlns:r="http://schemas.openxmlformats.org/officeDocument/2006/relationships" xmlns:p="http://schemas.openxmlformats.org/presentationml/2006/main">
   <p:cSld>
     <p:spTree>
@@ -14706,7 +14423,7 @@
                   <a:schemeClr val="accent2"/>
                 </a:solidFill>
               </a:rPr>
-              <a:t>12</a:t>
+              <a:t>11</a:t>
             </a:fld>
             <a:endParaRPr lang="tr-TR" b="1" cap="all" spc="100" dirty="0">
               <a:solidFill>
@@ -14805,6 +14522,261 @@
 </p:sld>
 </file>
 
+<file path=ppt/slides/slide12.xml><?xml version="1.0" encoding="utf-8"?>
+<p:sld xmlns:a="http://schemas.openxmlformats.org/drawingml/2006/main" xmlns:r="http://schemas.openxmlformats.org/officeDocument/2006/relationships" xmlns:p="http://schemas.openxmlformats.org/presentationml/2006/main">
+  <p:cSld>
+    <p:spTree>
+      <p:nvGrpSpPr>
+        <p:cNvPr id="1" name=""/>
+        <p:cNvGrpSpPr/>
+        <p:nvPr/>
+      </p:nvGrpSpPr>
+      <p:grpSpPr>
+        <a:xfrm>
+          <a:off x="0" y="0"/>
+          <a:ext cx="0" cy="0"/>
+          <a:chOff x="0" y="0"/>
+          <a:chExt cx="0" cy="0"/>
+        </a:xfrm>
+      </p:grpSpPr>
+      <p:sp>
+        <p:nvSpPr>
+          <p:cNvPr id="4" name="Başlık 3">
+            <a:extLst>
+              <a:ext uri="{FF2B5EF4-FFF2-40B4-BE49-F238E27FC236}">
+                <a16:creationId xmlns:a16="http://schemas.microsoft.com/office/drawing/2014/main" id="{55E27C7C-4B68-4BBC-BF36-8959D8493E4A}"/>
+              </a:ext>
+            </a:extLst>
+          </p:cNvPr>
+          <p:cNvSpPr>
+            <a:spLocks noGrp="1"/>
+          </p:cNvSpPr>
+          <p:nvPr>
+            <p:ph type="title"/>
+          </p:nvPr>
+        </p:nvSpPr>
+        <p:spPr>
+          <a:xfrm>
+            <a:off x="838200" y="136525"/>
+            <a:ext cx="10515600" cy="610821"/>
+          </a:xfrm>
+        </p:spPr>
+        <p:txBody>
+          <a:bodyPr rtlCol="0">
+            <a:normAutofit fontScale="90000"/>
+          </a:bodyPr>
+          <a:lstStyle/>
+          <a:p>
+            <a:pPr algn="ctr" rtl="0"/>
+            <a:r>
+              <a:rPr lang="tr-TR" sz="4000" dirty="0"/>
+              <a:t>Bulanık Çıkarım</a:t>
+            </a:r>
+          </a:p>
+        </p:txBody>
+      </p:sp>
+      <p:sp>
+        <p:nvSpPr>
+          <p:cNvPr id="9" name="Slayt Numarası Yer Tutucusu 5">
+            <a:extLst>
+              <a:ext uri="{FF2B5EF4-FFF2-40B4-BE49-F238E27FC236}">
+                <a16:creationId xmlns:a16="http://schemas.microsoft.com/office/drawing/2014/main" id="{4FC290B8-BF94-4636-BFAB-9FD67F4AAC6D}"/>
+              </a:ext>
+            </a:extLst>
+          </p:cNvPr>
+          <p:cNvSpPr>
+            <a:spLocks noGrp="1"/>
+          </p:cNvSpPr>
+          <p:nvPr>
+            <p:ph type="sldNum" sz="quarter" idx="12"/>
+          </p:nvPr>
+        </p:nvSpPr>
+        <p:spPr>
+          <a:xfrm>
+            <a:off x="8610600" y="6356350"/>
+            <a:ext cx="2743200" cy="365125"/>
+          </a:xfrm>
+        </p:spPr>
+        <p:txBody>
+          <a:bodyPr rtlCol="0"/>
+          <a:lstStyle/>
+          <a:p>
+            <a:pPr rtl="0"/>
+            <a:fld id="{D8DA9DAA-006C-4F4B-980E-E3DF019B24E2}" type="slidenum">
+              <a:rPr lang="tr-TR" b="1" cap="all" spc="100" smtClean="0">
+                <a:solidFill>
+                  <a:schemeClr val="accent2"/>
+                </a:solidFill>
+              </a:rPr>
+              <a:t>12</a:t>
+            </a:fld>
+            <a:endParaRPr lang="tr-TR" b="1" cap="all" spc="100" dirty="0">
+              <a:solidFill>
+                <a:schemeClr val="accent2"/>
+              </a:solidFill>
+            </a:endParaRPr>
+          </a:p>
+        </p:txBody>
+      </p:sp>
+      <p:sp>
+        <p:nvSpPr>
+          <p:cNvPr id="3" name="İçerik Yer Tutucusu 2">
+            <a:extLst>
+              <a:ext uri="{FF2B5EF4-FFF2-40B4-BE49-F238E27FC236}">
+                <a16:creationId xmlns:a16="http://schemas.microsoft.com/office/drawing/2014/main" id="{839B2505-A752-6959-A64F-4ADB0FD16C45}"/>
+              </a:ext>
+            </a:extLst>
+          </p:cNvPr>
+          <p:cNvSpPr>
+            <a:spLocks noGrp="1"/>
+          </p:cNvSpPr>
+          <p:nvPr>
+            <p:ph idx="1"/>
+          </p:nvPr>
+        </p:nvSpPr>
+        <p:spPr>
+          <a:xfrm>
+            <a:off x="838200" y="747346"/>
+            <a:ext cx="10515600" cy="5524683"/>
+          </a:xfrm>
+        </p:spPr>
+        <p:txBody>
+          <a:bodyPr>
+            <a:normAutofit/>
+          </a:bodyPr>
+          <a:lstStyle/>
+          <a:p>
+            <a:pPr>
+              <a:lnSpc>
+                <a:spcPts val="2800"/>
+              </a:lnSpc>
+              <a:spcBef>
+                <a:spcPts val="0"/>
+              </a:spcBef>
+              <a:spcAft>
+                <a:spcPts val="1800"/>
+              </a:spcAft>
+            </a:pPr>
+            <a:r>
+              <a:rPr lang="tr-TR" sz="2200" dirty="0">
+                <a:latin typeface="Times New Roman" panose="02020603050405020304" pitchFamily="18" charset="0"/>
+                <a:cs typeface="Times New Roman" panose="02020603050405020304" pitchFamily="18" charset="0"/>
+              </a:rPr>
+              <a:t>Bulanık Mantık kullanımı aşağıdaki özellikte sistemlerin geliştirilmesini kolaylaştırır.</a:t>
+            </a:r>
+          </a:p>
+          <a:p>
+            <a:pPr lvl="2">
+              <a:lnSpc>
+                <a:spcPts val="2800"/>
+              </a:lnSpc>
+              <a:spcBef>
+                <a:spcPts val="0"/>
+              </a:spcBef>
+              <a:spcAft>
+                <a:spcPts val="1800"/>
+              </a:spcAft>
+            </a:pPr>
+            <a:r>
+              <a:rPr lang="tr-TR" sz="2200" dirty="0">
+                <a:latin typeface="Times New Roman" panose="02020603050405020304" pitchFamily="18" charset="0"/>
+                <a:cs typeface="Times New Roman" panose="02020603050405020304" pitchFamily="18" charset="0"/>
+              </a:rPr>
+              <a:t>Karmaşık bilgi ve zengin insan tecrübesi bulanık bilgi tabanlı sisteme doğal dile yakın bir şekilde dahil edilir.</a:t>
+            </a:r>
+          </a:p>
+          <a:p>
+            <a:pPr lvl="2">
+              <a:lnSpc>
+                <a:spcPts val="2800"/>
+              </a:lnSpc>
+              <a:spcBef>
+                <a:spcPts val="0"/>
+              </a:spcBef>
+              <a:spcAft>
+                <a:spcPts val="1800"/>
+              </a:spcAft>
+            </a:pPr>
+            <a:r>
+              <a:rPr lang="tr-TR" sz="2200" dirty="0">
+                <a:latin typeface="Times New Roman" panose="02020603050405020304" pitchFamily="18" charset="0"/>
+                <a:cs typeface="Times New Roman" panose="02020603050405020304" pitchFamily="18" charset="0"/>
+              </a:rPr>
+              <a:t>İçerilen bilginin kesin ve tamam olmasına gerek yoktur.</a:t>
+            </a:r>
+          </a:p>
+          <a:p>
+            <a:pPr lvl="2">
+              <a:lnSpc>
+                <a:spcPts val="2800"/>
+              </a:lnSpc>
+              <a:spcBef>
+                <a:spcPts val="0"/>
+              </a:spcBef>
+              <a:spcAft>
+                <a:spcPts val="1800"/>
+              </a:spcAft>
+            </a:pPr>
+            <a:r>
+              <a:rPr lang="tr-TR" sz="2200" dirty="0">
+                <a:latin typeface="Times New Roman" panose="02020603050405020304" pitchFamily="18" charset="0"/>
+                <a:cs typeface="Times New Roman" panose="02020603050405020304" pitchFamily="18" charset="0"/>
+              </a:rPr>
+              <a:t>Değerlendirilecek giriş bilgilerinin net olması veya bilgiyle tam uyumlu olması gerekmez.</a:t>
+            </a:r>
+          </a:p>
+          <a:p>
+            <a:pPr lvl="2">
+              <a:lnSpc>
+                <a:spcPts val="2800"/>
+              </a:lnSpc>
+              <a:spcBef>
+                <a:spcPts val="0"/>
+              </a:spcBef>
+              <a:spcAft>
+                <a:spcPts val="1800"/>
+              </a:spcAft>
+            </a:pPr>
+            <a:r>
+              <a:rPr lang="tr-TR" sz="2200" dirty="0">
+                <a:latin typeface="Times New Roman" panose="02020603050405020304" pitchFamily="18" charset="0"/>
+                <a:cs typeface="Times New Roman" panose="02020603050405020304" pitchFamily="18" charset="0"/>
+              </a:rPr>
+              <a:t>Oluşturulan bulanık bilgi tabanından ve bulanık olgulardan kısmen uyumlu sonuç elde edilebilir.</a:t>
+            </a:r>
+          </a:p>
+          <a:p>
+            <a:pPr>
+              <a:lnSpc>
+                <a:spcPts val="2300"/>
+              </a:lnSpc>
+              <a:spcBef>
+                <a:spcPts val="0"/>
+              </a:spcBef>
+              <a:spcAft>
+                <a:spcPts val="1200"/>
+              </a:spcAft>
+            </a:pPr>
+            <a:endParaRPr lang="tr-TR" sz="2200" dirty="0">
+              <a:latin typeface="Times New Roman" panose="02020603050405020304" pitchFamily="18" charset="0"/>
+              <a:cs typeface="Times New Roman" panose="02020603050405020304" pitchFamily="18" charset="0"/>
+            </a:endParaRPr>
+          </a:p>
+        </p:txBody>
+      </p:sp>
+    </p:spTree>
+    <p:extLst>
+      <p:ext uri="{BB962C8B-B14F-4D97-AF65-F5344CB8AC3E}">
+        <p14:creationId xmlns:p14="http://schemas.microsoft.com/office/powerpoint/2010/main" val="222282748"/>
+      </p:ext>
+    </p:extLst>
+  </p:cSld>
+  <p:clrMapOvr>
+    <a:masterClrMapping/>
+  </p:clrMapOvr>
+</p:sld>
+</file>
+
 <file path=ppt/slides/slide13.xml><?xml version="1.0" encoding="utf-8"?>
 <p:sld xmlns:a="http://schemas.openxmlformats.org/drawingml/2006/main" xmlns:r="http://schemas.openxmlformats.org/officeDocument/2006/relationships" xmlns:p="http://schemas.openxmlformats.org/presentationml/2006/main">
   <p:cSld>
@@ -14937,7 +14909,7 @@
                 <a:spcPts val="0"/>
               </a:spcBef>
               <a:spcAft>
-                <a:spcPts val="1800"/>
+                <a:spcPts val="1200"/>
               </a:spcAft>
             </a:pPr>
             <a:r>
@@ -14945,7 +14917,34 @@
                 <a:latin typeface="Times New Roman" panose="02020603050405020304" pitchFamily="18" charset="0"/>
                 <a:cs typeface="Times New Roman" panose="02020603050405020304" pitchFamily="18" charset="0"/>
               </a:rPr>
-              <a:t>Bulanık Mantık kullanımı aşağıdaki özellikte sistemlerin geliştirilmesini kolaylaştırır.</a:t>
+              <a:t>Tipik bir bulanık çıkarım aşağıdaki gibi gerçekleştirilir.</a:t>
+            </a:r>
+          </a:p>
+          <a:p>
+            <a:pPr>
+              <a:lnSpc>
+                <a:spcPts val="2800"/>
+              </a:lnSpc>
+              <a:spcBef>
+                <a:spcPts val="0"/>
+              </a:spcBef>
+              <a:spcAft>
+                <a:spcPts val="1200"/>
+              </a:spcAft>
+            </a:pPr>
+            <a:r>
+              <a:rPr lang="tr-TR" sz="2200" b="1" dirty="0">
+                <a:latin typeface="Times New Roman" panose="02020603050405020304" pitchFamily="18" charset="0"/>
+                <a:cs typeface="Times New Roman" panose="02020603050405020304" pitchFamily="18" charset="0"/>
+              </a:rPr>
+              <a:t>Örnek</a:t>
+            </a:r>
+            <a:r>
+              <a:rPr lang="tr-TR" sz="2200" dirty="0">
+                <a:latin typeface="Times New Roman" panose="02020603050405020304" pitchFamily="18" charset="0"/>
+                <a:cs typeface="Times New Roman" panose="02020603050405020304" pitchFamily="18" charset="0"/>
+              </a:rPr>
+              <a:t> :</a:t>
             </a:r>
           </a:p>
           <a:p>
@@ -14957,7 +14956,7 @@
                 <a:spcPts val="0"/>
               </a:spcBef>
               <a:spcAft>
-                <a:spcPts val="1800"/>
+                <a:spcPts val="1200"/>
               </a:spcAft>
             </a:pPr>
             <a:r>
@@ -14965,7 +14964,7 @@
                 <a:latin typeface="Times New Roman" panose="02020603050405020304" pitchFamily="18" charset="0"/>
                 <a:cs typeface="Times New Roman" panose="02020603050405020304" pitchFamily="18" charset="0"/>
               </a:rPr>
-              <a:t>Karmaşık bilgi ve zengin insan tecrübesi bulanık bilgi tabanlı sisteme doğal dile yakın bir şekilde dahil edilir.</a:t>
+              <a:t>Bilgi : Eğer su sıcaksa bol soğuk su ilave edilir.</a:t>
             </a:r>
           </a:p>
           <a:p>
@@ -14977,7 +14976,7 @@
                 <a:spcPts val="0"/>
               </a:spcBef>
               <a:spcAft>
-                <a:spcPts val="1800"/>
+                <a:spcPts val="1200"/>
               </a:spcAft>
             </a:pPr>
             <a:r>
@@ -14985,7 +14984,7 @@
                 <a:latin typeface="Times New Roman" panose="02020603050405020304" pitchFamily="18" charset="0"/>
                 <a:cs typeface="Times New Roman" panose="02020603050405020304" pitchFamily="18" charset="0"/>
               </a:rPr>
-              <a:t>İçerilen bilginin kesin ve tamam olmasına gerek yoktur.</a:t>
+              <a:t>Gerçek : Su biraz sıcaktır.</a:t>
             </a:r>
           </a:p>
           <a:p>
@@ -14997,7 +14996,7 @@
                 <a:spcPts val="0"/>
               </a:spcBef>
               <a:spcAft>
-                <a:spcPts val="1800"/>
+                <a:spcPts val="1200"/>
               </a:spcAft>
             </a:pPr>
             <a:r>
@@ -15005,7 +15004,41 @@
                 <a:latin typeface="Times New Roman" panose="02020603050405020304" pitchFamily="18" charset="0"/>
                 <a:cs typeface="Times New Roman" panose="02020603050405020304" pitchFamily="18" charset="0"/>
               </a:rPr>
-              <a:t>Değerlendirilecek giriş bilgilerinin net olması veya bilgiyle tam uyumlu olması gerekmez.</a:t>
+              <a:t>Sonuç: Çok az soğuk su ilave et</a:t>
+            </a:r>
+            <a:r>
+              <a:rPr lang="tr-TR" sz="1400" dirty="0">
+                <a:latin typeface="Times New Roman" panose="02020603050405020304" pitchFamily="18" charset="0"/>
+                <a:cs typeface="Times New Roman" panose="02020603050405020304" pitchFamily="18" charset="0"/>
+              </a:rPr>
+              <a:t>.</a:t>
+            </a:r>
+          </a:p>
+          <a:p>
+            <a:pPr>
+              <a:lnSpc>
+                <a:spcPts val="2800"/>
+              </a:lnSpc>
+              <a:spcBef>
+                <a:spcPts val="0"/>
+              </a:spcBef>
+              <a:spcAft>
+                <a:spcPts val="1200"/>
+              </a:spcAft>
+            </a:pPr>
+            <a:r>
+              <a:rPr lang="tr-TR" sz="2200" b="1" dirty="0">
+                <a:latin typeface="Times New Roman" panose="02020603050405020304" pitchFamily="18" charset="0"/>
+                <a:cs typeface="Times New Roman" panose="02020603050405020304" pitchFamily="18" charset="0"/>
+              </a:rPr>
+              <a:t>Örnek</a:t>
+            </a:r>
+            <a:r>
+              <a:rPr lang="tr-TR" sz="2200" dirty="0">
+                <a:latin typeface="Times New Roman" panose="02020603050405020304" pitchFamily="18" charset="0"/>
+                <a:cs typeface="Times New Roman" panose="02020603050405020304" pitchFamily="18" charset="0"/>
+              </a:rPr>
+              <a:t> :</a:t>
             </a:r>
           </a:p>
           <a:p>
@@ -15017,7 +15050,7 @@
                 <a:spcPts val="0"/>
               </a:spcBef>
               <a:spcAft>
-                <a:spcPts val="1800"/>
+                <a:spcPts val="1200"/>
               </a:spcAft>
             </a:pPr>
             <a:r>
@@ -15025,7 +15058,47 @@
                 <a:latin typeface="Times New Roman" panose="02020603050405020304" pitchFamily="18" charset="0"/>
                 <a:cs typeface="Times New Roman" panose="02020603050405020304" pitchFamily="18" charset="0"/>
               </a:rPr>
-              <a:t>Oluşturulan bulanık bilgi tabanından ve bulanık olgulardan kısmen uyumlu sonuç elde edilebilir.</a:t>
+              <a:t>Bilgi : Eğer domates kırmızı ise olgundur.</a:t>
+            </a:r>
+          </a:p>
+          <a:p>
+            <a:pPr lvl="2">
+              <a:lnSpc>
+                <a:spcPts val="2800"/>
+              </a:lnSpc>
+              <a:spcBef>
+                <a:spcPts val="0"/>
+              </a:spcBef>
+              <a:spcAft>
+                <a:spcPts val="1200"/>
+              </a:spcAft>
+            </a:pPr>
+            <a:r>
+              <a:rPr lang="tr-TR" sz="2200" dirty="0">
+                <a:latin typeface="Times New Roman" panose="02020603050405020304" pitchFamily="18" charset="0"/>
+                <a:cs typeface="Times New Roman" panose="02020603050405020304" pitchFamily="18" charset="0"/>
+              </a:rPr>
+              <a:t>Gerçek : Domates çok kırmızıdır.</a:t>
+            </a:r>
+          </a:p>
+          <a:p>
+            <a:pPr lvl="2">
+              <a:lnSpc>
+                <a:spcPts val="2800"/>
+              </a:lnSpc>
+              <a:spcBef>
+                <a:spcPts val="0"/>
+              </a:spcBef>
+              <a:spcAft>
+                <a:spcPts val="1200"/>
+              </a:spcAft>
+            </a:pPr>
+            <a:r>
+              <a:rPr lang="tr-TR" sz="2200" dirty="0">
+                <a:latin typeface="Times New Roman" panose="02020603050405020304" pitchFamily="18" charset="0"/>
+                <a:cs typeface="Times New Roman" panose="02020603050405020304" pitchFamily="18" charset="0"/>
+              </a:rPr>
+              <a:t>Sonuç: Domates çok olgundur.</a:t>
             </a:r>
           </a:p>
           <a:p>
@@ -15050,7 +15123,7 @@
     </p:spTree>
     <p:extLst>
       <p:ext uri="{BB962C8B-B14F-4D97-AF65-F5344CB8AC3E}">
-        <p14:creationId xmlns:p14="http://schemas.microsoft.com/office/powerpoint/2010/main" val="222282748"/>
+        <p14:creationId xmlns:p14="http://schemas.microsoft.com/office/powerpoint/2010/main" val="2922775369"/>
       </p:ext>
     </p:extLst>
   </p:cSld>
@@ -15186,7 +15259,7 @@
           <a:p>
             <a:pPr>
               <a:lnSpc>
-                <a:spcPts val="2800"/>
+                <a:spcPts val="2300"/>
               </a:lnSpc>
               <a:spcBef>
                 <a:spcPts val="0"/>
@@ -15200,34 +15273,7 @@
                 <a:latin typeface="Times New Roman" panose="02020603050405020304" pitchFamily="18" charset="0"/>
                 <a:cs typeface="Times New Roman" panose="02020603050405020304" pitchFamily="18" charset="0"/>
               </a:rPr>
-              <a:t>Tipik bir bulanık çıkarım aşağıdaki gibi gerçekleştirilir.</a:t>
-            </a:r>
-          </a:p>
-          <a:p>
-            <a:pPr>
-              <a:lnSpc>
-                <a:spcPts val="2800"/>
-              </a:lnSpc>
-              <a:spcBef>
-                <a:spcPts val="0"/>
-              </a:spcBef>
-              <a:spcAft>
-                <a:spcPts val="1200"/>
-              </a:spcAft>
-            </a:pPr>
-            <a:r>
-              <a:rPr lang="tr-TR" sz="2200" b="1" dirty="0">
-                <a:latin typeface="Times New Roman" panose="02020603050405020304" pitchFamily="18" charset="0"/>
-                <a:cs typeface="Times New Roman" panose="02020603050405020304" pitchFamily="18" charset="0"/>
-              </a:rPr>
-              <a:t>Örnek</a:t>
-            </a:r>
-            <a:r>
-              <a:rPr lang="tr-TR" sz="2200" dirty="0">
-                <a:latin typeface="Times New Roman" panose="02020603050405020304" pitchFamily="18" charset="0"/>
-                <a:cs typeface="Times New Roman" panose="02020603050405020304" pitchFamily="18" charset="0"/>
-              </a:rPr>
-              <a:t> :</a:t>
+              <a:t>Buradan birçok sonuç çıkarılabilir:</a:t>
             </a:r>
           </a:p>
           <a:p>
@@ -15239,7 +15285,7 @@
                 <a:spcPts val="0"/>
               </a:spcBef>
               <a:spcAft>
-                <a:spcPts val="1200"/>
+                <a:spcPts val="1800"/>
               </a:spcAft>
             </a:pPr>
             <a:r>
@@ -15247,7 +15293,7 @@
                 <a:latin typeface="Times New Roman" panose="02020603050405020304" pitchFamily="18" charset="0"/>
                 <a:cs typeface="Times New Roman" panose="02020603050405020304" pitchFamily="18" charset="0"/>
               </a:rPr>
-              <a:t>Bilgi : Eğer su sıcaksa bol soğuk su ilave edilir.</a:t>
+              <a:t>Bulanık çıkarımın insan muhakemesine benzerliğine dikkat etmek gerekir.</a:t>
             </a:r>
           </a:p>
           <a:p>
@@ -15259,7 +15305,7 @@
                 <a:spcPts val="0"/>
               </a:spcBef>
               <a:spcAft>
-                <a:spcPts val="1200"/>
+                <a:spcPts val="1800"/>
               </a:spcAft>
             </a:pPr>
             <a:r>
@@ -15267,7 +15313,7 @@
                 <a:latin typeface="Times New Roman" panose="02020603050405020304" pitchFamily="18" charset="0"/>
                 <a:cs typeface="Times New Roman" panose="02020603050405020304" pitchFamily="18" charset="0"/>
               </a:rPr>
-              <a:t>Gerçek : Su biraz sıcaktır.</a:t>
+              <a:t>Bilgi, “çok” ve “oldukça” gibi belirsiz kanaatlerle ifade edilebilir.</a:t>
             </a:r>
           </a:p>
           <a:p>
@@ -15279,7 +15325,7 @@
                 <a:spcPts val="0"/>
               </a:spcBef>
               <a:spcAft>
-                <a:spcPts val="1200"/>
+                <a:spcPts val="1800"/>
               </a:spcAft>
             </a:pPr>
             <a:r>
@@ -15287,41 +15333,7 @@
                 <a:latin typeface="Times New Roman" panose="02020603050405020304" pitchFamily="18" charset="0"/>
                 <a:cs typeface="Times New Roman" panose="02020603050405020304" pitchFamily="18" charset="0"/>
               </a:rPr>
-              <a:t>Sonuç: Çok az soğuk su ilave et</a:t>
-            </a:r>
-            <a:r>
-              <a:rPr lang="tr-TR" sz="1400" dirty="0">
-                <a:latin typeface="Times New Roman" panose="02020603050405020304" pitchFamily="18" charset="0"/>
-                <a:cs typeface="Times New Roman" panose="02020603050405020304" pitchFamily="18" charset="0"/>
-              </a:rPr>
-              <a:t>.</a:t>
-            </a:r>
-          </a:p>
-          <a:p>
-            <a:pPr>
-              <a:lnSpc>
-                <a:spcPts val="2800"/>
-              </a:lnSpc>
-              <a:spcBef>
-                <a:spcPts val="0"/>
-              </a:spcBef>
-              <a:spcAft>
-                <a:spcPts val="1200"/>
-              </a:spcAft>
-            </a:pPr>
-            <a:r>
-              <a:rPr lang="tr-TR" sz="2200" b="1" dirty="0">
-                <a:latin typeface="Times New Roman" panose="02020603050405020304" pitchFamily="18" charset="0"/>
-                <a:cs typeface="Times New Roman" panose="02020603050405020304" pitchFamily="18" charset="0"/>
-              </a:rPr>
-              <a:t>Örnek</a:t>
-            </a:r>
-            <a:r>
-              <a:rPr lang="tr-TR" sz="2200" dirty="0">
-                <a:latin typeface="Times New Roman" panose="02020603050405020304" pitchFamily="18" charset="0"/>
-                <a:cs typeface="Times New Roman" panose="02020603050405020304" pitchFamily="18" charset="0"/>
-              </a:rPr>
-              <a:t> :</a:t>
+              <a:t>Olgular “kısmen” gibi bulanık kanaatler gerektirebilir.</a:t>
             </a:r>
           </a:p>
           <a:p>
@@ -15333,7 +15345,7 @@
                 <a:spcPts val="0"/>
               </a:spcBef>
               <a:spcAft>
-                <a:spcPts val="1200"/>
+                <a:spcPts val="1800"/>
               </a:spcAft>
             </a:pPr>
             <a:r>
@@ -15341,7 +15353,7 @@
                 <a:latin typeface="Times New Roman" panose="02020603050405020304" pitchFamily="18" charset="0"/>
                 <a:cs typeface="Times New Roman" panose="02020603050405020304" pitchFamily="18" charset="0"/>
               </a:rPr>
-              <a:t>Bilgi : Eğer domates kırmızı ise olgundur.</a:t>
+              <a:t>Sonuç “biraz” gibi bulanık terimlerle ifade edilebilir.</a:t>
             </a:r>
           </a:p>
           <a:p>
@@ -15353,7 +15365,7 @@
                 <a:spcPts val="0"/>
               </a:spcBef>
               <a:spcAft>
-                <a:spcPts val="1200"/>
+                <a:spcPts val="1800"/>
               </a:spcAft>
             </a:pPr>
             <a:r>
@@ -15361,27 +15373,7 @@
                 <a:latin typeface="Times New Roman" panose="02020603050405020304" pitchFamily="18" charset="0"/>
                 <a:cs typeface="Times New Roman" panose="02020603050405020304" pitchFamily="18" charset="0"/>
               </a:rPr>
-              <a:t>Gerçek : Domates çok kırmızıdır.</a:t>
-            </a:r>
-          </a:p>
-          <a:p>
-            <a:pPr lvl="2">
-              <a:lnSpc>
-                <a:spcPts val="2800"/>
-              </a:lnSpc>
-              <a:spcBef>
-                <a:spcPts val="0"/>
-              </a:spcBef>
-              <a:spcAft>
-                <a:spcPts val="1200"/>
-              </a:spcAft>
-            </a:pPr>
-            <a:r>
-              <a:rPr lang="tr-TR" sz="2200" dirty="0">
-                <a:latin typeface="Times New Roman" panose="02020603050405020304" pitchFamily="18" charset="0"/>
-                <a:cs typeface="Times New Roman" panose="02020603050405020304" pitchFamily="18" charset="0"/>
-              </a:rPr>
-              <a:t>Sonuç: Domates çok olgundur.</a:t>
+              <a:t>Bu bize geleneksel mantıktan çok daha esnek bir yaklaşım sağlar.</a:t>
             </a:r>
           </a:p>
           <a:p>
@@ -15406,7 +15398,7 @@
     </p:spTree>
     <p:extLst>
       <p:ext uri="{BB962C8B-B14F-4D97-AF65-F5344CB8AC3E}">
-        <p14:creationId xmlns:p14="http://schemas.microsoft.com/office/powerpoint/2010/main" val="2922775369"/>
+        <p14:creationId xmlns:p14="http://schemas.microsoft.com/office/powerpoint/2010/main" val="2029834128"/>
       </p:ext>
     </p:extLst>
   </p:cSld>
@@ -15464,7 +15456,23 @@
             <a:pPr algn="ctr" rtl="0"/>
             <a:r>
               <a:rPr lang="tr-TR" sz="4000" dirty="0"/>
-              <a:t>Bulanık Çıkarım</a:t>
+              <a:t>Bileşim Operatörleri (</a:t>
+            </a:r>
+            <a:r>
+              <a:rPr lang="tr-TR" sz="4000" dirty="0" err="1"/>
+              <a:t>composition</a:t>
+            </a:r>
+            <a:r>
+              <a:rPr lang="tr-TR" sz="4000" dirty="0"/>
+              <a:t> </a:t>
+            </a:r>
+            <a:r>
+              <a:rPr lang="tr-TR" sz="4000" dirty="0" err="1"/>
+              <a:t>operators</a:t>
+            </a:r>
+            <a:r>
+              <a:rPr lang="tr-TR" sz="4000" dirty="0"/>
+              <a:t>)</a:t>
             </a:r>
           </a:p>
         </p:txBody>
@@ -15536,19 +15544,19 @@
         </p:spPr>
         <p:txBody>
           <a:bodyPr>
-            <a:normAutofit/>
+            <a:normAutofit fontScale="92500" lnSpcReduction="10000"/>
           </a:bodyPr>
           <a:lstStyle/>
           <a:p>
-            <a:pPr>
+            <a:pPr algn="just">
               <a:lnSpc>
-                <a:spcPts val="2300"/>
+                <a:spcPct val="120000"/>
               </a:lnSpc>
               <a:spcBef>
                 <a:spcPts val="0"/>
               </a:spcBef>
               <a:spcAft>
-                <a:spcPts val="1200"/>
+                <a:spcPts val="600"/>
               </a:spcAft>
             </a:pPr>
             <a:r>
@@ -15556,19 +15564,19 @@
                 <a:latin typeface="Times New Roman" panose="02020603050405020304" pitchFamily="18" charset="0"/>
                 <a:cs typeface="Times New Roman" panose="02020603050405020304" pitchFamily="18" charset="0"/>
               </a:rPr>
-              <a:t>Buradan birçok sonuç çıkarılabilir:</a:t>
-            </a:r>
-          </a:p>
-          <a:p>
-            <a:pPr lvl="2">
+              <a:t>İki işlemi birleştirerek bulanık küme ve bulanık ilişki problemlerini çözebiliriz. </a:t>
+            </a:r>
+          </a:p>
+          <a:p>
+            <a:pPr algn="just">
               <a:lnSpc>
-                <a:spcPts val="2800"/>
+                <a:spcPct val="120000"/>
               </a:lnSpc>
               <a:spcBef>
                 <a:spcPts val="0"/>
               </a:spcBef>
               <a:spcAft>
-                <a:spcPts val="1800"/>
+                <a:spcPts val="600"/>
               </a:spcAft>
             </a:pPr>
             <a:r>
@@ -15576,19 +15584,19 @@
                 <a:latin typeface="Times New Roman" panose="02020603050405020304" pitchFamily="18" charset="0"/>
                 <a:cs typeface="Times New Roman" panose="02020603050405020304" pitchFamily="18" charset="0"/>
               </a:rPr>
-              <a:t>Bulanık çıkarımın insan muhakemesine benzerliğine dikkat etmek gerekir.</a:t>
-            </a:r>
-          </a:p>
-          <a:p>
-            <a:pPr lvl="2">
+              <a:t>Aşağıdaki işlemler kontrol uygulamalarında işlem kolaylıkları ve etkinliklerinden dolayı en sık kullanılanlardır.</a:t>
+            </a:r>
+          </a:p>
+          <a:p>
+            <a:pPr algn="just">
               <a:lnSpc>
-                <a:spcPts val="2800"/>
+                <a:spcPct val="120000"/>
               </a:lnSpc>
               <a:spcBef>
                 <a:spcPts val="0"/>
               </a:spcBef>
               <a:spcAft>
-                <a:spcPts val="1800"/>
+                <a:spcPts val="600"/>
               </a:spcAft>
             </a:pPr>
             <a:r>
@@ -15596,19 +15604,19 @@
                 <a:latin typeface="Times New Roman" panose="02020603050405020304" pitchFamily="18" charset="0"/>
                 <a:cs typeface="Times New Roman" panose="02020603050405020304" pitchFamily="18" charset="0"/>
               </a:rPr>
-              <a:t>Bilgi, “çok” ve “oldukça” gibi belirsiz kanaatlerle ifade edilebilir.</a:t>
-            </a:r>
-          </a:p>
-          <a:p>
-            <a:pPr lvl="2">
+              <a:t>Bulanık kurallarda VE, VEYA bağlaçları kullanılabilir. Öncüldeki iki öncül, VE bağlacı varsa MİN, VEYA bağlacı varsa MAX kullanılarak çıkarım yapılır. </a:t>
+            </a:r>
+          </a:p>
+          <a:p>
+            <a:pPr algn="just">
               <a:lnSpc>
-                <a:spcPts val="2800"/>
+                <a:spcPct val="120000"/>
               </a:lnSpc>
               <a:spcBef>
                 <a:spcPts val="0"/>
               </a:spcBef>
               <a:spcAft>
-                <a:spcPts val="1800"/>
+                <a:spcPts val="600"/>
               </a:spcAft>
             </a:pPr>
             <a:r>
@@ -15616,39 +15624,116 @@
                 <a:latin typeface="Times New Roman" panose="02020603050405020304" pitchFamily="18" charset="0"/>
                 <a:cs typeface="Times New Roman" panose="02020603050405020304" pitchFamily="18" charset="0"/>
               </a:rPr>
-              <a:t>Olgular “kısmen” gibi bulanık kanaatler gerektirebilir.</a:t>
-            </a:r>
-          </a:p>
-          <a:p>
-            <a:pPr lvl="2">
+              <a:t>Her kural için öncülden elde edilen değer çıkış kümesine </a:t>
+            </a:r>
+            <a:r>
+              <a:rPr lang="tr-TR" sz="2200" dirty="0" err="1">
+                <a:latin typeface="Times New Roman" panose="02020603050405020304" pitchFamily="18" charset="0"/>
+                <a:cs typeface="Times New Roman" panose="02020603050405020304" pitchFamily="18" charset="0"/>
+              </a:rPr>
+              <a:t>min</a:t>
+            </a:r>
+            <a:r>
+              <a:rPr lang="tr-TR" sz="2200" dirty="0">
+                <a:latin typeface="Times New Roman" panose="02020603050405020304" pitchFamily="18" charset="0"/>
+                <a:cs typeface="Times New Roman" panose="02020603050405020304" pitchFamily="18" charset="0"/>
+              </a:rPr>
+              <a:t> ile ya da </a:t>
+            </a:r>
+            <a:r>
+              <a:rPr lang="tr-TR" sz="2200" dirty="0" err="1">
+                <a:latin typeface="Times New Roman" panose="02020603050405020304" pitchFamily="18" charset="0"/>
+                <a:cs typeface="Times New Roman" panose="02020603050405020304" pitchFamily="18" charset="0"/>
+              </a:rPr>
+              <a:t>product</a:t>
+            </a:r>
+            <a:r>
+              <a:rPr lang="tr-TR" sz="2200" dirty="0">
+                <a:latin typeface="Times New Roman" panose="02020603050405020304" pitchFamily="18" charset="0"/>
+                <a:cs typeface="Times New Roman" panose="02020603050405020304" pitchFamily="18" charset="0"/>
+              </a:rPr>
+              <a:t> ile etki ettirilebilir. Kurallardan elde edilen çıkışları birleştirmek için ise </a:t>
+            </a:r>
+            <a:r>
+              <a:rPr lang="tr-TR" sz="2200" dirty="0" err="1">
+                <a:latin typeface="Times New Roman" panose="02020603050405020304" pitchFamily="18" charset="0"/>
+                <a:cs typeface="Times New Roman" panose="02020603050405020304" pitchFamily="18" charset="0"/>
+              </a:rPr>
+              <a:t>Max</a:t>
+            </a:r>
+            <a:r>
+              <a:rPr lang="tr-TR" sz="2200" dirty="0">
+                <a:latin typeface="Times New Roman" panose="02020603050405020304" pitchFamily="18" charset="0"/>
+                <a:cs typeface="Times New Roman" panose="02020603050405020304" pitchFamily="18" charset="0"/>
+              </a:rPr>
+              <a:t> kullanılır. Böylece </a:t>
+            </a:r>
+            <a:r>
+              <a:rPr lang="tr-TR" sz="2200" dirty="0" err="1">
+                <a:latin typeface="Times New Roman" panose="02020603050405020304" pitchFamily="18" charset="0"/>
+                <a:cs typeface="Times New Roman" panose="02020603050405020304" pitchFamily="18" charset="0"/>
+              </a:rPr>
+              <a:t>Max-min</a:t>
+            </a:r>
+            <a:r>
+              <a:rPr lang="tr-TR" sz="2200" dirty="0">
+                <a:latin typeface="Times New Roman" panose="02020603050405020304" pitchFamily="18" charset="0"/>
+                <a:cs typeface="Times New Roman" panose="02020603050405020304" pitchFamily="18" charset="0"/>
+              </a:rPr>
+              <a:t> ya da </a:t>
+            </a:r>
+            <a:r>
+              <a:rPr lang="tr-TR" sz="2200" dirty="0" err="1">
+                <a:latin typeface="Times New Roman" panose="02020603050405020304" pitchFamily="18" charset="0"/>
+                <a:cs typeface="Times New Roman" panose="02020603050405020304" pitchFamily="18" charset="0"/>
+              </a:rPr>
+              <a:t>Max-product</a:t>
+            </a:r>
+            <a:r>
+              <a:rPr lang="tr-TR" sz="2200" dirty="0">
+                <a:latin typeface="Times New Roman" panose="02020603050405020304" pitchFamily="18" charset="0"/>
+                <a:cs typeface="Times New Roman" panose="02020603050405020304" pitchFamily="18" charset="0"/>
+              </a:rPr>
+              <a:t> yöntemleri elde edilmiş olur.</a:t>
+            </a:r>
+          </a:p>
+          <a:p>
+            <a:pPr>
               <a:lnSpc>
-                <a:spcPts val="2800"/>
+                <a:spcPts val="2700"/>
               </a:lnSpc>
               <a:spcBef>
                 <a:spcPts val="0"/>
               </a:spcBef>
               <a:spcAft>
-                <a:spcPts val="1800"/>
+                <a:spcPts val="600"/>
               </a:spcAft>
             </a:pPr>
             <a:r>
-              <a:rPr lang="tr-TR" sz="2200" dirty="0">
-                <a:latin typeface="Times New Roman" panose="02020603050405020304" pitchFamily="18" charset="0"/>
-                <a:cs typeface="Times New Roman" panose="02020603050405020304" pitchFamily="18" charset="0"/>
-              </a:rPr>
-              <a:t>Sonuç “biraz” gibi bulanık terimlerle ifade edilebilir.</a:t>
-            </a:r>
-          </a:p>
-          <a:p>
-            <a:pPr lvl="2">
+              <a:rPr lang="tr-TR" sz="2200" b="1" dirty="0" err="1">
+                <a:latin typeface="Times New Roman" panose="02020603050405020304" pitchFamily="18" charset="0"/>
+                <a:cs typeface="Times New Roman" panose="02020603050405020304" pitchFamily="18" charset="0"/>
+              </a:rPr>
+              <a:t>Max-Min</a:t>
+            </a:r>
+            <a:r>
+              <a:rPr lang="tr-TR" sz="2200" b="1" dirty="0">
+                <a:latin typeface="Times New Roman" panose="02020603050405020304" pitchFamily="18" charset="0"/>
+                <a:cs typeface="Times New Roman" panose="02020603050405020304" pitchFamily="18" charset="0"/>
+              </a:rPr>
+              <a:t> İşlemi:</a:t>
+            </a:r>
+          </a:p>
+          <a:p>
+            <a:pPr lvl="1">
               <a:lnSpc>
-                <a:spcPts val="2800"/>
+                <a:spcPts val="2700"/>
               </a:lnSpc>
               <a:spcBef>
                 <a:spcPts val="0"/>
               </a:spcBef>
               <a:spcAft>
-                <a:spcPts val="1800"/>
+                <a:spcPts val="600"/>
               </a:spcAft>
             </a:pPr>
             <a:r>
@@ -15656,32 +15741,200 @@
                 <a:latin typeface="Times New Roman" panose="02020603050405020304" pitchFamily="18" charset="0"/>
                 <a:cs typeface="Times New Roman" panose="02020603050405020304" pitchFamily="18" charset="0"/>
               </a:rPr>
-              <a:t>Bu bize geleneksel mantıktan çok daha esnek bir yaklaşım sağlar.</a:t>
-            </a:r>
-          </a:p>
-          <a:p>
-            <a:pPr>
+              <a:t>B'= A' </a:t>
+            </a:r>
+            <a:r>
+              <a:rPr lang="el-GR" sz="2200" dirty="0">
+                <a:latin typeface="Times New Roman" panose="02020603050405020304" pitchFamily="18" charset="0"/>
+                <a:cs typeface="Times New Roman" panose="02020603050405020304" pitchFamily="18" charset="0"/>
+              </a:rPr>
+              <a:t>ο </a:t>
+            </a:r>
+            <a:r>
+              <a:rPr lang="tr-TR" sz="2200" dirty="0">
+                <a:latin typeface="Times New Roman" panose="02020603050405020304" pitchFamily="18" charset="0"/>
+                <a:cs typeface="Times New Roman" panose="02020603050405020304" pitchFamily="18" charset="0"/>
+              </a:rPr>
+              <a:t>R	 </a:t>
+            </a:r>
+          </a:p>
+          <a:p>
+            <a:pPr lvl="1">
               <a:lnSpc>
-                <a:spcPts val="2300"/>
+                <a:spcPts val="2700"/>
               </a:lnSpc>
               <a:spcBef>
                 <a:spcPts val="0"/>
               </a:spcBef>
               <a:spcAft>
-                <a:spcPts val="1200"/>
+                <a:spcPts val="600"/>
               </a:spcAft>
             </a:pPr>
-            <a:endParaRPr lang="tr-TR" sz="2200" dirty="0">
-              <a:latin typeface="Times New Roman" panose="02020603050405020304" pitchFamily="18" charset="0"/>
-              <a:cs typeface="Times New Roman" panose="02020603050405020304" pitchFamily="18" charset="0"/>
-            </a:endParaRPr>
+            <a:r>
+              <a:rPr lang="tr-TR" sz="2200" dirty="0">
+                <a:latin typeface="Times New Roman" panose="02020603050405020304" pitchFamily="18" charset="0"/>
+                <a:cs typeface="Times New Roman" panose="02020603050405020304" pitchFamily="18" charset="0"/>
+              </a:rPr>
+              <a:t>µA' </a:t>
+            </a:r>
+            <a:r>
+              <a:rPr lang="el-GR" sz="2200" dirty="0">
+                <a:latin typeface="Times New Roman" panose="02020603050405020304" pitchFamily="18" charset="0"/>
+                <a:cs typeface="Times New Roman" panose="02020603050405020304" pitchFamily="18" charset="0"/>
+              </a:rPr>
+              <a:t>ο </a:t>
+            </a:r>
+            <a:r>
+              <a:rPr lang="tr-TR" sz="2200" dirty="0">
+                <a:latin typeface="Times New Roman" panose="02020603050405020304" pitchFamily="18" charset="0"/>
+                <a:cs typeface="Times New Roman" panose="02020603050405020304" pitchFamily="18" charset="0"/>
+              </a:rPr>
+              <a:t>R =</a:t>
+            </a:r>
+            <a:r>
+              <a:rPr lang="tr-TR" sz="2200" dirty="0" err="1">
+                <a:latin typeface="Times New Roman" panose="02020603050405020304" pitchFamily="18" charset="0"/>
+                <a:cs typeface="Times New Roman" panose="02020603050405020304" pitchFamily="18" charset="0"/>
+              </a:rPr>
+              <a:t>Max</a:t>
+            </a:r>
+            <a:r>
+              <a:rPr lang="tr-TR" sz="2200" dirty="0">
+                <a:latin typeface="Times New Roman" panose="02020603050405020304" pitchFamily="18" charset="0"/>
+                <a:cs typeface="Times New Roman" panose="02020603050405020304" pitchFamily="18" charset="0"/>
+              </a:rPr>
+              <a:t>{</a:t>
+            </a:r>
+            <a:r>
+              <a:rPr lang="tr-TR" sz="2200" dirty="0" err="1">
+                <a:latin typeface="Times New Roman" panose="02020603050405020304" pitchFamily="18" charset="0"/>
+                <a:cs typeface="Times New Roman" panose="02020603050405020304" pitchFamily="18" charset="0"/>
+              </a:rPr>
+              <a:t>Min</a:t>
+            </a:r>
+            <a:r>
+              <a:rPr lang="tr-TR" sz="2200" dirty="0">
+                <a:latin typeface="Times New Roman" panose="02020603050405020304" pitchFamily="18" charset="0"/>
+                <a:cs typeface="Times New Roman" panose="02020603050405020304" pitchFamily="18" charset="0"/>
+              </a:rPr>
+              <a:t>[µA' (u), µR(</a:t>
+            </a:r>
+            <a:r>
+              <a:rPr lang="tr-TR" sz="2200" dirty="0" err="1">
+                <a:latin typeface="Times New Roman" panose="02020603050405020304" pitchFamily="18" charset="0"/>
+                <a:cs typeface="Times New Roman" panose="02020603050405020304" pitchFamily="18" charset="0"/>
+              </a:rPr>
+              <a:t>u,v</a:t>
+            </a:r>
+            <a:r>
+              <a:rPr lang="tr-TR" sz="2200" dirty="0">
+                <a:latin typeface="Times New Roman" panose="02020603050405020304" pitchFamily="18" charset="0"/>
+                <a:cs typeface="Times New Roman" panose="02020603050405020304" pitchFamily="18" charset="0"/>
+              </a:rPr>
+              <a:t>)]}</a:t>
+            </a:r>
+          </a:p>
+          <a:p>
+            <a:pPr>
+              <a:lnSpc>
+                <a:spcPts val="2700"/>
+              </a:lnSpc>
+              <a:spcBef>
+                <a:spcPts val="0"/>
+              </a:spcBef>
+              <a:spcAft>
+                <a:spcPts val="600"/>
+              </a:spcAft>
+            </a:pPr>
+            <a:r>
+              <a:rPr lang="tr-TR" sz="2200" b="1" dirty="0" err="1">
+                <a:latin typeface="Times New Roman" panose="02020603050405020304" pitchFamily="18" charset="0"/>
+                <a:cs typeface="Times New Roman" panose="02020603050405020304" pitchFamily="18" charset="0"/>
+              </a:rPr>
+              <a:t>Max</a:t>
+            </a:r>
+            <a:r>
+              <a:rPr lang="tr-TR" sz="2200" b="1" dirty="0">
+                <a:latin typeface="Times New Roman" panose="02020603050405020304" pitchFamily="18" charset="0"/>
+                <a:cs typeface="Times New Roman" panose="02020603050405020304" pitchFamily="18" charset="0"/>
+              </a:rPr>
+              <a:t>-Product İşlemi:</a:t>
+            </a:r>
+          </a:p>
+          <a:p>
+            <a:pPr lvl="1">
+              <a:lnSpc>
+                <a:spcPts val="2700"/>
+              </a:lnSpc>
+              <a:spcBef>
+                <a:spcPts val="0"/>
+              </a:spcBef>
+              <a:spcAft>
+                <a:spcPts val="600"/>
+              </a:spcAft>
+            </a:pPr>
+            <a:r>
+              <a:rPr lang="tr-TR" sz="2200" dirty="0">
+                <a:latin typeface="Times New Roman" panose="02020603050405020304" pitchFamily="18" charset="0"/>
+                <a:cs typeface="Times New Roman" panose="02020603050405020304" pitchFamily="18" charset="0"/>
+              </a:rPr>
+              <a:t>B'= A'*R	</a:t>
+            </a:r>
+          </a:p>
+          <a:p>
+            <a:pPr lvl="1">
+              <a:lnSpc>
+                <a:spcPts val="2700"/>
+              </a:lnSpc>
+              <a:spcBef>
+                <a:spcPts val="0"/>
+              </a:spcBef>
+              <a:spcAft>
+                <a:spcPts val="600"/>
+              </a:spcAft>
+            </a:pPr>
+            <a:r>
+              <a:rPr lang="tr-TR" sz="2200" dirty="0">
+                <a:latin typeface="Times New Roman" panose="02020603050405020304" pitchFamily="18" charset="0"/>
+                <a:cs typeface="Times New Roman" panose="02020603050405020304" pitchFamily="18" charset="0"/>
+              </a:rPr>
+              <a:t>µA'*R =</a:t>
+            </a:r>
+            <a:r>
+              <a:rPr lang="tr-TR" sz="2200" dirty="0" err="1">
+                <a:latin typeface="Times New Roman" panose="02020603050405020304" pitchFamily="18" charset="0"/>
+                <a:cs typeface="Times New Roman" panose="02020603050405020304" pitchFamily="18" charset="0"/>
+              </a:rPr>
+              <a:t>Max</a:t>
+            </a:r>
+            <a:r>
+              <a:rPr lang="tr-TR" sz="2200" dirty="0">
+                <a:latin typeface="Times New Roman" panose="02020603050405020304" pitchFamily="18" charset="0"/>
+                <a:cs typeface="Times New Roman" panose="02020603050405020304" pitchFamily="18" charset="0"/>
+              </a:rPr>
+              <a:t>{µA' (u).µR (</a:t>
+            </a:r>
+            <a:r>
+              <a:rPr lang="tr-TR" sz="2200" dirty="0" err="1">
+                <a:latin typeface="Times New Roman" panose="02020603050405020304" pitchFamily="18" charset="0"/>
+                <a:cs typeface="Times New Roman" panose="02020603050405020304" pitchFamily="18" charset="0"/>
+              </a:rPr>
+              <a:t>u,v</a:t>
+            </a:r>
+            <a:r>
+              <a:rPr lang="tr-TR" sz="2200" dirty="0">
+                <a:latin typeface="Times New Roman" panose="02020603050405020304" pitchFamily="18" charset="0"/>
+                <a:cs typeface="Times New Roman" panose="02020603050405020304" pitchFamily="18" charset="0"/>
+              </a:rPr>
+              <a:t>)}</a:t>
+            </a:r>
           </a:p>
         </p:txBody>
       </p:sp>
     </p:spTree>
     <p:extLst>
       <p:ext uri="{BB962C8B-B14F-4D97-AF65-F5344CB8AC3E}">
-        <p14:creationId xmlns:p14="http://schemas.microsoft.com/office/powerpoint/2010/main" val="2029834128"/>
+        <p14:creationId xmlns:p14="http://schemas.microsoft.com/office/powerpoint/2010/main" val="1726897488"/>
       </p:ext>
     </p:extLst>
   </p:cSld>
@@ -15739,23 +15992,7 @@
             <a:pPr algn="ctr" rtl="0"/>
             <a:r>
               <a:rPr lang="tr-TR" sz="4000" dirty="0"/>
-              <a:t>Bileşim Operatörleri (</a:t>
-            </a:r>
-            <a:r>
-              <a:rPr lang="tr-TR" sz="4000" dirty="0" err="1"/>
-              <a:t>composition</a:t>
-            </a:r>
-            <a:r>
-              <a:rPr lang="tr-TR" sz="4000" dirty="0"/>
-              <a:t> </a:t>
-            </a:r>
-            <a:r>
-              <a:rPr lang="tr-TR" sz="4000" dirty="0" err="1"/>
-              <a:t>operators</a:t>
-            </a:r>
-            <a:r>
-              <a:rPr lang="tr-TR" sz="4000" dirty="0"/>
-              <a:t>)</a:t>
+              <a:t>Bulanık Muhakeme</a:t>
             </a:r>
           </a:p>
         </p:txBody>
@@ -15794,537 +16031,6 @@
                 </a:solidFill>
               </a:rPr>
               <a:t>16</a:t>
-            </a:fld>
-            <a:endParaRPr lang="tr-TR" b="1" cap="all" spc="100" dirty="0">
-              <a:solidFill>
-                <a:schemeClr val="accent2"/>
-              </a:solidFill>
-            </a:endParaRPr>
-          </a:p>
-        </p:txBody>
-      </p:sp>
-      <p:sp>
-        <p:nvSpPr>
-          <p:cNvPr id="3" name="İçerik Yer Tutucusu 2">
-            <a:extLst>
-              <a:ext uri="{FF2B5EF4-FFF2-40B4-BE49-F238E27FC236}">
-                <a16:creationId xmlns:a16="http://schemas.microsoft.com/office/drawing/2014/main" id="{839B2505-A752-6959-A64F-4ADB0FD16C45}"/>
-              </a:ext>
-            </a:extLst>
-          </p:cNvPr>
-          <p:cNvSpPr>
-            <a:spLocks noGrp="1"/>
-          </p:cNvSpPr>
-          <p:nvPr>
-            <p:ph idx="1"/>
-          </p:nvPr>
-        </p:nvSpPr>
-        <p:spPr>
-          <a:xfrm>
-            <a:off x="838200" y="747346"/>
-            <a:ext cx="10515600" cy="5524683"/>
-          </a:xfrm>
-        </p:spPr>
-        <p:txBody>
-          <a:bodyPr>
-            <a:normAutofit fontScale="77500" lnSpcReduction="20000"/>
-          </a:bodyPr>
-          <a:lstStyle/>
-          <a:p>
-            <a:pPr algn="just">
-              <a:lnSpc>
-                <a:spcPts val="2700"/>
-              </a:lnSpc>
-              <a:spcBef>
-                <a:spcPts val="0"/>
-              </a:spcBef>
-              <a:spcAft>
-                <a:spcPts val="600"/>
-              </a:spcAft>
-            </a:pPr>
-            <a:r>
-              <a:rPr lang="tr-TR" sz="2200" dirty="0">
-                <a:latin typeface="Times New Roman" panose="02020603050405020304" pitchFamily="18" charset="0"/>
-                <a:cs typeface="Times New Roman" panose="02020603050405020304" pitchFamily="18" charset="0"/>
-              </a:rPr>
-              <a:t>İki işlemi birleştirerek bulanık küme ve bulanık ilişki problemlerini çözebiliriz. </a:t>
-            </a:r>
-          </a:p>
-          <a:p>
-            <a:pPr algn="just">
-              <a:lnSpc>
-                <a:spcPts val="2700"/>
-              </a:lnSpc>
-              <a:spcBef>
-                <a:spcPts val="0"/>
-              </a:spcBef>
-              <a:spcAft>
-                <a:spcPts val="600"/>
-              </a:spcAft>
-            </a:pPr>
-            <a:r>
-              <a:rPr lang="tr-TR" sz="2200" dirty="0">
-                <a:latin typeface="Times New Roman" panose="02020603050405020304" pitchFamily="18" charset="0"/>
-                <a:cs typeface="Times New Roman" panose="02020603050405020304" pitchFamily="18" charset="0"/>
-              </a:rPr>
-              <a:t>Aşağıdaki işlemler kontrol uygulamalarında işlem kolaylıkları ve etkinliklerinden dolayı en sık kullanılanlardır.</a:t>
-            </a:r>
-          </a:p>
-          <a:p>
-            <a:pPr algn="just">
-              <a:lnSpc>
-                <a:spcPts val="2700"/>
-              </a:lnSpc>
-              <a:spcBef>
-                <a:spcPts val="0"/>
-              </a:spcBef>
-              <a:spcAft>
-                <a:spcPts val="600"/>
-              </a:spcAft>
-            </a:pPr>
-            <a:r>
-              <a:rPr lang="tr-TR" sz="2200" dirty="0">
-                <a:latin typeface="Times New Roman" panose="02020603050405020304" pitchFamily="18" charset="0"/>
-                <a:cs typeface="Times New Roman" panose="02020603050405020304" pitchFamily="18" charset="0"/>
-              </a:rPr>
-              <a:t>Bulanık kurallarda VE, VEYA bağlaçları kullanılabilir. Öncüldeki iki öncül, VE bağlacı varsa MİN, VEYA bağlacı varsa MAX kullanılarak çıkarım yapılır. </a:t>
-            </a:r>
-          </a:p>
-          <a:p>
-            <a:pPr algn="just">
-              <a:lnSpc>
-                <a:spcPts val="2700"/>
-              </a:lnSpc>
-              <a:spcBef>
-                <a:spcPts val="0"/>
-              </a:spcBef>
-              <a:spcAft>
-                <a:spcPts val="600"/>
-              </a:spcAft>
-            </a:pPr>
-            <a:r>
-              <a:rPr lang="tr-TR" sz="2200" dirty="0">
-                <a:latin typeface="Times New Roman" panose="02020603050405020304" pitchFamily="18" charset="0"/>
-                <a:cs typeface="Times New Roman" panose="02020603050405020304" pitchFamily="18" charset="0"/>
-              </a:rPr>
-              <a:t>Her kural için öncülden elde edilen değer çıkış kümesine </a:t>
-            </a:r>
-            <a:r>
-              <a:rPr lang="tr-TR" sz="2200" dirty="0" err="1">
-                <a:latin typeface="Times New Roman" panose="02020603050405020304" pitchFamily="18" charset="0"/>
-                <a:cs typeface="Times New Roman" panose="02020603050405020304" pitchFamily="18" charset="0"/>
-              </a:rPr>
-              <a:t>min</a:t>
-            </a:r>
-            <a:r>
-              <a:rPr lang="tr-TR" sz="2200" dirty="0">
-                <a:latin typeface="Times New Roman" panose="02020603050405020304" pitchFamily="18" charset="0"/>
-                <a:cs typeface="Times New Roman" panose="02020603050405020304" pitchFamily="18" charset="0"/>
-              </a:rPr>
-              <a:t> ile ya da </a:t>
-            </a:r>
-            <a:r>
-              <a:rPr lang="tr-TR" sz="2200" dirty="0" err="1">
-                <a:latin typeface="Times New Roman" panose="02020603050405020304" pitchFamily="18" charset="0"/>
-                <a:cs typeface="Times New Roman" panose="02020603050405020304" pitchFamily="18" charset="0"/>
-              </a:rPr>
-              <a:t>product</a:t>
-            </a:r>
-            <a:r>
-              <a:rPr lang="tr-TR" sz="2200" dirty="0">
-                <a:latin typeface="Times New Roman" panose="02020603050405020304" pitchFamily="18" charset="0"/>
-                <a:cs typeface="Times New Roman" panose="02020603050405020304" pitchFamily="18" charset="0"/>
-              </a:rPr>
-              <a:t> ile etki ettirilebilir. Kurallardan elde edilen çıkışları birleştirmek için ise </a:t>
-            </a:r>
-            <a:r>
-              <a:rPr lang="tr-TR" sz="2200" dirty="0" err="1">
-                <a:latin typeface="Times New Roman" panose="02020603050405020304" pitchFamily="18" charset="0"/>
-                <a:cs typeface="Times New Roman" panose="02020603050405020304" pitchFamily="18" charset="0"/>
-              </a:rPr>
-              <a:t>Max</a:t>
-            </a:r>
-            <a:r>
-              <a:rPr lang="tr-TR" sz="2200" dirty="0">
-                <a:latin typeface="Times New Roman" panose="02020603050405020304" pitchFamily="18" charset="0"/>
-                <a:cs typeface="Times New Roman" panose="02020603050405020304" pitchFamily="18" charset="0"/>
-              </a:rPr>
-              <a:t> kullanılır. Böylece </a:t>
-            </a:r>
-            <a:r>
-              <a:rPr lang="tr-TR" sz="2200" dirty="0" err="1">
-                <a:latin typeface="Times New Roman" panose="02020603050405020304" pitchFamily="18" charset="0"/>
-                <a:cs typeface="Times New Roman" panose="02020603050405020304" pitchFamily="18" charset="0"/>
-              </a:rPr>
-              <a:t>Max-min</a:t>
-            </a:r>
-            <a:r>
-              <a:rPr lang="tr-TR" sz="2200" dirty="0">
-                <a:latin typeface="Times New Roman" panose="02020603050405020304" pitchFamily="18" charset="0"/>
-                <a:cs typeface="Times New Roman" panose="02020603050405020304" pitchFamily="18" charset="0"/>
-              </a:rPr>
-              <a:t> ya da </a:t>
-            </a:r>
-            <a:r>
-              <a:rPr lang="tr-TR" sz="2200" dirty="0" err="1">
-                <a:latin typeface="Times New Roman" panose="02020603050405020304" pitchFamily="18" charset="0"/>
-                <a:cs typeface="Times New Roman" panose="02020603050405020304" pitchFamily="18" charset="0"/>
-              </a:rPr>
-              <a:t>Max-product</a:t>
-            </a:r>
-            <a:r>
-              <a:rPr lang="tr-TR" sz="2200" dirty="0">
-                <a:latin typeface="Times New Roman" panose="02020603050405020304" pitchFamily="18" charset="0"/>
-                <a:cs typeface="Times New Roman" panose="02020603050405020304" pitchFamily="18" charset="0"/>
-              </a:rPr>
-              <a:t> yöntemleri </a:t>
-            </a:r>
-            <a:r>
-              <a:rPr lang="tr-TR" sz="2200">
-                <a:latin typeface="Times New Roman" panose="02020603050405020304" pitchFamily="18" charset="0"/>
-                <a:cs typeface="Times New Roman" panose="02020603050405020304" pitchFamily="18" charset="0"/>
-              </a:rPr>
-              <a:t>elde edilmiş olur.</a:t>
-            </a:r>
-            <a:endParaRPr lang="tr-TR" sz="2200" dirty="0">
-              <a:latin typeface="Times New Roman" panose="02020603050405020304" pitchFamily="18" charset="0"/>
-              <a:cs typeface="Times New Roman" panose="02020603050405020304" pitchFamily="18" charset="0"/>
-            </a:endParaRPr>
-          </a:p>
-          <a:p>
-            <a:pPr>
-              <a:lnSpc>
-                <a:spcPts val="2700"/>
-              </a:lnSpc>
-              <a:spcBef>
-                <a:spcPts val="0"/>
-              </a:spcBef>
-              <a:spcAft>
-                <a:spcPts val="600"/>
-              </a:spcAft>
-            </a:pPr>
-            <a:r>
-              <a:rPr lang="tr-TR" sz="2200" b="1" dirty="0" err="1">
-                <a:latin typeface="Times New Roman" panose="02020603050405020304" pitchFamily="18" charset="0"/>
-                <a:cs typeface="Times New Roman" panose="02020603050405020304" pitchFamily="18" charset="0"/>
-              </a:rPr>
-              <a:t>Max-Min</a:t>
-            </a:r>
-            <a:r>
-              <a:rPr lang="tr-TR" sz="2200" b="1" dirty="0">
-                <a:latin typeface="Times New Roman" panose="02020603050405020304" pitchFamily="18" charset="0"/>
-                <a:cs typeface="Times New Roman" panose="02020603050405020304" pitchFamily="18" charset="0"/>
-              </a:rPr>
-              <a:t> İşlemi:</a:t>
-            </a:r>
-          </a:p>
-          <a:p>
-            <a:pPr lvl="1">
-              <a:lnSpc>
-                <a:spcPts val="2700"/>
-              </a:lnSpc>
-              <a:spcBef>
-                <a:spcPts val="0"/>
-              </a:spcBef>
-              <a:spcAft>
-                <a:spcPts val="600"/>
-              </a:spcAft>
-            </a:pPr>
-            <a:r>
-              <a:rPr lang="tr-TR" sz="2200" dirty="0">
-                <a:latin typeface="Times New Roman" panose="02020603050405020304" pitchFamily="18" charset="0"/>
-                <a:cs typeface="Times New Roman" panose="02020603050405020304" pitchFamily="18" charset="0"/>
-              </a:rPr>
-              <a:t>B'= A' </a:t>
-            </a:r>
-            <a:r>
-              <a:rPr lang="el-GR" sz="2200" dirty="0">
-                <a:latin typeface="Times New Roman" panose="02020603050405020304" pitchFamily="18" charset="0"/>
-                <a:cs typeface="Times New Roman" panose="02020603050405020304" pitchFamily="18" charset="0"/>
-              </a:rPr>
-              <a:t>ο </a:t>
-            </a:r>
-            <a:r>
-              <a:rPr lang="tr-TR" sz="2200" dirty="0">
-                <a:latin typeface="Times New Roman" panose="02020603050405020304" pitchFamily="18" charset="0"/>
-                <a:cs typeface="Times New Roman" panose="02020603050405020304" pitchFamily="18" charset="0"/>
-              </a:rPr>
-              <a:t>R	 </a:t>
-            </a:r>
-          </a:p>
-          <a:p>
-            <a:pPr lvl="1">
-              <a:lnSpc>
-                <a:spcPts val="2700"/>
-              </a:lnSpc>
-              <a:spcBef>
-                <a:spcPts val="0"/>
-              </a:spcBef>
-              <a:spcAft>
-                <a:spcPts val="600"/>
-              </a:spcAft>
-            </a:pPr>
-            <a:r>
-              <a:rPr lang="tr-TR" sz="2200" dirty="0">
-                <a:latin typeface="Times New Roman" panose="02020603050405020304" pitchFamily="18" charset="0"/>
-                <a:cs typeface="Times New Roman" panose="02020603050405020304" pitchFamily="18" charset="0"/>
-              </a:rPr>
-              <a:t>µA' </a:t>
-            </a:r>
-            <a:r>
-              <a:rPr lang="el-GR" sz="2200" dirty="0">
-                <a:latin typeface="Times New Roman" panose="02020603050405020304" pitchFamily="18" charset="0"/>
-                <a:cs typeface="Times New Roman" panose="02020603050405020304" pitchFamily="18" charset="0"/>
-              </a:rPr>
-              <a:t>ο </a:t>
-            </a:r>
-            <a:r>
-              <a:rPr lang="tr-TR" sz="2200" dirty="0">
-                <a:latin typeface="Times New Roman" panose="02020603050405020304" pitchFamily="18" charset="0"/>
-                <a:cs typeface="Times New Roman" panose="02020603050405020304" pitchFamily="18" charset="0"/>
-              </a:rPr>
-              <a:t>R =</a:t>
-            </a:r>
-            <a:r>
-              <a:rPr lang="tr-TR" sz="2200" dirty="0" err="1">
-                <a:latin typeface="Times New Roman" panose="02020603050405020304" pitchFamily="18" charset="0"/>
-                <a:cs typeface="Times New Roman" panose="02020603050405020304" pitchFamily="18" charset="0"/>
-              </a:rPr>
-              <a:t>Max</a:t>
-            </a:r>
-            <a:r>
-              <a:rPr lang="tr-TR" sz="2200" dirty="0">
-                <a:latin typeface="Times New Roman" panose="02020603050405020304" pitchFamily="18" charset="0"/>
-                <a:cs typeface="Times New Roman" panose="02020603050405020304" pitchFamily="18" charset="0"/>
-              </a:rPr>
-              <a:t>{</a:t>
-            </a:r>
-            <a:r>
-              <a:rPr lang="tr-TR" sz="2200" dirty="0" err="1">
-                <a:latin typeface="Times New Roman" panose="02020603050405020304" pitchFamily="18" charset="0"/>
-                <a:cs typeface="Times New Roman" panose="02020603050405020304" pitchFamily="18" charset="0"/>
-              </a:rPr>
-              <a:t>Min</a:t>
-            </a:r>
-            <a:r>
-              <a:rPr lang="tr-TR" sz="2200" dirty="0">
-                <a:latin typeface="Times New Roman" panose="02020603050405020304" pitchFamily="18" charset="0"/>
-                <a:cs typeface="Times New Roman" panose="02020603050405020304" pitchFamily="18" charset="0"/>
-              </a:rPr>
-              <a:t>[µA' (u), µR(</a:t>
-            </a:r>
-            <a:r>
-              <a:rPr lang="tr-TR" sz="2200" dirty="0" err="1">
-                <a:latin typeface="Times New Roman" panose="02020603050405020304" pitchFamily="18" charset="0"/>
-                <a:cs typeface="Times New Roman" panose="02020603050405020304" pitchFamily="18" charset="0"/>
-              </a:rPr>
-              <a:t>u,v</a:t>
-            </a:r>
-            <a:r>
-              <a:rPr lang="tr-TR" sz="2200" dirty="0">
-                <a:latin typeface="Times New Roman" panose="02020603050405020304" pitchFamily="18" charset="0"/>
-                <a:cs typeface="Times New Roman" panose="02020603050405020304" pitchFamily="18" charset="0"/>
-              </a:rPr>
-              <a:t>)]}</a:t>
-            </a:r>
-          </a:p>
-          <a:p>
-            <a:pPr>
-              <a:lnSpc>
-                <a:spcPts val="2700"/>
-              </a:lnSpc>
-              <a:spcBef>
-                <a:spcPts val="0"/>
-              </a:spcBef>
-              <a:spcAft>
-                <a:spcPts val="600"/>
-              </a:spcAft>
-            </a:pPr>
-            <a:r>
-              <a:rPr lang="tr-TR" sz="2200" b="1" dirty="0" err="1">
-                <a:latin typeface="Times New Roman" panose="02020603050405020304" pitchFamily="18" charset="0"/>
-                <a:cs typeface="Times New Roman" panose="02020603050405020304" pitchFamily="18" charset="0"/>
-              </a:rPr>
-              <a:t>Max</a:t>
-            </a:r>
-            <a:r>
-              <a:rPr lang="tr-TR" sz="2200" b="1" dirty="0">
-                <a:latin typeface="Times New Roman" panose="02020603050405020304" pitchFamily="18" charset="0"/>
-                <a:cs typeface="Times New Roman" panose="02020603050405020304" pitchFamily="18" charset="0"/>
-              </a:rPr>
-              <a:t>-Product İşlemi:</a:t>
-            </a:r>
-          </a:p>
-          <a:p>
-            <a:pPr lvl="1">
-              <a:lnSpc>
-                <a:spcPts val="2700"/>
-              </a:lnSpc>
-              <a:spcBef>
-                <a:spcPts val="0"/>
-              </a:spcBef>
-              <a:spcAft>
-                <a:spcPts val="600"/>
-              </a:spcAft>
-            </a:pPr>
-            <a:r>
-              <a:rPr lang="tr-TR" sz="2200" dirty="0">
-                <a:latin typeface="Times New Roman" panose="02020603050405020304" pitchFamily="18" charset="0"/>
-                <a:cs typeface="Times New Roman" panose="02020603050405020304" pitchFamily="18" charset="0"/>
-              </a:rPr>
-              <a:t>B'= A'*R	</a:t>
-            </a:r>
-          </a:p>
-          <a:p>
-            <a:pPr lvl="1">
-              <a:lnSpc>
-                <a:spcPts val="2700"/>
-              </a:lnSpc>
-              <a:spcBef>
-                <a:spcPts val="0"/>
-              </a:spcBef>
-              <a:spcAft>
-                <a:spcPts val="600"/>
-              </a:spcAft>
-            </a:pPr>
-            <a:r>
-              <a:rPr lang="tr-TR" sz="2200" dirty="0">
-                <a:latin typeface="Times New Roman" panose="02020603050405020304" pitchFamily="18" charset="0"/>
-                <a:cs typeface="Times New Roman" panose="02020603050405020304" pitchFamily="18" charset="0"/>
-              </a:rPr>
-              <a:t>µA'*R =</a:t>
-            </a:r>
-            <a:r>
-              <a:rPr lang="tr-TR" sz="2200" dirty="0" err="1">
-                <a:latin typeface="Times New Roman" panose="02020603050405020304" pitchFamily="18" charset="0"/>
-                <a:cs typeface="Times New Roman" panose="02020603050405020304" pitchFamily="18" charset="0"/>
-              </a:rPr>
-              <a:t>Max</a:t>
-            </a:r>
-            <a:r>
-              <a:rPr lang="tr-TR" sz="2200" dirty="0">
-                <a:latin typeface="Times New Roman" panose="02020603050405020304" pitchFamily="18" charset="0"/>
-                <a:cs typeface="Times New Roman" panose="02020603050405020304" pitchFamily="18" charset="0"/>
-              </a:rPr>
-              <a:t>{µA' (u).µR (</a:t>
-            </a:r>
-            <a:r>
-              <a:rPr lang="tr-TR" sz="2200" dirty="0" err="1">
-                <a:latin typeface="Times New Roman" panose="02020603050405020304" pitchFamily="18" charset="0"/>
-                <a:cs typeface="Times New Roman" panose="02020603050405020304" pitchFamily="18" charset="0"/>
-              </a:rPr>
-              <a:t>u,v</a:t>
-            </a:r>
-            <a:r>
-              <a:rPr lang="tr-TR" sz="2200" dirty="0">
-                <a:latin typeface="Times New Roman" panose="02020603050405020304" pitchFamily="18" charset="0"/>
-                <a:cs typeface="Times New Roman" panose="02020603050405020304" pitchFamily="18" charset="0"/>
-              </a:rPr>
-              <a:t>)}</a:t>
-            </a:r>
-          </a:p>
-        </p:txBody>
-      </p:sp>
-    </p:spTree>
-    <p:extLst>
-      <p:ext uri="{BB962C8B-B14F-4D97-AF65-F5344CB8AC3E}">
-        <p14:creationId xmlns:p14="http://schemas.microsoft.com/office/powerpoint/2010/main" val="1726897488"/>
-      </p:ext>
-    </p:extLst>
-  </p:cSld>
-  <p:clrMapOvr>
-    <a:masterClrMapping/>
-  </p:clrMapOvr>
-</p:sld>
-</file>
-
-<file path=ppt/slides/slide17.xml><?xml version="1.0" encoding="utf-8"?>
-<p:sld xmlns:a="http://schemas.openxmlformats.org/drawingml/2006/main" xmlns:r="http://schemas.openxmlformats.org/officeDocument/2006/relationships" xmlns:p="http://schemas.openxmlformats.org/presentationml/2006/main">
-  <p:cSld>
-    <p:spTree>
-      <p:nvGrpSpPr>
-        <p:cNvPr id="1" name=""/>
-        <p:cNvGrpSpPr/>
-        <p:nvPr/>
-      </p:nvGrpSpPr>
-      <p:grpSpPr>
-        <a:xfrm>
-          <a:off x="0" y="0"/>
-          <a:ext cx="0" cy="0"/>
-          <a:chOff x="0" y="0"/>
-          <a:chExt cx="0" cy="0"/>
-        </a:xfrm>
-      </p:grpSpPr>
-      <p:sp>
-        <p:nvSpPr>
-          <p:cNvPr id="4" name="Başlık 3">
-            <a:extLst>
-              <a:ext uri="{FF2B5EF4-FFF2-40B4-BE49-F238E27FC236}">
-                <a16:creationId xmlns:a16="http://schemas.microsoft.com/office/drawing/2014/main" id="{55E27C7C-4B68-4BBC-BF36-8959D8493E4A}"/>
-              </a:ext>
-            </a:extLst>
-          </p:cNvPr>
-          <p:cNvSpPr>
-            <a:spLocks noGrp="1"/>
-          </p:cNvSpPr>
-          <p:nvPr>
-            <p:ph type="title"/>
-          </p:nvPr>
-        </p:nvSpPr>
-        <p:spPr>
-          <a:xfrm>
-            <a:off x="838200" y="136525"/>
-            <a:ext cx="10515600" cy="610821"/>
-          </a:xfrm>
-        </p:spPr>
-        <p:txBody>
-          <a:bodyPr rtlCol="0">
-            <a:normAutofit fontScale="90000"/>
-          </a:bodyPr>
-          <a:lstStyle/>
-          <a:p>
-            <a:pPr algn="ctr" rtl="0"/>
-            <a:r>
-              <a:rPr lang="tr-TR" sz="4000" dirty="0"/>
-              <a:t>Bulanık Muhakeme</a:t>
-            </a:r>
-          </a:p>
-        </p:txBody>
-      </p:sp>
-      <p:sp>
-        <p:nvSpPr>
-          <p:cNvPr id="9" name="Slayt Numarası Yer Tutucusu 5">
-            <a:extLst>
-              <a:ext uri="{FF2B5EF4-FFF2-40B4-BE49-F238E27FC236}">
-                <a16:creationId xmlns:a16="http://schemas.microsoft.com/office/drawing/2014/main" id="{4FC290B8-BF94-4636-BFAB-9FD67F4AAC6D}"/>
-              </a:ext>
-            </a:extLst>
-          </p:cNvPr>
-          <p:cNvSpPr>
-            <a:spLocks noGrp="1"/>
-          </p:cNvSpPr>
-          <p:nvPr>
-            <p:ph type="sldNum" sz="quarter" idx="12"/>
-          </p:nvPr>
-        </p:nvSpPr>
-        <p:spPr>
-          <a:xfrm>
-            <a:off x="8610600" y="6356350"/>
-            <a:ext cx="2743200" cy="365125"/>
-          </a:xfrm>
-        </p:spPr>
-        <p:txBody>
-          <a:bodyPr rtlCol="0"/>
-          <a:lstStyle/>
-          <a:p>
-            <a:pPr rtl="0"/>
-            <a:fld id="{D8DA9DAA-006C-4F4B-980E-E3DF019B24E2}" type="slidenum">
-              <a:rPr lang="tr-TR" b="1" cap="all" spc="100" smtClean="0">
-                <a:solidFill>
-                  <a:schemeClr val="accent2"/>
-                </a:solidFill>
-              </a:rPr>
-              <a:t>17</a:t>
             </a:fld>
             <a:endParaRPr lang="tr-TR" b="1" cap="all" spc="100" dirty="0">
               <a:solidFill>
@@ -16652,7 +16358,7 @@
 </p:sld>
 </file>
 
-<file path=ppt/slides/slide18.xml><?xml version="1.0" encoding="utf-8"?>
+<file path=ppt/slides/slide17.xml><?xml version="1.0" encoding="utf-8"?>
 <p:sld xmlns:a="http://schemas.openxmlformats.org/drawingml/2006/main" xmlns:r="http://schemas.openxmlformats.org/officeDocument/2006/relationships" xmlns:p="http://schemas.openxmlformats.org/presentationml/2006/main">
   <p:cSld>
     <p:spTree>
@@ -16738,7 +16444,7 @@
                   <a:schemeClr val="accent2"/>
                 </a:solidFill>
               </a:rPr>
-              <a:t>18</a:t>
+              <a:t>17</a:t>
             </a:fld>
             <a:endParaRPr lang="tr-TR" b="1" cap="all" spc="100" dirty="0">
               <a:solidFill>
@@ -16954,7 +16660,7 @@
 </p:sld>
 </file>
 
-<file path=ppt/slides/slide19.xml><?xml version="1.0" encoding="utf-8"?>
+<file path=ppt/slides/slide18.xml><?xml version="1.0" encoding="utf-8"?>
 <p:sld xmlns:a="http://schemas.openxmlformats.org/drawingml/2006/main" xmlns:r="http://schemas.openxmlformats.org/officeDocument/2006/relationships" xmlns:p="http://schemas.openxmlformats.org/presentationml/2006/main">
   <p:cSld>
     <p:spTree>
@@ -17055,7 +16761,7 @@
                   <a:schemeClr val="accent2"/>
                 </a:solidFill>
               </a:rPr>
-              <a:t>19</a:t>
+              <a:t>18</a:t>
             </a:fld>
             <a:endParaRPr lang="tr-TR" b="1" cap="all" spc="100" dirty="0">
               <a:solidFill>
@@ -17101,11 +16807,11 @@
                 <a:spcPts val="0"/>
               </a:spcBef>
               <a:spcAft>
-                <a:spcPts val="600"/>
+                <a:spcPts val="1200"/>
               </a:spcAft>
             </a:pPr>
             <a:r>
-              <a:rPr lang="tr-TR" sz="2200" dirty="0">
+              <a:rPr lang="tr-TR" sz="2100" dirty="0">
                 <a:effectLst/>
                 <a:latin typeface="Times New Roman" panose="02020603050405020304" pitchFamily="18" charset="0"/>
                 <a:ea typeface="Calibri" panose="020F0502020204030204" pitchFamily="34" charset="0"/>
@@ -17114,7 +16820,7 @@
               <a:t>Bulanık bilgi tabanındaki her kural bir bulanık ilişkiye karşılık gelir. (</a:t>
             </a:r>
             <a:r>
-              <a:rPr lang="tr-TR" sz="2200" dirty="0" err="1">
+              <a:rPr lang="tr-TR" sz="2100" dirty="0" err="1">
                 <a:effectLst/>
                 <a:latin typeface="Times New Roman" panose="02020603050405020304" pitchFamily="18" charset="0"/>
                 <a:ea typeface="Calibri" panose="020F0502020204030204" pitchFamily="34" charset="0"/>
@@ -17123,7 +16829,7 @@
               <a:t>Rk</a:t>
             </a:r>
             <a:r>
-              <a:rPr lang="tr-TR" sz="2200" dirty="0">
+              <a:rPr lang="tr-TR" sz="2100" dirty="0">
                 <a:effectLst/>
                 <a:latin typeface="Times New Roman" panose="02020603050405020304" pitchFamily="18" charset="0"/>
                 <a:ea typeface="Calibri" panose="020F0502020204030204" pitchFamily="34" charset="0"/>
@@ -17132,7 +16838,7 @@
               <a:t>= </a:t>
             </a:r>
             <a:r>
-              <a:rPr lang="tr-TR" sz="2200" dirty="0" err="1">
+              <a:rPr lang="tr-TR" sz="2100" dirty="0" err="1">
                 <a:effectLst/>
                 <a:latin typeface="Times New Roman" panose="02020603050405020304" pitchFamily="18" charset="0"/>
                 <a:ea typeface="Calibri" panose="020F0502020204030204" pitchFamily="34" charset="0"/>
@@ -17141,7 +16847,7 @@
               <a:t>Ak→Bk</a:t>
             </a:r>
             <a:r>
-              <a:rPr lang="tr-TR" sz="2200" dirty="0">
+              <a:rPr lang="tr-TR" sz="2100" dirty="0">
                 <a:effectLst/>
                 <a:latin typeface="Times New Roman" panose="02020603050405020304" pitchFamily="18" charset="0"/>
                 <a:ea typeface="Calibri" panose="020F0502020204030204" pitchFamily="34" charset="0"/>
@@ -17159,11 +16865,11 @@
                 <a:spcPts val="0"/>
               </a:spcBef>
               <a:spcAft>
-                <a:spcPts val="600"/>
+                <a:spcPts val="1200"/>
               </a:spcAft>
             </a:pPr>
             <a:r>
-              <a:rPr lang="tr-TR" sz="2200" dirty="0" err="1">
+              <a:rPr lang="tr-TR" sz="2100" dirty="0" err="1">
                 <a:effectLst/>
                 <a:latin typeface="Times New Roman" panose="02020603050405020304" pitchFamily="18" charset="0"/>
                 <a:ea typeface="Calibri" panose="020F0502020204030204" pitchFamily="34" charset="0"/>
@@ -17172,7 +16878,7 @@
               <a:t>Rk</a:t>
             </a:r>
             <a:r>
-              <a:rPr lang="tr-TR" sz="2200" dirty="0">
+              <a:rPr lang="tr-TR" sz="2100" dirty="0">
                 <a:effectLst/>
                 <a:latin typeface="Times New Roman" panose="02020603050405020304" pitchFamily="18" charset="0"/>
                 <a:ea typeface="Calibri" panose="020F0502020204030204" pitchFamily="34" charset="0"/>
@@ -17181,7 +16887,7 @@
               <a:t>, bulanık kural tabanındaki, </a:t>
             </a:r>
             <a:r>
-              <a:rPr lang="tr-TR" sz="2200" dirty="0" err="1">
+              <a:rPr lang="tr-TR" sz="2100" dirty="0" err="1">
                 <a:effectLst/>
                 <a:latin typeface="Times New Roman" panose="02020603050405020304" pitchFamily="18" charset="0"/>
                 <a:ea typeface="Calibri" panose="020F0502020204030204" pitchFamily="34" charset="0"/>
@@ -17190,7 +16896,7 @@
               <a:t>k’nıncı</a:t>
             </a:r>
             <a:r>
-              <a:rPr lang="tr-TR" sz="2200" dirty="0">
+              <a:rPr lang="tr-TR" sz="2100" dirty="0">
                 <a:effectLst/>
                 <a:latin typeface="Times New Roman" panose="02020603050405020304" pitchFamily="18" charset="0"/>
                 <a:ea typeface="Calibri" panose="020F0502020204030204" pitchFamily="34" charset="0"/>
@@ -17208,11 +16914,11 @@
                 <a:spcPts val="0"/>
               </a:spcBef>
               <a:spcAft>
-                <a:spcPts val="600"/>
+                <a:spcPts val="1200"/>
               </a:spcAft>
             </a:pPr>
             <a:r>
-              <a:rPr lang="tr-TR" sz="2200" dirty="0">
+              <a:rPr lang="tr-TR" sz="2100" dirty="0">
                 <a:effectLst/>
                 <a:latin typeface="Times New Roman" panose="02020603050405020304" pitchFamily="18" charset="0"/>
                 <a:ea typeface="Calibri" panose="020F0502020204030204" pitchFamily="34" charset="0"/>
@@ -17221,7 +16927,7 @@
               <a:t>Bulanık kural tabanı toplam ilişkisi (R) bütün kuralların (R1, R2,…,</a:t>
             </a:r>
             <a:r>
-              <a:rPr lang="tr-TR" sz="2200" dirty="0" err="1">
+              <a:rPr lang="tr-TR" sz="2100" dirty="0" err="1">
                 <a:effectLst/>
                 <a:latin typeface="Times New Roman" panose="02020603050405020304" pitchFamily="18" charset="0"/>
                 <a:ea typeface="Calibri" panose="020F0502020204030204" pitchFamily="34" charset="0"/>
@@ -17230,7 +16936,7 @@
               <a:t>Rk</a:t>
             </a:r>
             <a:r>
-              <a:rPr lang="tr-TR" sz="2200" dirty="0">
+              <a:rPr lang="tr-TR" sz="2100" dirty="0">
                 <a:effectLst/>
                 <a:latin typeface="Times New Roman" panose="02020603050405020304" pitchFamily="18" charset="0"/>
                 <a:ea typeface="Calibri" panose="020F0502020204030204" pitchFamily="34" charset="0"/>
@@ -17248,11 +16954,11 @@
                 <a:spcPts val="0"/>
               </a:spcBef>
               <a:spcAft>
-                <a:spcPts val="600"/>
+                <a:spcPts val="1200"/>
               </a:spcAft>
             </a:pPr>
             <a:r>
-              <a:rPr lang="tr-TR" sz="2200" dirty="0">
+              <a:rPr lang="tr-TR" sz="2100" dirty="0">
                 <a:effectLst/>
                 <a:latin typeface="Times New Roman" panose="02020603050405020304" pitchFamily="18" charset="0"/>
                 <a:ea typeface="Calibri" panose="020F0502020204030204" pitchFamily="34" charset="0"/>
@@ -17270,11 +16976,11 @@
                 <a:spcPts val="0"/>
               </a:spcBef>
               <a:spcAft>
-                <a:spcPts val="600"/>
+                <a:spcPts val="1200"/>
               </a:spcAft>
             </a:pPr>
             <a:r>
-              <a:rPr lang="tr-TR" sz="2200" dirty="0">
+              <a:rPr lang="tr-TR" sz="2100" dirty="0">
                 <a:effectLst/>
                 <a:latin typeface="Times New Roman" panose="02020603050405020304" pitchFamily="18" charset="0"/>
                 <a:ea typeface="Calibri" panose="020F0502020204030204" pitchFamily="34" charset="0"/>
@@ -17292,11 +16998,11 @@
                 <a:spcPts val="0"/>
               </a:spcBef>
               <a:spcAft>
-                <a:spcPts val="600"/>
+                <a:spcPts val="1200"/>
               </a:spcAft>
             </a:pPr>
             <a:r>
-              <a:rPr lang="tr-TR" sz="2200" dirty="0">
+              <a:rPr lang="tr-TR" sz="2100" dirty="0">
                 <a:effectLst/>
                 <a:latin typeface="Times New Roman" panose="02020603050405020304" pitchFamily="18" charset="0"/>
                 <a:ea typeface="Calibri" panose="020F0502020204030204" pitchFamily="34" charset="0"/>
@@ -17305,7 +17011,7 @@
               <a:t>Tablo 1’de bulanık kurallar için sık kullanılan bazı anlamlandırma fonksiyonları (</a:t>
             </a:r>
             <a:r>
-              <a:rPr lang="tr-TR" sz="2200" dirty="0" err="1">
+              <a:rPr lang="tr-TR" sz="2100" dirty="0" err="1">
                 <a:effectLst/>
                 <a:latin typeface="Times New Roman" panose="02020603050405020304" pitchFamily="18" charset="0"/>
                 <a:ea typeface="Calibri" panose="020F0502020204030204" pitchFamily="34" charset="0"/>
@@ -17314,7 +17020,7 @@
               <a:t>implication</a:t>
             </a:r>
             <a:r>
-              <a:rPr lang="tr-TR" sz="2200" dirty="0">
+              <a:rPr lang="tr-TR" sz="2100" dirty="0">
                 <a:effectLst/>
                 <a:latin typeface="Times New Roman" panose="02020603050405020304" pitchFamily="18" charset="0"/>
                 <a:ea typeface="Calibri" panose="020F0502020204030204" pitchFamily="34" charset="0"/>
@@ -17323,7 +17029,7 @@
               <a:t> </a:t>
             </a:r>
             <a:r>
-              <a:rPr lang="tr-TR" sz="2200" dirty="0" err="1">
+              <a:rPr lang="tr-TR" sz="2100" dirty="0" err="1">
                 <a:effectLst/>
                 <a:latin typeface="Times New Roman" panose="02020603050405020304" pitchFamily="18" charset="0"/>
                 <a:ea typeface="Calibri" panose="020F0502020204030204" pitchFamily="34" charset="0"/>
@@ -17332,7 +17038,7 @@
               <a:t>functions</a:t>
             </a:r>
             <a:r>
-              <a:rPr lang="tr-TR" sz="2200" dirty="0">
+              <a:rPr lang="tr-TR" sz="2100" dirty="0">
                 <a:effectLst/>
                 <a:latin typeface="Times New Roman" panose="02020603050405020304" pitchFamily="18" charset="0"/>
                 <a:ea typeface="Calibri" panose="020F0502020204030204" pitchFamily="34" charset="0"/>
@@ -17350,11 +17056,11 @@
                 <a:spcPts val="0"/>
               </a:spcBef>
               <a:spcAft>
-                <a:spcPts val="600"/>
+                <a:spcPts val="1200"/>
               </a:spcAft>
             </a:pPr>
             <a:r>
-              <a:rPr lang="tr-TR" sz="2200" dirty="0">
+              <a:rPr lang="tr-TR" sz="2100" dirty="0">
                 <a:effectLst/>
                 <a:latin typeface="Times New Roman" panose="02020603050405020304" pitchFamily="18" charset="0"/>
                 <a:ea typeface="Calibri" panose="020F0502020204030204" pitchFamily="34" charset="0"/>
@@ -17525,6 +17231,984 @@
     <p:extLst>
       <p:ext uri="{BB962C8B-B14F-4D97-AF65-F5344CB8AC3E}">
         <p14:creationId xmlns:p14="http://schemas.microsoft.com/office/powerpoint/2010/main" val="3896186320"/>
+      </p:ext>
+    </p:extLst>
+  </p:cSld>
+  <p:clrMapOvr>
+    <a:masterClrMapping/>
+  </p:clrMapOvr>
+</p:sld>
+</file>
+
+<file path=ppt/slides/slide19.xml><?xml version="1.0" encoding="utf-8"?>
+<p:sld xmlns:a="http://schemas.openxmlformats.org/drawingml/2006/main" xmlns:r="http://schemas.openxmlformats.org/officeDocument/2006/relationships" xmlns:p="http://schemas.openxmlformats.org/presentationml/2006/main">
+  <p:cSld>
+    <p:spTree>
+      <p:nvGrpSpPr>
+        <p:cNvPr id="1" name=""/>
+        <p:cNvGrpSpPr/>
+        <p:nvPr/>
+      </p:nvGrpSpPr>
+      <p:grpSpPr>
+        <a:xfrm>
+          <a:off x="0" y="0"/>
+          <a:ext cx="0" cy="0"/>
+          <a:chOff x="0" y="0"/>
+          <a:chExt cx="0" cy="0"/>
+        </a:xfrm>
+      </p:grpSpPr>
+      <p:sp>
+        <p:nvSpPr>
+          <p:cNvPr id="4" name="Başlık 3">
+            <a:extLst>
+              <a:ext uri="{FF2B5EF4-FFF2-40B4-BE49-F238E27FC236}">
+                <a16:creationId xmlns:a16="http://schemas.microsoft.com/office/drawing/2014/main" id="{55E27C7C-4B68-4BBC-BF36-8959D8493E4A}"/>
+              </a:ext>
+            </a:extLst>
+          </p:cNvPr>
+          <p:cNvSpPr>
+            <a:spLocks noGrp="1"/>
+          </p:cNvSpPr>
+          <p:nvPr>
+            <p:ph type="title"/>
+          </p:nvPr>
+        </p:nvSpPr>
+        <p:spPr>
+          <a:xfrm>
+            <a:off x="838200" y="136525"/>
+            <a:ext cx="10515600" cy="610821"/>
+          </a:xfrm>
+        </p:spPr>
+        <p:txBody>
+          <a:bodyPr rtlCol="0">
+            <a:normAutofit/>
+          </a:bodyPr>
+          <a:lstStyle/>
+          <a:p>
+            <a:pPr marL="0" indent="0" algn="ctr">
+              <a:lnSpc>
+                <a:spcPts val="2700"/>
+              </a:lnSpc>
+              <a:spcBef>
+                <a:spcPts val="0"/>
+              </a:spcBef>
+              <a:spcAft>
+                <a:spcPts val="600"/>
+              </a:spcAft>
+              <a:buNone/>
+            </a:pPr>
+            <a:r>
+              <a:rPr lang="tr-TR" sz="4000" b="1" dirty="0">
+                <a:latin typeface="Times New Roman" panose="02020603050405020304" pitchFamily="18" charset="0"/>
+                <a:ea typeface="Calibri" panose="020F0502020204030204" pitchFamily="34" charset="0"/>
+                <a:cs typeface="Times New Roman" panose="02020603050405020304" pitchFamily="18" charset="0"/>
+              </a:rPr>
+              <a:t>Anlamlandırma Fonksiyonları:</a:t>
+            </a:r>
+          </a:p>
+        </p:txBody>
+      </p:sp>
+      <p:sp>
+        <p:nvSpPr>
+          <p:cNvPr id="9" name="Slayt Numarası Yer Tutucusu 5">
+            <a:extLst>
+              <a:ext uri="{FF2B5EF4-FFF2-40B4-BE49-F238E27FC236}">
+                <a16:creationId xmlns:a16="http://schemas.microsoft.com/office/drawing/2014/main" id="{4FC290B8-BF94-4636-BFAB-9FD67F4AAC6D}"/>
+              </a:ext>
+            </a:extLst>
+          </p:cNvPr>
+          <p:cNvSpPr>
+            <a:spLocks noGrp="1"/>
+          </p:cNvSpPr>
+          <p:nvPr>
+            <p:ph type="sldNum" sz="quarter" idx="12"/>
+          </p:nvPr>
+        </p:nvSpPr>
+        <p:spPr>
+          <a:xfrm>
+            <a:off x="8610600" y="6356350"/>
+            <a:ext cx="2743200" cy="365125"/>
+          </a:xfrm>
+        </p:spPr>
+        <p:txBody>
+          <a:bodyPr rtlCol="0"/>
+          <a:lstStyle/>
+          <a:p>
+            <a:pPr rtl="0"/>
+            <a:fld id="{D8DA9DAA-006C-4F4B-980E-E3DF019B24E2}" type="slidenum">
+              <a:rPr lang="tr-TR" b="1" cap="all" spc="100" smtClean="0">
+                <a:solidFill>
+                  <a:schemeClr val="accent2"/>
+                </a:solidFill>
+              </a:rPr>
+              <a:t>19</a:t>
+            </a:fld>
+            <a:endParaRPr lang="tr-TR" b="1" cap="all" spc="100" dirty="0">
+              <a:solidFill>
+                <a:schemeClr val="accent2"/>
+              </a:solidFill>
+            </a:endParaRPr>
+          </a:p>
+        </p:txBody>
+      </p:sp>
+      <p:sp>
+        <p:nvSpPr>
+          <p:cNvPr id="3" name="İçerik Yer Tutucusu 2">
+            <a:extLst>
+              <a:ext uri="{FF2B5EF4-FFF2-40B4-BE49-F238E27FC236}">
+                <a16:creationId xmlns:a16="http://schemas.microsoft.com/office/drawing/2014/main" id="{839B2505-A752-6959-A64F-4ADB0FD16C45}"/>
+              </a:ext>
+            </a:extLst>
+          </p:cNvPr>
+          <p:cNvSpPr>
+            <a:spLocks noGrp="1"/>
+          </p:cNvSpPr>
+          <p:nvPr>
+            <p:ph idx="1"/>
+          </p:nvPr>
+        </p:nvSpPr>
+        <p:spPr>
+          <a:xfrm>
+            <a:off x="838200" y="747346"/>
+            <a:ext cx="10515600" cy="5732585"/>
+          </a:xfrm>
+        </p:spPr>
+        <p:txBody>
+          <a:bodyPr>
+            <a:normAutofit/>
+          </a:bodyPr>
+          <a:lstStyle/>
+          <a:p>
+            <a:pPr algn="just">
+              <a:lnSpc>
+                <a:spcPts val="2700"/>
+              </a:lnSpc>
+              <a:spcBef>
+                <a:spcPts val="0"/>
+              </a:spcBef>
+              <a:spcAft>
+                <a:spcPts val="1200"/>
+              </a:spcAft>
+            </a:pPr>
+            <a:r>
+              <a:rPr lang="tr-TR" sz="2200" dirty="0">
+                <a:effectLst/>
+                <a:latin typeface="Times New Roman" panose="02020603050405020304" pitchFamily="18" charset="0"/>
+                <a:ea typeface="Calibri" panose="020F0502020204030204" pitchFamily="34" charset="0"/>
+                <a:cs typeface="Times New Roman" panose="02020603050405020304" pitchFamily="18" charset="0"/>
+              </a:rPr>
+              <a:t>Şimdi N kurallı çok girişli tek çıkışlı (MISO) bir sistemi ele alalım. Bunun </a:t>
+            </a:r>
+            <a:r>
+              <a:rPr lang="tr-TR" sz="2200" dirty="0" err="1">
+                <a:effectLst/>
+                <a:latin typeface="Times New Roman" panose="02020603050405020304" pitchFamily="18" charset="0"/>
+                <a:ea typeface="Calibri" panose="020F0502020204030204" pitchFamily="34" charset="0"/>
+                <a:cs typeface="Times New Roman" panose="02020603050405020304" pitchFamily="18" charset="0"/>
+              </a:rPr>
+              <a:t>k’nıncı</a:t>
+            </a:r>
+            <a:r>
+              <a:rPr lang="tr-TR" sz="2200" dirty="0">
+                <a:effectLst/>
+                <a:latin typeface="Times New Roman" panose="02020603050405020304" pitchFamily="18" charset="0"/>
+                <a:ea typeface="Calibri" panose="020F0502020204030204" pitchFamily="34" charset="0"/>
+                <a:cs typeface="Times New Roman" panose="02020603050405020304" pitchFamily="18" charset="0"/>
+              </a:rPr>
+              <a:t> bulanık kuralı aşağıda verilmektedir.</a:t>
+            </a:r>
+          </a:p>
+          <a:p>
+            <a:pPr algn="just">
+              <a:lnSpc>
+                <a:spcPts val="2700"/>
+              </a:lnSpc>
+              <a:spcBef>
+                <a:spcPts val="0"/>
+              </a:spcBef>
+              <a:spcAft>
+                <a:spcPts val="1200"/>
+              </a:spcAft>
+            </a:pPr>
+            <a:r>
+              <a:rPr lang="tr-TR" sz="2200" dirty="0">
+                <a:effectLst/>
+                <a:latin typeface="Times New Roman" panose="02020603050405020304" pitchFamily="18" charset="0"/>
+                <a:ea typeface="Calibri" panose="020F0502020204030204" pitchFamily="34" charset="0"/>
+                <a:cs typeface="Times New Roman" panose="02020603050405020304" pitchFamily="18" charset="0"/>
+              </a:rPr>
+              <a:t>EĞER A</a:t>
+            </a:r>
+            <a:r>
+              <a:rPr lang="tr-TR" sz="2200" baseline="-25000" dirty="0">
+                <a:effectLst/>
+                <a:latin typeface="Times New Roman" panose="02020603050405020304" pitchFamily="18" charset="0"/>
+                <a:ea typeface="Calibri" panose="020F0502020204030204" pitchFamily="34" charset="0"/>
+                <a:cs typeface="Times New Roman" panose="02020603050405020304" pitchFamily="18" charset="0"/>
+              </a:rPr>
+              <a:t>k1</a:t>
+            </a:r>
+            <a:r>
+              <a:rPr lang="tr-TR" sz="2200" dirty="0">
+                <a:effectLst/>
+                <a:latin typeface="Times New Roman" panose="02020603050405020304" pitchFamily="18" charset="0"/>
+                <a:ea typeface="Calibri" panose="020F0502020204030204" pitchFamily="34" charset="0"/>
+                <a:cs typeface="Times New Roman" panose="02020603050405020304" pitchFamily="18" charset="0"/>
+              </a:rPr>
+              <a:t> VE … VE </a:t>
+            </a:r>
+            <a:r>
+              <a:rPr lang="tr-TR" sz="2200" dirty="0" err="1">
+                <a:effectLst/>
+                <a:latin typeface="Times New Roman" panose="02020603050405020304" pitchFamily="18" charset="0"/>
+                <a:ea typeface="Calibri" panose="020F0502020204030204" pitchFamily="34" charset="0"/>
+                <a:cs typeface="Times New Roman" panose="02020603050405020304" pitchFamily="18" charset="0"/>
+              </a:rPr>
+              <a:t>A</a:t>
+            </a:r>
+            <a:r>
+              <a:rPr lang="tr-TR" sz="2200" baseline="-25000" dirty="0" err="1">
+                <a:effectLst/>
+                <a:latin typeface="Times New Roman" panose="02020603050405020304" pitchFamily="18" charset="0"/>
+                <a:ea typeface="Calibri" panose="020F0502020204030204" pitchFamily="34" charset="0"/>
+                <a:cs typeface="Times New Roman" panose="02020603050405020304" pitchFamily="18" charset="0"/>
+              </a:rPr>
+              <a:t>ki</a:t>
+            </a:r>
+            <a:r>
+              <a:rPr lang="tr-TR" sz="2200" dirty="0">
+                <a:effectLst/>
+                <a:latin typeface="Times New Roman" panose="02020603050405020304" pitchFamily="18" charset="0"/>
+                <a:ea typeface="Calibri" panose="020F0502020204030204" pitchFamily="34" charset="0"/>
+                <a:cs typeface="Times New Roman" panose="02020603050405020304" pitchFamily="18" charset="0"/>
+              </a:rPr>
+              <a:t> VE … VE </a:t>
+            </a:r>
+            <a:r>
+              <a:rPr lang="tr-TR" sz="2200" dirty="0" err="1">
+                <a:effectLst/>
+                <a:latin typeface="Times New Roman" panose="02020603050405020304" pitchFamily="18" charset="0"/>
+                <a:ea typeface="Calibri" panose="020F0502020204030204" pitchFamily="34" charset="0"/>
+                <a:cs typeface="Times New Roman" panose="02020603050405020304" pitchFamily="18" charset="0"/>
+              </a:rPr>
+              <a:t>A</a:t>
+            </a:r>
+            <a:r>
+              <a:rPr lang="tr-TR" sz="2200" baseline="-25000" dirty="0" err="1">
+                <a:effectLst/>
+                <a:latin typeface="Times New Roman" panose="02020603050405020304" pitchFamily="18" charset="0"/>
+                <a:ea typeface="Calibri" panose="020F0502020204030204" pitchFamily="34" charset="0"/>
+                <a:cs typeface="Times New Roman" panose="02020603050405020304" pitchFamily="18" charset="0"/>
+              </a:rPr>
+              <a:t>kn</a:t>
+            </a:r>
+            <a:r>
+              <a:rPr lang="tr-TR" sz="2200" dirty="0">
+                <a:effectLst/>
+                <a:latin typeface="Times New Roman" panose="02020603050405020304" pitchFamily="18" charset="0"/>
+                <a:ea typeface="Calibri" panose="020F0502020204030204" pitchFamily="34" charset="0"/>
+                <a:cs typeface="Times New Roman" panose="02020603050405020304" pitchFamily="18" charset="0"/>
+              </a:rPr>
+              <a:t> İSE </a:t>
+            </a:r>
+            <a:r>
+              <a:rPr lang="tr-TR" sz="2200" dirty="0" err="1">
+                <a:effectLst/>
+                <a:latin typeface="Times New Roman" panose="02020603050405020304" pitchFamily="18" charset="0"/>
+                <a:ea typeface="Calibri" panose="020F0502020204030204" pitchFamily="34" charset="0"/>
+                <a:cs typeface="Times New Roman" panose="02020603050405020304" pitchFamily="18" charset="0"/>
+              </a:rPr>
+              <a:t>B</a:t>
+            </a:r>
+            <a:r>
+              <a:rPr lang="tr-TR" sz="2200" baseline="-25000" dirty="0" err="1">
+                <a:effectLst/>
+                <a:latin typeface="Times New Roman" panose="02020603050405020304" pitchFamily="18" charset="0"/>
+                <a:ea typeface="Calibri" panose="020F0502020204030204" pitchFamily="34" charset="0"/>
+                <a:cs typeface="Times New Roman" panose="02020603050405020304" pitchFamily="18" charset="0"/>
+              </a:rPr>
+              <a:t>k</a:t>
+            </a:r>
+            <a:r>
+              <a:rPr lang="tr-TR" sz="2200" dirty="0">
+                <a:effectLst/>
+                <a:latin typeface="Times New Roman" panose="02020603050405020304" pitchFamily="18" charset="0"/>
+                <a:ea typeface="Calibri" panose="020F0502020204030204" pitchFamily="34" charset="0"/>
+                <a:cs typeface="Times New Roman" panose="02020603050405020304" pitchFamily="18" charset="0"/>
+              </a:rPr>
+              <a:t>, Burada; i= 1….n</a:t>
+            </a:r>
+          </a:p>
+          <a:p>
+            <a:pPr algn="just">
+              <a:lnSpc>
+                <a:spcPts val="2700"/>
+              </a:lnSpc>
+              <a:spcBef>
+                <a:spcPts val="0"/>
+              </a:spcBef>
+              <a:spcAft>
+                <a:spcPts val="1200"/>
+              </a:spcAft>
+            </a:pPr>
+            <a:r>
+              <a:rPr lang="tr-TR" sz="2200" dirty="0" err="1">
+                <a:effectLst/>
+                <a:latin typeface="Times New Roman" panose="02020603050405020304" pitchFamily="18" charset="0"/>
+                <a:ea typeface="Calibri" panose="020F0502020204030204" pitchFamily="34" charset="0"/>
+                <a:cs typeface="Times New Roman" panose="02020603050405020304" pitchFamily="18" charset="0"/>
+              </a:rPr>
+              <a:t>A</a:t>
+            </a:r>
+            <a:r>
+              <a:rPr lang="tr-TR" sz="2200" baseline="-25000" dirty="0" err="1">
+                <a:effectLst/>
+                <a:latin typeface="Times New Roman" panose="02020603050405020304" pitchFamily="18" charset="0"/>
+                <a:ea typeface="Calibri" panose="020F0502020204030204" pitchFamily="34" charset="0"/>
+                <a:cs typeface="Times New Roman" panose="02020603050405020304" pitchFamily="18" charset="0"/>
+              </a:rPr>
+              <a:t>ki</a:t>
+            </a:r>
+            <a:r>
+              <a:rPr lang="tr-TR" sz="2200" dirty="0">
+                <a:effectLst/>
+                <a:latin typeface="Times New Roman" panose="02020603050405020304" pitchFamily="18" charset="0"/>
+                <a:ea typeface="Calibri" panose="020F0502020204030204" pitchFamily="34" charset="0"/>
+                <a:cs typeface="Times New Roman" panose="02020603050405020304" pitchFamily="18" charset="0"/>
+              </a:rPr>
+              <a:t>, </a:t>
+            </a:r>
+            <a:r>
+              <a:rPr lang="tr-TR" sz="2200" dirty="0" err="1">
+                <a:effectLst/>
+                <a:latin typeface="Times New Roman" panose="02020603050405020304" pitchFamily="18" charset="0"/>
+                <a:ea typeface="Calibri" panose="020F0502020204030204" pitchFamily="34" charset="0"/>
+                <a:cs typeface="Times New Roman" panose="02020603050405020304" pitchFamily="18" charset="0"/>
+              </a:rPr>
+              <a:t>k’nıncı</a:t>
+            </a:r>
+            <a:r>
+              <a:rPr lang="tr-TR" sz="2200" dirty="0">
+                <a:effectLst/>
+                <a:latin typeface="Times New Roman" panose="02020603050405020304" pitchFamily="18" charset="0"/>
+                <a:ea typeface="Calibri" panose="020F0502020204030204" pitchFamily="34" charset="0"/>
+                <a:cs typeface="Times New Roman" panose="02020603050405020304" pitchFamily="18" charset="0"/>
+              </a:rPr>
+              <a:t> bulanık kuraldaki </a:t>
+            </a:r>
+            <a:r>
+              <a:rPr lang="tr-TR" sz="2200" dirty="0" err="1">
+                <a:effectLst/>
+                <a:latin typeface="Times New Roman" panose="02020603050405020304" pitchFamily="18" charset="0"/>
+                <a:ea typeface="Calibri" panose="020F0502020204030204" pitchFamily="34" charset="0"/>
+                <a:cs typeface="Times New Roman" panose="02020603050405020304" pitchFamily="18" charset="0"/>
+              </a:rPr>
+              <a:t>i’ninci</a:t>
+            </a:r>
+            <a:r>
+              <a:rPr lang="tr-TR" sz="2200" dirty="0">
+                <a:effectLst/>
+                <a:latin typeface="Times New Roman" panose="02020603050405020304" pitchFamily="18" charset="0"/>
+                <a:ea typeface="Calibri" panose="020F0502020204030204" pitchFamily="34" charset="0"/>
+                <a:cs typeface="Times New Roman" panose="02020603050405020304" pitchFamily="18" charset="0"/>
+              </a:rPr>
+              <a:t> giriş değişkeni x</a:t>
+            </a:r>
+            <a:r>
+              <a:rPr lang="tr-TR" sz="2200" baseline="-25000" dirty="0">
+                <a:effectLst/>
+                <a:latin typeface="Times New Roman" panose="02020603050405020304" pitchFamily="18" charset="0"/>
+                <a:ea typeface="Calibri" panose="020F0502020204030204" pitchFamily="34" charset="0"/>
+                <a:cs typeface="Times New Roman" panose="02020603050405020304" pitchFamily="18" charset="0"/>
+              </a:rPr>
+              <a:t>i</a:t>
+            </a:r>
+            <a:r>
+              <a:rPr lang="tr-TR" sz="2200" dirty="0">
+                <a:effectLst/>
+                <a:latin typeface="Times New Roman" panose="02020603050405020304" pitchFamily="18" charset="0"/>
+                <a:ea typeface="Calibri" panose="020F0502020204030204" pitchFamily="34" charset="0"/>
+                <a:cs typeface="Times New Roman" panose="02020603050405020304" pitchFamily="18" charset="0"/>
+              </a:rPr>
+              <a:t> için bulanık kümedir. </a:t>
+            </a:r>
+            <a:r>
+              <a:rPr lang="tr-TR" sz="2200" dirty="0" err="1">
+                <a:effectLst/>
+                <a:latin typeface="Times New Roman" panose="02020603050405020304" pitchFamily="18" charset="0"/>
+                <a:ea typeface="Calibri" panose="020F0502020204030204" pitchFamily="34" charset="0"/>
+                <a:cs typeface="Times New Roman" panose="02020603050405020304" pitchFamily="18" charset="0"/>
+              </a:rPr>
+              <a:t>B</a:t>
+            </a:r>
+            <a:r>
+              <a:rPr lang="tr-TR" sz="2200" baseline="-25000" dirty="0" err="1">
+                <a:effectLst/>
+                <a:latin typeface="Times New Roman" panose="02020603050405020304" pitchFamily="18" charset="0"/>
+                <a:ea typeface="Calibri" panose="020F0502020204030204" pitchFamily="34" charset="0"/>
+                <a:cs typeface="Times New Roman" panose="02020603050405020304" pitchFamily="18" charset="0"/>
+              </a:rPr>
+              <a:t>k</a:t>
+            </a:r>
+            <a:r>
+              <a:rPr lang="tr-TR" sz="2200" dirty="0">
+                <a:effectLst/>
+                <a:latin typeface="Times New Roman" panose="02020603050405020304" pitchFamily="18" charset="0"/>
+                <a:ea typeface="Calibri" panose="020F0502020204030204" pitchFamily="34" charset="0"/>
+                <a:cs typeface="Times New Roman" panose="02020603050405020304" pitchFamily="18" charset="0"/>
+              </a:rPr>
+              <a:t> ise yine </a:t>
+            </a:r>
+            <a:r>
+              <a:rPr lang="tr-TR" sz="2200" dirty="0" err="1">
+                <a:effectLst/>
+                <a:latin typeface="Times New Roman" panose="02020603050405020304" pitchFamily="18" charset="0"/>
+                <a:ea typeface="Calibri" panose="020F0502020204030204" pitchFamily="34" charset="0"/>
+                <a:cs typeface="Times New Roman" panose="02020603050405020304" pitchFamily="18" charset="0"/>
+              </a:rPr>
+              <a:t>k’nıncı</a:t>
+            </a:r>
+            <a:r>
+              <a:rPr lang="tr-TR" sz="2200" dirty="0">
+                <a:effectLst/>
+                <a:latin typeface="Times New Roman" panose="02020603050405020304" pitchFamily="18" charset="0"/>
+                <a:ea typeface="Calibri" panose="020F0502020204030204" pitchFamily="34" charset="0"/>
+                <a:cs typeface="Times New Roman" panose="02020603050405020304" pitchFamily="18" charset="0"/>
+              </a:rPr>
+              <a:t> kuraldaki </a:t>
+            </a:r>
+            <a:r>
+              <a:rPr lang="tr-TR" sz="2200" dirty="0" err="1">
+                <a:effectLst/>
+                <a:latin typeface="Times New Roman" panose="02020603050405020304" pitchFamily="18" charset="0"/>
+                <a:ea typeface="Calibri" panose="020F0502020204030204" pitchFamily="34" charset="0"/>
+                <a:cs typeface="Times New Roman" panose="02020603050405020304" pitchFamily="18" charset="0"/>
+              </a:rPr>
+              <a:t>y</a:t>
+            </a:r>
+            <a:r>
+              <a:rPr lang="tr-TR" sz="2200" baseline="-25000" dirty="0" err="1">
+                <a:effectLst/>
+                <a:latin typeface="Times New Roman" panose="02020603050405020304" pitchFamily="18" charset="0"/>
+                <a:ea typeface="Calibri" panose="020F0502020204030204" pitchFamily="34" charset="0"/>
+                <a:cs typeface="Times New Roman" panose="02020603050405020304" pitchFamily="18" charset="0"/>
+              </a:rPr>
+              <a:t>j</a:t>
+            </a:r>
+            <a:r>
+              <a:rPr lang="tr-TR" sz="2200" dirty="0">
+                <a:effectLst/>
+                <a:latin typeface="Times New Roman" panose="02020603050405020304" pitchFamily="18" charset="0"/>
+                <a:ea typeface="Calibri" panose="020F0502020204030204" pitchFamily="34" charset="0"/>
+                <a:cs typeface="Times New Roman" panose="02020603050405020304" pitchFamily="18" charset="0"/>
+              </a:rPr>
+              <a:t> çıkış değişkeni için bulanık kümedir. Genel olarak </a:t>
+            </a:r>
+            <a:r>
+              <a:rPr lang="tr-TR" sz="2200" dirty="0" err="1">
+                <a:effectLst/>
+                <a:latin typeface="Times New Roman" panose="02020603050405020304" pitchFamily="18" charset="0"/>
+                <a:ea typeface="Calibri" panose="020F0502020204030204" pitchFamily="34" charset="0"/>
+                <a:cs typeface="Times New Roman" panose="02020603050405020304" pitchFamily="18" charset="0"/>
+              </a:rPr>
+              <a:t>k’nıncı</a:t>
+            </a:r>
+            <a:r>
+              <a:rPr lang="tr-TR" sz="2200" dirty="0">
+                <a:effectLst/>
+                <a:latin typeface="Times New Roman" panose="02020603050405020304" pitchFamily="18" charset="0"/>
+                <a:ea typeface="Calibri" panose="020F0502020204030204" pitchFamily="34" charset="0"/>
+                <a:cs typeface="Times New Roman" panose="02020603050405020304" pitchFamily="18" charset="0"/>
+              </a:rPr>
+              <a:t> kuralın bulanık ilişkisi </a:t>
+            </a:r>
+            <a:r>
+              <a:rPr lang="tr-TR" sz="2200" dirty="0" err="1">
+                <a:effectLst/>
+                <a:latin typeface="Times New Roman" panose="02020603050405020304" pitchFamily="18" charset="0"/>
+                <a:ea typeface="Calibri" panose="020F0502020204030204" pitchFamily="34" charset="0"/>
+                <a:cs typeface="Times New Roman" panose="02020603050405020304" pitchFamily="18" charset="0"/>
+              </a:rPr>
+              <a:t>R</a:t>
+            </a:r>
+            <a:r>
+              <a:rPr lang="tr-TR" sz="2200" baseline="-25000" dirty="0" err="1">
+                <a:effectLst/>
+                <a:latin typeface="Times New Roman" panose="02020603050405020304" pitchFamily="18" charset="0"/>
+                <a:ea typeface="Calibri" panose="020F0502020204030204" pitchFamily="34" charset="0"/>
+                <a:cs typeface="Times New Roman" panose="02020603050405020304" pitchFamily="18" charset="0"/>
+              </a:rPr>
+              <a:t>k</a:t>
+            </a:r>
+            <a:r>
+              <a:rPr lang="tr-TR" sz="2200" dirty="0">
+                <a:effectLst/>
+                <a:latin typeface="Times New Roman" panose="02020603050405020304" pitchFamily="18" charset="0"/>
+                <a:ea typeface="Calibri" panose="020F0502020204030204" pitchFamily="34" charset="0"/>
+                <a:cs typeface="Times New Roman" panose="02020603050405020304" pitchFamily="18" charset="0"/>
+              </a:rPr>
+              <a:t> şöyle gösterilir.</a:t>
+            </a:r>
+          </a:p>
+          <a:p>
+            <a:pPr algn="just">
+              <a:lnSpc>
+                <a:spcPts val="2700"/>
+              </a:lnSpc>
+              <a:spcBef>
+                <a:spcPts val="0"/>
+              </a:spcBef>
+              <a:spcAft>
+                <a:spcPts val="1200"/>
+              </a:spcAft>
+            </a:pPr>
+            <a:r>
+              <a:rPr lang="tr-TR" sz="2200" dirty="0" err="1">
+                <a:effectLst/>
+                <a:latin typeface="Times New Roman" panose="02020603050405020304" pitchFamily="18" charset="0"/>
+                <a:ea typeface="Calibri" panose="020F0502020204030204" pitchFamily="34" charset="0"/>
+                <a:cs typeface="Times New Roman" panose="02020603050405020304" pitchFamily="18" charset="0"/>
+              </a:rPr>
+              <a:t>R</a:t>
+            </a:r>
+            <a:r>
+              <a:rPr lang="tr-TR" sz="2200" baseline="-25000" dirty="0" err="1">
+                <a:effectLst/>
+                <a:latin typeface="Times New Roman" panose="02020603050405020304" pitchFamily="18" charset="0"/>
+                <a:ea typeface="Calibri" panose="020F0502020204030204" pitchFamily="34" charset="0"/>
+                <a:cs typeface="Times New Roman" panose="02020603050405020304" pitchFamily="18" charset="0"/>
+              </a:rPr>
+              <a:t>k</a:t>
+            </a:r>
+            <a:r>
+              <a:rPr lang="tr-TR" sz="2200" dirty="0">
+                <a:effectLst/>
+                <a:latin typeface="Times New Roman" panose="02020603050405020304" pitchFamily="18" charset="0"/>
+                <a:ea typeface="Calibri" panose="020F0502020204030204" pitchFamily="34" charset="0"/>
+                <a:cs typeface="Times New Roman" panose="02020603050405020304" pitchFamily="18" charset="0"/>
+              </a:rPr>
+              <a:t>= A</a:t>
+            </a:r>
+            <a:r>
+              <a:rPr lang="tr-TR" sz="2200" baseline="-25000" dirty="0">
+                <a:effectLst/>
+                <a:latin typeface="Times New Roman" panose="02020603050405020304" pitchFamily="18" charset="0"/>
+                <a:ea typeface="Calibri" panose="020F0502020204030204" pitchFamily="34" charset="0"/>
+                <a:cs typeface="Times New Roman" panose="02020603050405020304" pitchFamily="18" charset="0"/>
+              </a:rPr>
+              <a:t>k</a:t>
+            </a:r>
+            <a:r>
+              <a:rPr lang="tr-TR" sz="2200" dirty="0">
+                <a:effectLst/>
+                <a:latin typeface="Times New Roman" panose="02020603050405020304" pitchFamily="18" charset="0"/>
+                <a:ea typeface="Calibri" panose="020F0502020204030204" pitchFamily="34" charset="0"/>
+                <a:cs typeface="Times New Roman" panose="02020603050405020304" pitchFamily="18" charset="0"/>
+              </a:rPr>
+              <a:t> →</a:t>
+            </a:r>
+            <a:r>
+              <a:rPr lang="tr-TR" sz="2200" dirty="0" err="1">
+                <a:effectLst/>
+                <a:latin typeface="Times New Roman" panose="02020603050405020304" pitchFamily="18" charset="0"/>
+                <a:ea typeface="Calibri" panose="020F0502020204030204" pitchFamily="34" charset="0"/>
+                <a:cs typeface="Times New Roman" panose="02020603050405020304" pitchFamily="18" charset="0"/>
+              </a:rPr>
+              <a:t>B</a:t>
+            </a:r>
+            <a:r>
+              <a:rPr lang="tr-TR" sz="2200" baseline="-25000" dirty="0" err="1">
+                <a:effectLst/>
+                <a:latin typeface="Times New Roman" panose="02020603050405020304" pitchFamily="18" charset="0"/>
+                <a:ea typeface="Calibri" panose="020F0502020204030204" pitchFamily="34" charset="0"/>
+                <a:cs typeface="Times New Roman" panose="02020603050405020304" pitchFamily="18" charset="0"/>
+              </a:rPr>
+              <a:t>k</a:t>
+            </a:r>
+            <a:endParaRPr lang="tr-TR" sz="2200" baseline="-25000" dirty="0">
+              <a:effectLst/>
+              <a:latin typeface="Times New Roman" panose="02020603050405020304" pitchFamily="18" charset="0"/>
+              <a:ea typeface="Calibri" panose="020F0502020204030204" pitchFamily="34" charset="0"/>
+              <a:cs typeface="Times New Roman" panose="02020603050405020304" pitchFamily="18" charset="0"/>
+            </a:endParaRPr>
+          </a:p>
+          <a:p>
+            <a:pPr algn="just">
+              <a:lnSpc>
+                <a:spcPts val="2700"/>
+              </a:lnSpc>
+              <a:spcBef>
+                <a:spcPts val="0"/>
+              </a:spcBef>
+              <a:spcAft>
+                <a:spcPts val="1200"/>
+              </a:spcAft>
+            </a:pPr>
+            <a:r>
+              <a:rPr lang="tr-TR" sz="2200" dirty="0">
+                <a:effectLst/>
+                <a:latin typeface="Times New Roman" panose="02020603050405020304" pitchFamily="18" charset="0"/>
+                <a:ea typeface="Calibri" panose="020F0502020204030204" pitchFamily="34" charset="0"/>
+                <a:cs typeface="Times New Roman" panose="02020603050405020304" pitchFamily="18" charset="0"/>
+              </a:rPr>
+              <a:t>A</a:t>
+            </a:r>
+            <a:r>
+              <a:rPr lang="tr-TR" sz="2200" baseline="-25000" dirty="0">
+                <a:effectLst/>
+                <a:latin typeface="Times New Roman" panose="02020603050405020304" pitchFamily="18" charset="0"/>
+                <a:ea typeface="Calibri" panose="020F0502020204030204" pitchFamily="34" charset="0"/>
+                <a:cs typeface="Times New Roman" panose="02020603050405020304" pitchFamily="18" charset="0"/>
+              </a:rPr>
+              <a:t>k1</a:t>
+            </a:r>
+            <a:r>
+              <a:rPr lang="tr-TR" sz="2200" dirty="0">
+                <a:effectLst/>
+                <a:latin typeface="Times New Roman" panose="02020603050405020304" pitchFamily="18" charset="0"/>
+                <a:ea typeface="Calibri" panose="020F0502020204030204" pitchFamily="34" charset="0"/>
+                <a:cs typeface="Times New Roman" panose="02020603050405020304" pitchFamily="18" charset="0"/>
+              </a:rPr>
+              <a:t> VE … VE </a:t>
+            </a:r>
+            <a:r>
+              <a:rPr lang="tr-TR" sz="2200" dirty="0" err="1">
+                <a:effectLst/>
+                <a:latin typeface="Times New Roman" panose="02020603050405020304" pitchFamily="18" charset="0"/>
+                <a:ea typeface="Calibri" panose="020F0502020204030204" pitchFamily="34" charset="0"/>
+                <a:cs typeface="Times New Roman" panose="02020603050405020304" pitchFamily="18" charset="0"/>
+              </a:rPr>
+              <a:t>A</a:t>
+            </a:r>
+            <a:r>
+              <a:rPr lang="tr-TR" sz="2200" baseline="-25000" dirty="0" err="1">
+                <a:effectLst/>
+                <a:latin typeface="Times New Roman" panose="02020603050405020304" pitchFamily="18" charset="0"/>
+                <a:ea typeface="Calibri" panose="020F0502020204030204" pitchFamily="34" charset="0"/>
+                <a:cs typeface="Times New Roman" panose="02020603050405020304" pitchFamily="18" charset="0"/>
+              </a:rPr>
+              <a:t>ki</a:t>
+            </a:r>
+            <a:r>
+              <a:rPr lang="tr-TR" sz="2200" dirty="0">
+                <a:effectLst/>
+                <a:latin typeface="Times New Roman" panose="02020603050405020304" pitchFamily="18" charset="0"/>
+                <a:ea typeface="Calibri" panose="020F0502020204030204" pitchFamily="34" charset="0"/>
+                <a:cs typeface="Times New Roman" panose="02020603050405020304" pitchFamily="18" charset="0"/>
+              </a:rPr>
+              <a:t> VE … VE </a:t>
+            </a:r>
+            <a:r>
+              <a:rPr lang="tr-TR" sz="2200" dirty="0" err="1">
+                <a:effectLst/>
+                <a:latin typeface="Times New Roman" panose="02020603050405020304" pitchFamily="18" charset="0"/>
+                <a:ea typeface="Calibri" panose="020F0502020204030204" pitchFamily="34" charset="0"/>
+                <a:cs typeface="Times New Roman" panose="02020603050405020304" pitchFamily="18" charset="0"/>
+              </a:rPr>
+              <a:t>A</a:t>
+            </a:r>
+            <a:r>
+              <a:rPr lang="tr-TR" sz="2200" baseline="-25000" dirty="0" err="1">
+                <a:effectLst/>
+                <a:latin typeface="Times New Roman" panose="02020603050405020304" pitchFamily="18" charset="0"/>
+                <a:ea typeface="Calibri" panose="020F0502020204030204" pitchFamily="34" charset="0"/>
+                <a:cs typeface="Times New Roman" panose="02020603050405020304" pitchFamily="18" charset="0"/>
+              </a:rPr>
+              <a:t>kn</a:t>
+            </a:r>
+            <a:r>
+              <a:rPr lang="tr-TR" sz="2200" dirty="0">
+                <a:effectLst/>
+                <a:latin typeface="Times New Roman" panose="02020603050405020304" pitchFamily="18" charset="0"/>
+                <a:ea typeface="Calibri" panose="020F0502020204030204" pitchFamily="34" charset="0"/>
+                <a:cs typeface="Times New Roman" panose="02020603050405020304" pitchFamily="18" charset="0"/>
+              </a:rPr>
+              <a:t>, öncüllerinin kesişmesi iki şekilde ifade edilebilir.</a:t>
+            </a:r>
+          </a:p>
+          <a:p>
+            <a:pPr lvl="2" algn="just">
+              <a:lnSpc>
+                <a:spcPts val="2700"/>
+              </a:lnSpc>
+              <a:spcBef>
+                <a:spcPts val="0"/>
+              </a:spcBef>
+              <a:spcAft>
+                <a:spcPts val="1200"/>
+              </a:spcAft>
+            </a:pPr>
+            <a:r>
+              <a:rPr lang="tr-TR" sz="2200" dirty="0">
+                <a:effectLst/>
+                <a:latin typeface="Times New Roman" panose="02020603050405020304" pitchFamily="18" charset="0"/>
+                <a:ea typeface="Calibri" panose="020F0502020204030204" pitchFamily="34" charset="0"/>
+                <a:cs typeface="Times New Roman" panose="02020603050405020304" pitchFamily="18" charset="0"/>
+              </a:rPr>
+              <a:t>Nokta değer kesişmesi (</a:t>
+            </a:r>
+            <a:r>
+              <a:rPr lang="tr-TR" sz="2200" dirty="0" err="1">
+                <a:effectLst/>
+                <a:latin typeface="Times New Roman" panose="02020603050405020304" pitchFamily="18" charset="0"/>
+                <a:ea typeface="Calibri" panose="020F0502020204030204" pitchFamily="34" charset="0"/>
+                <a:cs typeface="Times New Roman" panose="02020603050405020304" pitchFamily="18" charset="0"/>
+              </a:rPr>
+              <a:t>pointvaluedintersection</a:t>
+            </a:r>
+            <a:r>
+              <a:rPr lang="tr-TR" sz="2200" dirty="0">
+                <a:effectLst/>
+                <a:latin typeface="Times New Roman" panose="02020603050405020304" pitchFamily="18" charset="0"/>
+                <a:ea typeface="Calibri" panose="020F0502020204030204" pitchFamily="34" charset="0"/>
+                <a:cs typeface="Times New Roman" panose="02020603050405020304" pitchFamily="18" charset="0"/>
+              </a:rPr>
+              <a:t>)</a:t>
+            </a:r>
+          </a:p>
+          <a:p>
+            <a:pPr lvl="2" algn="just">
+              <a:lnSpc>
+                <a:spcPts val="2700"/>
+              </a:lnSpc>
+              <a:spcBef>
+                <a:spcPts val="0"/>
+              </a:spcBef>
+              <a:spcAft>
+                <a:spcPts val="1200"/>
+              </a:spcAft>
+            </a:pPr>
+            <a:r>
+              <a:rPr lang="tr-TR" sz="2200" dirty="0">
+                <a:effectLst/>
+                <a:latin typeface="Times New Roman" panose="02020603050405020304" pitchFamily="18" charset="0"/>
+                <a:ea typeface="Calibri" panose="020F0502020204030204" pitchFamily="34" charset="0"/>
+                <a:cs typeface="Times New Roman" panose="02020603050405020304" pitchFamily="18" charset="0"/>
+              </a:rPr>
+              <a:t>Aralık değer kesişmesi(interval </a:t>
+            </a:r>
+            <a:r>
+              <a:rPr lang="tr-TR" sz="2200" dirty="0" err="1">
+                <a:effectLst/>
+                <a:latin typeface="Times New Roman" panose="02020603050405020304" pitchFamily="18" charset="0"/>
+                <a:ea typeface="Calibri" panose="020F0502020204030204" pitchFamily="34" charset="0"/>
+                <a:cs typeface="Times New Roman" panose="02020603050405020304" pitchFamily="18" charset="0"/>
+              </a:rPr>
+              <a:t>valued</a:t>
+            </a:r>
+            <a:r>
+              <a:rPr lang="tr-TR" sz="2200" dirty="0">
+                <a:effectLst/>
+                <a:latin typeface="Times New Roman" panose="02020603050405020304" pitchFamily="18" charset="0"/>
+                <a:ea typeface="Calibri" panose="020F0502020204030204" pitchFamily="34" charset="0"/>
+                <a:cs typeface="Times New Roman" panose="02020603050405020304" pitchFamily="18" charset="0"/>
+              </a:rPr>
+              <a:t> </a:t>
+            </a:r>
+            <a:r>
+              <a:rPr lang="tr-TR" sz="2200" dirty="0" err="1">
+                <a:effectLst/>
+                <a:latin typeface="Times New Roman" panose="02020603050405020304" pitchFamily="18" charset="0"/>
+                <a:ea typeface="Calibri" panose="020F0502020204030204" pitchFamily="34" charset="0"/>
+                <a:cs typeface="Times New Roman" panose="02020603050405020304" pitchFamily="18" charset="0"/>
+              </a:rPr>
+              <a:t>intersection</a:t>
+            </a:r>
+            <a:r>
+              <a:rPr lang="tr-TR" sz="2200" dirty="0">
+                <a:effectLst/>
+                <a:latin typeface="Times New Roman" panose="02020603050405020304" pitchFamily="18" charset="0"/>
+                <a:ea typeface="Calibri" panose="020F0502020204030204" pitchFamily="34" charset="0"/>
+                <a:cs typeface="Times New Roman" panose="02020603050405020304" pitchFamily="18" charset="0"/>
+              </a:rPr>
+              <a:t>)</a:t>
+            </a:r>
+          </a:p>
+          <a:p>
+            <a:pPr algn="just">
+              <a:lnSpc>
+                <a:spcPts val="2700"/>
+              </a:lnSpc>
+              <a:spcBef>
+                <a:spcPts val="0"/>
+              </a:spcBef>
+              <a:spcAft>
+                <a:spcPts val="1200"/>
+              </a:spcAft>
+            </a:pPr>
+            <a:r>
+              <a:rPr lang="tr-TR" sz="2200" dirty="0">
+                <a:effectLst/>
+                <a:latin typeface="Times New Roman" panose="02020603050405020304" pitchFamily="18" charset="0"/>
+                <a:ea typeface="Calibri" panose="020F0502020204030204" pitchFamily="34" charset="0"/>
+                <a:cs typeface="Times New Roman" panose="02020603050405020304" pitchFamily="18" charset="0"/>
+              </a:rPr>
+              <a:t>Yani </a:t>
+            </a:r>
+            <a:r>
+              <a:rPr lang="tr-TR" sz="2200" dirty="0" err="1">
+                <a:effectLst/>
+                <a:latin typeface="Times New Roman" panose="02020603050405020304" pitchFamily="18" charset="0"/>
+                <a:ea typeface="Calibri" panose="020F0502020204030204" pitchFamily="34" charset="0"/>
+                <a:cs typeface="Times New Roman" panose="02020603050405020304" pitchFamily="18" charset="0"/>
+              </a:rPr>
+              <a:t>k’nıncı</a:t>
+            </a:r>
+            <a:r>
+              <a:rPr lang="tr-TR" sz="2200" dirty="0">
+                <a:effectLst/>
+                <a:latin typeface="Times New Roman" panose="02020603050405020304" pitchFamily="18" charset="0"/>
+                <a:ea typeface="Calibri" panose="020F0502020204030204" pitchFamily="34" charset="0"/>
+                <a:cs typeface="Times New Roman" panose="02020603050405020304" pitchFamily="18" charset="0"/>
+              </a:rPr>
+              <a:t> kuralın </a:t>
+            </a:r>
+            <a:r>
+              <a:rPr lang="tr-TR" sz="2200" dirty="0" err="1">
+                <a:effectLst/>
+                <a:latin typeface="Times New Roman" panose="02020603050405020304" pitchFamily="18" charset="0"/>
+                <a:ea typeface="Calibri" panose="020F0502020204030204" pitchFamily="34" charset="0"/>
+                <a:cs typeface="Times New Roman" panose="02020603050405020304" pitchFamily="18" charset="0"/>
+              </a:rPr>
+              <a:t>R</a:t>
+            </a:r>
+            <a:r>
+              <a:rPr lang="tr-TR" sz="2200" baseline="-25000" dirty="0" err="1">
+                <a:effectLst/>
+                <a:latin typeface="Times New Roman" panose="02020603050405020304" pitchFamily="18" charset="0"/>
+                <a:ea typeface="Calibri" panose="020F0502020204030204" pitchFamily="34" charset="0"/>
+                <a:cs typeface="Times New Roman" panose="02020603050405020304" pitchFamily="18" charset="0"/>
+              </a:rPr>
+              <a:t>k</a:t>
+            </a:r>
+            <a:r>
+              <a:rPr lang="tr-TR" sz="2200" dirty="0">
+                <a:effectLst/>
+                <a:latin typeface="Times New Roman" panose="02020603050405020304" pitchFamily="18" charset="0"/>
+                <a:ea typeface="Calibri" panose="020F0502020204030204" pitchFamily="34" charset="0"/>
+                <a:cs typeface="Times New Roman" panose="02020603050405020304" pitchFamily="18" charset="0"/>
+              </a:rPr>
+              <a:t> ilişkisi, kullanılan yorumlamaya göre değişik anlamlara gelebilir. Yoruma göre </a:t>
+            </a:r>
+            <a:r>
+              <a:rPr lang="tr-TR" sz="2200" dirty="0" err="1">
+                <a:effectLst/>
+                <a:latin typeface="Times New Roman" panose="02020603050405020304" pitchFamily="18" charset="0"/>
+                <a:ea typeface="Calibri" panose="020F0502020204030204" pitchFamily="34" charset="0"/>
+                <a:cs typeface="Times New Roman" panose="02020603050405020304" pitchFamily="18" charset="0"/>
+              </a:rPr>
+              <a:t>R</a:t>
+            </a:r>
+            <a:r>
+              <a:rPr lang="tr-TR" sz="2200" baseline="-25000" dirty="0" err="1">
+                <a:effectLst/>
+                <a:latin typeface="Times New Roman" panose="02020603050405020304" pitchFamily="18" charset="0"/>
+                <a:ea typeface="Calibri" panose="020F0502020204030204" pitchFamily="34" charset="0"/>
+                <a:cs typeface="Times New Roman" panose="02020603050405020304" pitchFamily="18" charset="0"/>
+              </a:rPr>
+              <a:t>k</a:t>
+            </a:r>
+            <a:r>
+              <a:rPr lang="tr-TR" sz="2200" dirty="0">
+                <a:effectLst/>
+                <a:latin typeface="Times New Roman" panose="02020603050405020304" pitchFamily="18" charset="0"/>
+                <a:ea typeface="Calibri" panose="020F0502020204030204" pitchFamily="34" charset="0"/>
+                <a:cs typeface="Times New Roman" panose="02020603050405020304" pitchFamily="18" charset="0"/>
+              </a:rPr>
+              <a:t>= </a:t>
+            </a:r>
+            <a:r>
+              <a:rPr lang="tr-TR" sz="2200" dirty="0" err="1">
+                <a:effectLst/>
+                <a:latin typeface="Times New Roman" panose="02020603050405020304" pitchFamily="18" charset="0"/>
+                <a:ea typeface="Calibri" panose="020F0502020204030204" pitchFamily="34" charset="0"/>
+                <a:cs typeface="Times New Roman" panose="02020603050405020304" pitchFamily="18" charset="0"/>
+              </a:rPr>
+              <a:t>A</a:t>
+            </a:r>
+            <a:r>
+              <a:rPr lang="tr-TR" sz="2200" baseline="-25000" dirty="0" err="1">
+                <a:effectLst/>
+                <a:latin typeface="Times New Roman" panose="02020603050405020304" pitchFamily="18" charset="0"/>
+                <a:ea typeface="Calibri" panose="020F0502020204030204" pitchFamily="34" charset="0"/>
+                <a:cs typeface="Times New Roman" panose="02020603050405020304" pitchFamily="18" charset="0"/>
+              </a:rPr>
+              <a:t>k</a:t>
+            </a:r>
+            <a:r>
+              <a:rPr lang="tr-TR" sz="2200" dirty="0" err="1">
+                <a:effectLst/>
+                <a:latin typeface="Times New Roman" panose="02020603050405020304" pitchFamily="18" charset="0"/>
+                <a:ea typeface="Calibri" panose="020F0502020204030204" pitchFamily="34" charset="0"/>
+                <a:cs typeface="Times New Roman" panose="02020603050405020304" pitchFamily="18" charset="0"/>
+              </a:rPr>
+              <a:t>→B</a:t>
+            </a:r>
+            <a:r>
+              <a:rPr lang="tr-TR" sz="2200" baseline="-25000" dirty="0" err="1">
+                <a:effectLst/>
+                <a:latin typeface="Times New Roman" panose="02020603050405020304" pitchFamily="18" charset="0"/>
+                <a:ea typeface="Calibri" panose="020F0502020204030204" pitchFamily="34" charset="0"/>
+                <a:cs typeface="Times New Roman" panose="02020603050405020304" pitchFamily="18" charset="0"/>
+              </a:rPr>
+              <a:t>k</a:t>
+            </a:r>
+            <a:r>
+              <a:rPr lang="tr-TR" sz="2200" dirty="0">
+                <a:effectLst/>
+                <a:latin typeface="Times New Roman" panose="02020603050405020304" pitchFamily="18" charset="0"/>
+                <a:ea typeface="Calibri" panose="020F0502020204030204" pitchFamily="34" charset="0"/>
+                <a:cs typeface="Times New Roman" panose="02020603050405020304" pitchFamily="18" charset="0"/>
+              </a:rPr>
+              <a:t> </a:t>
+            </a:r>
+            <a:r>
+              <a:rPr lang="tr-TR" sz="2200" dirty="0" err="1">
+                <a:effectLst/>
+                <a:latin typeface="Times New Roman" panose="02020603050405020304" pitchFamily="18" charset="0"/>
+                <a:ea typeface="Calibri" panose="020F0502020204030204" pitchFamily="34" charset="0"/>
+                <a:cs typeface="Times New Roman" panose="02020603050405020304" pitchFamily="18" charset="0"/>
+              </a:rPr>
+              <a:t>daki</a:t>
+            </a:r>
+            <a:r>
+              <a:rPr lang="tr-TR" sz="2200" dirty="0">
+                <a:effectLst/>
+                <a:latin typeface="Times New Roman" panose="02020603050405020304" pitchFamily="18" charset="0"/>
+                <a:ea typeface="Calibri" panose="020F0502020204030204" pitchFamily="34" charset="0"/>
+                <a:cs typeface="Times New Roman" panose="02020603050405020304" pitchFamily="18" charset="0"/>
+              </a:rPr>
+              <a:t> bulanık küme A</a:t>
+            </a:r>
+            <a:r>
+              <a:rPr lang="tr-TR" sz="2200" baseline="-25000" dirty="0">
+                <a:effectLst/>
+                <a:latin typeface="Times New Roman" panose="02020603050405020304" pitchFamily="18" charset="0"/>
+                <a:ea typeface="Calibri" panose="020F0502020204030204" pitchFamily="34" charset="0"/>
+                <a:cs typeface="Times New Roman" panose="02020603050405020304" pitchFamily="18" charset="0"/>
+              </a:rPr>
+              <a:t>k</a:t>
+            </a:r>
+            <a:r>
+              <a:rPr lang="tr-TR" sz="2200" dirty="0">
+                <a:effectLst/>
+                <a:latin typeface="Times New Roman" panose="02020603050405020304" pitchFamily="18" charset="0"/>
+                <a:ea typeface="Calibri" panose="020F0502020204030204" pitchFamily="34" charset="0"/>
+                <a:cs typeface="Times New Roman" panose="02020603050405020304" pitchFamily="18" charset="0"/>
+              </a:rPr>
+              <a:t> hem nokta değer kümesi hem de aralık değer kümesi olabilir.</a:t>
+            </a:r>
+            <a:endParaRPr lang="tr-TR" sz="2200" dirty="0">
+              <a:latin typeface="Times New Roman" panose="02020603050405020304" pitchFamily="18" charset="0"/>
+              <a:cs typeface="Times New Roman" panose="02020603050405020304" pitchFamily="18" charset="0"/>
+            </a:endParaRPr>
+          </a:p>
+        </p:txBody>
+      </p:sp>
+    </p:spTree>
+    <p:extLst>
+      <p:ext uri="{BB962C8B-B14F-4D97-AF65-F5344CB8AC3E}">
+        <p14:creationId xmlns:p14="http://schemas.microsoft.com/office/powerpoint/2010/main" val="2562101164"/>
       </p:ext>
     </p:extLst>
   </p:cSld>
@@ -17774,7 +18458,7 @@
         </p:nvSpPr>
         <p:spPr>
           <a:xfrm>
-            <a:off x="838200" y="136525"/>
+            <a:off x="917330" y="409086"/>
             <a:ext cx="10515600" cy="610821"/>
           </a:xfrm>
         </p:spPr>
@@ -17850,864 +18534,620 @@
           </a:p>
         </p:txBody>
       </p:sp>
-      <p:sp>
-        <p:nvSpPr>
-          <p:cNvPr id="3" name="İçerik Yer Tutucusu 2">
+      <p:pic>
+        <p:nvPicPr>
+          <p:cNvPr id="2" name="İçerik Yer Tutucusu 1">
             <a:extLst>
               <a:ext uri="{FF2B5EF4-FFF2-40B4-BE49-F238E27FC236}">
-                <a16:creationId xmlns:a16="http://schemas.microsoft.com/office/drawing/2014/main" id="{839B2505-A752-6959-A64F-4ADB0FD16C45}"/>
+                <a16:creationId xmlns:a16="http://schemas.microsoft.com/office/drawing/2014/main" id="{292C4F31-3ECC-880B-7DF8-07254ABE3E99}"/>
               </a:ext>
             </a:extLst>
           </p:cNvPr>
-          <p:cNvSpPr>
-            <a:spLocks noGrp="1"/>
-          </p:cNvSpPr>
+          <p:cNvPicPr>
+            <a:picLocks noGrp="1" noChangeAspect="1"/>
+          </p:cNvPicPr>
           <p:nvPr>
             <p:ph idx="1"/>
           </p:nvPr>
-        </p:nvSpPr>
+        </p:nvPicPr>
+        <p:blipFill>
+          <a:blip r:embed="rId3"/>
+          <a:stretch>
+            <a:fillRect/>
+          </a:stretch>
+        </p:blipFill>
         <p:spPr>
           <a:xfrm>
-            <a:off x="838200" y="747346"/>
-            <a:ext cx="10515600" cy="5732585"/>
+            <a:off x="1171575" y="1204119"/>
+            <a:ext cx="10182225" cy="4591050"/>
           </a:xfrm>
+          <a:prstGeom prst="rect">
+            <a:avLst/>
+          </a:prstGeom>
         </p:spPr>
-        <p:txBody>
-          <a:bodyPr>
-            <a:normAutofit/>
+      </p:pic>
+      <p:sp>
+        <p:nvSpPr>
+          <p:cNvPr id="6" name="Metin kutusu 5">
+            <a:extLst>
+              <a:ext uri="{FF2B5EF4-FFF2-40B4-BE49-F238E27FC236}">
+                <a16:creationId xmlns:a16="http://schemas.microsoft.com/office/drawing/2014/main" id="{CAA2D323-5BE9-1C25-8060-3C69A7DFFBEC}"/>
+              </a:ext>
+            </a:extLst>
+          </p:cNvPr>
+          <p:cNvSpPr txBox="1"/>
+          <p:nvPr/>
+        </p:nvSpPr>
+        <p:spPr>
+          <a:xfrm>
+            <a:off x="3309205" y="2233859"/>
+            <a:ext cx="2743200" cy="400110"/>
+          </a:xfrm>
+          <a:prstGeom prst="rect">
+            <a:avLst/>
+          </a:prstGeom>
+          <a:noFill/>
+        </p:spPr>
+        <p:txBody>
+          <a:bodyPr wrap="square">
+            <a:spAutoFit/>
           </a:bodyPr>
           <a:lstStyle/>
           <a:p>
-            <a:pPr algn="just">
-              <a:lnSpc>
-                <a:spcPts val="2700"/>
-              </a:lnSpc>
-              <a:spcBef>
-                <a:spcPts val="0"/>
-              </a:spcBef>
-              <a:spcAft>
-                <a:spcPts val="1200"/>
-              </a:spcAft>
-            </a:pPr>
-            <a:r>
-              <a:rPr lang="tr-TR" sz="2200" dirty="0">
+            <a:r>
+              <a:rPr lang="da-DK" sz="2000" b="1" dirty="0">
+                <a:solidFill>
+                  <a:schemeClr val="accent1"/>
+                </a:solidFill>
+                <a:latin typeface="Times New Roman" panose="02020603050405020304" pitchFamily="18" charset="0"/>
+                <a:cs typeface="Times New Roman" panose="02020603050405020304" pitchFamily="18" charset="0"/>
+              </a:rPr>
+              <a:t>min(</a:t>
+            </a:r>
+            <a:r>
+              <a:rPr lang="tr-TR" sz="2000" b="1" dirty="0" err="1">
+                <a:solidFill>
+                  <a:schemeClr val="accent1"/>
+                </a:solidFill>
                 <a:effectLst/>
                 <a:latin typeface="Times New Roman" panose="02020603050405020304" pitchFamily="18" charset="0"/>
                 <a:ea typeface="Calibri" panose="020F0502020204030204" pitchFamily="34" charset="0"/>
                 <a:cs typeface="Times New Roman" panose="02020603050405020304" pitchFamily="18" charset="0"/>
               </a:rPr>
-              <a:t>Şimdi N kurallı çok girişli tek çıkışlı (MISO) bir sistemi ele alalım. Bunun </a:t>
-            </a:r>
-            <a:r>
-              <a:rPr lang="tr-TR" sz="2200" dirty="0" err="1">
+              <a:t>μ</a:t>
+            </a:r>
+            <a:r>
+              <a:rPr lang="tr-TR" sz="2000" b="1" baseline="-25000" dirty="0" err="1">
+                <a:solidFill>
+                  <a:schemeClr val="accent1"/>
+                </a:solidFill>
                 <a:effectLst/>
                 <a:latin typeface="Times New Roman" panose="02020603050405020304" pitchFamily="18" charset="0"/>
                 <a:ea typeface="Calibri" panose="020F0502020204030204" pitchFamily="34" charset="0"/>
                 <a:cs typeface="Times New Roman" panose="02020603050405020304" pitchFamily="18" charset="0"/>
               </a:rPr>
-              <a:t>k’nıncı</a:t>
-            </a:r>
-            <a:r>
-              <a:rPr lang="tr-TR" sz="2200" dirty="0">
+              <a:t>A</a:t>
+            </a:r>
+            <a:r>
+              <a:rPr lang="tr-TR" sz="2000" b="1" dirty="0">
+                <a:solidFill>
+                  <a:schemeClr val="accent1"/>
+                </a:solidFill>
                 <a:effectLst/>
                 <a:latin typeface="Times New Roman" panose="02020603050405020304" pitchFamily="18" charset="0"/>
                 <a:ea typeface="Calibri" panose="020F0502020204030204" pitchFamily="34" charset="0"/>
                 <a:cs typeface="Times New Roman" panose="02020603050405020304" pitchFamily="18" charset="0"/>
               </a:rPr>
-              <a:t> bulanık kuralı aşağıda verilmektedir.</a:t>
-            </a:r>
-          </a:p>
-          <a:p>
-            <a:pPr algn="just">
-              <a:lnSpc>
-                <a:spcPts val="2700"/>
-              </a:lnSpc>
-              <a:spcBef>
-                <a:spcPts val="0"/>
-              </a:spcBef>
-              <a:spcAft>
-                <a:spcPts val="1200"/>
-              </a:spcAft>
-            </a:pPr>
-            <a:r>
-              <a:rPr lang="tr-TR" sz="2200" dirty="0">
+              <a:t>(u), </a:t>
+            </a:r>
+            <a:r>
+              <a:rPr lang="tr-TR" sz="2000" b="1" dirty="0" err="1">
+                <a:solidFill>
+                  <a:schemeClr val="accent1"/>
+                </a:solidFill>
                 <a:effectLst/>
                 <a:latin typeface="Times New Roman" panose="02020603050405020304" pitchFamily="18" charset="0"/>
                 <a:ea typeface="Calibri" panose="020F0502020204030204" pitchFamily="34" charset="0"/>
                 <a:cs typeface="Times New Roman" panose="02020603050405020304" pitchFamily="18" charset="0"/>
               </a:rPr>
-              <a:t>EĞER A</a:t>
-            </a:r>
-            <a:r>
-              <a:rPr lang="tr-TR" sz="2200" baseline="-25000" dirty="0">
+              <a:t>μ</a:t>
+            </a:r>
+            <a:r>
+              <a:rPr lang="tr-TR" sz="2000" b="1" baseline="-25000" dirty="0" err="1">
+                <a:solidFill>
+                  <a:schemeClr val="accent1"/>
+                </a:solidFill>
+                <a:latin typeface="Times New Roman" panose="02020603050405020304" pitchFamily="18" charset="0"/>
+                <a:ea typeface="Calibri" panose="020F0502020204030204" pitchFamily="34" charset="0"/>
+                <a:cs typeface="Times New Roman" panose="02020603050405020304" pitchFamily="18" charset="0"/>
+              </a:rPr>
+              <a:t>B</a:t>
+            </a:r>
+            <a:r>
+              <a:rPr lang="tr-TR" sz="2000" b="1" dirty="0">
+                <a:solidFill>
+                  <a:schemeClr val="accent1"/>
+                </a:solidFill>
                 <a:effectLst/>
                 <a:latin typeface="Times New Roman" panose="02020603050405020304" pitchFamily="18" charset="0"/>
                 <a:ea typeface="Calibri" panose="020F0502020204030204" pitchFamily="34" charset="0"/>
                 <a:cs typeface="Times New Roman" panose="02020603050405020304" pitchFamily="18" charset="0"/>
               </a:rPr>
-              <a:t>k1</a:t>
-            </a:r>
-            <a:r>
-              <a:rPr lang="tr-TR" sz="2200" dirty="0">
-                <a:effectLst/>
-                <a:latin typeface="Times New Roman" panose="02020603050405020304" pitchFamily="18" charset="0"/>
-                <a:ea typeface="Calibri" panose="020F0502020204030204" pitchFamily="34" charset="0"/>
-                <a:cs typeface="Times New Roman" panose="02020603050405020304" pitchFamily="18" charset="0"/>
-              </a:rPr>
-              <a:t> VE … VE </a:t>
-            </a:r>
-            <a:r>
-              <a:rPr lang="tr-TR" sz="2200" dirty="0" err="1">
-                <a:effectLst/>
-                <a:latin typeface="Times New Roman" panose="02020603050405020304" pitchFamily="18" charset="0"/>
-                <a:ea typeface="Calibri" panose="020F0502020204030204" pitchFamily="34" charset="0"/>
-                <a:cs typeface="Times New Roman" panose="02020603050405020304" pitchFamily="18" charset="0"/>
-              </a:rPr>
-              <a:t>A</a:t>
-            </a:r>
-            <a:r>
-              <a:rPr lang="tr-TR" sz="2200" baseline="-25000" dirty="0" err="1">
-                <a:effectLst/>
-                <a:latin typeface="Times New Roman" panose="02020603050405020304" pitchFamily="18" charset="0"/>
-                <a:ea typeface="Calibri" panose="020F0502020204030204" pitchFamily="34" charset="0"/>
-                <a:cs typeface="Times New Roman" panose="02020603050405020304" pitchFamily="18" charset="0"/>
-              </a:rPr>
-              <a:t>ki</a:t>
-            </a:r>
-            <a:r>
-              <a:rPr lang="tr-TR" sz="2200" dirty="0">
-                <a:effectLst/>
-                <a:latin typeface="Times New Roman" panose="02020603050405020304" pitchFamily="18" charset="0"/>
-                <a:ea typeface="Calibri" panose="020F0502020204030204" pitchFamily="34" charset="0"/>
-                <a:cs typeface="Times New Roman" panose="02020603050405020304" pitchFamily="18" charset="0"/>
-              </a:rPr>
-              <a:t> VE … VE </a:t>
-            </a:r>
-            <a:r>
-              <a:rPr lang="tr-TR" sz="2200" dirty="0" err="1">
-                <a:effectLst/>
-                <a:latin typeface="Times New Roman" panose="02020603050405020304" pitchFamily="18" charset="0"/>
-                <a:ea typeface="Calibri" panose="020F0502020204030204" pitchFamily="34" charset="0"/>
-                <a:cs typeface="Times New Roman" panose="02020603050405020304" pitchFamily="18" charset="0"/>
-              </a:rPr>
-              <a:t>A</a:t>
-            </a:r>
-            <a:r>
-              <a:rPr lang="tr-TR" sz="2200" baseline="-25000" dirty="0" err="1">
-                <a:effectLst/>
-                <a:latin typeface="Times New Roman" panose="02020603050405020304" pitchFamily="18" charset="0"/>
-                <a:ea typeface="Calibri" panose="020F0502020204030204" pitchFamily="34" charset="0"/>
-                <a:cs typeface="Times New Roman" panose="02020603050405020304" pitchFamily="18" charset="0"/>
-              </a:rPr>
-              <a:t>kn</a:t>
-            </a:r>
-            <a:r>
-              <a:rPr lang="tr-TR" sz="2200" dirty="0">
-                <a:effectLst/>
-                <a:latin typeface="Times New Roman" panose="02020603050405020304" pitchFamily="18" charset="0"/>
-                <a:ea typeface="Calibri" panose="020F0502020204030204" pitchFamily="34" charset="0"/>
-                <a:cs typeface="Times New Roman" panose="02020603050405020304" pitchFamily="18" charset="0"/>
-              </a:rPr>
-              <a:t> İSE </a:t>
-            </a:r>
-            <a:r>
-              <a:rPr lang="tr-TR" sz="2200" dirty="0" err="1">
-                <a:effectLst/>
-                <a:latin typeface="Times New Roman" panose="02020603050405020304" pitchFamily="18" charset="0"/>
-                <a:ea typeface="Calibri" panose="020F0502020204030204" pitchFamily="34" charset="0"/>
-                <a:cs typeface="Times New Roman" panose="02020603050405020304" pitchFamily="18" charset="0"/>
-              </a:rPr>
-              <a:t>B</a:t>
-            </a:r>
-            <a:r>
-              <a:rPr lang="tr-TR" sz="2200" baseline="-25000" dirty="0" err="1">
-                <a:effectLst/>
-                <a:latin typeface="Times New Roman" panose="02020603050405020304" pitchFamily="18" charset="0"/>
-                <a:ea typeface="Calibri" panose="020F0502020204030204" pitchFamily="34" charset="0"/>
-                <a:cs typeface="Times New Roman" panose="02020603050405020304" pitchFamily="18" charset="0"/>
-              </a:rPr>
-              <a:t>k</a:t>
-            </a:r>
-            <a:r>
-              <a:rPr lang="tr-TR" sz="2200" dirty="0">
-                <a:effectLst/>
-                <a:latin typeface="Times New Roman" panose="02020603050405020304" pitchFamily="18" charset="0"/>
-                <a:ea typeface="Calibri" panose="020F0502020204030204" pitchFamily="34" charset="0"/>
-                <a:cs typeface="Times New Roman" panose="02020603050405020304" pitchFamily="18" charset="0"/>
-              </a:rPr>
-              <a:t>, Burada; i= 1….n</a:t>
-            </a:r>
-          </a:p>
-          <a:p>
-            <a:pPr algn="just">
-              <a:lnSpc>
-                <a:spcPts val="2700"/>
-              </a:lnSpc>
-              <a:spcBef>
-                <a:spcPts val="0"/>
-              </a:spcBef>
-              <a:spcAft>
-                <a:spcPts val="1200"/>
-              </a:spcAft>
-            </a:pPr>
-            <a:r>
-              <a:rPr lang="tr-TR" sz="2200" dirty="0" err="1">
-                <a:effectLst/>
-                <a:latin typeface="Times New Roman" panose="02020603050405020304" pitchFamily="18" charset="0"/>
-                <a:ea typeface="Calibri" panose="020F0502020204030204" pitchFamily="34" charset="0"/>
-                <a:cs typeface="Times New Roman" panose="02020603050405020304" pitchFamily="18" charset="0"/>
-              </a:rPr>
-              <a:t>A</a:t>
-            </a:r>
-            <a:r>
-              <a:rPr lang="tr-TR" sz="2200" baseline="-25000" dirty="0" err="1">
-                <a:effectLst/>
-                <a:latin typeface="Times New Roman" panose="02020603050405020304" pitchFamily="18" charset="0"/>
-                <a:ea typeface="Calibri" panose="020F0502020204030204" pitchFamily="34" charset="0"/>
-                <a:cs typeface="Times New Roman" panose="02020603050405020304" pitchFamily="18" charset="0"/>
-              </a:rPr>
-              <a:t>ki</a:t>
-            </a:r>
-            <a:r>
-              <a:rPr lang="tr-TR" sz="2200" dirty="0">
-                <a:effectLst/>
-                <a:latin typeface="Times New Roman" panose="02020603050405020304" pitchFamily="18" charset="0"/>
-                <a:ea typeface="Calibri" panose="020F0502020204030204" pitchFamily="34" charset="0"/>
-                <a:cs typeface="Times New Roman" panose="02020603050405020304" pitchFamily="18" charset="0"/>
-              </a:rPr>
-              <a:t>, </a:t>
-            </a:r>
-            <a:r>
-              <a:rPr lang="tr-TR" sz="2200" dirty="0" err="1">
-                <a:effectLst/>
-                <a:latin typeface="Times New Roman" panose="02020603050405020304" pitchFamily="18" charset="0"/>
-                <a:ea typeface="Calibri" panose="020F0502020204030204" pitchFamily="34" charset="0"/>
-                <a:cs typeface="Times New Roman" panose="02020603050405020304" pitchFamily="18" charset="0"/>
-              </a:rPr>
-              <a:t>k’nıncı</a:t>
-            </a:r>
-            <a:r>
-              <a:rPr lang="tr-TR" sz="2200" dirty="0">
-                <a:effectLst/>
-                <a:latin typeface="Times New Roman" panose="02020603050405020304" pitchFamily="18" charset="0"/>
-                <a:ea typeface="Calibri" panose="020F0502020204030204" pitchFamily="34" charset="0"/>
-                <a:cs typeface="Times New Roman" panose="02020603050405020304" pitchFamily="18" charset="0"/>
-              </a:rPr>
-              <a:t> bulanık kuraldaki </a:t>
-            </a:r>
-            <a:r>
-              <a:rPr lang="tr-TR" sz="2200" dirty="0" err="1">
-                <a:effectLst/>
-                <a:latin typeface="Times New Roman" panose="02020603050405020304" pitchFamily="18" charset="0"/>
-                <a:ea typeface="Calibri" panose="020F0502020204030204" pitchFamily="34" charset="0"/>
-                <a:cs typeface="Times New Roman" panose="02020603050405020304" pitchFamily="18" charset="0"/>
-              </a:rPr>
-              <a:t>i’ninci</a:t>
-            </a:r>
-            <a:r>
-              <a:rPr lang="tr-TR" sz="2200" dirty="0">
-                <a:effectLst/>
-                <a:latin typeface="Times New Roman" panose="02020603050405020304" pitchFamily="18" charset="0"/>
-                <a:ea typeface="Calibri" panose="020F0502020204030204" pitchFamily="34" charset="0"/>
-                <a:cs typeface="Times New Roman" panose="02020603050405020304" pitchFamily="18" charset="0"/>
-              </a:rPr>
-              <a:t> giriş değişkeni x</a:t>
-            </a:r>
-            <a:r>
-              <a:rPr lang="tr-TR" sz="2200" baseline="-25000" dirty="0">
-                <a:effectLst/>
-                <a:latin typeface="Times New Roman" panose="02020603050405020304" pitchFamily="18" charset="0"/>
-                <a:ea typeface="Calibri" panose="020F0502020204030204" pitchFamily="34" charset="0"/>
-                <a:cs typeface="Times New Roman" panose="02020603050405020304" pitchFamily="18" charset="0"/>
-              </a:rPr>
-              <a:t>i</a:t>
-            </a:r>
-            <a:r>
-              <a:rPr lang="tr-TR" sz="2200" dirty="0">
-                <a:effectLst/>
-                <a:latin typeface="Times New Roman" panose="02020603050405020304" pitchFamily="18" charset="0"/>
-                <a:ea typeface="Calibri" panose="020F0502020204030204" pitchFamily="34" charset="0"/>
-                <a:cs typeface="Times New Roman" panose="02020603050405020304" pitchFamily="18" charset="0"/>
-              </a:rPr>
-              <a:t> için bulanık kümedir. </a:t>
-            </a:r>
-            <a:r>
-              <a:rPr lang="tr-TR" sz="2200" dirty="0" err="1">
-                <a:effectLst/>
-                <a:latin typeface="Times New Roman" panose="02020603050405020304" pitchFamily="18" charset="0"/>
-                <a:ea typeface="Calibri" panose="020F0502020204030204" pitchFamily="34" charset="0"/>
-                <a:cs typeface="Times New Roman" panose="02020603050405020304" pitchFamily="18" charset="0"/>
-              </a:rPr>
-              <a:t>B</a:t>
-            </a:r>
-            <a:r>
-              <a:rPr lang="tr-TR" sz="2200" baseline="-25000" dirty="0" err="1">
-                <a:effectLst/>
-                <a:latin typeface="Times New Roman" panose="02020603050405020304" pitchFamily="18" charset="0"/>
-                <a:ea typeface="Calibri" panose="020F0502020204030204" pitchFamily="34" charset="0"/>
-                <a:cs typeface="Times New Roman" panose="02020603050405020304" pitchFamily="18" charset="0"/>
-              </a:rPr>
-              <a:t>k</a:t>
-            </a:r>
-            <a:r>
-              <a:rPr lang="tr-TR" sz="2200" dirty="0">
-                <a:effectLst/>
-                <a:latin typeface="Times New Roman" panose="02020603050405020304" pitchFamily="18" charset="0"/>
-                <a:ea typeface="Calibri" panose="020F0502020204030204" pitchFamily="34" charset="0"/>
-                <a:cs typeface="Times New Roman" panose="02020603050405020304" pitchFamily="18" charset="0"/>
-              </a:rPr>
-              <a:t> ise yine </a:t>
-            </a:r>
-            <a:r>
-              <a:rPr lang="tr-TR" sz="2200" dirty="0" err="1">
-                <a:effectLst/>
-                <a:latin typeface="Times New Roman" panose="02020603050405020304" pitchFamily="18" charset="0"/>
-                <a:ea typeface="Calibri" panose="020F0502020204030204" pitchFamily="34" charset="0"/>
-                <a:cs typeface="Times New Roman" panose="02020603050405020304" pitchFamily="18" charset="0"/>
-              </a:rPr>
-              <a:t>k’nıncı</a:t>
-            </a:r>
-            <a:r>
-              <a:rPr lang="tr-TR" sz="2200" dirty="0">
-                <a:effectLst/>
-                <a:latin typeface="Times New Roman" panose="02020603050405020304" pitchFamily="18" charset="0"/>
-                <a:ea typeface="Calibri" panose="020F0502020204030204" pitchFamily="34" charset="0"/>
-                <a:cs typeface="Times New Roman" panose="02020603050405020304" pitchFamily="18" charset="0"/>
-              </a:rPr>
-              <a:t> kuraldaki </a:t>
-            </a:r>
-            <a:r>
-              <a:rPr lang="tr-TR" sz="2200" dirty="0" err="1">
-                <a:effectLst/>
-                <a:latin typeface="Times New Roman" panose="02020603050405020304" pitchFamily="18" charset="0"/>
-                <a:ea typeface="Calibri" panose="020F0502020204030204" pitchFamily="34" charset="0"/>
-                <a:cs typeface="Times New Roman" panose="02020603050405020304" pitchFamily="18" charset="0"/>
-              </a:rPr>
-              <a:t>y</a:t>
-            </a:r>
-            <a:r>
-              <a:rPr lang="tr-TR" sz="2200" baseline="-25000" dirty="0" err="1">
-                <a:effectLst/>
-                <a:latin typeface="Times New Roman" panose="02020603050405020304" pitchFamily="18" charset="0"/>
-                <a:ea typeface="Calibri" panose="020F0502020204030204" pitchFamily="34" charset="0"/>
-                <a:cs typeface="Times New Roman" panose="02020603050405020304" pitchFamily="18" charset="0"/>
-              </a:rPr>
-              <a:t>j</a:t>
-            </a:r>
-            <a:r>
-              <a:rPr lang="tr-TR" sz="2200" dirty="0">
-                <a:effectLst/>
-                <a:latin typeface="Times New Roman" panose="02020603050405020304" pitchFamily="18" charset="0"/>
-                <a:ea typeface="Calibri" panose="020F0502020204030204" pitchFamily="34" charset="0"/>
-                <a:cs typeface="Times New Roman" panose="02020603050405020304" pitchFamily="18" charset="0"/>
-              </a:rPr>
-              <a:t> çıkış değişkeni için bulanık kümedir. Genel olarak </a:t>
-            </a:r>
-            <a:r>
-              <a:rPr lang="tr-TR" sz="2200" dirty="0" err="1">
-                <a:effectLst/>
-                <a:latin typeface="Times New Roman" panose="02020603050405020304" pitchFamily="18" charset="0"/>
-                <a:ea typeface="Calibri" panose="020F0502020204030204" pitchFamily="34" charset="0"/>
-                <a:cs typeface="Times New Roman" panose="02020603050405020304" pitchFamily="18" charset="0"/>
-              </a:rPr>
-              <a:t>k’nıncı</a:t>
-            </a:r>
-            <a:r>
-              <a:rPr lang="tr-TR" sz="2200" dirty="0">
-                <a:effectLst/>
-                <a:latin typeface="Times New Roman" panose="02020603050405020304" pitchFamily="18" charset="0"/>
-                <a:ea typeface="Calibri" panose="020F0502020204030204" pitchFamily="34" charset="0"/>
-                <a:cs typeface="Times New Roman" panose="02020603050405020304" pitchFamily="18" charset="0"/>
-              </a:rPr>
-              <a:t> kuralın bulanık ilişkisi </a:t>
-            </a:r>
-            <a:r>
-              <a:rPr lang="tr-TR" sz="2200" dirty="0" err="1">
-                <a:effectLst/>
-                <a:latin typeface="Times New Roman" panose="02020603050405020304" pitchFamily="18" charset="0"/>
-                <a:ea typeface="Calibri" panose="020F0502020204030204" pitchFamily="34" charset="0"/>
-                <a:cs typeface="Times New Roman" panose="02020603050405020304" pitchFamily="18" charset="0"/>
-              </a:rPr>
-              <a:t>R</a:t>
-            </a:r>
-            <a:r>
-              <a:rPr lang="tr-TR" sz="2200" baseline="-25000" dirty="0" err="1">
-                <a:effectLst/>
-                <a:latin typeface="Times New Roman" panose="02020603050405020304" pitchFamily="18" charset="0"/>
-                <a:ea typeface="Calibri" panose="020F0502020204030204" pitchFamily="34" charset="0"/>
-                <a:cs typeface="Times New Roman" panose="02020603050405020304" pitchFamily="18" charset="0"/>
-              </a:rPr>
-              <a:t>k</a:t>
-            </a:r>
-            <a:r>
-              <a:rPr lang="tr-TR" sz="2200" dirty="0">
-                <a:effectLst/>
-                <a:latin typeface="Times New Roman" panose="02020603050405020304" pitchFamily="18" charset="0"/>
-                <a:ea typeface="Calibri" panose="020F0502020204030204" pitchFamily="34" charset="0"/>
-                <a:cs typeface="Times New Roman" panose="02020603050405020304" pitchFamily="18" charset="0"/>
-              </a:rPr>
-              <a:t> şöyle gösterilir.</a:t>
-            </a:r>
-          </a:p>
-          <a:p>
-            <a:pPr algn="just">
-              <a:lnSpc>
-                <a:spcPts val="2700"/>
-              </a:lnSpc>
-              <a:spcBef>
-                <a:spcPts val="0"/>
-              </a:spcBef>
-              <a:spcAft>
-                <a:spcPts val="1200"/>
-              </a:spcAft>
-            </a:pPr>
-            <a:r>
-              <a:rPr lang="tr-TR" sz="2200" dirty="0" err="1">
-                <a:effectLst/>
-                <a:latin typeface="Times New Roman" panose="02020603050405020304" pitchFamily="18" charset="0"/>
-                <a:ea typeface="Calibri" panose="020F0502020204030204" pitchFamily="34" charset="0"/>
-                <a:cs typeface="Times New Roman" panose="02020603050405020304" pitchFamily="18" charset="0"/>
-              </a:rPr>
-              <a:t>R</a:t>
-            </a:r>
-            <a:r>
-              <a:rPr lang="tr-TR" sz="2200" baseline="-25000" dirty="0" err="1">
-                <a:effectLst/>
-                <a:latin typeface="Times New Roman" panose="02020603050405020304" pitchFamily="18" charset="0"/>
-                <a:ea typeface="Calibri" panose="020F0502020204030204" pitchFamily="34" charset="0"/>
-                <a:cs typeface="Times New Roman" panose="02020603050405020304" pitchFamily="18" charset="0"/>
-              </a:rPr>
-              <a:t>k</a:t>
-            </a:r>
-            <a:r>
-              <a:rPr lang="tr-TR" sz="2200" dirty="0">
-                <a:effectLst/>
-                <a:latin typeface="Times New Roman" panose="02020603050405020304" pitchFamily="18" charset="0"/>
-                <a:ea typeface="Calibri" panose="020F0502020204030204" pitchFamily="34" charset="0"/>
-                <a:cs typeface="Times New Roman" panose="02020603050405020304" pitchFamily="18" charset="0"/>
-              </a:rPr>
-              <a:t>= A</a:t>
-            </a:r>
-            <a:r>
-              <a:rPr lang="tr-TR" sz="2200" baseline="-25000" dirty="0">
-                <a:effectLst/>
-                <a:latin typeface="Times New Roman" panose="02020603050405020304" pitchFamily="18" charset="0"/>
-                <a:ea typeface="Calibri" panose="020F0502020204030204" pitchFamily="34" charset="0"/>
-                <a:cs typeface="Times New Roman" panose="02020603050405020304" pitchFamily="18" charset="0"/>
-              </a:rPr>
-              <a:t>k</a:t>
-            </a:r>
-            <a:r>
-              <a:rPr lang="tr-TR" sz="2200" dirty="0">
-                <a:effectLst/>
-                <a:latin typeface="Times New Roman" panose="02020603050405020304" pitchFamily="18" charset="0"/>
-                <a:ea typeface="Calibri" panose="020F0502020204030204" pitchFamily="34" charset="0"/>
-                <a:cs typeface="Times New Roman" panose="02020603050405020304" pitchFamily="18" charset="0"/>
-              </a:rPr>
-              <a:t> →</a:t>
-            </a:r>
-            <a:r>
-              <a:rPr lang="tr-TR" sz="2200" dirty="0" err="1">
-                <a:effectLst/>
-                <a:latin typeface="Times New Roman" panose="02020603050405020304" pitchFamily="18" charset="0"/>
-                <a:ea typeface="Calibri" panose="020F0502020204030204" pitchFamily="34" charset="0"/>
-                <a:cs typeface="Times New Roman" panose="02020603050405020304" pitchFamily="18" charset="0"/>
-              </a:rPr>
-              <a:t>B</a:t>
-            </a:r>
-            <a:r>
-              <a:rPr lang="tr-TR" sz="2200" baseline="-25000" dirty="0" err="1">
-                <a:effectLst/>
-                <a:latin typeface="Times New Roman" panose="02020603050405020304" pitchFamily="18" charset="0"/>
-                <a:ea typeface="Calibri" panose="020F0502020204030204" pitchFamily="34" charset="0"/>
-                <a:cs typeface="Times New Roman" panose="02020603050405020304" pitchFamily="18" charset="0"/>
-              </a:rPr>
-              <a:t>k</a:t>
-            </a:r>
-            <a:endParaRPr lang="tr-TR" sz="2200" baseline="-25000" dirty="0">
-              <a:effectLst/>
-              <a:latin typeface="Times New Roman" panose="02020603050405020304" pitchFamily="18" charset="0"/>
-              <a:ea typeface="Calibri" panose="020F0502020204030204" pitchFamily="34" charset="0"/>
-              <a:cs typeface="Times New Roman" panose="02020603050405020304" pitchFamily="18" charset="0"/>
-            </a:endParaRPr>
-          </a:p>
-          <a:p>
-            <a:pPr algn="just">
-              <a:lnSpc>
-                <a:spcPts val="2700"/>
-              </a:lnSpc>
-              <a:spcBef>
-                <a:spcPts val="0"/>
-              </a:spcBef>
-              <a:spcAft>
-                <a:spcPts val="1200"/>
-              </a:spcAft>
-            </a:pPr>
-            <a:r>
-              <a:rPr lang="tr-TR" sz="2200" dirty="0">
-                <a:effectLst/>
-                <a:latin typeface="Times New Roman" panose="02020603050405020304" pitchFamily="18" charset="0"/>
-                <a:ea typeface="Calibri" panose="020F0502020204030204" pitchFamily="34" charset="0"/>
-                <a:cs typeface="Times New Roman" panose="02020603050405020304" pitchFamily="18" charset="0"/>
-              </a:rPr>
-              <a:t>A</a:t>
-            </a:r>
-            <a:r>
-              <a:rPr lang="tr-TR" sz="2200" baseline="-25000" dirty="0">
-                <a:effectLst/>
-                <a:latin typeface="Times New Roman" panose="02020603050405020304" pitchFamily="18" charset="0"/>
-                <a:ea typeface="Calibri" panose="020F0502020204030204" pitchFamily="34" charset="0"/>
-                <a:cs typeface="Times New Roman" panose="02020603050405020304" pitchFamily="18" charset="0"/>
-              </a:rPr>
-              <a:t>k1</a:t>
-            </a:r>
-            <a:r>
-              <a:rPr lang="tr-TR" sz="2200" dirty="0">
-                <a:effectLst/>
-                <a:latin typeface="Times New Roman" panose="02020603050405020304" pitchFamily="18" charset="0"/>
-                <a:ea typeface="Calibri" panose="020F0502020204030204" pitchFamily="34" charset="0"/>
-                <a:cs typeface="Times New Roman" panose="02020603050405020304" pitchFamily="18" charset="0"/>
-              </a:rPr>
-              <a:t> VE … VE </a:t>
-            </a:r>
-            <a:r>
-              <a:rPr lang="tr-TR" sz="2200" dirty="0" err="1">
-                <a:effectLst/>
-                <a:latin typeface="Times New Roman" panose="02020603050405020304" pitchFamily="18" charset="0"/>
-                <a:ea typeface="Calibri" panose="020F0502020204030204" pitchFamily="34" charset="0"/>
-                <a:cs typeface="Times New Roman" panose="02020603050405020304" pitchFamily="18" charset="0"/>
-              </a:rPr>
-              <a:t>A</a:t>
-            </a:r>
-            <a:r>
-              <a:rPr lang="tr-TR" sz="2200" baseline="-25000" dirty="0" err="1">
-                <a:effectLst/>
-                <a:latin typeface="Times New Roman" panose="02020603050405020304" pitchFamily="18" charset="0"/>
-                <a:ea typeface="Calibri" panose="020F0502020204030204" pitchFamily="34" charset="0"/>
-                <a:cs typeface="Times New Roman" panose="02020603050405020304" pitchFamily="18" charset="0"/>
-              </a:rPr>
-              <a:t>ki</a:t>
-            </a:r>
-            <a:r>
-              <a:rPr lang="tr-TR" sz="2200" dirty="0">
-                <a:effectLst/>
-                <a:latin typeface="Times New Roman" panose="02020603050405020304" pitchFamily="18" charset="0"/>
-                <a:ea typeface="Calibri" panose="020F0502020204030204" pitchFamily="34" charset="0"/>
-                <a:cs typeface="Times New Roman" panose="02020603050405020304" pitchFamily="18" charset="0"/>
-              </a:rPr>
-              <a:t> VE … VE </a:t>
-            </a:r>
-            <a:r>
-              <a:rPr lang="tr-TR" sz="2200" dirty="0" err="1">
-                <a:effectLst/>
-                <a:latin typeface="Times New Roman" panose="02020603050405020304" pitchFamily="18" charset="0"/>
-                <a:ea typeface="Calibri" panose="020F0502020204030204" pitchFamily="34" charset="0"/>
-                <a:cs typeface="Times New Roman" panose="02020603050405020304" pitchFamily="18" charset="0"/>
-              </a:rPr>
-              <a:t>A</a:t>
-            </a:r>
-            <a:r>
-              <a:rPr lang="tr-TR" sz="2200" baseline="-25000" dirty="0" err="1">
-                <a:effectLst/>
-                <a:latin typeface="Times New Roman" panose="02020603050405020304" pitchFamily="18" charset="0"/>
-                <a:ea typeface="Calibri" panose="020F0502020204030204" pitchFamily="34" charset="0"/>
-                <a:cs typeface="Times New Roman" panose="02020603050405020304" pitchFamily="18" charset="0"/>
-              </a:rPr>
-              <a:t>kn</a:t>
-            </a:r>
-            <a:r>
-              <a:rPr lang="tr-TR" sz="2200" dirty="0">
-                <a:effectLst/>
-                <a:latin typeface="Times New Roman" panose="02020603050405020304" pitchFamily="18" charset="0"/>
-                <a:ea typeface="Calibri" panose="020F0502020204030204" pitchFamily="34" charset="0"/>
-                <a:cs typeface="Times New Roman" panose="02020603050405020304" pitchFamily="18" charset="0"/>
-              </a:rPr>
-              <a:t>, öncüllerinin kesişmesi iki şekilde ifade edilebilir.</a:t>
-            </a:r>
-          </a:p>
-          <a:p>
-            <a:pPr lvl="2" algn="just">
-              <a:lnSpc>
-                <a:spcPts val="2700"/>
-              </a:lnSpc>
-              <a:spcBef>
-                <a:spcPts val="0"/>
-              </a:spcBef>
-              <a:spcAft>
-                <a:spcPts val="1200"/>
-              </a:spcAft>
-            </a:pPr>
-            <a:r>
-              <a:rPr lang="tr-TR" sz="2200" dirty="0">
-                <a:effectLst/>
-                <a:latin typeface="Times New Roman" panose="02020603050405020304" pitchFamily="18" charset="0"/>
-                <a:ea typeface="Calibri" panose="020F0502020204030204" pitchFamily="34" charset="0"/>
-                <a:cs typeface="Times New Roman" panose="02020603050405020304" pitchFamily="18" charset="0"/>
-              </a:rPr>
-              <a:t>Nokta değer kesişmesi (</a:t>
-            </a:r>
-            <a:r>
-              <a:rPr lang="tr-TR" sz="2200" dirty="0" err="1">
-                <a:effectLst/>
-                <a:latin typeface="Times New Roman" panose="02020603050405020304" pitchFamily="18" charset="0"/>
-                <a:ea typeface="Calibri" panose="020F0502020204030204" pitchFamily="34" charset="0"/>
-                <a:cs typeface="Times New Roman" panose="02020603050405020304" pitchFamily="18" charset="0"/>
-              </a:rPr>
-              <a:t>pointvaluedintersection</a:t>
-            </a:r>
-            <a:r>
-              <a:rPr lang="tr-TR" sz="2200" dirty="0">
-                <a:effectLst/>
-                <a:latin typeface="Times New Roman" panose="02020603050405020304" pitchFamily="18" charset="0"/>
-                <a:ea typeface="Calibri" panose="020F0502020204030204" pitchFamily="34" charset="0"/>
-                <a:cs typeface="Times New Roman" panose="02020603050405020304" pitchFamily="18" charset="0"/>
-              </a:rPr>
-              <a:t>)</a:t>
-            </a:r>
-          </a:p>
-          <a:p>
-            <a:pPr lvl="2" algn="just">
-              <a:lnSpc>
-                <a:spcPts val="2700"/>
-              </a:lnSpc>
-              <a:spcBef>
-                <a:spcPts val="0"/>
-              </a:spcBef>
-              <a:spcAft>
-                <a:spcPts val="1200"/>
-              </a:spcAft>
-            </a:pPr>
-            <a:r>
-              <a:rPr lang="tr-TR" sz="2200" dirty="0">
-                <a:effectLst/>
-                <a:latin typeface="Times New Roman" panose="02020603050405020304" pitchFamily="18" charset="0"/>
-                <a:ea typeface="Calibri" panose="020F0502020204030204" pitchFamily="34" charset="0"/>
-                <a:cs typeface="Times New Roman" panose="02020603050405020304" pitchFamily="18" charset="0"/>
-              </a:rPr>
-              <a:t>Aralık değer kesişmesi(interval </a:t>
-            </a:r>
-            <a:r>
-              <a:rPr lang="tr-TR" sz="2200" dirty="0" err="1">
-                <a:effectLst/>
-                <a:latin typeface="Times New Roman" panose="02020603050405020304" pitchFamily="18" charset="0"/>
-                <a:ea typeface="Calibri" panose="020F0502020204030204" pitchFamily="34" charset="0"/>
-                <a:cs typeface="Times New Roman" panose="02020603050405020304" pitchFamily="18" charset="0"/>
-              </a:rPr>
-              <a:t>valued</a:t>
-            </a:r>
-            <a:r>
-              <a:rPr lang="tr-TR" sz="2200" dirty="0">
-                <a:effectLst/>
-                <a:latin typeface="Times New Roman" panose="02020603050405020304" pitchFamily="18" charset="0"/>
-                <a:ea typeface="Calibri" panose="020F0502020204030204" pitchFamily="34" charset="0"/>
-                <a:cs typeface="Times New Roman" panose="02020603050405020304" pitchFamily="18" charset="0"/>
-              </a:rPr>
-              <a:t> </a:t>
-            </a:r>
-            <a:r>
-              <a:rPr lang="tr-TR" sz="2200" dirty="0" err="1">
-                <a:effectLst/>
-                <a:latin typeface="Times New Roman" panose="02020603050405020304" pitchFamily="18" charset="0"/>
-                <a:ea typeface="Calibri" panose="020F0502020204030204" pitchFamily="34" charset="0"/>
-                <a:cs typeface="Times New Roman" panose="02020603050405020304" pitchFamily="18" charset="0"/>
-              </a:rPr>
-              <a:t>intersection</a:t>
-            </a:r>
-            <a:r>
-              <a:rPr lang="tr-TR" sz="2200" dirty="0">
-                <a:effectLst/>
-                <a:latin typeface="Times New Roman" panose="02020603050405020304" pitchFamily="18" charset="0"/>
-                <a:ea typeface="Calibri" panose="020F0502020204030204" pitchFamily="34" charset="0"/>
-                <a:cs typeface="Times New Roman" panose="02020603050405020304" pitchFamily="18" charset="0"/>
-              </a:rPr>
-              <a:t>)</a:t>
-            </a:r>
-          </a:p>
-          <a:p>
-            <a:pPr algn="just">
-              <a:lnSpc>
-                <a:spcPts val="2700"/>
-              </a:lnSpc>
-              <a:spcBef>
-                <a:spcPts val="0"/>
-              </a:spcBef>
-              <a:spcAft>
-                <a:spcPts val="1200"/>
-              </a:spcAft>
-            </a:pPr>
-            <a:r>
-              <a:rPr lang="tr-TR" sz="2200" dirty="0">
-                <a:effectLst/>
-                <a:latin typeface="Times New Roman" panose="02020603050405020304" pitchFamily="18" charset="0"/>
-                <a:ea typeface="Calibri" panose="020F0502020204030204" pitchFamily="34" charset="0"/>
-                <a:cs typeface="Times New Roman" panose="02020603050405020304" pitchFamily="18" charset="0"/>
-              </a:rPr>
-              <a:t>Yani </a:t>
-            </a:r>
-            <a:r>
-              <a:rPr lang="tr-TR" sz="2200" dirty="0" err="1">
-                <a:effectLst/>
-                <a:latin typeface="Times New Roman" panose="02020603050405020304" pitchFamily="18" charset="0"/>
-                <a:ea typeface="Calibri" panose="020F0502020204030204" pitchFamily="34" charset="0"/>
-                <a:cs typeface="Times New Roman" panose="02020603050405020304" pitchFamily="18" charset="0"/>
-              </a:rPr>
-              <a:t>k’nıncı</a:t>
-            </a:r>
-            <a:r>
-              <a:rPr lang="tr-TR" sz="2200" dirty="0">
-                <a:effectLst/>
-                <a:latin typeface="Times New Roman" panose="02020603050405020304" pitchFamily="18" charset="0"/>
-                <a:ea typeface="Calibri" panose="020F0502020204030204" pitchFamily="34" charset="0"/>
-                <a:cs typeface="Times New Roman" panose="02020603050405020304" pitchFamily="18" charset="0"/>
-              </a:rPr>
-              <a:t> kuralın </a:t>
-            </a:r>
-            <a:r>
-              <a:rPr lang="tr-TR" sz="2200" dirty="0" err="1">
-                <a:effectLst/>
-                <a:latin typeface="Times New Roman" panose="02020603050405020304" pitchFamily="18" charset="0"/>
-                <a:ea typeface="Calibri" panose="020F0502020204030204" pitchFamily="34" charset="0"/>
-                <a:cs typeface="Times New Roman" panose="02020603050405020304" pitchFamily="18" charset="0"/>
-              </a:rPr>
-              <a:t>R</a:t>
-            </a:r>
-            <a:r>
-              <a:rPr lang="tr-TR" sz="2200" baseline="-25000" dirty="0" err="1">
-                <a:effectLst/>
-                <a:latin typeface="Times New Roman" panose="02020603050405020304" pitchFamily="18" charset="0"/>
-                <a:ea typeface="Calibri" panose="020F0502020204030204" pitchFamily="34" charset="0"/>
-                <a:cs typeface="Times New Roman" panose="02020603050405020304" pitchFamily="18" charset="0"/>
-              </a:rPr>
-              <a:t>k</a:t>
-            </a:r>
-            <a:r>
-              <a:rPr lang="tr-TR" sz="2200" dirty="0">
-                <a:effectLst/>
-                <a:latin typeface="Times New Roman" panose="02020603050405020304" pitchFamily="18" charset="0"/>
-                <a:ea typeface="Calibri" panose="020F0502020204030204" pitchFamily="34" charset="0"/>
-                <a:cs typeface="Times New Roman" panose="02020603050405020304" pitchFamily="18" charset="0"/>
-              </a:rPr>
-              <a:t> ilişkisi, kullanılan yorumlamaya göre değişik anlamlara gelebilir. Yoruma göre </a:t>
-            </a:r>
-            <a:r>
-              <a:rPr lang="tr-TR" sz="2200" dirty="0" err="1">
-                <a:effectLst/>
-                <a:latin typeface="Times New Roman" panose="02020603050405020304" pitchFamily="18" charset="0"/>
-                <a:ea typeface="Calibri" panose="020F0502020204030204" pitchFamily="34" charset="0"/>
-                <a:cs typeface="Times New Roman" panose="02020603050405020304" pitchFamily="18" charset="0"/>
-              </a:rPr>
-              <a:t>R</a:t>
-            </a:r>
-            <a:r>
-              <a:rPr lang="tr-TR" sz="2200" baseline="-25000" dirty="0" err="1">
-                <a:effectLst/>
-                <a:latin typeface="Times New Roman" panose="02020603050405020304" pitchFamily="18" charset="0"/>
-                <a:ea typeface="Calibri" panose="020F0502020204030204" pitchFamily="34" charset="0"/>
-                <a:cs typeface="Times New Roman" panose="02020603050405020304" pitchFamily="18" charset="0"/>
-              </a:rPr>
-              <a:t>k</a:t>
-            </a:r>
-            <a:r>
-              <a:rPr lang="tr-TR" sz="2200" dirty="0">
-                <a:effectLst/>
-                <a:latin typeface="Times New Roman" panose="02020603050405020304" pitchFamily="18" charset="0"/>
-                <a:ea typeface="Calibri" panose="020F0502020204030204" pitchFamily="34" charset="0"/>
-                <a:cs typeface="Times New Roman" panose="02020603050405020304" pitchFamily="18" charset="0"/>
-              </a:rPr>
-              <a:t>= </a:t>
-            </a:r>
-            <a:r>
-              <a:rPr lang="tr-TR" sz="2200" dirty="0" err="1">
-                <a:effectLst/>
-                <a:latin typeface="Times New Roman" panose="02020603050405020304" pitchFamily="18" charset="0"/>
-                <a:ea typeface="Calibri" panose="020F0502020204030204" pitchFamily="34" charset="0"/>
-                <a:cs typeface="Times New Roman" panose="02020603050405020304" pitchFamily="18" charset="0"/>
-              </a:rPr>
-              <a:t>A</a:t>
-            </a:r>
-            <a:r>
-              <a:rPr lang="tr-TR" sz="2200" baseline="-25000" dirty="0" err="1">
-                <a:effectLst/>
-                <a:latin typeface="Times New Roman" panose="02020603050405020304" pitchFamily="18" charset="0"/>
-                <a:ea typeface="Calibri" panose="020F0502020204030204" pitchFamily="34" charset="0"/>
-                <a:cs typeface="Times New Roman" panose="02020603050405020304" pitchFamily="18" charset="0"/>
-              </a:rPr>
-              <a:t>k</a:t>
-            </a:r>
-            <a:r>
-              <a:rPr lang="tr-TR" sz="2200" dirty="0" err="1">
-                <a:effectLst/>
-                <a:latin typeface="Times New Roman" panose="02020603050405020304" pitchFamily="18" charset="0"/>
-                <a:ea typeface="Calibri" panose="020F0502020204030204" pitchFamily="34" charset="0"/>
-                <a:cs typeface="Times New Roman" panose="02020603050405020304" pitchFamily="18" charset="0"/>
-              </a:rPr>
-              <a:t>→B</a:t>
-            </a:r>
-            <a:r>
-              <a:rPr lang="tr-TR" sz="2200" baseline="-25000" dirty="0" err="1">
-                <a:effectLst/>
-                <a:latin typeface="Times New Roman" panose="02020603050405020304" pitchFamily="18" charset="0"/>
-                <a:ea typeface="Calibri" panose="020F0502020204030204" pitchFamily="34" charset="0"/>
-                <a:cs typeface="Times New Roman" panose="02020603050405020304" pitchFamily="18" charset="0"/>
-              </a:rPr>
-              <a:t>k</a:t>
-            </a:r>
-            <a:r>
-              <a:rPr lang="tr-TR" sz="2200" dirty="0">
-                <a:effectLst/>
-                <a:latin typeface="Times New Roman" panose="02020603050405020304" pitchFamily="18" charset="0"/>
-                <a:ea typeface="Calibri" panose="020F0502020204030204" pitchFamily="34" charset="0"/>
-                <a:cs typeface="Times New Roman" panose="02020603050405020304" pitchFamily="18" charset="0"/>
-              </a:rPr>
-              <a:t> </a:t>
-            </a:r>
-            <a:r>
-              <a:rPr lang="tr-TR" sz="2200" dirty="0" err="1">
-                <a:effectLst/>
-                <a:latin typeface="Times New Roman" panose="02020603050405020304" pitchFamily="18" charset="0"/>
-                <a:ea typeface="Calibri" panose="020F0502020204030204" pitchFamily="34" charset="0"/>
-                <a:cs typeface="Times New Roman" panose="02020603050405020304" pitchFamily="18" charset="0"/>
-              </a:rPr>
-              <a:t>daki</a:t>
-            </a:r>
-            <a:r>
-              <a:rPr lang="tr-TR" sz="2200" dirty="0">
-                <a:effectLst/>
-                <a:latin typeface="Times New Roman" panose="02020603050405020304" pitchFamily="18" charset="0"/>
-                <a:ea typeface="Calibri" panose="020F0502020204030204" pitchFamily="34" charset="0"/>
-                <a:cs typeface="Times New Roman" panose="02020603050405020304" pitchFamily="18" charset="0"/>
-              </a:rPr>
-              <a:t> bulanık küme A</a:t>
-            </a:r>
-            <a:r>
-              <a:rPr lang="tr-TR" sz="2200" baseline="-25000" dirty="0">
-                <a:effectLst/>
-                <a:latin typeface="Times New Roman" panose="02020603050405020304" pitchFamily="18" charset="0"/>
-                <a:ea typeface="Calibri" panose="020F0502020204030204" pitchFamily="34" charset="0"/>
-                <a:cs typeface="Times New Roman" panose="02020603050405020304" pitchFamily="18" charset="0"/>
-              </a:rPr>
-              <a:t>k</a:t>
-            </a:r>
-            <a:r>
-              <a:rPr lang="tr-TR" sz="2200" dirty="0">
-                <a:effectLst/>
-                <a:latin typeface="Times New Roman" panose="02020603050405020304" pitchFamily="18" charset="0"/>
-                <a:ea typeface="Calibri" panose="020F0502020204030204" pitchFamily="34" charset="0"/>
-                <a:cs typeface="Times New Roman" panose="02020603050405020304" pitchFamily="18" charset="0"/>
-              </a:rPr>
-              <a:t> hem nokta değer kümesi hem de aralık değer kümesi olabilir.</a:t>
-            </a:r>
-            <a:endParaRPr lang="tr-TR" sz="2200" dirty="0">
+              <a:t>(u)</a:t>
+            </a:r>
+            <a:r>
+              <a:rPr lang="da-DK" sz="2000" b="1" dirty="0">
+                <a:solidFill>
+                  <a:schemeClr val="accent1"/>
+                </a:solidFill>
+                <a:latin typeface="Times New Roman" panose="02020603050405020304" pitchFamily="18" charset="0"/>
+                <a:cs typeface="Times New Roman" panose="02020603050405020304" pitchFamily="18" charset="0"/>
+              </a:rPr>
+              <a:t>); </a:t>
+            </a:r>
+            <a:endParaRPr lang="tr-TR" sz="2000" b="1" dirty="0">
+              <a:solidFill>
+                <a:schemeClr val="accent1"/>
+              </a:solidFill>
               <a:latin typeface="Times New Roman" panose="02020603050405020304" pitchFamily="18" charset="0"/>
               <a:cs typeface="Times New Roman" panose="02020603050405020304" pitchFamily="18" charset="0"/>
             </a:endParaRPr>
           </a:p>
         </p:txBody>
       </p:sp>
+      <p:sp>
+        <p:nvSpPr>
+          <p:cNvPr id="7" name="Metin kutusu 6">
+            <a:extLst>
+              <a:ext uri="{FF2B5EF4-FFF2-40B4-BE49-F238E27FC236}">
+                <a16:creationId xmlns:a16="http://schemas.microsoft.com/office/drawing/2014/main" id="{2A2CBDEE-FB47-03D2-C5AC-3AD807749560}"/>
+              </a:ext>
+            </a:extLst>
+          </p:cNvPr>
+          <p:cNvSpPr txBox="1"/>
+          <p:nvPr/>
+        </p:nvSpPr>
+        <p:spPr>
+          <a:xfrm>
+            <a:off x="3875210" y="3299589"/>
+            <a:ext cx="1611191" cy="400110"/>
+          </a:xfrm>
+          <a:prstGeom prst="rect">
+            <a:avLst/>
+          </a:prstGeom>
+          <a:noFill/>
+        </p:spPr>
+        <p:txBody>
+          <a:bodyPr wrap="square">
+            <a:spAutoFit/>
+          </a:bodyPr>
+          <a:lstStyle/>
+          <a:p>
+            <a:r>
+              <a:rPr lang="tr-TR" sz="2000" b="1" dirty="0" err="1">
+                <a:solidFill>
+                  <a:schemeClr val="accent1"/>
+                </a:solidFill>
+                <a:effectLst/>
+                <a:latin typeface="Times New Roman" panose="02020603050405020304" pitchFamily="18" charset="0"/>
+                <a:ea typeface="Calibri" panose="020F0502020204030204" pitchFamily="34" charset="0"/>
+                <a:cs typeface="Times New Roman" panose="02020603050405020304" pitchFamily="18" charset="0"/>
+              </a:rPr>
+              <a:t>μ</a:t>
+            </a:r>
+            <a:r>
+              <a:rPr lang="tr-TR" sz="2000" b="1" baseline="-25000" dirty="0" err="1">
+                <a:solidFill>
+                  <a:schemeClr val="accent1"/>
+                </a:solidFill>
+                <a:effectLst/>
+                <a:latin typeface="Times New Roman" panose="02020603050405020304" pitchFamily="18" charset="0"/>
+                <a:ea typeface="Calibri" panose="020F0502020204030204" pitchFamily="34" charset="0"/>
+                <a:cs typeface="Times New Roman" panose="02020603050405020304" pitchFamily="18" charset="0"/>
+              </a:rPr>
+              <a:t>A</a:t>
+            </a:r>
+            <a:r>
+              <a:rPr lang="tr-TR" sz="2000" b="1" dirty="0">
+                <a:solidFill>
+                  <a:schemeClr val="accent1"/>
+                </a:solidFill>
+                <a:effectLst/>
+                <a:latin typeface="Times New Roman" panose="02020603050405020304" pitchFamily="18" charset="0"/>
+                <a:ea typeface="Calibri" panose="020F0502020204030204" pitchFamily="34" charset="0"/>
+                <a:cs typeface="Times New Roman" panose="02020603050405020304" pitchFamily="18" charset="0"/>
+              </a:rPr>
+              <a:t>(u)*</a:t>
+            </a:r>
+            <a:r>
+              <a:rPr lang="tr-TR" sz="2000" b="1" dirty="0" err="1">
+                <a:solidFill>
+                  <a:schemeClr val="accent1"/>
+                </a:solidFill>
+                <a:effectLst/>
+                <a:latin typeface="Times New Roman" panose="02020603050405020304" pitchFamily="18" charset="0"/>
+                <a:ea typeface="Calibri" panose="020F0502020204030204" pitchFamily="34" charset="0"/>
+                <a:cs typeface="Times New Roman" panose="02020603050405020304" pitchFamily="18" charset="0"/>
+              </a:rPr>
+              <a:t>μ</a:t>
+            </a:r>
+            <a:r>
+              <a:rPr lang="tr-TR" sz="2000" b="1" baseline="-25000" dirty="0" err="1">
+                <a:solidFill>
+                  <a:schemeClr val="accent1"/>
+                </a:solidFill>
+                <a:latin typeface="Times New Roman" panose="02020603050405020304" pitchFamily="18" charset="0"/>
+                <a:ea typeface="Calibri" panose="020F0502020204030204" pitchFamily="34" charset="0"/>
+                <a:cs typeface="Times New Roman" panose="02020603050405020304" pitchFamily="18" charset="0"/>
+              </a:rPr>
+              <a:t>B</a:t>
+            </a:r>
+            <a:r>
+              <a:rPr lang="tr-TR" sz="2000" b="1" dirty="0">
+                <a:solidFill>
+                  <a:schemeClr val="accent1"/>
+                </a:solidFill>
+                <a:effectLst/>
+                <a:latin typeface="Times New Roman" panose="02020603050405020304" pitchFamily="18" charset="0"/>
+                <a:ea typeface="Calibri" panose="020F0502020204030204" pitchFamily="34" charset="0"/>
+                <a:cs typeface="Times New Roman" panose="02020603050405020304" pitchFamily="18" charset="0"/>
+              </a:rPr>
+              <a:t>(u)</a:t>
+            </a:r>
+            <a:endParaRPr lang="tr-TR" sz="2000" b="1" dirty="0">
+              <a:solidFill>
+                <a:schemeClr val="accent1"/>
+              </a:solidFill>
+              <a:latin typeface="Times New Roman" panose="02020603050405020304" pitchFamily="18" charset="0"/>
+              <a:cs typeface="Times New Roman" panose="02020603050405020304" pitchFamily="18" charset="0"/>
+            </a:endParaRPr>
+          </a:p>
+        </p:txBody>
+      </p:sp>
+      <p:sp>
+        <p:nvSpPr>
+          <p:cNvPr id="8" name="Metin kutusu 7">
+            <a:extLst>
+              <a:ext uri="{FF2B5EF4-FFF2-40B4-BE49-F238E27FC236}">
+                <a16:creationId xmlns:a16="http://schemas.microsoft.com/office/drawing/2014/main" id="{47D684D9-69BB-C014-2E51-A4B65E96C400}"/>
+              </a:ext>
+            </a:extLst>
+          </p:cNvPr>
+          <p:cNvSpPr txBox="1"/>
+          <p:nvPr/>
+        </p:nvSpPr>
+        <p:spPr>
+          <a:xfrm>
+            <a:off x="2597028" y="4224032"/>
+            <a:ext cx="2743200" cy="400110"/>
+          </a:xfrm>
+          <a:prstGeom prst="rect">
+            <a:avLst/>
+          </a:prstGeom>
+          <a:noFill/>
+        </p:spPr>
+        <p:txBody>
+          <a:bodyPr wrap="square">
+            <a:spAutoFit/>
+          </a:bodyPr>
+          <a:lstStyle/>
+          <a:p>
+            <a:r>
+              <a:rPr lang="da-DK" sz="2000" b="1" dirty="0">
+                <a:solidFill>
+                  <a:schemeClr val="accent1"/>
+                </a:solidFill>
+                <a:latin typeface="Times New Roman" panose="02020603050405020304" pitchFamily="18" charset="0"/>
+                <a:cs typeface="Times New Roman" panose="02020603050405020304" pitchFamily="18" charset="0"/>
+              </a:rPr>
+              <a:t>min(1,1-</a:t>
+            </a:r>
+            <a:r>
+              <a:rPr lang="tr-TR" sz="2000" b="1" dirty="0" err="1">
+                <a:solidFill>
+                  <a:schemeClr val="accent1"/>
+                </a:solidFill>
+                <a:effectLst/>
+                <a:latin typeface="Times New Roman" panose="02020603050405020304" pitchFamily="18" charset="0"/>
+                <a:ea typeface="Calibri" panose="020F0502020204030204" pitchFamily="34" charset="0"/>
+                <a:cs typeface="Times New Roman" panose="02020603050405020304" pitchFamily="18" charset="0"/>
+              </a:rPr>
+              <a:t>μ</a:t>
+            </a:r>
+            <a:r>
+              <a:rPr lang="tr-TR" sz="2000" b="1" baseline="-25000" dirty="0" err="1">
+                <a:solidFill>
+                  <a:schemeClr val="accent1"/>
+                </a:solidFill>
+                <a:effectLst/>
+                <a:latin typeface="Times New Roman" panose="02020603050405020304" pitchFamily="18" charset="0"/>
+                <a:ea typeface="Calibri" panose="020F0502020204030204" pitchFamily="34" charset="0"/>
+                <a:cs typeface="Times New Roman" panose="02020603050405020304" pitchFamily="18" charset="0"/>
+              </a:rPr>
+              <a:t>A</a:t>
+            </a:r>
+            <a:r>
+              <a:rPr lang="tr-TR" sz="2000" b="1" dirty="0">
+                <a:solidFill>
+                  <a:schemeClr val="accent1"/>
+                </a:solidFill>
+                <a:effectLst/>
+                <a:latin typeface="Times New Roman" panose="02020603050405020304" pitchFamily="18" charset="0"/>
+                <a:ea typeface="Calibri" panose="020F0502020204030204" pitchFamily="34" charset="0"/>
+                <a:cs typeface="Times New Roman" panose="02020603050405020304" pitchFamily="18" charset="0"/>
+              </a:rPr>
+              <a:t>(u)</a:t>
+            </a:r>
+            <a:r>
+              <a:rPr lang="da-DK" sz="2000" b="1" dirty="0">
+                <a:solidFill>
+                  <a:schemeClr val="accent1"/>
+                </a:solidFill>
+                <a:latin typeface="Times New Roman" panose="02020603050405020304" pitchFamily="18" charset="0"/>
+                <a:cs typeface="Times New Roman" panose="02020603050405020304" pitchFamily="18" charset="0"/>
+              </a:rPr>
+              <a:t>+</a:t>
+            </a:r>
+            <a:r>
+              <a:rPr lang="tr-TR" sz="2000" b="1" dirty="0">
+                <a:solidFill>
+                  <a:schemeClr val="accent1"/>
+                </a:solidFill>
+                <a:effectLst/>
+                <a:latin typeface="Times New Roman" panose="02020603050405020304" pitchFamily="18" charset="0"/>
+                <a:ea typeface="Calibri" panose="020F0502020204030204" pitchFamily="34" charset="0"/>
+                <a:cs typeface="Times New Roman" panose="02020603050405020304" pitchFamily="18" charset="0"/>
+              </a:rPr>
+              <a:t> </a:t>
+            </a:r>
+            <a:r>
+              <a:rPr lang="tr-TR" sz="2000" b="1" dirty="0" err="1">
+                <a:solidFill>
+                  <a:schemeClr val="accent1"/>
+                </a:solidFill>
+                <a:effectLst/>
+                <a:latin typeface="Times New Roman" panose="02020603050405020304" pitchFamily="18" charset="0"/>
+                <a:ea typeface="Calibri" panose="020F0502020204030204" pitchFamily="34" charset="0"/>
+                <a:cs typeface="Times New Roman" panose="02020603050405020304" pitchFamily="18" charset="0"/>
+              </a:rPr>
+              <a:t>μ</a:t>
+            </a:r>
+            <a:r>
+              <a:rPr lang="tr-TR" sz="2000" b="1" baseline="-25000" dirty="0" err="1">
+                <a:solidFill>
+                  <a:schemeClr val="accent1"/>
+                </a:solidFill>
+                <a:latin typeface="Times New Roman" panose="02020603050405020304" pitchFamily="18" charset="0"/>
+                <a:ea typeface="Calibri" panose="020F0502020204030204" pitchFamily="34" charset="0"/>
+                <a:cs typeface="Times New Roman" panose="02020603050405020304" pitchFamily="18" charset="0"/>
+              </a:rPr>
+              <a:t>B</a:t>
+            </a:r>
+            <a:r>
+              <a:rPr lang="tr-TR" sz="2000" b="1" dirty="0">
+                <a:solidFill>
+                  <a:schemeClr val="accent1"/>
+                </a:solidFill>
+                <a:effectLst/>
+                <a:latin typeface="Times New Roman" panose="02020603050405020304" pitchFamily="18" charset="0"/>
+                <a:ea typeface="Calibri" panose="020F0502020204030204" pitchFamily="34" charset="0"/>
+                <a:cs typeface="Times New Roman" panose="02020603050405020304" pitchFamily="18" charset="0"/>
+              </a:rPr>
+              <a:t>(u)</a:t>
+            </a:r>
+            <a:r>
+              <a:rPr lang="da-DK" sz="2000" b="1" dirty="0">
+                <a:solidFill>
+                  <a:schemeClr val="accent1"/>
+                </a:solidFill>
+                <a:latin typeface="Times New Roman" panose="02020603050405020304" pitchFamily="18" charset="0"/>
+                <a:cs typeface="Times New Roman" panose="02020603050405020304" pitchFamily="18" charset="0"/>
+              </a:rPr>
+              <a:t>) </a:t>
+            </a:r>
+            <a:endParaRPr lang="tr-TR" sz="2000" b="1" dirty="0">
+              <a:solidFill>
+                <a:schemeClr val="accent1"/>
+              </a:solidFill>
+              <a:latin typeface="Times New Roman" panose="02020603050405020304" pitchFamily="18" charset="0"/>
+              <a:cs typeface="Times New Roman" panose="02020603050405020304" pitchFamily="18" charset="0"/>
+            </a:endParaRPr>
+          </a:p>
+        </p:txBody>
+      </p:sp>
+      <p:sp>
+        <p:nvSpPr>
+          <p:cNvPr id="10" name="Metin kutusu 9">
+            <a:extLst>
+              <a:ext uri="{FF2B5EF4-FFF2-40B4-BE49-F238E27FC236}">
+                <a16:creationId xmlns:a16="http://schemas.microsoft.com/office/drawing/2014/main" id="{F358A936-0A2C-C0B0-3010-323CD5E32D53}"/>
+              </a:ext>
+            </a:extLst>
+          </p:cNvPr>
+          <p:cNvSpPr txBox="1"/>
+          <p:nvPr/>
+        </p:nvSpPr>
+        <p:spPr>
+          <a:xfrm>
+            <a:off x="2022231" y="5253771"/>
+            <a:ext cx="3317997" cy="400110"/>
+          </a:xfrm>
+          <a:prstGeom prst="rect">
+            <a:avLst/>
+          </a:prstGeom>
+          <a:noFill/>
+        </p:spPr>
+        <p:txBody>
+          <a:bodyPr wrap="square">
+            <a:spAutoFit/>
+          </a:bodyPr>
+          <a:lstStyle/>
+          <a:p>
+            <a:r>
+              <a:rPr lang="tr-TR" sz="2000" b="1" dirty="0" err="1">
+                <a:solidFill>
+                  <a:schemeClr val="accent1"/>
+                </a:solidFill>
+                <a:latin typeface="Times New Roman" panose="02020603050405020304" pitchFamily="18" charset="0"/>
+                <a:cs typeface="Times New Roman" panose="02020603050405020304" pitchFamily="18" charset="0"/>
+              </a:rPr>
+              <a:t>Min</a:t>
+            </a:r>
+            <a:r>
+              <a:rPr lang="tr-TR" sz="2000" b="1" dirty="0">
+                <a:solidFill>
+                  <a:schemeClr val="accent1"/>
+                </a:solidFill>
+                <a:latin typeface="Times New Roman" panose="02020603050405020304" pitchFamily="18" charset="0"/>
+                <a:cs typeface="Times New Roman" panose="02020603050405020304" pitchFamily="18" charset="0"/>
+              </a:rPr>
+              <a:t>(1, </a:t>
+            </a:r>
+            <a:r>
+              <a:rPr lang="da-DK" sz="2000" b="1" dirty="0">
+                <a:solidFill>
+                  <a:schemeClr val="accent1"/>
+                </a:solidFill>
+                <a:latin typeface="Times New Roman" panose="02020603050405020304" pitchFamily="18" charset="0"/>
+                <a:cs typeface="Times New Roman" panose="02020603050405020304" pitchFamily="18" charset="0"/>
+              </a:rPr>
+              <a:t>Max</a:t>
+            </a:r>
+            <a:r>
+              <a:rPr lang="tr-TR" sz="2000" b="1" dirty="0">
+                <a:solidFill>
+                  <a:schemeClr val="accent1"/>
+                </a:solidFill>
+                <a:latin typeface="Times New Roman" panose="02020603050405020304" pitchFamily="18" charset="0"/>
+                <a:cs typeface="Times New Roman" panose="02020603050405020304" pitchFamily="18" charset="0"/>
+              </a:rPr>
+              <a:t>(</a:t>
+            </a:r>
+            <a:r>
+              <a:rPr lang="da-DK" sz="2000" b="1" dirty="0">
+                <a:solidFill>
+                  <a:schemeClr val="accent1"/>
+                </a:solidFill>
+                <a:latin typeface="Times New Roman" panose="02020603050405020304" pitchFamily="18" charset="0"/>
+                <a:cs typeface="Times New Roman" panose="02020603050405020304" pitchFamily="18" charset="0"/>
+              </a:rPr>
+              <a:t>1-</a:t>
+            </a:r>
+            <a:r>
+              <a:rPr lang="tr-TR" sz="2000" b="1" dirty="0" err="1">
+                <a:solidFill>
+                  <a:schemeClr val="accent1"/>
+                </a:solidFill>
+                <a:effectLst/>
+                <a:latin typeface="Times New Roman" panose="02020603050405020304" pitchFamily="18" charset="0"/>
+                <a:ea typeface="Calibri" panose="020F0502020204030204" pitchFamily="34" charset="0"/>
+                <a:cs typeface="Times New Roman" panose="02020603050405020304" pitchFamily="18" charset="0"/>
+              </a:rPr>
+              <a:t>μ</a:t>
+            </a:r>
+            <a:r>
+              <a:rPr lang="tr-TR" sz="2000" b="1" baseline="-25000" dirty="0" err="1">
+                <a:solidFill>
+                  <a:schemeClr val="accent1"/>
+                </a:solidFill>
+                <a:effectLst/>
+                <a:latin typeface="Times New Roman" panose="02020603050405020304" pitchFamily="18" charset="0"/>
+                <a:ea typeface="Calibri" panose="020F0502020204030204" pitchFamily="34" charset="0"/>
+                <a:cs typeface="Times New Roman" panose="02020603050405020304" pitchFamily="18" charset="0"/>
+              </a:rPr>
+              <a:t>A</a:t>
+            </a:r>
+            <a:r>
+              <a:rPr lang="tr-TR" sz="2000" b="1" dirty="0">
+                <a:solidFill>
+                  <a:schemeClr val="accent1"/>
+                </a:solidFill>
+                <a:effectLst/>
+                <a:latin typeface="Times New Roman" panose="02020603050405020304" pitchFamily="18" charset="0"/>
+                <a:ea typeface="Calibri" panose="020F0502020204030204" pitchFamily="34" charset="0"/>
+                <a:cs typeface="Times New Roman" panose="02020603050405020304" pitchFamily="18" charset="0"/>
+              </a:rPr>
+              <a:t>(u), </a:t>
+            </a:r>
+            <a:r>
+              <a:rPr lang="tr-TR" sz="2000" b="1" dirty="0" err="1">
+                <a:solidFill>
+                  <a:schemeClr val="accent1"/>
+                </a:solidFill>
+                <a:effectLst/>
+                <a:latin typeface="Times New Roman" panose="02020603050405020304" pitchFamily="18" charset="0"/>
+                <a:ea typeface="Calibri" panose="020F0502020204030204" pitchFamily="34" charset="0"/>
+                <a:cs typeface="Times New Roman" panose="02020603050405020304" pitchFamily="18" charset="0"/>
+              </a:rPr>
+              <a:t>μ</a:t>
+            </a:r>
+            <a:r>
+              <a:rPr lang="tr-TR" sz="2000" b="1" baseline="-25000" dirty="0" err="1">
+                <a:solidFill>
+                  <a:schemeClr val="accent1"/>
+                </a:solidFill>
+                <a:latin typeface="Times New Roman" panose="02020603050405020304" pitchFamily="18" charset="0"/>
+                <a:ea typeface="Calibri" panose="020F0502020204030204" pitchFamily="34" charset="0"/>
+                <a:cs typeface="Times New Roman" panose="02020603050405020304" pitchFamily="18" charset="0"/>
+              </a:rPr>
+              <a:t>B</a:t>
+            </a:r>
+            <a:r>
+              <a:rPr lang="tr-TR" sz="2000" b="1" dirty="0">
+                <a:solidFill>
+                  <a:schemeClr val="accent1"/>
+                </a:solidFill>
+                <a:effectLst/>
+                <a:latin typeface="Times New Roman" panose="02020603050405020304" pitchFamily="18" charset="0"/>
+                <a:ea typeface="Calibri" panose="020F0502020204030204" pitchFamily="34" charset="0"/>
+                <a:cs typeface="Times New Roman" panose="02020603050405020304" pitchFamily="18" charset="0"/>
+              </a:rPr>
+              <a:t>(u)</a:t>
+            </a:r>
+            <a:r>
+              <a:rPr lang="da-DK" sz="2000" b="1" dirty="0">
+                <a:solidFill>
+                  <a:schemeClr val="accent1"/>
+                </a:solidFill>
+                <a:latin typeface="Times New Roman" panose="02020603050405020304" pitchFamily="18" charset="0"/>
+                <a:cs typeface="Times New Roman" panose="02020603050405020304" pitchFamily="18" charset="0"/>
+              </a:rPr>
+              <a:t>)</a:t>
+            </a:r>
+            <a:r>
+              <a:rPr lang="tr-TR" sz="2000" b="1" dirty="0">
+                <a:solidFill>
+                  <a:schemeClr val="accent1"/>
+                </a:solidFill>
+                <a:latin typeface="Times New Roman" panose="02020603050405020304" pitchFamily="18" charset="0"/>
+                <a:cs typeface="Times New Roman" panose="02020603050405020304" pitchFamily="18" charset="0"/>
+              </a:rPr>
+              <a:t>)</a:t>
+            </a:r>
+            <a:r>
+              <a:rPr lang="da-DK" sz="2000" b="1" dirty="0">
+                <a:solidFill>
+                  <a:schemeClr val="accent1"/>
+                </a:solidFill>
+                <a:latin typeface="Times New Roman" panose="02020603050405020304" pitchFamily="18" charset="0"/>
+                <a:cs typeface="Times New Roman" panose="02020603050405020304" pitchFamily="18" charset="0"/>
+              </a:rPr>
+              <a:t> </a:t>
+            </a:r>
+            <a:endParaRPr lang="tr-TR" sz="2000" b="1" dirty="0">
+              <a:solidFill>
+                <a:schemeClr val="accent1"/>
+              </a:solidFill>
+              <a:latin typeface="Times New Roman" panose="02020603050405020304" pitchFamily="18" charset="0"/>
+              <a:cs typeface="Times New Roman" panose="02020603050405020304" pitchFamily="18" charset="0"/>
+            </a:endParaRPr>
+          </a:p>
+        </p:txBody>
+      </p:sp>
     </p:spTree>
     <p:extLst>
       <p:ext uri="{BB962C8B-B14F-4D97-AF65-F5344CB8AC3E}">
-        <p14:creationId xmlns:p14="http://schemas.microsoft.com/office/powerpoint/2010/main" val="2562101164"/>
+        <p14:creationId xmlns:p14="http://schemas.microsoft.com/office/powerpoint/2010/main" val="3394017683"/>
       </p:ext>
     </p:extLst>
   </p:cSld>
@@ -18752,7 +19192,7 @@
         </p:nvSpPr>
         <p:spPr>
           <a:xfrm>
-            <a:off x="917330" y="409086"/>
+            <a:off x="838200" y="136525"/>
             <a:ext cx="10515600" cy="610821"/>
           </a:xfrm>
         </p:spPr>
@@ -18780,7 +19220,7 @@
                 <a:ea typeface="Calibri" panose="020F0502020204030204" pitchFamily="34" charset="0"/>
                 <a:cs typeface="Times New Roman" panose="02020603050405020304" pitchFamily="18" charset="0"/>
               </a:rPr>
-              <a:t>Anlamlandırma Fonksiyonları:</a:t>
+              <a:t>Bulanık Kural Tabanı:</a:t>
             </a:r>
           </a:p>
         </p:txBody>
@@ -18828,620 +19268,237 @@
           </a:p>
         </p:txBody>
       </p:sp>
-      <p:pic>
-        <p:nvPicPr>
-          <p:cNvPr id="2" name="İçerik Yer Tutucusu 1">
+      <p:sp>
+        <p:nvSpPr>
+          <p:cNvPr id="3" name="İçerik Yer Tutucusu 2">
             <a:extLst>
               <a:ext uri="{FF2B5EF4-FFF2-40B4-BE49-F238E27FC236}">
-                <a16:creationId xmlns:a16="http://schemas.microsoft.com/office/drawing/2014/main" id="{292C4F31-3ECC-880B-7DF8-07254ABE3E99}"/>
+                <a16:creationId xmlns:a16="http://schemas.microsoft.com/office/drawing/2014/main" id="{839B2505-A752-6959-A64F-4ADB0FD16C45}"/>
               </a:ext>
             </a:extLst>
           </p:cNvPr>
-          <p:cNvPicPr>
-            <a:picLocks noGrp="1" noChangeAspect="1"/>
-          </p:cNvPicPr>
+          <p:cNvSpPr>
+            <a:spLocks noGrp="1"/>
+          </p:cNvSpPr>
           <p:nvPr>
             <p:ph idx="1"/>
           </p:nvPr>
-        </p:nvPicPr>
-        <p:blipFill>
-          <a:blip r:embed="rId3"/>
-          <a:stretch>
-            <a:fillRect/>
-          </a:stretch>
-        </p:blipFill>
+        </p:nvSpPr>
         <p:spPr>
           <a:xfrm>
-            <a:off x="1171575" y="1204119"/>
-            <a:ext cx="10182225" cy="4591050"/>
+            <a:off x="838200" y="747346"/>
+            <a:ext cx="10515600" cy="5732585"/>
           </a:xfrm>
-          <a:prstGeom prst="rect">
-            <a:avLst/>
-          </a:prstGeom>
         </p:spPr>
-      </p:pic>
-      <p:sp>
-        <p:nvSpPr>
-          <p:cNvPr id="6" name="Metin kutusu 5">
-            <a:extLst>
-              <a:ext uri="{FF2B5EF4-FFF2-40B4-BE49-F238E27FC236}">
-                <a16:creationId xmlns:a16="http://schemas.microsoft.com/office/drawing/2014/main" id="{CAA2D323-5BE9-1C25-8060-3C69A7DFFBEC}"/>
-              </a:ext>
-            </a:extLst>
-          </p:cNvPr>
-          <p:cNvSpPr txBox="1"/>
-          <p:nvPr/>
-        </p:nvSpPr>
-        <p:spPr>
-          <a:xfrm>
-            <a:off x="3309205" y="2233859"/>
-            <a:ext cx="2743200" cy="400110"/>
-          </a:xfrm>
-          <a:prstGeom prst="rect">
-            <a:avLst/>
-          </a:prstGeom>
-          <a:noFill/>
-        </p:spPr>
-        <p:txBody>
-          <a:bodyPr wrap="square">
-            <a:spAutoFit/>
+        <p:txBody>
+          <a:bodyPr>
+            <a:normAutofit/>
           </a:bodyPr>
           <a:lstStyle/>
           <a:p>
-            <a:r>
-              <a:rPr lang="da-DK" sz="2000" b="1" dirty="0">
-                <a:solidFill>
-                  <a:schemeClr val="accent1"/>
-                </a:solidFill>
-                <a:latin typeface="Times New Roman" panose="02020603050405020304" pitchFamily="18" charset="0"/>
-                <a:cs typeface="Times New Roman" panose="02020603050405020304" pitchFamily="18" charset="0"/>
-              </a:rPr>
-              <a:t>min(</a:t>
-            </a:r>
-            <a:r>
-              <a:rPr lang="tr-TR" sz="2000" b="1" dirty="0" err="1">
-                <a:solidFill>
-                  <a:schemeClr val="accent1"/>
-                </a:solidFill>
-                <a:effectLst/>
-                <a:latin typeface="Times New Roman" panose="02020603050405020304" pitchFamily="18" charset="0"/>
-                <a:ea typeface="Calibri" panose="020F0502020204030204" pitchFamily="34" charset="0"/>
-                <a:cs typeface="Times New Roman" panose="02020603050405020304" pitchFamily="18" charset="0"/>
-              </a:rPr>
-              <a:t>μ</a:t>
-            </a:r>
-            <a:r>
-              <a:rPr lang="tr-TR" sz="2000" b="1" baseline="-25000" dirty="0" err="1">
-                <a:solidFill>
-                  <a:schemeClr val="accent1"/>
-                </a:solidFill>
-                <a:effectLst/>
-                <a:latin typeface="Times New Roman" panose="02020603050405020304" pitchFamily="18" charset="0"/>
-                <a:ea typeface="Calibri" panose="020F0502020204030204" pitchFamily="34" charset="0"/>
-                <a:cs typeface="Times New Roman" panose="02020603050405020304" pitchFamily="18" charset="0"/>
-              </a:rPr>
-              <a:t>A</a:t>
-            </a:r>
-            <a:r>
-              <a:rPr lang="tr-TR" sz="2000" b="1" dirty="0">
-                <a:solidFill>
-                  <a:schemeClr val="accent1"/>
-                </a:solidFill>
-                <a:effectLst/>
-                <a:latin typeface="Times New Roman" panose="02020603050405020304" pitchFamily="18" charset="0"/>
-                <a:ea typeface="Calibri" panose="020F0502020204030204" pitchFamily="34" charset="0"/>
-                <a:cs typeface="Times New Roman" panose="02020603050405020304" pitchFamily="18" charset="0"/>
-              </a:rPr>
-              <a:t>(u), </a:t>
-            </a:r>
-            <a:r>
-              <a:rPr lang="tr-TR" sz="2000" b="1" dirty="0" err="1">
-                <a:solidFill>
-                  <a:schemeClr val="accent1"/>
-                </a:solidFill>
-                <a:effectLst/>
-                <a:latin typeface="Times New Roman" panose="02020603050405020304" pitchFamily="18" charset="0"/>
-                <a:ea typeface="Calibri" panose="020F0502020204030204" pitchFamily="34" charset="0"/>
-                <a:cs typeface="Times New Roman" panose="02020603050405020304" pitchFamily="18" charset="0"/>
-              </a:rPr>
-              <a:t>μ</a:t>
-            </a:r>
-            <a:r>
-              <a:rPr lang="tr-TR" sz="2000" b="1" baseline="-25000" dirty="0" err="1">
-                <a:solidFill>
-                  <a:schemeClr val="accent1"/>
-                </a:solidFill>
-                <a:latin typeface="Times New Roman" panose="02020603050405020304" pitchFamily="18" charset="0"/>
-                <a:ea typeface="Calibri" panose="020F0502020204030204" pitchFamily="34" charset="0"/>
-                <a:cs typeface="Times New Roman" panose="02020603050405020304" pitchFamily="18" charset="0"/>
-              </a:rPr>
-              <a:t>B</a:t>
-            </a:r>
-            <a:r>
-              <a:rPr lang="tr-TR" sz="2000" b="1" dirty="0">
-                <a:solidFill>
-                  <a:schemeClr val="accent1"/>
-                </a:solidFill>
-                <a:effectLst/>
-                <a:latin typeface="Times New Roman" panose="02020603050405020304" pitchFamily="18" charset="0"/>
-                <a:ea typeface="Calibri" panose="020F0502020204030204" pitchFamily="34" charset="0"/>
-                <a:cs typeface="Times New Roman" panose="02020603050405020304" pitchFamily="18" charset="0"/>
-              </a:rPr>
-              <a:t>(u)</a:t>
-            </a:r>
-            <a:r>
-              <a:rPr lang="da-DK" sz="2000" b="1" dirty="0">
-                <a:solidFill>
-                  <a:schemeClr val="accent1"/>
-                </a:solidFill>
-                <a:latin typeface="Times New Roman" panose="02020603050405020304" pitchFamily="18" charset="0"/>
-                <a:cs typeface="Times New Roman" panose="02020603050405020304" pitchFamily="18" charset="0"/>
-              </a:rPr>
-              <a:t>); </a:t>
-            </a:r>
-            <a:endParaRPr lang="tr-TR" sz="2000" b="1" dirty="0">
-              <a:solidFill>
-                <a:schemeClr val="accent1"/>
-              </a:solidFill>
+            <a:pPr algn="just">
+              <a:lnSpc>
+                <a:spcPts val="2700"/>
+              </a:lnSpc>
+              <a:spcBef>
+                <a:spcPts val="0"/>
+              </a:spcBef>
+              <a:spcAft>
+                <a:spcPts val="1200"/>
+              </a:spcAft>
+            </a:pPr>
+            <a:r>
+              <a:rPr lang="tr-TR" sz="2200" dirty="0">
+                <a:latin typeface="Times New Roman" panose="02020603050405020304" pitchFamily="18" charset="0"/>
+                <a:cs typeface="Times New Roman" panose="02020603050405020304" pitchFamily="18" charset="0"/>
+              </a:rPr>
+              <a:t>Şimdiye kadar sadece bulanık kurallara baktık.</a:t>
+            </a:r>
+          </a:p>
+          <a:p>
+            <a:pPr algn="just">
+              <a:lnSpc>
+                <a:spcPts val="2700"/>
+              </a:lnSpc>
+              <a:spcBef>
+                <a:spcPts val="0"/>
+              </a:spcBef>
+              <a:spcAft>
+                <a:spcPts val="1200"/>
+              </a:spcAft>
+            </a:pPr>
+            <a:r>
+              <a:rPr lang="tr-TR" sz="2200" dirty="0">
+                <a:latin typeface="Times New Roman" panose="02020603050405020304" pitchFamily="18" charset="0"/>
+                <a:cs typeface="Times New Roman" panose="02020603050405020304" pitchFamily="18" charset="0"/>
+              </a:rPr>
+              <a:t>Bir bulanık bilgi tabanı daima birçok bulanık kuralları içerir.</a:t>
+            </a:r>
+          </a:p>
+          <a:p>
+            <a:pPr algn="just">
+              <a:lnSpc>
+                <a:spcPts val="2700"/>
+              </a:lnSpc>
+              <a:spcBef>
+                <a:spcPts val="0"/>
+              </a:spcBef>
+              <a:spcAft>
+                <a:spcPts val="1200"/>
+              </a:spcAft>
+            </a:pPr>
+            <a:r>
+              <a:rPr lang="tr-TR" sz="2200" dirty="0">
+                <a:latin typeface="Times New Roman" panose="02020603050405020304" pitchFamily="18" charset="0"/>
+                <a:cs typeface="Times New Roman" panose="02020603050405020304" pitchFamily="18" charset="0"/>
+              </a:rPr>
+              <a:t>Bulanık kuralların yapısı kesin katı kuralları içermez.</a:t>
+            </a:r>
+          </a:p>
+          <a:p>
+            <a:pPr algn="just">
+              <a:lnSpc>
+                <a:spcPts val="2700"/>
+              </a:lnSpc>
+              <a:spcBef>
+                <a:spcPts val="0"/>
+              </a:spcBef>
+              <a:spcAft>
+                <a:spcPts val="1200"/>
+              </a:spcAft>
+            </a:pPr>
+            <a:r>
+              <a:rPr lang="tr-TR" sz="2200" dirty="0">
+                <a:latin typeface="Times New Roman" panose="02020603050405020304" pitchFamily="18" charset="0"/>
+                <a:cs typeface="Times New Roman" panose="02020603050405020304" pitchFamily="18" charset="0"/>
+              </a:rPr>
+              <a:t>Günümüzde birçok mühendislik uygulamalarında bulanık kurallar IF-THEN yapısı ile ifade edilirler.</a:t>
+            </a:r>
+          </a:p>
+          <a:p>
+            <a:pPr marL="0" indent="0" algn="ctr">
+              <a:lnSpc>
+                <a:spcPts val="2700"/>
+              </a:lnSpc>
+              <a:spcBef>
+                <a:spcPts val="0"/>
+              </a:spcBef>
+              <a:spcAft>
+                <a:spcPts val="1200"/>
+              </a:spcAft>
+              <a:buNone/>
+            </a:pPr>
+            <a:r>
+              <a:rPr lang="tr-TR" sz="2200" dirty="0">
+                <a:latin typeface="Times New Roman" panose="02020603050405020304" pitchFamily="18" charset="0"/>
+                <a:cs typeface="Times New Roman" panose="02020603050405020304" pitchFamily="18" charset="0"/>
+              </a:rPr>
+              <a:t>IF &lt;KOŞULLAR&gt; THEN &lt;EYLEM&gt;</a:t>
+            </a:r>
+          </a:p>
+          <a:p>
+            <a:pPr algn="just">
+              <a:lnSpc>
+                <a:spcPts val="2700"/>
+              </a:lnSpc>
+              <a:spcBef>
+                <a:spcPts val="0"/>
+              </a:spcBef>
+              <a:spcAft>
+                <a:spcPts val="1200"/>
+              </a:spcAft>
+            </a:pPr>
+            <a:r>
+              <a:rPr lang="tr-TR" sz="2200" dirty="0">
+                <a:latin typeface="Times New Roman" panose="02020603050405020304" pitchFamily="18" charset="0"/>
+                <a:cs typeface="Times New Roman" panose="02020603050405020304" pitchFamily="18" charset="0"/>
+              </a:rPr>
+              <a:t>Bu esas olarak:</a:t>
+            </a:r>
+          </a:p>
+          <a:p>
+            <a:pPr lvl="1" algn="just">
+              <a:lnSpc>
+                <a:spcPts val="2700"/>
+              </a:lnSpc>
+              <a:spcBef>
+                <a:spcPts val="0"/>
+              </a:spcBef>
+              <a:spcAft>
+                <a:spcPts val="1200"/>
+              </a:spcAft>
+            </a:pPr>
+            <a:r>
+              <a:rPr lang="tr-TR" sz="2200" dirty="0">
+                <a:latin typeface="Times New Roman" panose="02020603050405020304" pitchFamily="18" charset="0"/>
+                <a:cs typeface="Times New Roman" panose="02020603050405020304" pitchFamily="18" charset="0"/>
+              </a:rPr>
+              <a:t>Uzman insanların kolay bir yoldan tecrübe ve bilgilerini aktarması,</a:t>
+            </a:r>
+          </a:p>
+          <a:p>
+            <a:pPr lvl="1" algn="just">
+              <a:lnSpc>
+                <a:spcPts val="2700"/>
+              </a:lnSpc>
+              <a:spcBef>
+                <a:spcPts val="0"/>
+              </a:spcBef>
+              <a:spcAft>
+                <a:spcPts val="1200"/>
+              </a:spcAft>
+            </a:pPr>
+            <a:r>
+              <a:rPr lang="tr-TR" sz="2200" dirty="0">
+                <a:latin typeface="Times New Roman" panose="02020603050405020304" pitchFamily="18" charset="0"/>
+                <a:cs typeface="Times New Roman" panose="02020603050405020304" pitchFamily="18" charset="0"/>
+              </a:rPr>
+              <a:t>Program tasarımcısının bulanık kuralları kolay bir şekilde programlaması,</a:t>
+            </a:r>
+          </a:p>
+          <a:p>
+            <a:pPr lvl="1" algn="just">
+              <a:lnSpc>
+                <a:spcPts val="2700"/>
+              </a:lnSpc>
+              <a:spcBef>
+                <a:spcPts val="0"/>
+              </a:spcBef>
+              <a:spcAft>
+                <a:spcPts val="1200"/>
+              </a:spcAft>
+            </a:pPr>
+            <a:r>
+              <a:rPr lang="tr-TR" sz="2200" dirty="0">
+                <a:latin typeface="Times New Roman" panose="02020603050405020304" pitchFamily="18" charset="0"/>
+                <a:cs typeface="Times New Roman" panose="02020603050405020304" pitchFamily="18" charset="0"/>
+              </a:rPr>
+              <a:t>Tasarım maliyetini düşürmek ve iyi bulanık çıkarım etkinliği, arzulandığında yapılır.</a:t>
+            </a:r>
+          </a:p>
+          <a:p>
+            <a:pPr algn="just">
+              <a:lnSpc>
+                <a:spcPts val="2700"/>
+              </a:lnSpc>
+              <a:spcBef>
+                <a:spcPts val="0"/>
+              </a:spcBef>
+              <a:spcAft>
+                <a:spcPts val="1200"/>
+              </a:spcAft>
+            </a:pPr>
+            <a:endParaRPr lang="tr-TR" sz="2200" dirty="0">
               <a:latin typeface="Times New Roman" panose="02020603050405020304" pitchFamily="18" charset="0"/>
               <a:cs typeface="Times New Roman" panose="02020603050405020304" pitchFamily="18" charset="0"/>
             </a:endParaRPr>
           </a:p>
         </p:txBody>
       </p:sp>
-      <p:sp>
-        <p:nvSpPr>
-          <p:cNvPr id="7" name="Metin kutusu 6">
-            <a:extLst>
-              <a:ext uri="{FF2B5EF4-FFF2-40B4-BE49-F238E27FC236}">
-                <a16:creationId xmlns:a16="http://schemas.microsoft.com/office/drawing/2014/main" id="{2A2CBDEE-FB47-03D2-C5AC-3AD807749560}"/>
-              </a:ext>
-            </a:extLst>
-          </p:cNvPr>
-          <p:cNvSpPr txBox="1"/>
-          <p:nvPr/>
-        </p:nvSpPr>
-        <p:spPr>
-          <a:xfrm>
-            <a:off x="3875210" y="3299589"/>
-            <a:ext cx="1611191" cy="400110"/>
-          </a:xfrm>
-          <a:prstGeom prst="rect">
-            <a:avLst/>
-          </a:prstGeom>
-          <a:noFill/>
-        </p:spPr>
-        <p:txBody>
-          <a:bodyPr wrap="square">
-            <a:spAutoFit/>
-          </a:bodyPr>
-          <a:lstStyle/>
-          <a:p>
-            <a:r>
-              <a:rPr lang="tr-TR" sz="2000" b="1" dirty="0" err="1">
-                <a:solidFill>
-                  <a:schemeClr val="accent1"/>
-                </a:solidFill>
-                <a:effectLst/>
-                <a:latin typeface="Times New Roman" panose="02020603050405020304" pitchFamily="18" charset="0"/>
-                <a:ea typeface="Calibri" panose="020F0502020204030204" pitchFamily="34" charset="0"/>
-                <a:cs typeface="Times New Roman" panose="02020603050405020304" pitchFamily="18" charset="0"/>
-              </a:rPr>
-              <a:t>μ</a:t>
-            </a:r>
-            <a:r>
-              <a:rPr lang="tr-TR" sz="2000" b="1" baseline="-25000" dirty="0" err="1">
-                <a:solidFill>
-                  <a:schemeClr val="accent1"/>
-                </a:solidFill>
-                <a:effectLst/>
-                <a:latin typeface="Times New Roman" panose="02020603050405020304" pitchFamily="18" charset="0"/>
-                <a:ea typeface="Calibri" panose="020F0502020204030204" pitchFamily="34" charset="0"/>
-                <a:cs typeface="Times New Roman" panose="02020603050405020304" pitchFamily="18" charset="0"/>
-              </a:rPr>
-              <a:t>A</a:t>
-            </a:r>
-            <a:r>
-              <a:rPr lang="tr-TR" sz="2000" b="1" dirty="0">
-                <a:solidFill>
-                  <a:schemeClr val="accent1"/>
-                </a:solidFill>
-                <a:effectLst/>
-                <a:latin typeface="Times New Roman" panose="02020603050405020304" pitchFamily="18" charset="0"/>
-                <a:ea typeface="Calibri" panose="020F0502020204030204" pitchFamily="34" charset="0"/>
-                <a:cs typeface="Times New Roman" panose="02020603050405020304" pitchFamily="18" charset="0"/>
-              </a:rPr>
-              <a:t>(u)*</a:t>
-            </a:r>
-            <a:r>
-              <a:rPr lang="tr-TR" sz="2000" b="1" dirty="0" err="1">
-                <a:solidFill>
-                  <a:schemeClr val="accent1"/>
-                </a:solidFill>
-                <a:effectLst/>
-                <a:latin typeface="Times New Roman" panose="02020603050405020304" pitchFamily="18" charset="0"/>
-                <a:ea typeface="Calibri" panose="020F0502020204030204" pitchFamily="34" charset="0"/>
-                <a:cs typeface="Times New Roman" panose="02020603050405020304" pitchFamily="18" charset="0"/>
-              </a:rPr>
-              <a:t>μ</a:t>
-            </a:r>
-            <a:r>
-              <a:rPr lang="tr-TR" sz="2000" b="1" baseline="-25000" dirty="0" err="1">
-                <a:solidFill>
-                  <a:schemeClr val="accent1"/>
-                </a:solidFill>
-                <a:latin typeface="Times New Roman" panose="02020603050405020304" pitchFamily="18" charset="0"/>
-                <a:ea typeface="Calibri" panose="020F0502020204030204" pitchFamily="34" charset="0"/>
-                <a:cs typeface="Times New Roman" panose="02020603050405020304" pitchFamily="18" charset="0"/>
-              </a:rPr>
-              <a:t>B</a:t>
-            </a:r>
-            <a:r>
-              <a:rPr lang="tr-TR" sz="2000" b="1" dirty="0">
-                <a:solidFill>
-                  <a:schemeClr val="accent1"/>
-                </a:solidFill>
-                <a:effectLst/>
-                <a:latin typeface="Times New Roman" panose="02020603050405020304" pitchFamily="18" charset="0"/>
-                <a:ea typeface="Calibri" panose="020F0502020204030204" pitchFamily="34" charset="0"/>
-                <a:cs typeface="Times New Roman" panose="02020603050405020304" pitchFamily="18" charset="0"/>
-              </a:rPr>
-              <a:t>(u)</a:t>
-            </a:r>
-            <a:endParaRPr lang="tr-TR" sz="2000" b="1" dirty="0">
-              <a:solidFill>
-                <a:schemeClr val="accent1"/>
-              </a:solidFill>
-              <a:latin typeface="Times New Roman" panose="02020603050405020304" pitchFamily="18" charset="0"/>
-              <a:cs typeface="Times New Roman" panose="02020603050405020304" pitchFamily="18" charset="0"/>
-            </a:endParaRPr>
-          </a:p>
-        </p:txBody>
-      </p:sp>
-      <p:sp>
-        <p:nvSpPr>
-          <p:cNvPr id="8" name="Metin kutusu 7">
-            <a:extLst>
-              <a:ext uri="{FF2B5EF4-FFF2-40B4-BE49-F238E27FC236}">
-                <a16:creationId xmlns:a16="http://schemas.microsoft.com/office/drawing/2014/main" id="{47D684D9-69BB-C014-2E51-A4B65E96C400}"/>
-              </a:ext>
-            </a:extLst>
-          </p:cNvPr>
-          <p:cNvSpPr txBox="1"/>
-          <p:nvPr/>
-        </p:nvSpPr>
-        <p:spPr>
-          <a:xfrm>
-            <a:off x="2597028" y="4224032"/>
-            <a:ext cx="2743200" cy="400110"/>
-          </a:xfrm>
-          <a:prstGeom prst="rect">
-            <a:avLst/>
-          </a:prstGeom>
-          <a:noFill/>
-        </p:spPr>
-        <p:txBody>
-          <a:bodyPr wrap="square">
-            <a:spAutoFit/>
-          </a:bodyPr>
-          <a:lstStyle/>
-          <a:p>
-            <a:r>
-              <a:rPr lang="da-DK" sz="2000" b="1" dirty="0">
-                <a:solidFill>
-                  <a:schemeClr val="accent1"/>
-                </a:solidFill>
-                <a:latin typeface="Times New Roman" panose="02020603050405020304" pitchFamily="18" charset="0"/>
-                <a:cs typeface="Times New Roman" panose="02020603050405020304" pitchFamily="18" charset="0"/>
-              </a:rPr>
-              <a:t>min(1,1-</a:t>
-            </a:r>
-            <a:r>
-              <a:rPr lang="tr-TR" sz="2000" b="1" dirty="0" err="1">
-                <a:solidFill>
-                  <a:schemeClr val="accent1"/>
-                </a:solidFill>
-                <a:effectLst/>
-                <a:latin typeface="Times New Roman" panose="02020603050405020304" pitchFamily="18" charset="0"/>
-                <a:ea typeface="Calibri" panose="020F0502020204030204" pitchFamily="34" charset="0"/>
-                <a:cs typeface="Times New Roman" panose="02020603050405020304" pitchFamily="18" charset="0"/>
-              </a:rPr>
-              <a:t>μ</a:t>
-            </a:r>
-            <a:r>
-              <a:rPr lang="tr-TR" sz="2000" b="1" baseline="-25000" dirty="0" err="1">
-                <a:solidFill>
-                  <a:schemeClr val="accent1"/>
-                </a:solidFill>
-                <a:effectLst/>
-                <a:latin typeface="Times New Roman" panose="02020603050405020304" pitchFamily="18" charset="0"/>
-                <a:ea typeface="Calibri" panose="020F0502020204030204" pitchFamily="34" charset="0"/>
-                <a:cs typeface="Times New Roman" panose="02020603050405020304" pitchFamily="18" charset="0"/>
-              </a:rPr>
-              <a:t>A</a:t>
-            </a:r>
-            <a:r>
-              <a:rPr lang="tr-TR" sz="2000" b="1" dirty="0">
-                <a:solidFill>
-                  <a:schemeClr val="accent1"/>
-                </a:solidFill>
-                <a:effectLst/>
-                <a:latin typeface="Times New Roman" panose="02020603050405020304" pitchFamily="18" charset="0"/>
-                <a:ea typeface="Calibri" panose="020F0502020204030204" pitchFamily="34" charset="0"/>
-                <a:cs typeface="Times New Roman" panose="02020603050405020304" pitchFamily="18" charset="0"/>
-              </a:rPr>
-              <a:t>(u)</a:t>
-            </a:r>
-            <a:r>
-              <a:rPr lang="da-DK" sz="2000" b="1" dirty="0">
-                <a:solidFill>
-                  <a:schemeClr val="accent1"/>
-                </a:solidFill>
-                <a:latin typeface="Times New Roman" panose="02020603050405020304" pitchFamily="18" charset="0"/>
-                <a:cs typeface="Times New Roman" panose="02020603050405020304" pitchFamily="18" charset="0"/>
-              </a:rPr>
-              <a:t>+</a:t>
-            </a:r>
-            <a:r>
-              <a:rPr lang="tr-TR" sz="2000" b="1" dirty="0">
-                <a:solidFill>
-                  <a:schemeClr val="accent1"/>
-                </a:solidFill>
-                <a:effectLst/>
-                <a:latin typeface="Times New Roman" panose="02020603050405020304" pitchFamily="18" charset="0"/>
-                <a:ea typeface="Calibri" panose="020F0502020204030204" pitchFamily="34" charset="0"/>
-                <a:cs typeface="Times New Roman" panose="02020603050405020304" pitchFamily="18" charset="0"/>
-              </a:rPr>
-              <a:t> </a:t>
-            </a:r>
-            <a:r>
-              <a:rPr lang="tr-TR" sz="2000" b="1" dirty="0" err="1">
-                <a:solidFill>
-                  <a:schemeClr val="accent1"/>
-                </a:solidFill>
-                <a:effectLst/>
-                <a:latin typeface="Times New Roman" panose="02020603050405020304" pitchFamily="18" charset="0"/>
-                <a:ea typeface="Calibri" panose="020F0502020204030204" pitchFamily="34" charset="0"/>
-                <a:cs typeface="Times New Roman" panose="02020603050405020304" pitchFamily="18" charset="0"/>
-              </a:rPr>
-              <a:t>μ</a:t>
-            </a:r>
-            <a:r>
-              <a:rPr lang="tr-TR" sz="2000" b="1" baseline="-25000" dirty="0" err="1">
-                <a:solidFill>
-                  <a:schemeClr val="accent1"/>
-                </a:solidFill>
-                <a:latin typeface="Times New Roman" panose="02020603050405020304" pitchFamily="18" charset="0"/>
-                <a:ea typeface="Calibri" panose="020F0502020204030204" pitchFamily="34" charset="0"/>
-                <a:cs typeface="Times New Roman" panose="02020603050405020304" pitchFamily="18" charset="0"/>
-              </a:rPr>
-              <a:t>B</a:t>
-            </a:r>
-            <a:r>
-              <a:rPr lang="tr-TR" sz="2000" b="1" dirty="0">
-                <a:solidFill>
-                  <a:schemeClr val="accent1"/>
-                </a:solidFill>
-                <a:effectLst/>
-                <a:latin typeface="Times New Roman" panose="02020603050405020304" pitchFamily="18" charset="0"/>
-                <a:ea typeface="Calibri" panose="020F0502020204030204" pitchFamily="34" charset="0"/>
-                <a:cs typeface="Times New Roman" panose="02020603050405020304" pitchFamily="18" charset="0"/>
-              </a:rPr>
-              <a:t>(u)</a:t>
-            </a:r>
-            <a:r>
-              <a:rPr lang="da-DK" sz="2000" b="1" dirty="0">
-                <a:solidFill>
-                  <a:schemeClr val="accent1"/>
-                </a:solidFill>
-                <a:latin typeface="Times New Roman" panose="02020603050405020304" pitchFamily="18" charset="0"/>
-                <a:cs typeface="Times New Roman" panose="02020603050405020304" pitchFamily="18" charset="0"/>
-              </a:rPr>
-              <a:t>) </a:t>
-            </a:r>
-            <a:endParaRPr lang="tr-TR" sz="2000" b="1" dirty="0">
-              <a:solidFill>
-                <a:schemeClr val="accent1"/>
-              </a:solidFill>
-              <a:latin typeface="Times New Roman" panose="02020603050405020304" pitchFamily="18" charset="0"/>
-              <a:cs typeface="Times New Roman" panose="02020603050405020304" pitchFamily="18" charset="0"/>
-            </a:endParaRPr>
-          </a:p>
-        </p:txBody>
-      </p:sp>
-      <p:sp>
-        <p:nvSpPr>
-          <p:cNvPr id="10" name="Metin kutusu 9">
-            <a:extLst>
-              <a:ext uri="{FF2B5EF4-FFF2-40B4-BE49-F238E27FC236}">
-                <a16:creationId xmlns:a16="http://schemas.microsoft.com/office/drawing/2014/main" id="{F358A936-0A2C-C0B0-3010-323CD5E32D53}"/>
-              </a:ext>
-            </a:extLst>
-          </p:cNvPr>
-          <p:cNvSpPr txBox="1"/>
-          <p:nvPr/>
-        </p:nvSpPr>
-        <p:spPr>
-          <a:xfrm>
-            <a:off x="2022231" y="5253771"/>
-            <a:ext cx="3317997" cy="400110"/>
-          </a:xfrm>
-          <a:prstGeom prst="rect">
-            <a:avLst/>
-          </a:prstGeom>
-          <a:noFill/>
-        </p:spPr>
-        <p:txBody>
-          <a:bodyPr wrap="square">
-            <a:spAutoFit/>
-          </a:bodyPr>
-          <a:lstStyle/>
-          <a:p>
-            <a:r>
-              <a:rPr lang="tr-TR" sz="2000" b="1" dirty="0" err="1">
-                <a:solidFill>
-                  <a:schemeClr val="accent1"/>
-                </a:solidFill>
-                <a:latin typeface="Times New Roman" panose="02020603050405020304" pitchFamily="18" charset="0"/>
-                <a:cs typeface="Times New Roman" panose="02020603050405020304" pitchFamily="18" charset="0"/>
-              </a:rPr>
-              <a:t>Min</a:t>
-            </a:r>
-            <a:r>
-              <a:rPr lang="tr-TR" sz="2000" b="1" dirty="0">
-                <a:solidFill>
-                  <a:schemeClr val="accent1"/>
-                </a:solidFill>
-                <a:latin typeface="Times New Roman" panose="02020603050405020304" pitchFamily="18" charset="0"/>
-                <a:cs typeface="Times New Roman" panose="02020603050405020304" pitchFamily="18" charset="0"/>
-              </a:rPr>
-              <a:t>(1, </a:t>
-            </a:r>
-            <a:r>
-              <a:rPr lang="da-DK" sz="2000" b="1" dirty="0">
-                <a:solidFill>
-                  <a:schemeClr val="accent1"/>
-                </a:solidFill>
-                <a:latin typeface="Times New Roman" panose="02020603050405020304" pitchFamily="18" charset="0"/>
-                <a:cs typeface="Times New Roman" panose="02020603050405020304" pitchFamily="18" charset="0"/>
-              </a:rPr>
-              <a:t>Max</a:t>
-            </a:r>
-            <a:r>
-              <a:rPr lang="tr-TR" sz="2000" b="1" dirty="0">
-                <a:solidFill>
-                  <a:schemeClr val="accent1"/>
-                </a:solidFill>
-                <a:latin typeface="Times New Roman" panose="02020603050405020304" pitchFamily="18" charset="0"/>
-                <a:cs typeface="Times New Roman" panose="02020603050405020304" pitchFamily="18" charset="0"/>
-              </a:rPr>
-              <a:t>(</a:t>
-            </a:r>
-            <a:r>
-              <a:rPr lang="da-DK" sz="2000" b="1" dirty="0">
-                <a:solidFill>
-                  <a:schemeClr val="accent1"/>
-                </a:solidFill>
-                <a:latin typeface="Times New Roman" panose="02020603050405020304" pitchFamily="18" charset="0"/>
-                <a:cs typeface="Times New Roman" panose="02020603050405020304" pitchFamily="18" charset="0"/>
-              </a:rPr>
-              <a:t>1-</a:t>
-            </a:r>
-            <a:r>
-              <a:rPr lang="tr-TR" sz="2000" b="1" dirty="0" err="1">
-                <a:solidFill>
-                  <a:schemeClr val="accent1"/>
-                </a:solidFill>
-                <a:effectLst/>
-                <a:latin typeface="Times New Roman" panose="02020603050405020304" pitchFamily="18" charset="0"/>
-                <a:ea typeface="Calibri" panose="020F0502020204030204" pitchFamily="34" charset="0"/>
-                <a:cs typeface="Times New Roman" panose="02020603050405020304" pitchFamily="18" charset="0"/>
-              </a:rPr>
-              <a:t>μ</a:t>
-            </a:r>
-            <a:r>
-              <a:rPr lang="tr-TR" sz="2000" b="1" baseline="-25000" dirty="0" err="1">
-                <a:solidFill>
-                  <a:schemeClr val="accent1"/>
-                </a:solidFill>
-                <a:effectLst/>
-                <a:latin typeface="Times New Roman" panose="02020603050405020304" pitchFamily="18" charset="0"/>
-                <a:ea typeface="Calibri" panose="020F0502020204030204" pitchFamily="34" charset="0"/>
-                <a:cs typeface="Times New Roman" panose="02020603050405020304" pitchFamily="18" charset="0"/>
-              </a:rPr>
-              <a:t>A</a:t>
-            </a:r>
-            <a:r>
-              <a:rPr lang="tr-TR" sz="2000" b="1" dirty="0">
-                <a:solidFill>
-                  <a:schemeClr val="accent1"/>
-                </a:solidFill>
-                <a:effectLst/>
-                <a:latin typeface="Times New Roman" panose="02020603050405020304" pitchFamily="18" charset="0"/>
-                <a:ea typeface="Calibri" panose="020F0502020204030204" pitchFamily="34" charset="0"/>
-                <a:cs typeface="Times New Roman" panose="02020603050405020304" pitchFamily="18" charset="0"/>
-              </a:rPr>
-              <a:t>(u), </a:t>
-            </a:r>
-            <a:r>
-              <a:rPr lang="tr-TR" sz="2000" b="1" dirty="0" err="1">
-                <a:solidFill>
-                  <a:schemeClr val="accent1"/>
-                </a:solidFill>
-                <a:effectLst/>
-                <a:latin typeface="Times New Roman" panose="02020603050405020304" pitchFamily="18" charset="0"/>
-                <a:ea typeface="Calibri" panose="020F0502020204030204" pitchFamily="34" charset="0"/>
-                <a:cs typeface="Times New Roman" panose="02020603050405020304" pitchFamily="18" charset="0"/>
-              </a:rPr>
-              <a:t>μ</a:t>
-            </a:r>
-            <a:r>
-              <a:rPr lang="tr-TR" sz="2000" b="1" baseline="-25000" dirty="0" err="1">
-                <a:solidFill>
-                  <a:schemeClr val="accent1"/>
-                </a:solidFill>
-                <a:latin typeface="Times New Roman" panose="02020603050405020304" pitchFamily="18" charset="0"/>
-                <a:ea typeface="Calibri" panose="020F0502020204030204" pitchFamily="34" charset="0"/>
-                <a:cs typeface="Times New Roman" panose="02020603050405020304" pitchFamily="18" charset="0"/>
-              </a:rPr>
-              <a:t>B</a:t>
-            </a:r>
-            <a:r>
-              <a:rPr lang="tr-TR" sz="2000" b="1" dirty="0">
-                <a:solidFill>
-                  <a:schemeClr val="accent1"/>
-                </a:solidFill>
-                <a:effectLst/>
-                <a:latin typeface="Times New Roman" panose="02020603050405020304" pitchFamily="18" charset="0"/>
-                <a:ea typeface="Calibri" panose="020F0502020204030204" pitchFamily="34" charset="0"/>
-                <a:cs typeface="Times New Roman" panose="02020603050405020304" pitchFamily="18" charset="0"/>
-              </a:rPr>
-              <a:t>(u)</a:t>
-            </a:r>
-            <a:r>
-              <a:rPr lang="da-DK" sz="2000" b="1" dirty="0">
-                <a:solidFill>
-                  <a:schemeClr val="accent1"/>
-                </a:solidFill>
-                <a:latin typeface="Times New Roman" panose="02020603050405020304" pitchFamily="18" charset="0"/>
-                <a:cs typeface="Times New Roman" panose="02020603050405020304" pitchFamily="18" charset="0"/>
-              </a:rPr>
-              <a:t>)</a:t>
-            </a:r>
-            <a:r>
-              <a:rPr lang="tr-TR" sz="2000" b="1" dirty="0">
-                <a:solidFill>
-                  <a:schemeClr val="accent1"/>
-                </a:solidFill>
-                <a:latin typeface="Times New Roman" panose="02020603050405020304" pitchFamily="18" charset="0"/>
-                <a:cs typeface="Times New Roman" panose="02020603050405020304" pitchFamily="18" charset="0"/>
-              </a:rPr>
-              <a:t>)</a:t>
-            </a:r>
-            <a:r>
-              <a:rPr lang="da-DK" sz="2000" b="1" dirty="0">
-                <a:solidFill>
-                  <a:schemeClr val="accent1"/>
-                </a:solidFill>
-                <a:latin typeface="Times New Roman" panose="02020603050405020304" pitchFamily="18" charset="0"/>
-                <a:cs typeface="Times New Roman" panose="02020603050405020304" pitchFamily="18" charset="0"/>
-              </a:rPr>
-              <a:t> </a:t>
-            </a:r>
-            <a:endParaRPr lang="tr-TR" sz="2000" b="1" dirty="0">
-              <a:solidFill>
-                <a:schemeClr val="accent1"/>
-              </a:solidFill>
-              <a:latin typeface="Times New Roman" panose="02020603050405020304" pitchFamily="18" charset="0"/>
-              <a:cs typeface="Times New Roman" panose="02020603050405020304" pitchFamily="18" charset="0"/>
-            </a:endParaRPr>
-          </a:p>
-        </p:txBody>
-      </p:sp>
     </p:spTree>
     <p:extLst>
       <p:ext uri="{BB962C8B-B14F-4D97-AF65-F5344CB8AC3E}">
-        <p14:creationId xmlns:p14="http://schemas.microsoft.com/office/powerpoint/2010/main" val="3394017683"/>
+        <p14:creationId xmlns:p14="http://schemas.microsoft.com/office/powerpoint/2010/main" val="1894505125"/>
       </p:ext>
     </p:extLst>
   </p:cSld>
@@ -19792,7 +19849,7 @@
     </p:spTree>
     <p:extLst>
       <p:ext uri="{BB962C8B-B14F-4D97-AF65-F5344CB8AC3E}">
-        <p14:creationId xmlns:p14="http://schemas.microsoft.com/office/powerpoint/2010/main" val="1894505125"/>
+        <p14:creationId xmlns:p14="http://schemas.microsoft.com/office/powerpoint/2010/main" val="1523370829"/>
       </p:ext>
     </p:extLst>
   </p:cSld>
@@ -19865,7 +19922,7 @@
                 <a:ea typeface="Calibri" panose="020F0502020204030204" pitchFamily="34" charset="0"/>
                 <a:cs typeface="Times New Roman" panose="02020603050405020304" pitchFamily="18" charset="0"/>
               </a:rPr>
-              <a:t>Bulanık Kural Tabanı:</a:t>
+              <a:t>Bulanık Anlamlandırma:</a:t>
             </a:r>
           </a:p>
         </p:txBody>
@@ -19957,7 +20014,7 @@
                 <a:latin typeface="Times New Roman" panose="02020603050405020304" pitchFamily="18" charset="0"/>
                 <a:cs typeface="Times New Roman" panose="02020603050405020304" pitchFamily="18" charset="0"/>
               </a:rPr>
-              <a:t>Şimdiye kadar sadece bulanık kurallara baktık.</a:t>
+              <a:t>Bulanık bilgi tabanında her bir kural bir bulanık ilişkiye dayanır.</a:t>
             </a:r>
           </a:p>
           <a:p>
@@ -19977,7 +20034,42 @@
                 <a:latin typeface="Times New Roman" panose="02020603050405020304" pitchFamily="18" charset="0"/>
                 <a:cs typeface="Times New Roman" panose="02020603050405020304" pitchFamily="18" charset="0"/>
               </a:rPr>
-              <a:t>Bir bulanık bilgi tabanı daima birçok bulanık kuralları içerir.</a:t>
+              <a:t>Daha önce gösterilen bulanık kural tabanı ilişkili olduğu </a:t>
+            </a:r>
+            <a:r>
+              <a:rPr lang="tr-TR" sz="2200" dirty="0" err="1">
+                <a:latin typeface="Times New Roman" panose="02020603050405020304" pitchFamily="18" charset="0"/>
+                <a:cs typeface="Times New Roman" panose="02020603050405020304" pitchFamily="18" charset="0"/>
+              </a:rPr>
+              <a:t>k’ıncı</a:t>
+            </a:r>
+            <a:r>
+              <a:rPr lang="tr-TR" sz="2200" dirty="0">
+                <a:latin typeface="Times New Roman" panose="02020603050405020304" pitchFamily="18" charset="0"/>
+                <a:cs typeface="Times New Roman" panose="02020603050405020304" pitchFamily="18" charset="0"/>
+              </a:rPr>
+              <a:t> kuralı </a:t>
+            </a:r>
+            <a:r>
+              <a:rPr lang="tr-TR" sz="2200" dirty="0" err="1">
+                <a:latin typeface="Times New Roman" panose="02020603050405020304" pitchFamily="18" charset="0"/>
+                <a:cs typeface="Times New Roman" panose="02020603050405020304" pitchFamily="18" charset="0"/>
+              </a:rPr>
+              <a:t>R</a:t>
+            </a:r>
+            <a:r>
+              <a:rPr lang="tr-TR" sz="2200" baseline="-25000" dirty="0" err="1">
+                <a:latin typeface="Times New Roman" panose="02020603050405020304" pitchFamily="18" charset="0"/>
+                <a:cs typeface="Times New Roman" panose="02020603050405020304" pitchFamily="18" charset="0"/>
+              </a:rPr>
+              <a:t>k</a:t>
+            </a:r>
+            <a:r>
+              <a:rPr lang="tr-TR" sz="2200" dirty="0">
+                <a:latin typeface="Times New Roman" panose="02020603050405020304" pitchFamily="18" charset="0"/>
+                <a:cs typeface="Times New Roman" panose="02020603050405020304" pitchFamily="18" charset="0"/>
+              </a:rPr>
+              <a:t> olarak çağırır.</a:t>
             </a:r>
           </a:p>
           <a:p>
@@ -19997,7 +20089,63 @@
                 <a:latin typeface="Times New Roman" panose="02020603050405020304" pitchFamily="18" charset="0"/>
                 <a:cs typeface="Times New Roman" panose="02020603050405020304" pitchFamily="18" charset="0"/>
               </a:rPr>
-              <a:t>Bulanık kuralların yapısı kesin katı kuralları içermez.</a:t>
+              <a:t>Bulanık kural tabanının tüm ilişkisi R; R</a:t>
+            </a:r>
+            <a:r>
+              <a:rPr lang="tr-TR" sz="2200" baseline="-25000" dirty="0">
+                <a:latin typeface="Times New Roman" panose="02020603050405020304" pitchFamily="18" charset="0"/>
+                <a:cs typeface="Times New Roman" panose="02020603050405020304" pitchFamily="18" charset="0"/>
+              </a:rPr>
+              <a:t>1</a:t>
+            </a:r>
+            <a:r>
+              <a:rPr lang="tr-TR" sz="2200" dirty="0">
+                <a:latin typeface="Times New Roman" panose="02020603050405020304" pitchFamily="18" charset="0"/>
+                <a:cs typeface="Times New Roman" panose="02020603050405020304" pitchFamily="18" charset="0"/>
+              </a:rPr>
+              <a:t>, R</a:t>
+            </a:r>
+            <a:r>
+              <a:rPr lang="tr-TR" sz="2200" baseline="-25000" dirty="0">
+                <a:latin typeface="Times New Roman" panose="02020603050405020304" pitchFamily="18" charset="0"/>
+                <a:cs typeface="Times New Roman" panose="02020603050405020304" pitchFamily="18" charset="0"/>
+              </a:rPr>
+              <a:t>2</a:t>
+            </a:r>
+            <a:r>
+              <a:rPr lang="tr-TR" sz="2200" dirty="0">
+                <a:latin typeface="Times New Roman" panose="02020603050405020304" pitchFamily="18" charset="0"/>
+                <a:cs typeface="Times New Roman" panose="02020603050405020304" pitchFamily="18" charset="0"/>
+              </a:rPr>
+              <a:t>, R</a:t>
+            </a:r>
+            <a:r>
+              <a:rPr lang="tr-TR" sz="2200" baseline="-25000" dirty="0">
+                <a:latin typeface="Times New Roman" panose="02020603050405020304" pitchFamily="18" charset="0"/>
+                <a:cs typeface="Times New Roman" panose="02020603050405020304" pitchFamily="18" charset="0"/>
+              </a:rPr>
+              <a:t>3</a:t>
+            </a:r>
+            <a:r>
+              <a:rPr lang="tr-TR" sz="2200" dirty="0">
+                <a:latin typeface="Times New Roman" panose="02020603050405020304" pitchFamily="18" charset="0"/>
+                <a:cs typeface="Times New Roman" panose="02020603050405020304" pitchFamily="18" charset="0"/>
+              </a:rPr>
+              <a:t>…R</a:t>
+            </a:r>
+            <a:r>
+              <a:rPr lang="tr-TR" sz="2200" baseline="-25000" dirty="0">
+                <a:latin typeface="Times New Roman" panose="02020603050405020304" pitchFamily="18" charset="0"/>
+                <a:cs typeface="Times New Roman" panose="02020603050405020304" pitchFamily="18" charset="0"/>
+              </a:rPr>
+              <a:t>N</a:t>
+            </a:r>
+            <a:r>
+              <a:rPr lang="tr-TR" sz="2200" dirty="0">
+                <a:latin typeface="Times New Roman" panose="02020603050405020304" pitchFamily="18" charset="0"/>
+                <a:cs typeface="Times New Roman" panose="02020603050405020304" pitchFamily="18" charset="0"/>
+              </a:rPr>
+              <a:t> bileşim işleminin sonucunda elde edilir.</a:t>
             </a:r>
           </a:p>
           <a:p>
@@ -20017,28 +20165,35 @@
                 <a:latin typeface="Times New Roman" panose="02020603050405020304" pitchFamily="18" charset="0"/>
                 <a:cs typeface="Times New Roman" panose="02020603050405020304" pitchFamily="18" charset="0"/>
               </a:rPr>
-              <a:t>Günümüzde birçok mühendislik uygulamalarında bulanık kurallar IF-THEN yapısı ile ifade edilirler.</a:t>
-            </a:r>
-          </a:p>
-          <a:p>
-            <a:pPr marL="0" indent="0" algn="ctr">
-              <a:lnSpc>
-                <a:spcPts val="2700"/>
-              </a:lnSpc>
-              <a:spcBef>
-                <a:spcPts val="0"/>
-              </a:spcBef>
-              <a:spcAft>
-                <a:spcPts val="1200"/>
-              </a:spcAft>
-              <a:buNone/>
-            </a:pPr>
+              <a:t>Örnek: </a:t>
+            </a:r>
+            <a:r>
+              <a:rPr lang="tr-TR" sz="2200" dirty="0" err="1">
+                <a:latin typeface="Times New Roman" panose="02020603050405020304" pitchFamily="18" charset="0"/>
+                <a:cs typeface="Times New Roman" panose="02020603050405020304" pitchFamily="18" charset="0"/>
+              </a:rPr>
+              <a:t>Max-min</a:t>
+            </a:r>
             <a:r>
               <a:rPr lang="tr-TR" sz="2200" dirty="0">
                 <a:latin typeface="Times New Roman" panose="02020603050405020304" pitchFamily="18" charset="0"/>
                 <a:cs typeface="Times New Roman" panose="02020603050405020304" pitchFamily="18" charset="0"/>
               </a:rPr>
-              <a:t>IF &lt;KOŞULLAR&gt; THEN &lt;EYLEM&gt;</a:t>
+              <a:t> ve </a:t>
+            </a:r>
+            <a:r>
+              <a:rPr lang="tr-TR" sz="2200" dirty="0" err="1">
+                <a:latin typeface="Times New Roman" panose="02020603050405020304" pitchFamily="18" charset="0"/>
+                <a:cs typeface="Times New Roman" panose="02020603050405020304" pitchFamily="18" charset="0"/>
+              </a:rPr>
+              <a:t>max-product</a:t>
+            </a:r>
+            <a:r>
+              <a:rPr lang="tr-TR" sz="2200" dirty="0">
+                <a:latin typeface="Times New Roman" panose="02020603050405020304" pitchFamily="18" charset="0"/>
+                <a:cs typeface="Times New Roman" panose="02020603050405020304" pitchFamily="18" charset="0"/>
+              </a:rPr>
+              <a:t> bileşim operatörleriyle bulanık anlamlandırmayı anlamak için aşağıdaki kural tabanı verilmiş olsun.</a:t>
             </a:r>
           </a:p>
           <a:p>
@@ -20058,7 +20213,173 @@
                 <a:latin typeface="Times New Roman" panose="02020603050405020304" pitchFamily="18" charset="0"/>
                 <a:cs typeface="Times New Roman" panose="02020603050405020304" pitchFamily="18" charset="0"/>
               </a:rPr>
-              <a:t>Bu esas olarak:</a:t>
+              <a:t>Kural 1: IF x</a:t>
+            </a:r>
+            <a:r>
+              <a:rPr lang="tr-TR" sz="2200" baseline="-25000" dirty="0">
+                <a:latin typeface="Times New Roman" panose="02020603050405020304" pitchFamily="18" charset="0"/>
+                <a:cs typeface="Times New Roman" panose="02020603050405020304" pitchFamily="18" charset="0"/>
+              </a:rPr>
+              <a:t>1</a:t>
+            </a:r>
+            <a:r>
+              <a:rPr lang="tr-TR" sz="2200" dirty="0">
+                <a:latin typeface="Times New Roman" panose="02020603050405020304" pitchFamily="18" charset="0"/>
+                <a:cs typeface="Times New Roman" panose="02020603050405020304" pitchFamily="18" charset="0"/>
+              </a:rPr>
+              <a:t> is A</a:t>
+            </a:r>
+            <a:r>
+              <a:rPr lang="tr-TR" sz="2200" baseline="-25000" dirty="0">
+                <a:latin typeface="Times New Roman" panose="02020603050405020304" pitchFamily="18" charset="0"/>
+                <a:cs typeface="Times New Roman" panose="02020603050405020304" pitchFamily="18" charset="0"/>
+              </a:rPr>
+              <a:t>11</a:t>
+            </a:r>
+            <a:r>
+              <a:rPr lang="tr-TR" sz="2200" dirty="0">
+                <a:latin typeface="Times New Roman" panose="02020603050405020304" pitchFamily="18" charset="0"/>
+                <a:cs typeface="Times New Roman" panose="02020603050405020304" pitchFamily="18" charset="0"/>
+              </a:rPr>
+              <a:t> AND x</a:t>
+            </a:r>
+            <a:r>
+              <a:rPr lang="tr-TR" sz="2200" baseline="-25000" dirty="0">
+                <a:latin typeface="Times New Roman" panose="02020603050405020304" pitchFamily="18" charset="0"/>
+                <a:cs typeface="Times New Roman" panose="02020603050405020304" pitchFamily="18" charset="0"/>
+              </a:rPr>
+              <a:t>2</a:t>
+            </a:r>
+            <a:r>
+              <a:rPr lang="tr-TR" sz="2200" dirty="0">
+                <a:latin typeface="Times New Roman" panose="02020603050405020304" pitchFamily="18" charset="0"/>
+                <a:cs typeface="Times New Roman" panose="02020603050405020304" pitchFamily="18" charset="0"/>
+              </a:rPr>
+              <a:t> is A</a:t>
+            </a:r>
+            <a:r>
+              <a:rPr lang="tr-TR" sz="2200" baseline="-25000" dirty="0">
+                <a:latin typeface="Times New Roman" panose="02020603050405020304" pitchFamily="18" charset="0"/>
+                <a:cs typeface="Times New Roman" panose="02020603050405020304" pitchFamily="18" charset="0"/>
+              </a:rPr>
+              <a:t>21</a:t>
+            </a:r>
+            <a:r>
+              <a:rPr lang="tr-TR" sz="2200" dirty="0">
+                <a:latin typeface="Times New Roman" panose="02020603050405020304" pitchFamily="18" charset="0"/>
+                <a:cs typeface="Times New Roman" panose="02020603050405020304" pitchFamily="18" charset="0"/>
+              </a:rPr>
+              <a:t> THEN y is B</a:t>
+            </a:r>
+            <a:r>
+              <a:rPr lang="tr-TR" sz="2200" baseline="-25000" dirty="0">
+                <a:latin typeface="Times New Roman" panose="02020603050405020304" pitchFamily="18" charset="0"/>
+                <a:cs typeface="Times New Roman" panose="02020603050405020304" pitchFamily="18" charset="0"/>
+              </a:rPr>
+              <a:t>1</a:t>
+            </a:r>
+          </a:p>
+          <a:p>
+            <a:pPr algn="just">
+              <a:lnSpc>
+                <a:spcPts val="2700"/>
+              </a:lnSpc>
+              <a:spcBef>
+                <a:spcPts val="0"/>
+              </a:spcBef>
+              <a:spcAft>
+                <a:spcPts val="1200"/>
+              </a:spcAft>
+            </a:pPr>
+            <a:r>
+              <a:rPr lang="tr-TR" sz="2200" dirty="0">
+                <a:latin typeface="Times New Roman" panose="02020603050405020304" pitchFamily="18" charset="0"/>
+                <a:cs typeface="Times New Roman" panose="02020603050405020304" pitchFamily="18" charset="0"/>
+              </a:rPr>
+              <a:t>Kural 2: IF x</a:t>
+            </a:r>
+            <a:r>
+              <a:rPr lang="tr-TR" sz="2200" baseline="-25000" dirty="0">
+                <a:latin typeface="Times New Roman" panose="02020603050405020304" pitchFamily="18" charset="0"/>
+                <a:cs typeface="Times New Roman" panose="02020603050405020304" pitchFamily="18" charset="0"/>
+              </a:rPr>
+              <a:t>1</a:t>
+            </a:r>
+            <a:r>
+              <a:rPr lang="tr-TR" sz="2200" dirty="0">
+                <a:latin typeface="Times New Roman" panose="02020603050405020304" pitchFamily="18" charset="0"/>
+                <a:cs typeface="Times New Roman" panose="02020603050405020304" pitchFamily="18" charset="0"/>
+              </a:rPr>
+              <a:t> is A</a:t>
+            </a:r>
+            <a:r>
+              <a:rPr lang="tr-TR" sz="2200" baseline="-25000" dirty="0">
+                <a:latin typeface="Times New Roman" panose="02020603050405020304" pitchFamily="18" charset="0"/>
+                <a:cs typeface="Times New Roman" panose="02020603050405020304" pitchFamily="18" charset="0"/>
+              </a:rPr>
+              <a:t>12</a:t>
+            </a:r>
+            <a:r>
+              <a:rPr lang="tr-TR" sz="2200" dirty="0">
+                <a:latin typeface="Times New Roman" panose="02020603050405020304" pitchFamily="18" charset="0"/>
+                <a:cs typeface="Times New Roman" panose="02020603050405020304" pitchFamily="18" charset="0"/>
+              </a:rPr>
+              <a:t> AND x</a:t>
+            </a:r>
+            <a:r>
+              <a:rPr lang="tr-TR" sz="2200" baseline="-25000" dirty="0">
+                <a:latin typeface="Times New Roman" panose="02020603050405020304" pitchFamily="18" charset="0"/>
+                <a:cs typeface="Times New Roman" panose="02020603050405020304" pitchFamily="18" charset="0"/>
+              </a:rPr>
+              <a:t>2</a:t>
+            </a:r>
+            <a:r>
+              <a:rPr lang="tr-TR" sz="2200" dirty="0">
+                <a:latin typeface="Times New Roman" panose="02020603050405020304" pitchFamily="18" charset="0"/>
+                <a:cs typeface="Times New Roman" panose="02020603050405020304" pitchFamily="18" charset="0"/>
+              </a:rPr>
+              <a:t> is A</a:t>
+            </a:r>
+            <a:r>
+              <a:rPr lang="tr-TR" sz="2200" baseline="-25000" dirty="0">
+                <a:latin typeface="Times New Roman" panose="02020603050405020304" pitchFamily="18" charset="0"/>
+                <a:cs typeface="Times New Roman" panose="02020603050405020304" pitchFamily="18" charset="0"/>
+              </a:rPr>
+              <a:t>22</a:t>
+            </a:r>
+            <a:r>
+              <a:rPr lang="tr-TR" sz="2200" dirty="0">
+                <a:latin typeface="Times New Roman" panose="02020603050405020304" pitchFamily="18" charset="0"/>
+                <a:cs typeface="Times New Roman" panose="02020603050405020304" pitchFamily="18" charset="0"/>
+              </a:rPr>
+              <a:t> THEN y is B</a:t>
+            </a:r>
+            <a:r>
+              <a:rPr lang="tr-TR" sz="2200" baseline="-25000" dirty="0">
+                <a:latin typeface="Times New Roman" panose="02020603050405020304" pitchFamily="18" charset="0"/>
+                <a:cs typeface="Times New Roman" panose="02020603050405020304" pitchFamily="18" charset="0"/>
+              </a:rPr>
+              <a:t>2</a:t>
+            </a:r>
+          </a:p>
+          <a:p>
+            <a:pPr algn="just">
+              <a:lnSpc>
+                <a:spcPts val="2700"/>
+              </a:lnSpc>
+              <a:spcBef>
+                <a:spcPts val="0"/>
+              </a:spcBef>
+              <a:spcAft>
+                <a:spcPts val="1200"/>
+              </a:spcAft>
+            </a:pPr>
+            <a:r>
+              <a:rPr lang="tr-TR" sz="2200" dirty="0">
+                <a:latin typeface="Times New Roman" panose="02020603050405020304" pitchFamily="18" charset="0"/>
+                <a:cs typeface="Times New Roman" panose="02020603050405020304" pitchFamily="18" charset="0"/>
+              </a:rPr>
+              <a:t>Burada iki örnek verilmiştir: </a:t>
             </a:r>
           </a:p>
           <a:p>
@@ -20078,7 +20399,35 @@
                 <a:latin typeface="Times New Roman" panose="02020603050405020304" pitchFamily="18" charset="0"/>
                 <a:cs typeface="Times New Roman" panose="02020603050405020304" pitchFamily="18" charset="0"/>
               </a:rPr>
-              <a:t>Uzman insanların kolay bir yoldan tecrübe ve bilgilerini aktarması,</a:t>
+              <a:t>(1) </a:t>
+            </a:r>
+            <a:r>
+              <a:rPr lang="tr-TR" sz="2200" dirty="0" err="1">
+                <a:latin typeface="Times New Roman" panose="02020603050405020304" pitchFamily="18" charset="0"/>
+                <a:cs typeface="Times New Roman" panose="02020603050405020304" pitchFamily="18" charset="0"/>
+              </a:rPr>
+              <a:t>max-min</a:t>
+            </a:r>
+            <a:r>
+              <a:rPr lang="tr-TR" sz="2200" dirty="0">
+                <a:latin typeface="Times New Roman" panose="02020603050405020304" pitchFamily="18" charset="0"/>
+                <a:cs typeface="Times New Roman" panose="02020603050405020304" pitchFamily="18" charset="0"/>
+              </a:rPr>
+              <a:t> ve </a:t>
+            </a:r>
+            <a:r>
+              <a:rPr lang="tr-TR" sz="2200" dirty="0" err="1">
+                <a:latin typeface="Times New Roman" panose="02020603050405020304" pitchFamily="18" charset="0"/>
+                <a:cs typeface="Times New Roman" panose="02020603050405020304" pitchFamily="18" charset="0"/>
+              </a:rPr>
+              <a:t>max-product</a:t>
+            </a:r>
+            <a:r>
+              <a:rPr lang="tr-TR" sz="2200" dirty="0">
+                <a:latin typeface="Times New Roman" panose="02020603050405020304" pitchFamily="18" charset="0"/>
+                <a:cs typeface="Times New Roman" panose="02020603050405020304" pitchFamily="18" charset="0"/>
+              </a:rPr>
+              <a:t>. </a:t>
             </a:r>
           </a:p>
           <a:p>
@@ -20098,27 +20447,21 @@
                 <a:latin typeface="Times New Roman" panose="02020603050405020304" pitchFamily="18" charset="0"/>
                 <a:cs typeface="Times New Roman" panose="02020603050405020304" pitchFamily="18" charset="0"/>
               </a:rPr>
-              <a:t>Program tasarımcısının bulanık kuralları kolay bir şekilde programlaması,</a:t>
-            </a:r>
-          </a:p>
-          <a:p>
-            <a:pPr lvl="1" algn="just">
-              <a:lnSpc>
-                <a:spcPts val="2700"/>
-              </a:lnSpc>
-              <a:spcBef>
-                <a:spcPts val="0"/>
-              </a:spcBef>
-              <a:spcAft>
-                <a:spcPts val="1200"/>
-              </a:spcAft>
-            </a:pPr>
+              <a:t>Sistemin iki belirteci vardır. x=A’ ve buna bağlı sonucu y=B’ </a:t>
+            </a:r>
+            <a:r>
+              <a:rPr lang="tr-TR" sz="2200" dirty="0" err="1">
+                <a:latin typeface="Times New Roman" panose="02020603050405020304" pitchFamily="18" charset="0"/>
+                <a:cs typeface="Times New Roman" panose="02020603050405020304" pitchFamily="18" charset="0"/>
+              </a:rPr>
+              <a:t>dir</a:t>
+            </a:r>
             <a:r>
               <a:rPr lang="tr-TR" sz="2200" dirty="0">
                 <a:latin typeface="Times New Roman" panose="02020603050405020304" pitchFamily="18" charset="0"/>
                 <a:cs typeface="Times New Roman" panose="02020603050405020304" pitchFamily="18" charset="0"/>
               </a:rPr>
-              <a:t>Tasarım maliyetini düşürmek ve iyi bulanık çıkarım etkinliği, arzulandığında yapılır.</a:t>
+              <a:t>. Bulanık kontrol mühendisliğinde asıl girdiler her zaman ‘keskin’ yapıdadır.</a:t>
             </a:r>
           </a:p>
           <a:p>
@@ -20143,7 +20486,7 @@
     </p:spTree>
     <p:extLst>
       <p:ext uri="{BB962C8B-B14F-4D97-AF65-F5344CB8AC3E}">
-        <p14:creationId xmlns:p14="http://schemas.microsoft.com/office/powerpoint/2010/main" val="1523370829"/>
+        <p14:creationId xmlns:p14="http://schemas.microsoft.com/office/powerpoint/2010/main" val="1267385675"/>
       </p:ext>
     </p:extLst>
   </p:cSld>
@@ -20255,643 +20598,6 @@
                 </a:solidFill>
               </a:rPr>
               <a:t>24</a:t>
-            </a:fld>
-            <a:endParaRPr lang="tr-TR" b="1" cap="all" spc="100" dirty="0">
-              <a:solidFill>
-                <a:schemeClr val="accent2"/>
-              </a:solidFill>
-            </a:endParaRPr>
-          </a:p>
-        </p:txBody>
-      </p:sp>
-      <p:sp>
-        <p:nvSpPr>
-          <p:cNvPr id="3" name="İçerik Yer Tutucusu 2">
-            <a:extLst>
-              <a:ext uri="{FF2B5EF4-FFF2-40B4-BE49-F238E27FC236}">
-                <a16:creationId xmlns:a16="http://schemas.microsoft.com/office/drawing/2014/main" id="{839B2505-A752-6959-A64F-4ADB0FD16C45}"/>
-              </a:ext>
-            </a:extLst>
-          </p:cNvPr>
-          <p:cNvSpPr>
-            <a:spLocks noGrp="1"/>
-          </p:cNvSpPr>
-          <p:nvPr>
-            <p:ph idx="1"/>
-          </p:nvPr>
-        </p:nvSpPr>
-        <p:spPr>
-          <a:xfrm>
-            <a:off x="838200" y="747346"/>
-            <a:ext cx="10515600" cy="5732585"/>
-          </a:xfrm>
-        </p:spPr>
-        <p:txBody>
-          <a:bodyPr>
-            <a:normAutofit/>
-          </a:bodyPr>
-          <a:lstStyle/>
-          <a:p>
-            <a:pPr algn="just">
-              <a:lnSpc>
-                <a:spcPts val="2700"/>
-              </a:lnSpc>
-              <a:spcBef>
-                <a:spcPts val="0"/>
-              </a:spcBef>
-              <a:spcAft>
-                <a:spcPts val="1200"/>
-              </a:spcAft>
-            </a:pPr>
-            <a:r>
-              <a:rPr lang="tr-TR" sz="2200" dirty="0">
-                <a:latin typeface="Times New Roman" panose="02020603050405020304" pitchFamily="18" charset="0"/>
-                <a:cs typeface="Times New Roman" panose="02020603050405020304" pitchFamily="18" charset="0"/>
-              </a:rPr>
-              <a:t>Bulanık bilgi tabanında her bir kural bir bulanık ilişkiye dayanır.</a:t>
-            </a:r>
-          </a:p>
-          <a:p>
-            <a:pPr algn="just">
-              <a:lnSpc>
-                <a:spcPts val="2700"/>
-              </a:lnSpc>
-              <a:spcBef>
-                <a:spcPts val="0"/>
-              </a:spcBef>
-              <a:spcAft>
-                <a:spcPts val="1200"/>
-              </a:spcAft>
-            </a:pPr>
-            <a:r>
-              <a:rPr lang="tr-TR" sz="2200" dirty="0">
-                <a:latin typeface="Times New Roman" panose="02020603050405020304" pitchFamily="18" charset="0"/>
-                <a:cs typeface="Times New Roman" panose="02020603050405020304" pitchFamily="18" charset="0"/>
-              </a:rPr>
-              <a:t>Daha önce gösterilen bulanık kural tabanı ilişkili olduğu </a:t>
-            </a:r>
-            <a:r>
-              <a:rPr lang="tr-TR" sz="2200" dirty="0" err="1">
-                <a:latin typeface="Times New Roman" panose="02020603050405020304" pitchFamily="18" charset="0"/>
-                <a:cs typeface="Times New Roman" panose="02020603050405020304" pitchFamily="18" charset="0"/>
-              </a:rPr>
-              <a:t>k’ıncı</a:t>
-            </a:r>
-            <a:r>
-              <a:rPr lang="tr-TR" sz="2200" dirty="0">
-                <a:latin typeface="Times New Roman" panose="02020603050405020304" pitchFamily="18" charset="0"/>
-                <a:cs typeface="Times New Roman" panose="02020603050405020304" pitchFamily="18" charset="0"/>
-              </a:rPr>
-              <a:t> kuralı </a:t>
-            </a:r>
-            <a:r>
-              <a:rPr lang="tr-TR" sz="2200" dirty="0" err="1">
-                <a:latin typeface="Times New Roman" panose="02020603050405020304" pitchFamily="18" charset="0"/>
-                <a:cs typeface="Times New Roman" panose="02020603050405020304" pitchFamily="18" charset="0"/>
-              </a:rPr>
-              <a:t>R</a:t>
-            </a:r>
-            <a:r>
-              <a:rPr lang="tr-TR" sz="2200" baseline="-25000" dirty="0" err="1">
-                <a:latin typeface="Times New Roman" panose="02020603050405020304" pitchFamily="18" charset="0"/>
-                <a:cs typeface="Times New Roman" panose="02020603050405020304" pitchFamily="18" charset="0"/>
-              </a:rPr>
-              <a:t>k</a:t>
-            </a:r>
-            <a:r>
-              <a:rPr lang="tr-TR" sz="2200" dirty="0">
-                <a:latin typeface="Times New Roman" panose="02020603050405020304" pitchFamily="18" charset="0"/>
-                <a:cs typeface="Times New Roman" panose="02020603050405020304" pitchFamily="18" charset="0"/>
-              </a:rPr>
-              <a:t> olarak çağırır.</a:t>
-            </a:r>
-          </a:p>
-          <a:p>
-            <a:pPr algn="just">
-              <a:lnSpc>
-                <a:spcPts val="2700"/>
-              </a:lnSpc>
-              <a:spcBef>
-                <a:spcPts val="0"/>
-              </a:spcBef>
-              <a:spcAft>
-                <a:spcPts val="1200"/>
-              </a:spcAft>
-            </a:pPr>
-            <a:r>
-              <a:rPr lang="tr-TR" sz="2200" dirty="0">
-                <a:latin typeface="Times New Roman" panose="02020603050405020304" pitchFamily="18" charset="0"/>
-                <a:cs typeface="Times New Roman" panose="02020603050405020304" pitchFamily="18" charset="0"/>
-              </a:rPr>
-              <a:t>Bulanık kural tabanının tüm ilişkisi R; R</a:t>
-            </a:r>
-            <a:r>
-              <a:rPr lang="tr-TR" sz="2200" baseline="-25000" dirty="0">
-                <a:latin typeface="Times New Roman" panose="02020603050405020304" pitchFamily="18" charset="0"/>
-                <a:cs typeface="Times New Roman" panose="02020603050405020304" pitchFamily="18" charset="0"/>
-              </a:rPr>
-              <a:t>1</a:t>
-            </a:r>
-            <a:r>
-              <a:rPr lang="tr-TR" sz="2200" dirty="0">
-                <a:latin typeface="Times New Roman" panose="02020603050405020304" pitchFamily="18" charset="0"/>
-                <a:cs typeface="Times New Roman" panose="02020603050405020304" pitchFamily="18" charset="0"/>
-              </a:rPr>
-              <a:t>, R</a:t>
-            </a:r>
-            <a:r>
-              <a:rPr lang="tr-TR" sz="2200" baseline="-25000" dirty="0">
-                <a:latin typeface="Times New Roman" panose="02020603050405020304" pitchFamily="18" charset="0"/>
-                <a:cs typeface="Times New Roman" panose="02020603050405020304" pitchFamily="18" charset="0"/>
-              </a:rPr>
-              <a:t>2</a:t>
-            </a:r>
-            <a:r>
-              <a:rPr lang="tr-TR" sz="2200" dirty="0">
-                <a:latin typeface="Times New Roman" panose="02020603050405020304" pitchFamily="18" charset="0"/>
-                <a:cs typeface="Times New Roman" panose="02020603050405020304" pitchFamily="18" charset="0"/>
-              </a:rPr>
-              <a:t>, R</a:t>
-            </a:r>
-            <a:r>
-              <a:rPr lang="tr-TR" sz="2200" baseline="-25000" dirty="0">
-                <a:latin typeface="Times New Roman" panose="02020603050405020304" pitchFamily="18" charset="0"/>
-                <a:cs typeface="Times New Roman" panose="02020603050405020304" pitchFamily="18" charset="0"/>
-              </a:rPr>
-              <a:t>3</a:t>
-            </a:r>
-            <a:r>
-              <a:rPr lang="tr-TR" sz="2200" dirty="0">
-                <a:latin typeface="Times New Roman" panose="02020603050405020304" pitchFamily="18" charset="0"/>
-                <a:cs typeface="Times New Roman" panose="02020603050405020304" pitchFamily="18" charset="0"/>
-              </a:rPr>
-              <a:t>…R</a:t>
-            </a:r>
-            <a:r>
-              <a:rPr lang="tr-TR" sz="2200" baseline="-25000" dirty="0">
-                <a:latin typeface="Times New Roman" panose="02020603050405020304" pitchFamily="18" charset="0"/>
-                <a:cs typeface="Times New Roman" panose="02020603050405020304" pitchFamily="18" charset="0"/>
-              </a:rPr>
-              <a:t>N</a:t>
-            </a:r>
-            <a:r>
-              <a:rPr lang="tr-TR" sz="2200" dirty="0">
-                <a:latin typeface="Times New Roman" panose="02020603050405020304" pitchFamily="18" charset="0"/>
-                <a:cs typeface="Times New Roman" panose="02020603050405020304" pitchFamily="18" charset="0"/>
-              </a:rPr>
-              <a:t> bileşim işleminin sonucunda elde edilir.</a:t>
-            </a:r>
-          </a:p>
-          <a:p>
-            <a:pPr algn="just">
-              <a:lnSpc>
-                <a:spcPts val="2700"/>
-              </a:lnSpc>
-              <a:spcBef>
-                <a:spcPts val="0"/>
-              </a:spcBef>
-              <a:spcAft>
-                <a:spcPts val="1200"/>
-              </a:spcAft>
-            </a:pPr>
-            <a:r>
-              <a:rPr lang="tr-TR" sz="2200" dirty="0">
-                <a:latin typeface="Times New Roman" panose="02020603050405020304" pitchFamily="18" charset="0"/>
-                <a:cs typeface="Times New Roman" panose="02020603050405020304" pitchFamily="18" charset="0"/>
-              </a:rPr>
-              <a:t>Örnek: </a:t>
-            </a:r>
-            <a:r>
-              <a:rPr lang="tr-TR" sz="2200" dirty="0" err="1">
-                <a:latin typeface="Times New Roman" panose="02020603050405020304" pitchFamily="18" charset="0"/>
-                <a:cs typeface="Times New Roman" panose="02020603050405020304" pitchFamily="18" charset="0"/>
-              </a:rPr>
-              <a:t>Max-min</a:t>
-            </a:r>
-            <a:r>
-              <a:rPr lang="tr-TR" sz="2200" dirty="0">
-                <a:latin typeface="Times New Roman" panose="02020603050405020304" pitchFamily="18" charset="0"/>
-                <a:cs typeface="Times New Roman" panose="02020603050405020304" pitchFamily="18" charset="0"/>
-              </a:rPr>
-              <a:t> ve </a:t>
-            </a:r>
-            <a:r>
-              <a:rPr lang="tr-TR" sz="2200" dirty="0" err="1">
-                <a:latin typeface="Times New Roman" panose="02020603050405020304" pitchFamily="18" charset="0"/>
-                <a:cs typeface="Times New Roman" panose="02020603050405020304" pitchFamily="18" charset="0"/>
-              </a:rPr>
-              <a:t>max-product</a:t>
-            </a:r>
-            <a:r>
-              <a:rPr lang="tr-TR" sz="2200" dirty="0">
-                <a:latin typeface="Times New Roman" panose="02020603050405020304" pitchFamily="18" charset="0"/>
-                <a:cs typeface="Times New Roman" panose="02020603050405020304" pitchFamily="18" charset="0"/>
-              </a:rPr>
-              <a:t> bileşim operatörleriyle bulanık anlamlandırmayı anlamak için aşağıdaki kural tabanı verilmiş olsun.</a:t>
-            </a:r>
-          </a:p>
-          <a:p>
-            <a:pPr algn="just">
-              <a:lnSpc>
-                <a:spcPts val="2700"/>
-              </a:lnSpc>
-              <a:spcBef>
-                <a:spcPts val="0"/>
-              </a:spcBef>
-              <a:spcAft>
-                <a:spcPts val="1200"/>
-              </a:spcAft>
-            </a:pPr>
-            <a:r>
-              <a:rPr lang="tr-TR" sz="2200" dirty="0">
-                <a:latin typeface="Times New Roman" panose="02020603050405020304" pitchFamily="18" charset="0"/>
-                <a:cs typeface="Times New Roman" panose="02020603050405020304" pitchFamily="18" charset="0"/>
-              </a:rPr>
-              <a:t>Kural 1: IF x</a:t>
-            </a:r>
-            <a:r>
-              <a:rPr lang="tr-TR" sz="2200" baseline="-25000" dirty="0">
-                <a:latin typeface="Times New Roman" panose="02020603050405020304" pitchFamily="18" charset="0"/>
-                <a:cs typeface="Times New Roman" panose="02020603050405020304" pitchFamily="18" charset="0"/>
-              </a:rPr>
-              <a:t>1</a:t>
-            </a:r>
-            <a:r>
-              <a:rPr lang="tr-TR" sz="2200" dirty="0">
-                <a:latin typeface="Times New Roman" panose="02020603050405020304" pitchFamily="18" charset="0"/>
-                <a:cs typeface="Times New Roman" panose="02020603050405020304" pitchFamily="18" charset="0"/>
-              </a:rPr>
-              <a:t> is A</a:t>
-            </a:r>
-            <a:r>
-              <a:rPr lang="tr-TR" sz="2200" baseline="-25000" dirty="0">
-                <a:latin typeface="Times New Roman" panose="02020603050405020304" pitchFamily="18" charset="0"/>
-                <a:cs typeface="Times New Roman" panose="02020603050405020304" pitchFamily="18" charset="0"/>
-              </a:rPr>
-              <a:t>11</a:t>
-            </a:r>
-            <a:r>
-              <a:rPr lang="tr-TR" sz="2200" dirty="0">
-                <a:latin typeface="Times New Roman" panose="02020603050405020304" pitchFamily="18" charset="0"/>
-                <a:cs typeface="Times New Roman" panose="02020603050405020304" pitchFamily="18" charset="0"/>
-              </a:rPr>
-              <a:t> AND x</a:t>
-            </a:r>
-            <a:r>
-              <a:rPr lang="tr-TR" sz="2200" baseline="-25000" dirty="0">
-                <a:latin typeface="Times New Roman" panose="02020603050405020304" pitchFamily="18" charset="0"/>
-                <a:cs typeface="Times New Roman" panose="02020603050405020304" pitchFamily="18" charset="0"/>
-              </a:rPr>
-              <a:t>2</a:t>
-            </a:r>
-            <a:r>
-              <a:rPr lang="tr-TR" sz="2200" dirty="0">
-                <a:latin typeface="Times New Roman" panose="02020603050405020304" pitchFamily="18" charset="0"/>
-                <a:cs typeface="Times New Roman" panose="02020603050405020304" pitchFamily="18" charset="0"/>
-              </a:rPr>
-              <a:t> is A</a:t>
-            </a:r>
-            <a:r>
-              <a:rPr lang="tr-TR" sz="2200" baseline="-25000" dirty="0">
-                <a:latin typeface="Times New Roman" panose="02020603050405020304" pitchFamily="18" charset="0"/>
-                <a:cs typeface="Times New Roman" panose="02020603050405020304" pitchFamily="18" charset="0"/>
-              </a:rPr>
-              <a:t>21</a:t>
-            </a:r>
-            <a:r>
-              <a:rPr lang="tr-TR" sz="2200" dirty="0">
-                <a:latin typeface="Times New Roman" panose="02020603050405020304" pitchFamily="18" charset="0"/>
-                <a:cs typeface="Times New Roman" panose="02020603050405020304" pitchFamily="18" charset="0"/>
-              </a:rPr>
-              <a:t> THEN y is B</a:t>
-            </a:r>
-            <a:r>
-              <a:rPr lang="tr-TR" sz="2200" baseline="-25000" dirty="0">
-                <a:latin typeface="Times New Roman" panose="02020603050405020304" pitchFamily="18" charset="0"/>
-                <a:cs typeface="Times New Roman" panose="02020603050405020304" pitchFamily="18" charset="0"/>
-              </a:rPr>
-              <a:t>1</a:t>
-            </a:r>
-          </a:p>
-          <a:p>
-            <a:pPr algn="just">
-              <a:lnSpc>
-                <a:spcPts val="2700"/>
-              </a:lnSpc>
-              <a:spcBef>
-                <a:spcPts val="0"/>
-              </a:spcBef>
-              <a:spcAft>
-                <a:spcPts val="1200"/>
-              </a:spcAft>
-            </a:pPr>
-            <a:r>
-              <a:rPr lang="tr-TR" sz="2200" dirty="0">
-                <a:latin typeface="Times New Roman" panose="02020603050405020304" pitchFamily="18" charset="0"/>
-                <a:cs typeface="Times New Roman" panose="02020603050405020304" pitchFamily="18" charset="0"/>
-              </a:rPr>
-              <a:t>Kural 2: IF x</a:t>
-            </a:r>
-            <a:r>
-              <a:rPr lang="tr-TR" sz="2200" baseline="-25000" dirty="0">
-                <a:latin typeface="Times New Roman" panose="02020603050405020304" pitchFamily="18" charset="0"/>
-                <a:cs typeface="Times New Roman" panose="02020603050405020304" pitchFamily="18" charset="0"/>
-              </a:rPr>
-              <a:t>1</a:t>
-            </a:r>
-            <a:r>
-              <a:rPr lang="tr-TR" sz="2200" dirty="0">
-                <a:latin typeface="Times New Roman" panose="02020603050405020304" pitchFamily="18" charset="0"/>
-                <a:cs typeface="Times New Roman" panose="02020603050405020304" pitchFamily="18" charset="0"/>
-              </a:rPr>
-              <a:t> is A</a:t>
-            </a:r>
-            <a:r>
-              <a:rPr lang="tr-TR" sz="2200" baseline="-25000" dirty="0">
-                <a:latin typeface="Times New Roman" panose="02020603050405020304" pitchFamily="18" charset="0"/>
-                <a:cs typeface="Times New Roman" panose="02020603050405020304" pitchFamily="18" charset="0"/>
-              </a:rPr>
-              <a:t>12</a:t>
-            </a:r>
-            <a:r>
-              <a:rPr lang="tr-TR" sz="2200" dirty="0">
-                <a:latin typeface="Times New Roman" panose="02020603050405020304" pitchFamily="18" charset="0"/>
-                <a:cs typeface="Times New Roman" panose="02020603050405020304" pitchFamily="18" charset="0"/>
-              </a:rPr>
-              <a:t> AND x</a:t>
-            </a:r>
-            <a:r>
-              <a:rPr lang="tr-TR" sz="2200" baseline="-25000" dirty="0">
-                <a:latin typeface="Times New Roman" panose="02020603050405020304" pitchFamily="18" charset="0"/>
-                <a:cs typeface="Times New Roman" panose="02020603050405020304" pitchFamily="18" charset="0"/>
-              </a:rPr>
-              <a:t>2</a:t>
-            </a:r>
-            <a:r>
-              <a:rPr lang="tr-TR" sz="2200" dirty="0">
-                <a:latin typeface="Times New Roman" panose="02020603050405020304" pitchFamily="18" charset="0"/>
-                <a:cs typeface="Times New Roman" panose="02020603050405020304" pitchFamily="18" charset="0"/>
-              </a:rPr>
-              <a:t> is A</a:t>
-            </a:r>
-            <a:r>
-              <a:rPr lang="tr-TR" sz="2200" baseline="-25000" dirty="0">
-                <a:latin typeface="Times New Roman" panose="02020603050405020304" pitchFamily="18" charset="0"/>
-                <a:cs typeface="Times New Roman" panose="02020603050405020304" pitchFamily="18" charset="0"/>
-              </a:rPr>
-              <a:t>22</a:t>
-            </a:r>
-            <a:r>
-              <a:rPr lang="tr-TR" sz="2200" dirty="0">
-                <a:latin typeface="Times New Roman" panose="02020603050405020304" pitchFamily="18" charset="0"/>
-                <a:cs typeface="Times New Roman" panose="02020603050405020304" pitchFamily="18" charset="0"/>
-              </a:rPr>
-              <a:t> THEN y is B</a:t>
-            </a:r>
-            <a:r>
-              <a:rPr lang="tr-TR" sz="2200" baseline="-25000" dirty="0">
-                <a:latin typeface="Times New Roman" panose="02020603050405020304" pitchFamily="18" charset="0"/>
-                <a:cs typeface="Times New Roman" panose="02020603050405020304" pitchFamily="18" charset="0"/>
-              </a:rPr>
-              <a:t>2</a:t>
-            </a:r>
-          </a:p>
-          <a:p>
-            <a:pPr algn="just">
-              <a:lnSpc>
-                <a:spcPts val="2700"/>
-              </a:lnSpc>
-              <a:spcBef>
-                <a:spcPts val="0"/>
-              </a:spcBef>
-              <a:spcAft>
-                <a:spcPts val="1200"/>
-              </a:spcAft>
-            </a:pPr>
-            <a:r>
-              <a:rPr lang="tr-TR" sz="2200" dirty="0">
-                <a:latin typeface="Times New Roman" panose="02020603050405020304" pitchFamily="18" charset="0"/>
-                <a:cs typeface="Times New Roman" panose="02020603050405020304" pitchFamily="18" charset="0"/>
-              </a:rPr>
-              <a:t>Burada iki örnek verilmiştir: </a:t>
-            </a:r>
-          </a:p>
-          <a:p>
-            <a:pPr lvl="1" algn="just">
-              <a:lnSpc>
-                <a:spcPts val="2700"/>
-              </a:lnSpc>
-              <a:spcBef>
-                <a:spcPts val="0"/>
-              </a:spcBef>
-              <a:spcAft>
-                <a:spcPts val="1200"/>
-              </a:spcAft>
-            </a:pPr>
-            <a:r>
-              <a:rPr lang="tr-TR" sz="2200" dirty="0">
-                <a:latin typeface="Times New Roman" panose="02020603050405020304" pitchFamily="18" charset="0"/>
-                <a:cs typeface="Times New Roman" panose="02020603050405020304" pitchFamily="18" charset="0"/>
-              </a:rPr>
-              <a:t>(1) </a:t>
-            </a:r>
-            <a:r>
-              <a:rPr lang="tr-TR" sz="2200" dirty="0" err="1">
-                <a:latin typeface="Times New Roman" panose="02020603050405020304" pitchFamily="18" charset="0"/>
-                <a:cs typeface="Times New Roman" panose="02020603050405020304" pitchFamily="18" charset="0"/>
-              </a:rPr>
-              <a:t>max-min</a:t>
-            </a:r>
-            <a:r>
-              <a:rPr lang="tr-TR" sz="2200" dirty="0">
-                <a:latin typeface="Times New Roman" panose="02020603050405020304" pitchFamily="18" charset="0"/>
-                <a:cs typeface="Times New Roman" panose="02020603050405020304" pitchFamily="18" charset="0"/>
-              </a:rPr>
-              <a:t> ve </a:t>
-            </a:r>
-            <a:r>
-              <a:rPr lang="tr-TR" sz="2200" dirty="0" err="1">
-                <a:latin typeface="Times New Roman" panose="02020603050405020304" pitchFamily="18" charset="0"/>
-                <a:cs typeface="Times New Roman" panose="02020603050405020304" pitchFamily="18" charset="0"/>
-              </a:rPr>
-              <a:t>max-product</a:t>
-            </a:r>
-            <a:r>
-              <a:rPr lang="tr-TR" sz="2200" dirty="0">
-                <a:latin typeface="Times New Roman" panose="02020603050405020304" pitchFamily="18" charset="0"/>
-                <a:cs typeface="Times New Roman" panose="02020603050405020304" pitchFamily="18" charset="0"/>
-              </a:rPr>
-              <a:t>. </a:t>
-            </a:r>
-          </a:p>
-          <a:p>
-            <a:pPr lvl="1" algn="just">
-              <a:lnSpc>
-                <a:spcPts val="2700"/>
-              </a:lnSpc>
-              <a:spcBef>
-                <a:spcPts val="0"/>
-              </a:spcBef>
-              <a:spcAft>
-                <a:spcPts val="1200"/>
-              </a:spcAft>
-            </a:pPr>
-            <a:r>
-              <a:rPr lang="tr-TR" sz="2200" dirty="0">
-                <a:latin typeface="Times New Roman" panose="02020603050405020304" pitchFamily="18" charset="0"/>
-                <a:cs typeface="Times New Roman" panose="02020603050405020304" pitchFamily="18" charset="0"/>
-              </a:rPr>
-              <a:t>Sistemin iki belirteci vardır. x=A’ ve buna bağlı sonucu y=B’ </a:t>
-            </a:r>
-            <a:r>
-              <a:rPr lang="tr-TR" sz="2200" dirty="0" err="1">
-                <a:latin typeface="Times New Roman" panose="02020603050405020304" pitchFamily="18" charset="0"/>
-                <a:cs typeface="Times New Roman" panose="02020603050405020304" pitchFamily="18" charset="0"/>
-              </a:rPr>
-              <a:t>dir</a:t>
-            </a:r>
-            <a:r>
-              <a:rPr lang="tr-TR" sz="2200" dirty="0">
-                <a:latin typeface="Times New Roman" panose="02020603050405020304" pitchFamily="18" charset="0"/>
-                <a:cs typeface="Times New Roman" panose="02020603050405020304" pitchFamily="18" charset="0"/>
-              </a:rPr>
-              <a:t>. Bulanık kontrol mühendisliğinde asıl girdiler her zaman ‘keskin’ yapıdadır.</a:t>
-            </a:r>
-          </a:p>
-          <a:p>
-            <a:pPr algn="just">
-              <a:lnSpc>
-                <a:spcPts val="2700"/>
-              </a:lnSpc>
-              <a:spcBef>
-                <a:spcPts val="0"/>
-              </a:spcBef>
-              <a:spcAft>
-                <a:spcPts val="1200"/>
-              </a:spcAft>
-            </a:pPr>
-            <a:endParaRPr lang="tr-TR" sz="2200" dirty="0">
-              <a:latin typeface="Times New Roman" panose="02020603050405020304" pitchFamily="18" charset="0"/>
-              <a:cs typeface="Times New Roman" panose="02020603050405020304" pitchFamily="18" charset="0"/>
-            </a:endParaRPr>
-          </a:p>
-        </p:txBody>
-      </p:sp>
-    </p:spTree>
-    <p:extLst>
-      <p:ext uri="{BB962C8B-B14F-4D97-AF65-F5344CB8AC3E}">
-        <p14:creationId xmlns:p14="http://schemas.microsoft.com/office/powerpoint/2010/main" val="1267385675"/>
-      </p:ext>
-    </p:extLst>
-  </p:cSld>
-  <p:clrMapOvr>
-    <a:masterClrMapping/>
-  </p:clrMapOvr>
-</p:sld>
-</file>
-
-<file path=ppt/slides/slide25.xml><?xml version="1.0" encoding="utf-8"?>
-<p:sld xmlns:a="http://schemas.openxmlformats.org/drawingml/2006/main" xmlns:r="http://schemas.openxmlformats.org/officeDocument/2006/relationships" xmlns:p="http://schemas.openxmlformats.org/presentationml/2006/main">
-  <p:cSld>
-    <p:spTree>
-      <p:nvGrpSpPr>
-        <p:cNvPr id="1" name=""/>
-        <p:cNvGrpSpPr/>
-        <p:nvPr/>
-      </p:nvGrpSpPr>
-      <p:grpSpPr>
-        <a:xfrm>
-          <a:off x="0" y="0"/>
-          <a:ext cx="0" cy="0"/>
-          <a:chOff x="0" y="0"/>
-          <a:chExt cx="0" cy="0"/>
-        </a:xfrm>
-      </p:grpSpPr>
-      <p:sp>
-        <p:nvSpPr>
-          <p:cNvPr id="4" name="Başlık 3">
-            <a:extLst>
-              <a:ext uri="{FF2B5EF4-FFF2-40B4-BE49-F238E27FC236}">
-                <a16:creationId xmlns:a16="http://schemas.microsoft.com/office/drawing/2014/main" id="{55E27C7C-4B68-4BBC-BF36-8959D8493E4A}"/>
-              </a:ext>
-            </a:extLst>
-          </p:cNvPr>
-          <p:cNvSpPr>
-            <a:spLocks noGrp="1"/>
-          </p:cNvSpPr>
-          <p:nvPr>
-            <p:ph type="title"/>
-          </p:nvPr>
-        </p:nvSpPr>
-        <p:spPr>
-          <a:xfrm>
-            <a:off x="838200" y="136525"/>
-            <a:ext cx="10515600" cy="610821"/>
-          </a:xfrm>
-        </p:spPr>
-        <p:txBody>
-          <a:bodyPr rtlCol="0">
-            <a:normAutofit/>
-          </a:bodyPr>
-          <a:lstStyle/>
-          <a:p>
-            <a:pPr marL="0" indent="0" algn="ctr">
-              <a:lnSpc>
-                <a:spcPts val="2700"/>
-              </a:lnSpc>
-              <a:spcBef>
-                <a:spcPts val="0"/>
-              </a:spcBef>
-              <a:spcAft>
-                <a:spcPts val="600"/>
-              </a:spcAft>
-              <a:buNone/>
-            </a:pPr>
-            <a:r>
-              <a:rPr lang="tr-TR" sz="4000" b="1" dirty="0">
-                <a:latin typeface="Times New Roman" panose="02020603050405020304" pitchFamily="18" charset="0"/>
-                <a:ea typeface="Calibri" panose="020F0502020204030204" pitchFamily="34" charset="0"/>
-                <a:cs typeface="Times New Roman" panose="02020603050405020304" pitchFamily="18" charset="0"/>
-              </a:rPr>
-              <a:t>Bulanık Anlamlandırma:</a:t>
-            </a:r>
-          </a:p>
-        </p:txBody>
-      </p:sp>
-      <p:sp>
-        <p:nvSpPr>
-          <p:cNvPr id="9" name="Slayt Numarası Yer Tutucusu 5">
-            <a:extLst>
-              <a:ext uri="{FF2B5EF4-FFF2-40B4-BE49-F238E27FC236}">
-                <a16:creationId xmlns:a16="http://schemas.microsoft.com/office/drawing/2014/main" id="{4FC290B8-BF94-4636-BFAB-9FD67F4AAC6D}"/>
-              </a:ext>
-            </a:extLst>
-          </p:cNvPr>
-          <p:cNvSpPr>
-            <a:spLocks noGrp="1"/>
-          </p:cNvSpPr>
-          <p:nvPr>
-            <p:ph type="sldNum" sz="quarter" idx="12"/>
-          </p:nvPr>
-        </p:nvSpPr>
-        <p:spPr>
-          <a:xfrm>
-            <a:off x="8610600" y="6356350"/>
-            <a:ext cx="2743200" cy="365125"/>
-          </a:xfrm>
-        </p:spPr>
-        <p:txBody>
-          <a:bodyPr rtlCol="0"/>
-          <a:lstStyle/>
-          <a:p>
-            <a:pPr rtl="0"/>
-            <a:fld id="{D8DA9DAA-006C-4F4B-980E-E3DF019B24E2}" type="slidenum">
-              <a:rPr lang="tr-TR" b="1" cap="all" spc="100" smtClean="0">
-                <a:solidFill>
-                  <a:schemeClr val="accent2"/>
-                </a:solidFill>
-              </a:rPr>
-              <a:t>25</a:t>
             </a:fld>
             <a:endParaRPr lang="tr-TR" b="1" cap="all" spc="100" dirty="0">
               <a:solidFill>
@@ -21028,7 +20734,7 @@
 </p:sld>
 </file>
 
-<file path=ppt/slides/slide26.xml><?xml version="1.0" encoding="utf-8"?>
+<file path=ppt/slides/slide25.xml><?xml version="1.0" encoding="utf-8"?>
 <p:sld xmlns:a="http://schemas.openxmlformats.org/drawingml/2006/main" xmlns:r="http://schemas.openxmlformats.org/officeDocument/2006/relationships" xmlns:p="http://schemas.openxmlformats.org/presentationml/2006/main">
   <p:cSld>
     <p:spTree>
@@ -21129,7 +20835,7 @@
                   <a:schemeClr val="accent2"/>
                 </a:solidFill>
               </a:rPr>
-              <a:t>26</a:t>
+              <a:t>25</a:t>
             </a:fld>
             <a:endParaRPr lang="tr-TR" b="1" cap="all" spc="100" dirty="0">
               <a:solidFill>
@@ -21287,7 +20993,7 @@
 </p:sld>
 </file>
 
-<file path=ppt/slides/slide27.xml><?xml version="1.0" encoding="utf-8"?>
+<file path=ppt/slides/slide26.xml><?xml version="1.0" encoding="utf-8"?>
 <p:sld xmlns:a="http://schemas.openxmlformats.org/drawingml/2006/main" xmlns:r="http://schemas.openxmlformats.org/officeDocument/2006/relationships" xmlns:p="http://schemas.openxmlformats.org/presentationml/2006/main">
   <p:cSld>
     <p:spTree>
@@ -21388,7 +21094,7 @@
                   <a:schemeClr val="accent2"/>
                 </a:solidFill>
               </a:rPr>
-              <a:t>27</a:t>
+              <a:t>26</a:t>
             </a:fld>
             <a:endParaRPr lang="tr-TR" b="1" cap="all" spc="100" dirty="0">
               <a:solidFill>
@@ -21523,7 +21229,7 @@
 </p:sld>
 </file>
 
-<file path=ppt/slides/slide28.xml><?xml version="1.0" encoding="utf-8"?>
+<file path=ppt/slides/slide27.xml><?xml version="1.0" encoding="utf-8"?>
 <p:sld xmlns:a="http://schemas.openxmlformats.org/drawingml/2006/main" xmlns:r="http://schemas.openxmlformats.org/officeDocument/2006/relationships" xmlns:p="http://schemas.openxmlformats.org/presentationml/2006/main">
   <p:cSld>
     <p:spTree>
@@ -21625,7 +21331,7 @@
                   <a:schemeClr val="accent2"/>
                 </a:solidFill>
               </a:rPr>
-              <a:t>28</a:t>
+              <a:t>27</a:t>
             </a:fld>
             <a:endParaRPr lang="tr-TR" b="1" cap="all" spc="100" dirty="0">
               <a:solidFill>
@@ -21919,7 +21625,7 @@
 </p:sld>
 </file>
 
-<file path=ppt/slides/slide29.xml><?xml version="1.0" encoding="utf-8"?>
+<file path=ppt/slides/slide28.xml><?xml version="1.0" encoding="utf-8"?>
 <p:sld xmlns:a="http://schemas.openxmlformats.org/drawingml/2006/main" xmlns:r="http://schemas.openxmlformats.org/officeDocument/2006/relationships" xmlns:p="http://schemas.openxmlformats.org/presentationml/2006/main">
   <p:cSld>
     <p:spTree>
@@ -22027,7 +21733,7 @@
                   <a:schemeClr val="accent2"/>
                 </a:solidFill>
               </a:rPr>
-              <a:t>29</a:t>
+              <a:t>28</a:t>
             </a:fld>
             <a:endParaRPr lang="tr-TR" b="1" cap="all" spc="100" dirty="0">
               <a:solidFill>
@@ -22122,6 +21828,217 @@
 </p:sld>
 </file>
 
+<file path=ppt/slides/slide29.xml><?xml version="1.0" encoding="utf-8"?>
+<p:sld xmlns:a="http://schemas.openxmlformats.org/drawingml/2006/main" xmlns:r="http://schemas.openxmlformats.org/officeDocument/2006/relationships" xmlns:p="http://schemas.openxmlformats.org/presentationml/2006/main">
+  <p:cSld>
+    <p:spTree>
+      <p:nvGrpSpPr>
+        <p:cNvPr id="1" name=""/>
+        <p:cNvGrpSpPr/>
+        <p:nvPr/>
+      </p:nvGrpSpPr>
+      <p:grpSpPr>
+        <a:xfrm>
+          <a:off x="0" y="0"/>
+          <a:ext cx="0" cy="0"/>
+          <a:chOff x="0" y="0"/>
+          <a:chExt cx="0" cy="0"/>
+        </a:xfrm>
+      </p:grpSpPr>
+      <p:sp>
+        <p:nvSpPr>
+          <p:cNvPr id="24" name="Slayt Numarası Yer Tutucusu 23">
+            <a:extLst>
+              <a:ext uri="{FF2B5EF4-FFF2-40B4-BE49-F238E27FC236}">
+                <a16:creationId xmlns:a16="http://schemas.microsoft.com/office/drawing/2014/main" id="{5D838446-B95D-4AB7-B8CA-D5804BB79A11}"/>
+              </a:ext>
+            </a:extLst>
+          </p:cNvPr>
+          <p:cNvSpPr>
+            <a:spLocks noGrp="1"/>
+          </p:cNvSpPr>
+          <p:nvPr>
+            <p:ph type="sldNum" sz="quarter" idx="12"/>
+          </p:nvPr>
+        </p:nvSpPr>
+        <p:spPr/>
+        <p:txBody>
+          <a:bodyPr rtlCol="0"/>
+          <a:lstStyle/>
+          <a:p>
+            <a:pPr rtl="0"/>
+            <a:fld id="{D8DA9DAA-006C-4F4B-980E-E3DF019B24E2}" type="slidenum">
+              <a:rPr lang="tr-TR" smtClean="0"/>
+              <a:pPr rtl="0"/>
+              <a:t>29</a:t>
+            </a:fld>
+            <a:endParaRPr lang="tr-TR"/>
+          </a:p>
+        </p:txBody>
+      </p:sp>
+      <p:sp>
+        <p:nvSpPr>
+          <p:cNvPr id="23" name="Alt Bilgi Yer Tutucusu 22">
+            <a:extLst>
+              <a:ext uri="{FF2B5EF4-FFF2-40B4-BE49-F238E27FC236}">
+                <a16:creationId xmlns:a16="http://schemas.microsoft.com/office/drawing/2014/main" id="{DE8D546E-0F46-4CC0-B2B1-8B2430D00C0C}"/>
+              </a:ext>
+            </a:extLst>
+          </p:cNvPr>
+          <p:cNvSpPr>
+            <a:spLocks noGrp="1"/>
+          </p:cNvSpPr>
+          <p:nvPr>
+            <p:ph type="ftr" sz="quarter" idx="11"/>
+          </p:nvPr>
+        </p:nvSpPr>
+        <p:spPr/>
+        <p:txBody>
+          <a:bodyPr rtlCol="0"/>
+          <a:lstStyle/>
+          <a:p>
+            <a:pPr rtl="0"/>
+            <a:r>
+              <a:rPr lang="tr-TR" dirty="0"/>
+              <a:t>Bulanık Mantık</a:t>
+            </a:r>
+          </a:p>
+        </p:txBody>
+      </p:sp>
+      <p:pic>
+        <p:nvPicPr>
+          <p:cNvPr id="9" name="Resim Yer Tutucusu 8" descr="gün batımı sırasında dağlar">
+            <a:extLst>
+              <a:ext uri="{FF2B5EF4-FFF2-40B4-BE49-F238E27FC236}">
+                <a16:creationId xmlns:a16="http://schemas.microsoft.com/office/drawing/2014/main" id="{C82DA925-978C-48A9-98AD-0653B7A3D2D9}"/>
+              </a:ext>
+            </a:extLst>
+          </p:cNvPr>
+          <p:cNvPicPr>
+            <a:picLocks noGrp="1" noChangeAspect="1"/>
+          </p:cNvPicPr>
+          <p:nvPr>
+            <p:ph type="pic" sz="quarter" idx="14"/>
+          </p:nvPr>
+        </p:nvPicPr>
+        <p:blipFill rotWithShape="1">
+          <a:blip r:embed="rId3"/>
+          <a:srcRect t="41" b="41"/>
+          <a:stretch/>
+        </p:blipFill>
+        <p:spPr/>
+      </p:pic>
+      <p:pic>
+        <p:nvPicPr>
+          <p:cNvPr id="11" name="Resim Yer Tutucusu 10" descr="gün batımı sırasında dağlar">
+            <a:extLst>
+              <a:ext uri="{FF2B5EF4-FFF2-40B4-BE49-F238E27FC236}">
+                <a16:creationId xmlns:a16="http://schemas.microsoft.com/office/drawing/2014/main" id="{E63B7C3F-04A4-43F6-881D-FA11061CBAFA}"/>
+              </a:ext>
+            </a:extLst>
+          </p:cNvPr>
+          <p:cNvPicPr>
+            <a:picLocks noGrp="1" noChangeAspect="1"/>
+          </p:cNvPicPr>
+          <p:nvPr>
+            <p:ph type="pic" sz="quarter" idx="15"/>
+          </p:nvPr>
+        </p:nvPicPr>
+        <p:blipFill rotWithShape="1">
+          <a:blip r:embed="rId4"/>
+          <a:srcRect t="347" b="347"/>
+          <a:stretch/>
+        </p:blipFill>
+        <p:spPr/>
+      </p:pic>
+      <p:sp>
+        <p:nvSpPr>
+          <p:cNvPr id="6" name="Başlık 5">
+            <a:extLst>
+              <a:ext uri="{FF2B5EF4-FFF2-40B4-BE49-F238E27FC236}">
+                <a16:creationId xmlns:a16="http://schemas.microsoft.com/office/drawing/2014/main" id="{FF777B66-94CB-491C-AC6B-BDAC98E21D57}"/>
+              </a:ext>
+            </a:extLst>
+          </p:cNvPr>
+          <p:cNvSpPr>
+            <a:spLocks noGrp="1"/>
+          </p:cNvSpPr>
+          <p:nvPr>
+            <p:ph type="title"/>
+          </p:nvPr>
+        </p:nvSpPr>
+        <p:spPr/>
+        <p:txBody>
+          <a:bodyPr rtlCol="0"/>
+          <a:lstStyle/>
+          <a:p>
+            <a:pPr rtl="0"/>
+            <a:r>
+              <a:rPr lang="tr-TR" dirty="0"/>
+              <a:t>SORULAR…</a:t>
+            </a:r>
+          </a:p>
+        </p:txBody>
+      </p:sp>
+      <p:pic>
+        <p:nvPicPr>
+          <p:cNvPr id="15" name="Resim Yer Tutucusu 14" descr="alacakaranlık gökyüzünün altındaki dağlar">
+            <a:extLst>
+              <a:ext uri="{FF2B5EF4-FFF2-40B4-BE49-F238E27FC236}">
+                <a16:creationId xmlns:a16="http://schemas.microsoft.com/office/drawing/2014/main" id="{3D15FDC1-74B5-4FD8-BD17-0E2502C411A6}"/>
+              </a:ext>
+            </a:extLst>
+          </p:cNvPr>
+          <p:cNvPicPr>
+            <a:picLocks noGrp="1" noChangeAspect="1"/>
+          </p:cNvPicPr>
+          <p:nvPr>
+            <p:ph type="pic" sz="quarter" idx="17"/>
+          </p:nvPr>
+        </p:nvPicPr>
+        <p:blipFill rotWithShape="1">
+          <a:blip r:embed="rId5"/>
+          <a:srcRect l="16" r="16"/>
+          <a:stretch/>
+        </p:blipFill>
+        <p:spPr/>
+      </p:pic>
+      <p:pic>
+        <p:nvPicPr>
+          <p:cNvPr id="13" name="Resim Yer Tutucusu 12" descr="şafaktan hemen önce, karanlık gökyüzünün altındaki dağlar">
+            <a:extLst>
+              <a:ext uri="{FF2B5EF4-FFF2-40B4-BE49-F238E27FC236}">
+                <a16:creationId xmlns:a16="http://schemas.microsoft.com/office/drawing/2014/main" id="{E02C4914-F076-4415-9C5D-A9BDB6CC6110}"/>
+              </a:ext>
+            </a:extLst>
+          </p:cNvPr>
+          <p:cNvPicPr>
+            <a:picLocks noGrp="1" noChangeAspect="1"/>
+          </p:cNvPicPr>
+          <p:nvPr>
+            <p:ph type="pic" sz="quarter" idx="16"/>
+          </p:nvPr>
+        </p:nvPicPr>
+        <p:blipFill rotWithShape="1">
+          <a:blip r:embed="rId6"/>
+          <a:srcRect t="108" b="108"/>
+          <a:stretch/>
+        </p:blipFill>
+        <p:spPr/>
+      </p:pic>
+    </p:spTree>
+    <p:extLst>
+      <p:ext uri="{BB962C8B-B14F-4D97-AF65-F5344CB8AC3E}">
+        <p14:creationId xmlns:p14="http://schemas.microsoft.com/office/powerpoint/2010/main" val="927313156"/>
+      </p:ext>
+    </p:extLst>
+  </p:cSld>
+  <p:clrMapOvr>
+    <a:masterClrMapping/>
+  </p:clrMapOvr>
+</p:sld>
+</file>
+
 <file path=ppt/slides/slide3.xml><?xml version="1.0" encoding="utf-8"?>
 <p:sld xmlns:a="http://schemas.openxmlformats.org/drawingml/2006/main" xmlns:r="http://schemas.openxmlformats.org/officeDocument/2006/relationships" xmlns:p="http://schemas.openxmlformats.org/presentationml/2006/main">
   <p:cSld>
@@ -22443,217 +22360,6 @@
       </p:grpSpPr>
       <p:sp>
         <p:nvSpPr>
-          <p:cNvPr id="24" name="Slayt Numarası Yer Tutucusu 23">
-            <a:extLst>
-              <a:ext uri="{FF2B5EF4-FFF2-40B4-BE49-F238E27FC236}">
-                <a16:creationId xmlns:a16="http://schemas.microsoft.com/office/drawing/2014/main" id="{5D838446-B95D-4AB7-B8CA-D5804BB79A11}"/>
-              </a:ext>
-            </a:extLst>
-          </p:cNvPr>
-          <p:cNvSpPr>
-            <a:spLocks noGrp="1"/>
-          </p:cNvSpPr>
-          <p:nvPr>
-            <p:ph type="sldNum" sz="quarter" idx="12"/>
-          </p:nvPr>
-        </p:nvSpPr>
-        <p:spPr/>
-        <p:txBody>
-          <a:bodyPr rtlCol="0"/>
-          <a:lstStyle/>
-          <a:p>
-            <a:pPr rtl="0"/>
-            <a:fld id="{D8DA9DAA-006C-4F4B-980E-E3DF019B24E2}" type="slidenum">
-              <a:rPr lang="tr-TR" smtClean="0"/>
-              <a:pPr rtl="0"/>
-              <a:t>30</a:t>
-            </a:fld>
-            <a:endParaRPr lang="tr-TR"/>
-          </a:p>
-        </p:txBody>
-      </p:sp>
-      <p:sp>
-        <p:nvSpPr>
-          <p:cNvPr id="23" name="Alt Bilgi Yer Tutucusu 22">
-            <a:extLst>
-              <a:ext uri="{FF2B5EF4-FFF2-40B4-BE49-F238E27FC236}">
-                <a16:creationId xmlns:a16="http://schemas.microsoft.com/office/drawing/2014/main" id="{DE8D546E-0F46-4CC0-B2B1-8B2430D00C0C}"/>
-              </a:ext>
-            </a:extLst>
-          </p:cNvPr>
-          <p:cNvSpPr>
-            <a:spLocks noGrp="1"/>
-          </p:cNvSpPr>
-          <p:nvPr>
-            <p:ph type="ftr" sz="quarter" idx="11"/>
-          </p:nvPr>
-        </p:nvSpPr>
-        <p:spPr/>
-        <p:txBody>
-          <a:bodyPr rtlCol="0"/>
-          <a:lstStyle/>
-          <a:p>
-            <a:pPr rtl="0"/>
-            <a:r>
-              <a:rPr lang="tr-TR" dirty="0"/>
-              <a:t>Bulanık Mantık</a:t>
-            </a:r>
-          </a:p>
-        </p:txBody>
-      </p:sp>
-      <p:pic>
-        <p:nvPicPr>
-          <p:cNvPr id="9" name="Resim Yer Tutucusu 8" descr="gün batımı sırasında dağlar">
-            <a:extLst>
-              <a:ext uri="{FF2B5EF4-FFF2-40B4-BE49-F238E27FC236}">
-                <a16:creationId xmlns:a16="http://schemas.microsoft.com/office/drawing/2014/main" id="{C82DA925-978C-48A9-98AD-0653B7A3D2D9}"/>
-              </a:ext>
-            </a:extLst>
-          </p:cNvPr>
-          <p:cNvPicPr>
-            <a:picLocks noGrp="1" noChangeAspect="1"/>
-          </p:cNvPicPr>
-          <p:nvPr>
-            <p:ph type="pic" sz="quarter" idx="14"/>
-          </p:nvPr>
-        </p:nvPicPr>
-        <p:blipFill rotWithShape="1">
-          <a:blip r:embed="rId3"/>
-          <a:srcRect t="41" b="41"/>
-          <a:stretch/>
-        </p:blipFill>
-        <p:spPr/>
-      </p:pic>
-      <p:pic>
-        <p:nvPicPr>
-          <p:cNvPr id="11" name="Resim Yer Tutucusu 10" descr="gün batımı sırasında dağlar">
-            <a:extLst>
-              <a:ext uri="{FF2B5EF4-FFF2-40B4-BE49-F238E27FC236}">
-                <a16:creationId xmlns:a16="http://schemas.microsoft.com/office/drawing/2014/main" id="{E63B7C3F-04A4-43F6-881D-FA11061CBAFA}"/>
-              </a:ext>
-            </a:extLst>
-          </p:cNvPr>
-          <p:cNvPicPr>
-            <a:picLocks noGrp="1" noChangeAspect="1"/>
-          </p:cNvPicPr>
-          <p:nvPr>
-            <p:ph type="pic" sz="quarter" idx="15"/>
-          </p:nvPr>
-        </p:nvPicPr>
-        <p:blipFill rotWithShape="1">
-          <a:blip r:embed="rId4"/>
-          <a:srcRect t="347" b="347"/>
-          <a:stretch/>
-        </p:blipFill>
-        <p:spPr/>
-      </p:pic>
-      <p:sp>
-        <p:nvSpPr>
-          <p:cNvPr id="6" name="Başlık 5">
-            <a:extLst>
-              <a:ext uri="{FF2B5EF4-FFF2-40B4-BE49-F238E27FC236}">
-                <a16:creationId xmlns:a16="http://schemas.microsoft.com/office/drawing/2014/main" id="{FF777B66-94CB-491C-AC6B-BDAC98E21D57}"/>
-              </a:ext>
-            </a:extLst>
-          </p:cNvPr>
-          <p:cNvSpPr>
-            <a:spLocks noGrp="1"/>
-          </p:cNvSpPr>
-          <p:nvPr>
-            <p:ph type="title"/>
-          </p:nvPr>
-        </p:nvSpPr>
-        <p:spPr/>
-        <p:txBody>
-          <a:bodyPr rtlCol="0"/>
-          <a:lstStyle/>
-          <a:p>
-            <a:pPr rtl="0"/>
-            <a:r>
-              <a:rPr lang="tr-TR" dirty="0"/>
-              <a:t>SORULAR…</a:t>
-            </a:r>
-          </a:p>
-        </p:txBody>
-      </p:sp>
-      <p:pic>
-        <p:nvPicPr>
-          <p:cNvPr id="15" name="Resim Yer Tutucusu 14" descr="alacakaranlık gökyüzünün altındaki dağlar">
-            <a:extLst>
-              <a:ext uri="{FF2B5EF4-FFF2-40B4-BE49-F238E27FC236}">
-                <a16:creationId xmlns:a16="http://schemas.microsoft.com/office/drawing/2014/main" id="{3D15FDC1-74B5-4FD8-BD17-0E2502C411A6}"/>
-              </a:ext>
-            </a:extLst>
-          </p:cNvPr>
-          <p:cNvPicPr>
-            <a:picLocks noGrp="1" noChangeAspect="1"/>
-          </p:cNvPicPr>
-          <p:nvPr>
-            <p:ph type="pic" sz="quarter" idx="17"/>
-          </p:nvPr>
-        </p:nvPicPr>
-        <p:blipFill rotWithShape="1">
-          <a:blip r:embed="rId5"/>
-          <a:srcRect l="16" r="16"/>
-          <a:stretch/>
-        </p:blipFill>
-        <p:spPr/>
-      </p:pic>
-      <p:pic>
-        <p:nvPicPr>
-          <p:cNvPr id="13" name="Resim Yer Tutucusu 12" descr="şafaktan hemen önce, karanlık gökyüzünün altındaki dağlar">
-            <a:extLst>
-              <a:ext uri="{FF2B5EF4-FFF2-40B4-BE49-F238E27FC236}">
-                <a16:creationId xmlns:a16="http://schemas.microsoft.com/office/drawing/2014/main" id="{E02C4914-F076-4415-9C5D-A9BDB6CC6110}"/>
-              </a:ext>
-            </a:extLst>
-          </p:cNvPr>
-          <p:cNvPicPr>
-            <a:picLocks noGrp="1" noChangeAspect="1"/>
-          </p:cNvPicPr>
-          <p:nvPr>
-            <p:ph type="pic" sz="quarter" idx="16"/>
-          </p:nvPr>
-        </p:nvPicPr>
-        <p:blipFill rotWithShape="1">
-          <a:blip r:embed="rId6"/>
-          <a:srcRect t="108" b="108"/>
-          <a:stretch/>
-        </p:blipFill>
-        <p:spPr/>
-      </p:pic>
-    </p:spTree>
-    <p:extLst>
-      <p:ext uri="{BB962C8B-B14F-4D97-AF65-F5344CB8AC3E}">
-        <p14:creationId xmlns:p14="http://schemas.microsoft.com/office/powerpoint/2010/main" val="927313156"/>
-      </p:ext>
-    </p:extLst>
-  </p:cSld>
-  <p:clrMapOvr>
-    <a:masterClrMapping/>
-  </p:clrMapOvr>
-</p:sld>
-</file>
-
-<file path=ppt/slides/slide31.xml><?xml version="1.0" encoding="utf-8"?>
-<p:sld xmlns:a="http://schemas.openxmlformats.org/drawingml/2006/main" xmlns:r="http://schemas.openxmlformats.org/officeDocument/2006/relationships" xmlns:p="http://schemas.openxmlformats.org/presentationml/2006/main">
-  <p:cSld>
-    <p:spTree>
-      <p:nvGrpSpPr>
-        <p:cNvPr id="1" name=""/>
-        <p:cNvGrpSpPr/>
-        <p:nvPr/>
-      </p:nvGrpSpPr>
-      <p:grpSpPr>
-        <a:xfrm>
-          <a:off x="0" y="0"/>
-          <a:ext cx="0" cy="0"/>
-          <a:chOff x="0" y="0"/>
-          <a:chExt cx="0" cy="0"/>
-        </a:xfrm>
-      </p:grpSpPr>
-      <p:sp>
-        <p:nvSpPr>
           <p:cNvPr id="4" name="Başlık 3">
             <a:extLst>
               <a:ext uri="{FF2B5EF4-FFF2-40B4-BE49-F238E27FC236}">
@@ -22721,7 +22427,7 @@
                   <a:schemeClr val="accent2"/>
                 </a:solidFill>
               </a:rPr>
-              <a:t>31</a:t>
+              <a:t>30</a:t>
             </a:fld>
             <a:endParaRPr lang="tr-TR" b="1" cap="all" spc="100" dirty="0">
               <a:solidFill>
@@ -23668,7 +23374,7 @@
         </p:nvSpPr>
         <p:spPr>
           <a:xfrm>
-            <a:off x="838200" y="681037"/>
+            <a:off x="838200" y="136525"/>
             <a:ext cx="10515600" cy="610821"/>
           </a:xfrm>
         </p:spPr>
@@ -23681,7 +23387,7 @@
             <a:pPr algn="ctr" rtl="0"/>
             <a:r>
               <a:rPr lang="tr-TR" sz="4000" dirty="0"/>
-              <a:t>Bulanık Mantık</a:t>
+              <a:t>Bulanık Kurallar</a:t>
             </a:r>
           </a:p>
         </p:txBody>
@@ -23720,281 +23426,6 @@
                 </a:solidFill>
               </a:rPr>
               <a:t>6</a:t>
-            </a:fld>
-            <a:endParaRPr lang="tr-TR" b="1" cap="all" spc="100" dirty="0">
-              <a:solidFill>
-                <a:schemeClr val="accent2"/>
-              </a:solidFill>
-            </a:endParaRPr>
-          </a:p>
-        </p:txBody>
-      </p:sp>
-      <p:sp>
-        <p:nvSpPr>
-          <p:cNvPr id="3" name="İçerik Yer Tutucusu 2">
-            <a:extLst>
-              <a:ext uri="{FF2B5EF4-FFF2-40B4-BE49-F238E27FC236}">
-                <a16:creationId xmlns:a16="http://schemas.microsoft.com/office/drawing/2014/main" id="{839B2505-A752-6959-A64F-4ADB0FD16C45}"/>
-              </a:ext>
-            </a:extLst>
-          </p:cNvPr>
-          <p:cNvSpPr>
-            <a:spLocks noGrp="1"/>
-          </p:cNvSpPr>
-          <p:nvPr>
-            <p:ph idx="1"/>
-          </p:nvPr>
-        </p:nvSpPr>
-        <p:spPr>
-          <a:xfrm>
-            <a:off x="838200" y="1376179"/>
-            <a:ext cx="10515600" cy="4895850"/>
-          </a:xfrm>
-        </p:spPr>
-        <p:txBody>
-          <a:bodyPr>
-            <a:normAutofit/>
-          </a:bodyPr>
-          <a:lstStyle/>
-          <a:p>
-            <a:pPr>
-              <a:lnSpc>
-                <a:spcPts val="2300"/>
-              </a:lnSpc>
-              <a:spcBef>
-                <a:spcPts val="0"/>
-              </a:spcBef>
-              <a:spcAft>
-                <a:spcPts val="1200"/>
-              </a:spcAft>
-            </a:pPr>
-            <a:r>
-              <a:rPr lang="tr-TR" sz="2200" dirty="0">
-                <a:latin typeface="Times New Roman" panose="02020603050405020304" pitchFamily="18" charset="0"/>
-                <a:cs typeface="Times New Roman" panose="02020603050405020304" pitchFamily="18" charset="0"/>
-              </a:rPr>
-              <a:t>Bulanık mantık kontrol uygulamalarında, günlük konuşma cümleleri, bulanık bilgi sistemi içerisinde depolanmış “bulanık kontrol kuralları” olarak yerini alırlar.</a:t>
-            </a:r>
-          </a:p>
-          <a:p>
-            <a:pPr>
-              <a:lnSpc>
-                <a:spcPts val="2300"/>
-              </a:lnSpc>
-              <a:spcBef>
-                <a:spcPts val="0"/>
-              </a:spcBef>
-              <a:spcAft>
-                <a:spcPts val="1200"/>
-              </a:spcAft>
-            </a:pPr>
-            <a:r>
-              <a:rPr lang="tr-TR" sz="2200" dirty="0">
-                <a:latin typeface="Times New Roman" panose="02020603050405020304" pitchFamily="18" charset="0"/>
-                <a:cs typeface="Times New Roman" panose="02020603050405020304" pitchFamily="18" charset="0"/>
-              </a:rPr>
-              <a:t>Bulanık kurallar kolayca programlanabilir bir yapıdadır (IF A AND B THEN C gibi).</a:t>
-            </a:r>
-          </a:p>
-          <a:p>
-            <a:pPr>
-              <a:lnSpc>
-                <a:spcPts val="2300"/>
-              </a:lnSpc>
-              <a:spcBef>
-                <a:spcPts val="0"/>
-              </a:spcBef>
-              <a:spcAft>
-                <a:spcPts val="1200"/>
-              </a:spcAft>
-            </a:pPr>
-            <a:r>
-              <a:rPr lang="tr-TR" sz="2200" dirty="0">
-                <a:latin typeface="Times New Roman" panose="02020603050405020304" pitchFamily="18" charset="0"/>
-                <a:cs typeface="Times New Roman" panose="02020603050405020304" pitchFamily="18" charset="0"/>
-              </a:rPr>
-              <a:t>Bulanık kural yönetimi için birçok bulanık programlama aracı geliştirilmiştir.</a:t>
-            </a:r>
-          </a:p>
-          <a:p>
-            <a:pPr>
-              <a:lnSpc>
-                <a:spcPts val="2300"/>
-              </a:lnSpc>
-              <a:spcBef>
-                <a:spcPts val="0"/>
-              </a:spcBef>
-              <a:spcAft>
-                <a:spcPts val="1200"/>
-              </a:spcAft>
-            </a:pPr>
-            <a:r>
-              <a:rPr lang="tr-TR" sz="2200" dirty="0">
-                <a:latin typeface="Times New Roman" panose="02020603050405020304" pitchFamily="18" charset="0"/>
-                <a:cs typeface="Times New Roman" panose="02020603050405020304" pitchFamily="18" charset="0"/>
-              </a:rPr>
-              <a:t>IF (koşul) THEN (Sonuç) yapısı ile birçok mühendislik kuralı formüle edilebilir.</a:t>
-            </a:r>
-          </a:p>
-          <a:p>
-            <a:pPr>
-              <a:lnSpc>
-                <a:spcPts val="2300"/>
-              </a:lnSpc>
-              <a:spcBef>
-                <a:spcPts val="0"/>
-              </a:spcBef>
-              <a:spcAft>
-                <a:spcPts val="1200"/>
-              </a:spcAft>
-            </a:pPr>
-            <a:r>
-              <a:rPr lang="tr-TR" sz="2200" dirty="0">
-                <a:latin typeface="Times New Roman" panose="02020603050405020304" pitchFamily="18" charset="0"/>
-                <a:cs typeface="Times New Roman" panose="02020603050405020304" pitchFamily="18" charset="0"/>
-              </a:rPr>
-              <a:t>Bulanık mantık güncel dilimizin, mühendislik problemlerinin ve diğer pratik uygulamaların çözümünde kullanımına olanak verir.</a:t>
-            </a:r>
-          </a:p>
-          <a:p>
-            <a:pPr>
-              <a:lnSpc>
-                <a:spcPts val="2300"/>
-              </a:lnSpc>
-              <a:spcBef>
-                <a:spcPts val="0"/>
-              </a:spcBef>
-              <a:spcAft>
-                <a:spcPts val="1200"/>
-              </a:spcAft>
-            </a:pPr>
-            <a:r>
-              <a:rPr lang="tr-TR" sz="2200" dirty="0">
-                <a:latin typeface="Times New Roman" panose="02020603050405020304" pitchFamily="18" charset="0"/>
-                <a:cs typeface="Times New Roman" panose="02020603050405020304" pitchFamily="18" charset="0"/>
-              </a:rPr>
-              <a:t>Bulanık mantık güncel dilimizde bulunan belirsizlik ve kararsızlıkların matematik kullanılarak yönetilmesidir.</a:t>
-            </a:r>
-          </a:p>
-          <a:p>
-            <a:pPr>
-              <a:lnSpc>
-                <a:spcPts val="2300"/>
-              </a:lnSpc>
-              <a:spcBef>
-                <a:spcPts val="0"/>
-              </a:spcBef>
-              <a:spcAft>
-                <a:spcPts val="1200"/>
-              </a:spcAft>
-            </a:pPr>
-            <a:endParaRPr lang="tr-TR" sz="2200" dirty="0">
-              <a:latin typeface="Times New Roman" panose="02020603050405020304" pitchFamily="18" charset="0"/>
-              <a:cs typeface="Times New Roman" panose="02020603050405020304" pitchFamily="18" charset="0"/>
-            </a:endParaRPr>
-          </a:p>
-        </p:txBody>
-      </p:sp>
-    </p:spTree>
-    <p:extLst>
-      <p:ext uri="{BB962C8B-B14F-4D97-AF65-F5344CB8AC3E}">
-        <p14:creationId xmlns:p14="http://schemas.microsoft.com/office/powerpoint/2010/main" val="2668063802"/>
-      </p:ext>
-    </p:extLst>
-  </p:cSld>
-  <p:clrMapOvr>
-    <a:masterClrMapping/>
-  </p:clrMapOvr>
-</p:sld>
-</file>
-
-<file path=ppt/slides/slide7.xml><?xml version="1.0" encoding="utf-8"?>
-<p:sld xmlns:a="http://schemas.openxmlformats.org/drawingml/2006/main" xmlns:r="http://schemas.openxmlformats.org/officeDocument/2006/relationships" xmlns:p="http://schemas.openxmlformats.org/presentationml/2006/main">
-  <p:cSld>
-    <p:spTree>
-      <p:nvGrpSpPr>
-        <p:cNvPr id="1" name=""/>
-        <p:cNvGrpSpPr/>
-        <p:nvPr/>
-      </p:nvGrpSpPr>
-      <p:grpSpPr>
-        <a:xfrm>
-          <a:off x="0" y="0"/>
-          <a:ext cx="0" cy="0"/>
-          <a:chOff x="0" y="0"/>
-          <a:chExt cx="0" cy="0"/>
-        </a:xfrm>
-      </p:grpSpPr>
-      <p:sp>
-        <p:nvSpPr>
-          <p:cNvPr id="4" name="Başlık 3">
-            <a:extLst>
-              <a:ext uri="{FF2B5EF4-FFF2-40B4-BE49-F238E27FC236}">
-                <a16:creationId xmlns:a16="http://schemas.microsoft.com/office/drawing/2014/main" id="{55E27C7C-4B68-4BBC-BF36-8959D8493E4A}"/>
-              </a:ext>
-            </a:extLst>
-          </p:cNvPr>
-          <p:cNvSpPr>
-            <a:spLocks noGrp="1"/>
-          </p:cNvSpPr>
-          <p:nvPr>
-            <p:ph type="title"/>
-          </p:nvPr>
-        </p:nvSpPr>
-        <p:spPr>
-          <a:xfrm>
-            <a:off x="838200" y="136525"/>
-            <a:ext cx="10515600" cy="610821"/>
-          </a:xfrm>
-        </p:spPr>
-        <p:txBody>
-          <a:bodyPr rtlCol="0">
-            <a:normAutofit fontScale="90000"/>
-          </a:bodyPr>
-          <a:lstStyle/>
-          <a:p>
-            <a:pPr algn="ctr" rtl="0"/>
-            <a:r>
-              <a:rPr lang="tr-TR" sz="4000" dirty="0"/>
-              <a:t>Bulanık Kurallar</a:t>
-            </a:r>
-          </a:p>
-        </p:txBody>
-      </p:sp>
-      <p:sp>
-        <p:nvSpPr>
-          <p:cNvPr id="9" name="Slayt Numarası Yer Tutucusu 5">
-            <a:extLst>
-              <a:ext uri="{FF2B5EF4-FFF2-40B4-BE49-F238E27FC236}">
-                <a16:creationId xmlns:a16="http://schemas.microsoft.com/office/drawing/2014/main" id="{4FC290B8-BF94-4636-BFAB-9FD67F4AAC6D}"/>
-              </a:ext>
-            </a:extLst>
-          </p:cNvPr>
-          <p:cNvSpPr>
-            <a:spLocks noGrp="1"/>
-          </p:cNvSpPr>
-          <p:nvPr>
-            <p:ph type="sldNum" sz="quarter" idx="12"/>
-          </p:nvPr>
-        </p:nvSpPr>
-        <p:spPr>
-          <a:xfrm>
-            <a:off x="8610600" y="6356350"/>
-            <a:ext cx="2743200" cy="365125"/>
-          </a:xfrm>
-        </p:spPr>
-        <p:txBody>
-          <a:bodyPr rtlCol="0"/>
-          <a:lstStyle/>
-          <a:p>
-            <a:pPr rtl="0"/>
-            <a:fld id="{D8DA9DAA-006C-4F4B-980E-E3DF019B24E2}" type="slidenum">
-              <a:rPr lang="tr-TR" b="1" cap="all" spc="100" smtClean="0">
-                <a:solidFill>
-                  <a:schemeClr val="accent2"/>
-                </a:solidFill>
-              </a:rPr>
-              <a:t>7</a:t>
             </a:fld>
             <a:endParaRPr lang="tr-TR" b="1" cap="all" spc="100" dirty="0">
               <a:solidFill>
@@ -24250,7 +23681,7 @@
 </p:sld>
 </file>
 
-<file path=ppt/slides/slide8.xml><?xml version="1.0" encoding="utf-8"?>
+<file path=ppt/slides/slide7.xml><?xml version="1.0" encoding="utf-8"?>
 <p:sld xmlns:a="http://schemas.openxmlformats.org/drawingml/2006/main" xmlns:r="http://schemas.openxmlformats.org/officeDocument/2006/relationships" xmlns:p="http://schemas.openxmlformats.org/presentationml/2006/main">
   <p:cSld>
     <p:spTree>
@@ -24336,7 +23767,7 @@
                   <a:schemeClr val="accent2"/>
                 </a:solidFill>
               </a:rPr>
-              <a:t>8</a:t>
+              <a:t>7</a:t>
             </a:fld>
             <a:endParaRPr lang="tr-TR" b="1" cap="all" spc="100" dirty="0">
               <a:solidFill>
@@ -24613,6 +24044,241 @@
 </p:sld>
 </file>
 
+<file path=ppt/slides/slide8.xml><?xml version="1.0" encoding="utf-8"?>
+<p:sld xmlns:a="http://schemas.openxmlformats.org/drawingml/2006/main" xmlns:r="http://schemas.openxmlformats.org/officeDocument/2006/relationships" xmlns:p="http://schemas.openxmlformats.org/presentationml/2006/main">
+  <p:cSld>
+    <p:spTree>
+      <p:nvGrpSpPr>
+        <p:cNvPr id="1" name=""/>
+        <p:cNvGrpSpPr/>
+        <p:nvPr/>
+      </p:nvGrpSpPr>
+      <p:grpSpPr>
+        <a:xfrm>
+          <a:off x="0" y="0"/>
+          <a:ext cx="0" cy="0"/>
+          <a:chOff x="0" y="0"/>
+          <a:chExt cx="0" cy="0"/>
+        </a:xfrm>
+      </p:grpSpPr>
+      <p:sp>
+        <p:nvSpPr>
+          <p:cNvPr id="4" name="Başlık 3">
+            <a:extLst>
+              <a:ext uri="{FF2B5EF4-FFF2-40B4-BE49-F238E27FC236}">
+                <a16:creationId xmlns:a16="http://schemas.microsoft.com/office/drawing/2014/main" id="{55E27C7C-4B68-4BBC-BF36-8959D8493E4A}"/>
+              </a:ext>
+            </a:extLst>
+          </p:cNvPr>
+          <p:cNvSpPr>
+            <a:spLocks noGrp="1"/>
+          </p:cNvSpPr>
+          <p:nvPr>
+            <p:ph type="title"/>
+          </p:nvPr>
+        </p:nvSpPr>
+        <p:spPr>
+          <a:xfrm>
+            <a:off x="838200" y="136525"/>
+            <a:ext cx="10515600" cy="610821"/>
+          </a:xfrm>
+        </p:spPr>
+        <p:txBody>
+          <a:bodyPr rtlCol="0">
+            <a:normAutofit fontScale="90000"/>
+          </a:bodyPr>
+          <a:lstStyle/>
+          <a:p>
+            <a:pPr algn="ctr" rtl="0"/>
+            <a:r>
+              <a:rPr lang="tr-TR" sz="4000" dirty="0"/>
+              <a:t>Bulanık Kurallar</a:t>
+            </a:r>
+          </a:p>
+        </p:txBody>
+      </p:sp>
+      <p:sp>
+        <p:nvSpPr>
+          <p:cNvPr id="9" name="Slayt Numarası Yer Tutucusu 5">
+            <a:extLst>
+              <a:ext uri="{FF2B5EF4-FFF2-40B4-BE49-F238E27FC236}">
+                <a16:creationId xmlns:a16="http://schemas.microsoft.com/office/drawing/2014/main" id="{4FC290B8-BF94-4636-BFAB-9FD67F4AAC6D}"/>
+              </a:ext>
+            </a:extLst>
+          </p:cNvPr>
+          <p:cNvSpPr>
+            <a:spLocks noGrp="1"/>
+          </p:cNvSpPr>
+          <p:nvPr>
+            <p:ph type="sldNum" sz="quarter" idx="12"/>
+          </p:nvPr>
+        </p:nvSpPr>
+        <p:spPr>
+          <a:xfrm>
+            <a:off x="8610600" y="6356350"/>
+            <a:ext cx="2743200" cy="365125"/>
+          </a:xfrm>
+        </p:spPr>
+        <p:txBody>
+          <a:bodyPr rtlCol="0"/>
+          <a:lstStyle/>
+          <a:p>
+            <a:pPr rtl="0"/>
+            <a:fld id="{D8DA9DAA-006C-4F4B-980E-E3DF019B24E2}" type="slidenum">
+              <a:rPr lang="tr-TR" b="1" cap="all" spc="100" smtClean="0">
+                <a:solidFill>
+                  <a:schemeClr val="accent2"/>
+                </a:solidFill>
+              </a:rPr>
+              <a:t>8</a:t>
+            </a:fld>
+            <a:endParaRPr lang="tr-TR" b="1" cap="all" spc="100" dirty="0">
+              <a:solidFill>
+                <a:schemeClr val="accent2"/>
+              </a:solidFill>
+            </a:endParaRPr>
+          </a:p>
+        </p:txBody>
+      </p:sp>
+      <p:sp>
+        <p:nvSpPr>
+          <p:cNvPr id="3" name="İçerik Yer Tutucusu 2">
+            <a:extLst>
+              <a:ext uri="{FF2B5EF4-FFF2-40B4-BE49-F238E27FC236}">
+                <a16:creationId xmlns:a16="http://schemas.microsoft.com/office/drawing/2014/main" id="{839B2505-A752-6959-A64F-4ADB0FD16C45}"/>
+              </a:ext>
+            </a:extLst>
+          </p:cNvPr>
+          <p:cNvSpPr>
+            <a:spLocks noGrp="1"/>
+          </p:cNvSpPr>
+          <p:nvPr>
+            <p:ph idx="1"/>
+          </p:nvPr>
+        </p:nvSpPr>
+        <p:spPr>
+          <a:xfrm>
+            <a:off x="838200" y="747346"/>
+            <a:ext cx="10515600" cy="5524683"/>
+          </a:xfrm>
+        </p:spPr>
+        <p:txBody>
+          <a:bodyPr>
+            <a:normAutofit/>
+          </a:bodyPr>
+          <a:lstStyle/>
+          <a:p>
+            <a:pPr>
+              <a:lnSpc>
+                <a:spcPts val="2300"/>
+              </a:lnSpc>
+              <a:spcBef>
+                <a:spcPts val="0"/>
+              </a:spcBef>
+              <a:spcAft>
+                <a:spcPts val="1200"/>
+              </a:spcAft>
+            </a:pPr>
+            <a:r>
+              <a:rPr lang="tr-TR" sz="2000" dirty="0">
+                <a:latin typeface="Times New Roman" panose="02020603050405020304" pitchFamily="18" charset="0"/>
+                <a:cs typeface="Times New Roman" panose="02020603050405020304" pitchFamily="18" charset="0"/>
+              </a:rPr>
+              <a:t>Aşağıda örnek kurallar verilmektedir. Burada model ve kilometre giriş değişkenleridir. Düşük, Orta ve Yüksek ise bulanık kümelerdir.</a:t>
+            </a:r>
+          </a:p>
+          <a:p>
+            <a:pPr>
+              <a:lnSpc>
+                <a:spcPts val="2300"/>
+              </a:lnSpc>
+              <a:spcBef>
+                <a:spcPts val="0"/>
+              </a:spcBef>
+              <a:spcAft>
+                <a:spcPts val="1200"/>
+              </a:spcAft>
+            </a:pPr>
+            <a:endParaRPr lang="tr-TR" sz="2000" dirty="0">
+              <a:latin typeface="Times New Roman" panose="02020603050405020304" pitchFamily="18" charset="0"/>
+              <a:cs typeface="Times New Roman" panose="02020603050405020304" pitchFamily="18" charset="0"/>
+            </a:endParaRPr>
+          </a:p>
+          <a:p>
+            <a:pPr>
+              <a:lnSpc>
+                <a:spcPts val="2300"/>
+              </a:lnSpc>
+              <a:spcBef>
+                <a:spcPts val="0"/>
+              </a:spcBef>
+              <a:spcAft>
+                <a:spcPts val="1200"/>
+              </a:spcAft>
+            </a:pPr>
+            <a:r>
+              <a:rPr lang="tr-TR" sz="2000" dirty="0">
+                <a:latin typeface="Times New Roman" panose="02020603050405020304" pitchFamily="18" charset="0"/>
+                <a:cs typeface="Times New Roman" panose="02020603050405020304" pitchFamily="18" charset="0"/>
+              </a:rPr>
+              <a:t>KURAL 1: EĞER model Düşük VE kilometre Yüksek ise, O HALDE fiyat Düşüktür.</a:t>
+            </a:r>
+          </a:p>
+          <a:p>
+            <a:pPr>
+              <a:lnSpc>
+                <a:spcPts val="2300"/>
+              </a:lnSpc>
+              <a:spcBef>
+                <a:spcPts val="0"/>
+              </a:spcBef>
+              <a:spcAft>
+                <a:spcPts val="1200"/>
+              </a:spcAft>
+            </a:pPr>
+            <a:r>
+              <a:rPr lang="tr-TR" sz="2000" dirty="0">
+                <a:latin typeface="Times New Roman" panose="02020603050405020304" pitchFamily="18" charset="0"/>
+                <a:cs typeface="Times New Roman" panose="02020603050405020304" pitchFamily="18" charset="0"/>
+              </a:rPr>
+              <a:t>KURAL 2: EĞER model Orta VE kilometre Orta ise, O HALDE fiyat Ortadır.</a:t>
+            </a:r>
+          </a:p>
+          <a:p>
+            <a:pPr>
+              <a:lnSpc>
+                <a:spcPts val="2300"/>
+              </a:lnSpc>
+              <a:spcBef>
+                <a:spcPts val="0"/>
+              </a:spcBef>
+              <a:spcAft>
+                <a:spcPts val="1200"/>
+              </a:spcAft>
+            </a:pPr>
+            <a:r>
+              <a:rPr lang="tr-TR" sz="2000" dirty="0">
+                <a:latin typeface="Times New Roman" panose="02020603050405020304" pitchFamily="18" charset="0"/>
+                <a:cs typeface="Times New Roman" panose="02020603050405020304" pitchFamily="18" charset="0"/>
+              </a:rPr>
+              <a:t>KURAL 3: EĞER model Yüksek VEYA kilometre Düşük ise, O HALDE fiyat Yüksektir.</a:t>
+            </a:r>
+          </a:p>
+        </p:txBody>
+      </p:sp>
+    </p:spTree>
+    <p:extLst>
+      <p:ext uri="{BB962C8B-B14F-4D97-AF65-F5344CB8AC3E}">
+        <p14:creationId xmlns:p14="http://schemas.microsoft.com/office/powerpoint/2010/main" val="720300412"/>
+      </p:ext>
+    </p:extLst>
+  </p:cSld>
+  <p:clrMapOvr>
+    <a:masterClrMapping/>
+  </p:clrMapOvr>
+</p:sld>
+</file>
+
 <file path=ppt/slides/slide9.xml><?xml version="1.0" encoding="utf-8"?>
 <p:sld xmlns:a="http://schemas.openxmlformats.org/drawingml/2006/main" xmlns:r="http://schemas.openxmlformats.org/officeDocument/2006/relationships" xmlns:p="http://schemas.openxmlformats.org/presentationml/2006/main">
   <p:cSld>
@@ -24661,7 +24327,7 @@
             <a:pPr algn="ctr" rtl="0"/>
             <a:r>
               <a:rPr lang="tr-TR" sz="4000" dirty="0"/>
-              <a:t>Bulanık Kurallar</a:t>
+              <a:t>Bulanık Çıkarım</a:t>
             </a:r>
           </a:p>
         </p:txBody>
@@ -24736,26 +24402,6 @@
             <a:normAutofit/>
           </a:bodyPr>
           <a:lstStyle/>
-          <a:p>
-            <a:pPr>
-              <a:lnSpc>
-                <a:spcPts val="2300"/>
-              </a:lnSpc>
-              <a:spcBef>
-                <a:spcPts val="0"/>
-              </a:spcBef>
-              <a:spcAft>
-                <a:spcPts val="1200"/>
-              </a:spcAft>
-            </a:pPr>
-            <a:r>
-              <a:rPr lang="tr-TR" sz="2000" dirty="0">
-                <a:latin typeface="Times New Roman" panose="02020603050405020304" pitchFamily="18" charset="0"/>
-                <a:cs typeface="Times New Roman" panose="02020603050405020304" pitchFamily="18" charset="0"/>
-              </a:rPr>
-              <a:t>Aşağıda örnek kurallar verilmektedir. Burada model ve kilometre giriş değişkenleridir. Düşük, Orta ve Yüksek ise bulanık kümelerdir.</a:t>
-            </a:r>
-          </a:p>
           <a:p>
             <a:pPr>
               <a:lnSpc>
@@ -24773,72 +24419,54 @@
               <a:cs typeface="Times New Roman" panose="02020603050405020304" pitchFamily="18" charset="0"/>
             </a:endParaRPr>
           </a:p>
-          <a:p>
-            <a:pPr>
-              <a:lnSpc>
-                <a:spcPts val="2300"/>
-              </a:lnSpc>
-              <a:spcBef>
-                <a:spcPts val="0"/>
-              </a:spcBef>
-              <a:spcAft>
-                <a:spcPts val="1200"/>
-              </a:spcAft>
-            </a:pPr>
-            <a:r>
-              <a:rPr lang="tr-TR" sz="2000" dirty="0">
-                <a:latin typeface="Times New Roman" panose="02020603050405020304" pitchFamily="18" charset="0"/>
-                <a:cs typeface="Times New Roman" panose="02020603050405020304" pitchFamily="18" charset="0"/>
-              </a:rPr>
-              <a:t>KURAL 1: EĞER model Düşük VE kilometre Yüksek ise, O HALDE fiyat Düşüktür.</a:t>
-            </a:r>
-          </a:p>
-          <a:p>
-            <a:pPr>
-              <a:lnSpc>
-                <a:spcPts val="2300"/>
-              </a:lnSpc>
-              <a:spcBef>
-                <a:spcPts val="0"/>
-              </a:spcBef>
-              <a:spcAft>
-                <a:spcPts val="1200"/>
-              </a:spcAft>
-            </a:pPr>
-            <a:r>
-              <a:rPr lang="tr-TR" sz="2000" dirty="0">
-                <a:latin typeface="Times New Roman" panose="02020603050405020304" pitchFamily="18" charset="0"/>
-                <a:cs typeface="Times New Roman" panose="02020603050405020304" pitchFamily="18" charset="0"/>
-              </a:rPr>
-              <a:t>KURAL 2: EĞER model Orta VE kilometre Orta ise, O HALDE fiyat Ortadır.</a:t>
-            </a:r>
-          </a:p>
-          <a:p>
-            <a:pPr>
-              <a:lnSpc>
-                <a:spcPts val="2300"/>
-              </a:lnSpc>
-              <a:spcBef>
-                <a:spcPts val="0"/>
-              </a:spcBef>
-              <a:spcAft>
-                <a:spcPts val="1200"/>
-              </a:spcAft>
-            </a:pPr>
-            <a:r>
-              <a:rPr lang="tr-TR" sz="2000" dirty="0">
-                <a:latin typeface="Times New Roman" panose="02020603050405020304" pitchFamily="18" charset="0"/>
-                <a:cs typeface="Times New Roman" panose="02020603050405020304" pitchFamily="18" charset="0"/>
-              </a:rPr>
-              <a:t>KURAL 3: EĞER model Yüksek VEYA kilometre Düşük ise, O HALDE fiyat Yüksektir.</a:t>
-            </a:r>
-          </a:p>
-        </p:txBody>
-      </p:sp>
+        </p:txBody>
+      </p:sp>
+      <p:pic>
+        <p:nvPicPr>
+          <p:cNvPr id="5" name="Resim 4">
+            <a:extLst>
+              <a:ext uri="{FF2B5EF4-FFF2-40B4-BE49-F238E27FC236}">
+                <a16:creationId xmlns:a16="http://schemas.microsoft.com/office/drawing/2014/main" id="{5F89E199-9908-AE7B-A7AD-A3DBDA2C8D30}"/>
+              </a:ext>
+            </a:extLst>
+          </p:cNvPr>
+          <p:cNvPicPr>
+            <a:picLocks noChangeAspect="1"/>
+          </p:cNvPicPr>
+          <p:nvPr/>
+        </p:nvPicPr>
+        <p:blipFill>
+          <a:blip r:embed="rId3">
+            <a:extLst>
+              <a:ext uri="{BEBA8EAE-BF5A-486C-A8C5-ECC9F3942E4B}">
+                <a14:imgProps xmlns:a14="http://schemas.microsoft.com/office/drawing/2010/main">
+                  <a14:imgLayer r:embed="rId4">
+                    <a14:imgEffect>
+                      <a14:brightnessContrast bright="20000" contrast="-40000"/>
+                    </a14:imgEffect>
+                  </a14:imgLayer>
+                </a14:imgProps>
+              </a:ext>
+            </a:extLst>
+          </a:blip>
+          <a:stretch>
+            <a:fillRect/>
+          </a:stretch>
+        </p:blipFill>
+        <p:spPr>
+          <a:xfrm>
+            <a:off x="2011068" y="903729"/>
+            <a:ext cx="7537378" cy="5050541"/>
+          </a:xfrm>
+          <a:prstGeom prst="rect">
+            <a:avLst/>
+          </a:prstGeom>
+        </p:spPr>
+      </p:pic>
     </p:spTree>
     <p:extLst>
       <p:ext uri="{BB962C8B-B14F-4D97-AF65-F5344CB8AC3E}">
-        <p14:creationId xmlns:p14="http://schemas.microsoft.com/office/powerpoint/2010/main" val="720300412"/>
+        <p14:creationId xmlns:p14="http://schemas.microsoft.com/office/powerpoint/2010/main" val="1629900858"/>
       </p:ext>
     </p:extLst>
   </p:cSld>
@@ -25640,6 +25268,15 @@
 </file>
 
 <file path=customXml/item1.xml><?xml version="1.0" encoding="utf-8"?>
+<p:properties xmlns:p="http://schemas.microsoft.com/office/2006/metadata/properties" xmlns:xsi="http://www.w3.org/2001/XMLSchema-instance" xmlns:pc="http://schemas.microsoft.com/office/infopath/2007/PartnerControls">
+  <documentManagement>
+    <Status xmlns="71af3243-3dd4-4a8d-8c0d-dd76da1f02a5">Not started</Status>
+    <MediaServiceKeyPoints xmlns="71af3243-3dd4-4a8d-8c0d-dd76da1f02a5" xsi:nil="true"/>
+  </documentManagement>
+</p:properties>
+</file>
+
+<file path=customXml/item2.xml><?xml version="1.0" encoding="utf-8"?>
 <ct:contentTypeSchema xmlns:ct="http://schemas.microsoft.com/office/2006/metadata/contentType" xmlns:ma="http://schemas.microsoft.com/office/2006/metadata/properties/metaAttributes" ct:_="" ma:_="" ma:contentTypeName="Document" ma:contentTypeID="0x01010079F111ED35F8CC479449609E8A0923A6" ma:contentTypeVersion="12" ma:contentTypeDescription="Create a new document." ma:contentTypeScope="" ma:versionID="426e97fa315356fffbdcd9876fe988c2">
   <xsd:schema xmlns:xsd="http://www.w3.org/2001/XMLSchema" xmlns:xs="http://www.w3.org/2001/XMLSchema" xmlns:p="http://schemas.microsoft.com/office/2006/metadata/properties" xmlns:ns2="71af3243-3dd4-4a8d-8c0d-dd76da1f02a5" xmlns:ns3="16c05727-aa75-4e4a-9b5f-8a80a1165891" targetNamespace="http://schemas.microsoft.com/office/2006/metadata/properties" ma:root="true" ma:fieldsID="14b8f0def80e6d70ce3def20c90759ae" ns2:_="" ns3:_="">
     <xsd:import namespace="71af3243-3dd4-4a8d-8c0d-dd76da1f02a5"/>
@@ -25860,15 +25497,6 @@
 </ct:contentTypeSchema>
 </file>
 
-<file path=customXml/item2.xml><?xml version="1.0" encoding="utf-8"?>
-<p:properties xmlns:p="http://schemas.microsoft.com/office/2006/metadata/properties" xmlns:xsi="http://www.w3.org/2001/XMLSchema-instance" xmlns:pc="http://schemas.microsoft.com/office/infopath/2007/PartnerControls">
-  <documentManagement>
-    <Status xmlns="71af3243-3dd4-4a8d-8c0d-dd76da1f02a5">Not started</Status>
-    <MediaServiceKeyPoints xmlns="71af3243-3dd4-4a8d-8c0d-dd76da1f02a5" xsi:nil="true"/>
-  </documentManagement>
-</p:properties>
-</file>
-
 <file path=customXml/item3.xml><?xml version="1.0" encoding="utf-8"?>
 <?mso-contentType ?>
 <FormTemplates xmlns="http://schemas.microsoft.com/sharepoint/v3/contenttype/forms">
@@ -25879,6 +25507,16 @@
 </file>
 
 <file path=customXml/itemProps1.xml><?xml version="1.0" encoding="utf-8"?>
+<ds:datastoreItem xmlns:ds="http://schemas.openxmlformats.org/officeDocument/2006/customXml" ds:itemID="{99919F73-B6C2-4A43-95E2-833EC48925FE}">
+  <ds:schemaRefs>
+    <ds:schemaRef ds:uri="http://schemas.microsoft.com/office/2006/metadata/properties"/>
+    <ds:schemaRef ds:uri="http://schemas.microsoft.com/office/infopath/2007/PartnerControls"/>
+    <ds:schemaRef ds:uri="71af3243-3dd4-4a8d-8c0d-dd76da1f02a5"/>
+  </ds:schemaRefs>
+</ds:datastoreItem>
+</file>
+
+<file path=customXml/itemProps2.xml><?xml version="1.0" encoding="utf-8"?>
 <ds:datastoreItem xmlns:ds="http://schemas.openxmlformats.org/officeDocument/2006/customXml" ds:itemID="{ABC329F5-30EE-4BF7-AA2A-B837B51416B4}">
   <ds:schemaRefs>
     <ds:schemaRef ds:uri="http://schemas.microsoft.com/office/2006/metadata/contentType"/>
@@ -25897,16 +25535,6 @@
 </ds:datastoreItem>
 </file>
 
-<file path=customXml/itemProps2.xml><?xml version="1.0" encoding="utf-8"?>
-<ds:datastoreItem xmlns:ds="http://schemas.openxmlformats.org/officeDocument/2006/customXml" ds:itemID="{99919F73-B6C2-4A43-95E2-833EC48925FE}">
-  <ds:schemaRefs>
-    <ds:schemaRef ds:uri="http://schemas.microsoft.com/office/2006/metadata/properties"/>
-    <ds:schemaRef ds:uri="http://schemas.microsoft.com/office/infopath/2007/PartnerControls"/>
-    <ds:schemaRef ds:uri="71af3243-3dd4-4a8d-8c0d-dd76da1f02a5"/>
-  </ds:schemaRefs>
-</ds:datastoreItem>
-</file>
-
 <file path=customXml/itemProps3.xml><?xml version="1.0" encoding="utf-8"?>
 <ds:datastoreItem xmlns:ds="http://schemas.openxmlformats.org/officeDocument/2006/customXml" ds:itemID="{3C8E00D1-8EA3-4E42-801D-0253E1EAFC21}">
   <ds:schemaRefs>
